--- a/Slides/Lesson 7.3 Case Study-- Free Variables.pptx
+++ b/Slides/Lesson 7.3 Case Study-- Free Variables.pptx
@@ -6,7 +6,7 @@
     <p:sldMasterId id="2147483686" r:id="rId2"/>
   </p:sldMasterIdLst>
   <p:notesMasterIdLst>
-    <p:notesMasterId r:id="rId19"/>
+    <p:notesMasterId r:id="rId18"/>
   </p:notesMasterIdLst>
   <p:sldIdLst>
     <p:sldId id="271" r:id="rId3"/>
@@ -14,22 +14,21 @@
     <p:sldId id="364" r:id="rId5"/>
     <p:sldId id="365" r:id="rId6"/>
     <p:sldId id="366" r:id="rId7"/>
-    <p:sldId id="367" r:id="rId8"/>
-    <p:sldId id="368" r:id="rId9"/>
-    <p:sldId id="369" r:id="rId10"/>
-    <p:sldId id="370" r:id="rId11"/>
-    <p:sldId id="371" r:id="rId12"/>
-    <p:sldId id="372" r:id="rId13"/>
-    <p:sldId id="373" r:id="rId14"/>
-    <p:sldId id="374" r:id="rId15"/>
-    <p:sldId id="375" r:id="rId16"/>
-    <p:sldId id="378" r:id="rId17"/>
-    <p:sldId id="379" r:id="rId18"/>
+    <p:sldId id="382" r:id="rId8"/>
+    <p:sldId id="367" r:id="rId9"/>
+    <p:sldId id="368" r:id="rId10"/>
+    <p:sldId id="381" r:id="rId11"/>
+    <p:sldId id="370" r:id="rId12"/>
+    <p:sldId id="371" r:id="rId13"/>
+    <p:sldId id="383" r:id="rId14"/>
+    <p:sldId id="372" r:id="rId15"/>
+    <p:sldId id="373" r:id="rId16"/>
+    <p:sldId id="379" r:id="rId17"/>
   </p:sldIdLst>
   <p:sldSz cx="9144000" cy="6858000" type="screen4x3"/>
   <p:notesSz cx="6858000" cy="9144000"/>
   <p:custDataLst>
-    <p:tags r:id="rId20"/>
+    <p:tags r:id="rId19"/>
   </p:custDataLst>
   <p:defaultTextStyle>
     <a:defPPr>
@@ -228,7 +227,7 @@
             <a:fld id="{5758D54E-DB71-49E8-BB66-48EF417974F5}" type="datetimeFigureOut">
               <a:rPr lang="en-US" smtClean="0"/>
               <a:pPr/>
-              <a:t>10/10/2014</a:t>
+              <a:t>9/28/2015</a:t>
             </a:fld>
             <a:endParaRPr lang="en-US"/>
           </a:p>
@@ -699,7 +698,7 @@
                   </a:prstClr>
                 </a:solidFill>
               </a:rPr>
-              <a:t>10/10/2014</a:t>
+              <a:t>9/28/2015</a:t>
             </a:fld>
             <a:endParaRPr lang="en-US">
               <a:solidFill>
@@ -910,7 +909,7 @@
                   </a:prstClr>
                 </a:solidFill>
               </a:rPr>
-              <a:t>10/10/2014</a:t>
+              <a:t>9/28/2015</a:t>
             </a:fld>
             <a:endParaRPr lang="en-US">
               <a:solidFill>
@@ -1118,7 +1117,7 @@
                   </a:prstClr>
                 </a:solidFill>
               </a:rPr>
-              <a:t>10/10/2014</a:t>
+              <a:t>9/28/2015</a:t>
             </a:fld>
             <a:endParaRPr lang="en-US">
               <a:solidFill>
@@ -1387,7 +1386,7 @@
           <a:p>
             <a:fld id="{143427BB-15CD-4F2F-B5E7-2D4A83DA613A}" type="datetime1">
               <a:rPr lang="en-US" smtClean="0"/>
-              <a:t>10/10/2014</a:t>
+              <a:t>9/28/2015</a:t>
             </a:fld>
             <a:endParaRPr lang="en-US"/>
           </a:p>
@@ -1609,7 +1608,7 @@
                   </a:prstClr>
                 </a:solidFill>
               </a:rPr>
-              <a:t>10/10/2014</a:t>
+              <a:t>9/28/2015</a:t>
             </a:fld>
             <a:endParaRPr lang="en-US">
               <a:solidFill>
@@ -2144,7 +2143,7 @@
                   </a:prstClr>
                 </a:solidFill>
               </a:rPr>
-              <a:t>10/10/2014</a:t>
+              <a:t>9/28/2015</a:t>
             </a:fld>
             <a:endParaRPr lang="en-US">
               <a:solidFill>
@@ -2850,12 +2849,22 @@
         </p:nvSpPr>
         <p:spPr/>
         <p:txBody>
-          <a:bodyPr/>
+          <a:bodyPr>
+            <a:normAutofit fontScale="90000"/>
+          </a:bodyPr>
           <a:lstStyle/>
           <a:p>
             <a:r>
               <a:rPr lang="en-US" dirty="0" smtClean="0"/>
-              <a:t>With context variable</a:t>
+              <a:t>What </a:t>
+            </a:r>
+            <a:r>
+              <a:rPr lang="en-US" dirty="0" smtClean="0"/>
+              <a:t>happens as </a:t>
+            </a:r>
+            <a:r>
+              <a:rPr lang="en-US" dirty="0" smtClean="0"/>
+              <a:t>we descend into the structure?</a:t>
             </a:r>
             <a:endParaRPr lang="en-US" dirty="0"/>
           </a:p>
@@ -2874,305 +2883,48 @@
         <p:spPr/>
         <p:txBody>
           <a:bodyPr>
-            <a:normAutofit fontScale="70000" lnSpcReduction="20000"/>
+            <a:normAutofit/>
           </a:bodyPr>
           <a:lstStyle/>
           <a:p>
             <a:r>
-              <a:rPr lang="en-US" dirty="0"/>
-              <a:t>;; free-</a:t>
-            </a:r>
-            <a:r>
-              <a:rPr lang="en-US" dirty="0" err="1"/>
-              <a:t>vars</a:t>
-            </a:r>
-            <a:r>
-              <a:rPr lang="en-US" dirty="0"/>
-              <a:t>-in-</a:t>
-            </a:r>
-            <a:r>
-              <a:rPr lang="en-US" dirty="0" err="1"/>
-              <a:t>subexp</a:t>
-            </a:r>
-            <a:r>
-              <a:rPr lang="en-US" dirty="0"/>
-              <a:t> </a:t>
-            </a:r>
-            <a:endParaRPr lang="en-US" dirty="0" smtClean="0"/>
-          </a:p>
-          <a:p>
-            <a:r>
               <a:rPr lang="en-US" dirty="0" smtClean="0"/>
-              <a:t>;;   : </a:t>
-            </a:r>
-            <a:r>
-              <a:rPr lang="en-US" dirty="0" err="1"/>
-              <a:t>FredExp</a:t>
-            </a:r>
-            <a:r>
-              <a:rPr lang="en-US" dirty="0"/>
-              <a:t> </a:t>
-            </a:r>
-            <a:r>
-              <a:rPr lang="en-US" dirty="0" err="1" smtClean="0"/>
-              <a:t>ListOfSymbol</a:t>
-            </a:r>
+              <a:t>We lose information about which lambda-variables are above us.</a:t>
+            </a:r>
+          </a:p>
+          <a:p>
             <a:r>
               <a:rPr lang="en-US" dirty="0" smtClean="0"/>
-              <a:t> </a:t>
-            </a:r>
-            <a:r>
-              <a:rPr lang="en-US" dirty="0"/>
-              <a:t>-&gt; </a:t>
-            </a:r>
-            <a:r>
-              <a:rPr lang="en-US" dirty="0" err="1" smtClean="0"/>
-              <a:t>SetOfSymbol</a:t>
-            </a:r>
-            <a:endParaRPr lang="en-US" dirty="0"/>
-          </a:p>
-          <a:p>
-            <a:r>
-              <a:rPr lang="en-US" dirty="0"/>
-              <a:t>;; GIVEN: a </a:t>
-            </a:r>
-            <a:r>
-              <a:rPr lang="en-US" dirty="0" err="1"/>
-              <a:t>FredExp</a:t>
-            </a:r>
-            <a:r>
-              <a:rPr lang="en-US" dirty="0"/>
-              <a:t> f that is part of a larger </a:t>
-            </a:r>
-            <a:endParaRPr lang="en-US" dirty="0" smtClean="0"/>
-          </a:p>
-          <a:p>
+              <a:t>So we'll add a context variable to keep track of the lambda-variables above us</a:t>
+            </a:r>
+          </a:p>
+          <a:p>
+            <a:pPr lvl="1"/>
             <a:r>
               <a:rPr lang="en-US" dirty="0" smtClean="0"/>
-              <a:t>;;   </a:t>
-            </a:r>
-            <a:r>
-              <a:rPr lang="en-US" dirty="0" err="1" smtClean="0"/>
-              <a:t>FredExp</a:t>
-            </a:r>
+              <a:t>when we hit a variable, see if it's already in this list.  If so, it's not free in the whole expression. </a:t>
+            </a:r>
+          </a:p>
+          <a:p>
+            <a:pPr lvl="1"/>
             <a:r>
               <a:rPr lang="en-US" dirty="0" smtClean="0"/>
-              <a:t> </a:t>
-            </a:r>
-            <a:r>
-              <a:rPr lang="en-US" dirty="0"/>
-              <a:t>f0</a:t>
-            </a:r>
-          </a:p>
-          <a:p>
-            <a:r>
-              <a:rPr lang="en-US" dirty="0"/>
-              <a:t>;; WHERE: los is the list of symbols that occur </a:t>
+              <a:t>This is like </a:t>
             </a:r>
             <a:r>
               <a:rPr lang="en-US" dirty="0" smtClean="0"/>
-              <a:t>in</a:t>
-            </a:r>
-          </a:p>
-          <a:p>
-            <a:r>
-              <a:rPr lang="en-US" dirty="0" smtClean="0"/>
-              <a:t>;;   </a:t>
-            </a:r>
-            <a:r>
-              <a:rPr lang="en-US" dirty="0"/>
-              <a:t>lambdas above f </a:t>
-            </a:r>
-            <a:r>
-              <a:rPr lang="en-US" dirty="0" smtClean="0"/>
-              <a:t>in </a:t>
-            </a:r>
-            <a:r>
-              <a:rPr lang="en-US" dirty="0"/>
-              <a:t>f0</a:t>
-            </a:r>
-          </a:p>
-          <a:p>
-            <a:r>
-              <a:rPr lang="en-US" dirty="0"/>
-              <a:t>;; RETURNS: the set of symbols from f that are </a:t>
-            </a:r>
-            <a:r>
-              <a:rPr lang="en-US" dirty="0" smtClean="0"/>
-              <a:t>free</a:t>
-            </a:r>
-          </a:p>
-          <a:p>
-            <a:r>
-              <a:rPr lang="en-US" dirty="0" smtClean="0"/>
-              <a:t>;;   </a:t>
-            </a:r>
-            <a:r>
-              <a:rPr lang="en-US" dirty="0"/>
-              <a:t>in f0.</a:t>
-            </a:r>
-          </a:p>
-          <a:p>
-            <a:endParaRPr lang="en-US" dirty="0"/>
-          </a:p>
-          <a:p>
-            <a:r>
-              <a:rPr lang="en-US" dirty="0"/>
-              <a:t>;; EXAMPLE: </a:t>
-            </a:r>
-          </a:p>
-          <a:p>
-            <a:r>
-              <a:rPr lang="en-US" dirty="0"/>
-              <a:t>;; (free-</a:t>
-            </a:r>
-            <a:r>
-              <a:rPr lang="en-US" dirty="0" err="1"/>
-              <a:t>vars</a:t>
-            </a:r>
-            <a:r>
-              <a:rPr lang="en-US" dirty="0"/>
-              <a:t>-in-</a:t>
-            </a:r>
-            <a:r>
-              <a:rPr lang="en-US" dirty="0" err="1"/>
-              <a:t>subexp</a:t>
-            </a:r>
-            <a:r>
-              <a:rPr lang="en-US" dirty="0"/>
-              <a:t> </a:t>
-            </a:r>
-            <a:endParaRPr lang="en-US" dirty="0" smtClean="0"/>
-          </a:p>
-          <a:p>
-            <a:r>
-              <a:rPr lang="en-US" dirty="0" smtClean="0"/>
-              <a:t>;;   (</a:t>
-            </a:r>
-            <a:r>
-              <a:rPr lang="en-US" dirty="0"/>
-              <a:t>z (lambda (x) (x y))) (list z)) </a:t>
-            </a:r>
-            <a:endParaRPr lang="en-US" dirty="0" smtClean="0"/>
-          </a:p>
-          <a:p>
-            <a:r>
-              <a:rPr lang="en-US" dirty="0" smtClean="0"/>
-              <a:t>;; = </a:t>
-            </a:r>
-            <a:r>
-              <a:rPr lang="en-US" dirty="0"/>
-              <a:t>(list y) </a:t>
-            </a:r>
-          </a:p>
-          <a:p>
-            <a:endParaRPr lang="en-US" dirty="0"/>
-          </a:p>
-        </p:txBody>
-      </p:sp>
-      <p:sp>
-        <p:nvSpPr>
-          <p:cNvPr id="4" name="Rectangle 3"/>
-          <p:cNvSpPr/>
-          <p:nvPr/>
-        </p:nvSpPr>
-        <p:spPr>
-          <a:xfrm>
-            <a:off x="4800600" y="4114800"/>
-            <a:ext cx="3657600" cy="990600"/>
-          </a:xfrm>
-          <a:prstGeom prst="rect">
-            <a:avLst/>
-          </a:prstGeom>
-          <a:solidFill>
-            <a:schemeClr val="accent3">
-              <a:lumMod val="40000"/>
-              <a:lumOff val="60000"/>
-            </a:schemeClr>
-          </a:solidFill>
-          <a:ln/>
-        </p:spPr>
-        <p:style>
-          <a:lnRef idx="2">
-            <a:schemeClr val="accent1"/>
-          </a:lnRef>
-          <a:fillRef idx="1">
-            <a:schemeClr val="lt1"/>
-          </a:fillRef>
-          <a:effectRef idx="0">
-            <a:schemeClr val="accent1"/>
-          </a:effectRef>
-          <a:fontRef idx="minor">
-            <a:schemeClr val="dk1"/>
-          </a:fontRef>
-        </p:style>
-        <p:txBody>
-          <a:bodyPr rot="0" spcFirstLastPara="0" vertOverflow="overflow" horzOverflow="overflow" vert="horz" wrap="square" lIns="91440" tIns="45720" rIns="91440" bIns="45720" numCol="1" spcCol="0" rtlCol="0" fromWordArt="0" anchor="ctr" anchorCtr="0" forceAA="0" compatLnSpc="1">
-            <a:prstTxWarp prst="textNoShape">
-              <a:avLst/>
-            </a:prstTxWarp>
-            <a:noAutofit/>
-          </a:bodyPr>
-          <a:lstStyle/>
-          <a:p>
-            <a:pPr algn="ctr"/>
-            <a:r>
-              <a:rPr lang="en-US" dirty="0" smtClean="0">
-                <a:solidFill>
-                  <a:schemeClr val="tx1"/>
-                </a:solidFill>
-              </a:rPr>
-              <a:t>The invariant (WHERE clause) gives an interpretation for the context variable</a:t>
-            </a:r>
-            <a:endParaRPr lang="en-US" dirty="0">
-              <a:solidFill>
-                <a:schemeClr val="tx1"/>
-              </a:solidFill>
-            </a:endParaRPr>
-          </a:p>
-        </p:txBody>
-      </p:sp>
-      <p:cxnSp>
-        <p:nvCxnSpPr>
-          <p:cNvPr id="8" name="Straight Arrow Connector 7"/>
-          <p:cNvCxnSpPr>
-            <a:stCxn id="4" idx="0"/>
-          </p:cNvCxnSpPr>
-          <p:nvPr/>
-        </p:nvCxnSpPr>
-        <p:spPr>
-          <a:xfrm flipH="1" flipV="1">
-            <a:off x="4800600" y="3429000"/>
-            <a:ext cx="1828800" cy="685800"/>
-          </a:xfrm>
-          <a:prstGeom prst="straightConnector1">
-            <a:avLst/>
-          </a:prstGeom>
-          <a:ln w="12700">
-            <a:solidFill>
-              <a:schemeClr val="tx1"/>
-            </a:solidFill>
-            <a:tailEnd type="arrow"/>
-          </a:ln>
-        </p:spPr>
-        <p:style>
-          <a:lnRef idx="1">
-            <a:schemeClr val="accent1"/>
-          </a:lnRef>
-          <a:fillRef idx="0">
-            <a:schemeClr val="accent1"/>
-          </a:fillRef>
-          <a:effectRef idx="0">
-            <a:schemeClr val="accent1"/>
-          </a:effectRef>
-          <a:fontRef idx="minor">
-            <a:schemeClr val="tx1"/>
-          </a:fontRef>
-        </p:style>
-      </p:cxnSp>
-      <p:sp>
-        <p:nvSpPr>
-          <p:cNvPr id="5" name="Slide Number Placeholder 4"/>
+              <a:t>the counter in </a:t>
+            </a:r>
+            <a:r>
+              <a:rPr lang="en-US" b="1" dirty="0" smtClean="0"/>
+              <a:t>mark-depth</a:t>
+            </a:r>
+          </a:p>
+        </p:txBody>
+      </p:sp>
+      <p:sp>
+        <p:nvSpPr>
+          <p:cNvPr id="4" name="Slide Number Placeholder 3"/>
           <p:cNvSpPr>
             <a:spLocks noGrp="1"/>
           </p:cNvSpPr>
@@ -3196,7 +2948,7 @@
               <a:pPr/>
               <a:t>10</a:t>
             </a:fld>
-            <a:endParaRPr lang="en-US">
+            <a:endParaRPr lang="en-US" dirty="0">
               <a:solidFill>
                 <a:prstClr val="black">
                   <a:tint val="75000"/>
@@ -3209,7 +2961,7 @@
     </p:spTree>
     <p:extLst>
       <p:ext uri="{BB962C8B-B14F-4D97-AF65-F5344CB8AC3E}">
-        <p14:creationId xmlns:p14="http://schemas.microsoft.com/office/powerpoint/2010/main" val="967830448"/>
+        <p14:creationId xmlns:p14="http://schemas.microsoft.com/office/powerpoint/2010/main" val="3518516738"/>
       </p:ext>
     </p:extLst>
   </p:cSld>
@@ -3260,7 +3012,7 @@
           <a:p>
             <a:r>
               <a:rPr lang="en-US" dirty="0" smtClean="0"/>
-              <a:t>Function Definition</a:t>
+              <a:t>With context variable</a:t>
             </a:r>
             <a:endParaRPr lang="en-US" dirty="0"/>
           </a:p>
@@ -3279,6 +3031,1026 @@
         <p:spPr/>
         <p:txBody>
           <a:bodyPr>
+            <a:normAutofit fontScale="70000" lnSpcReduction="20000"/>
+          </a:bodyPr>
+          <a:lstStyle/>
+          <a:p>
+            <a:r>
+              <a:rPr lang="en-US" dirty="0"/>
+              <a:t>;; free-</a:t>
+            </a:r>
+            <a:r>
+              <a:rPr lang="en-US" dirty="0" err="1"/>
+              <a:t>vars</a:t>
+            </a:r>
+            <a:r>
+              <a:rPr lang="en-US" dirty="0"/>
+              <a:t>-in-</a:t>
+            </a:r>
+            <a:r>
+              <a:rPr lang="en-US" dirty="0" err="1"/>
+              <a:t>subexp</a:t>
+            </a:r>
+            <a:r>
+              <a:rPr lang="en-US" dirty="0"/>
+              <a:t> </a:t>
+            </a:r>
+            <a:endParaRPr lang="en-US" dirty="0" smtClean="0"/>
+          </a:p>
+          <a:p>
+            <a:r>
+              <a:rPr lang="en-US" dirty="0" smtClean="0"/>
+              <a:t>;;   : </a:t>
+            </a:r>
+            <a:r>
+              <a:rPr lang="en-US" dirty="0" err="1"/>
+              <a:t>FredExp</a:t>
+            </a:r>
+            <a:r>
+              <a:rPr lang="en-US" dirty="0"/>
+              <a:t> </a:t>
+            </a:r>
+            <a:r>
+              <a:rPr lang="en-US" dirty="0" err="1" smtClean="0"/>
+              <a:t>ListOfSymbol</a:t>
+            </a:r>
+            <a:r>
+              <a:rPr lang="en-US" dirty="0" smtClean="0"/>
+              <a:t> </a:t>
+            </a:r>
+            <a:r>
+              <a:rPr lang="en-US" dirty="0"/>
+              <a:t>-&gt; </a:t>
+            </a:r>
+            <a:r>
+              <a:rPr lang="en-US" dirty="0" err="1" smtClean="0"/>
+              <a:t>SetOfSymbol</a:t>
+            </a:r>
+            <a:endParaRPr lang="en-US" dirty="0"/>
+          </a:p>
+          <a:p>
+            <a:r>
+              <a:rPr lang="en-US" dirty="0"/>
+              <a:t>;; GIVEN: a </a:t>
+            </a:r>
+            <a:r>
+              <a:rPr lang="en-US" dirty="0" err="1"/>
+              <a:t>FredExp</a:t>
+            </a:r>
+            <a:r>
+              <a:rPr lang="en-US" dirty="0"/>
+              <a:t> </a:t>
+            </a:r>
+            <a:r>
+              <a:rPr lang="en-US" dirty="0">
+                <a:solidFill>
+                  <a:srgbClr val="FF0000"/>
+                </a:solidFill>
+              </a:rPr>
+              <a:t>f</a:t>
+            </a:r>
+            <a:r>
+              <a:rPr lang="en-US" dirty="0"/>
+              <a:t> that is part of </a:t>
+            </a:r>
+            <a:r>
+              <a:rPr lang="en-US" dirty="0" smtClean="0"/>
+              <a:t>some </a:t>
+            </a:r>
+            <a:r>
+              <a:rPr lang="en-US" dirty="0"/>
+              <a:t>larger </a:t>
+            </a:r>
+            <a:endParaRPr lang="en-US" dirty="0" smtClean="0"/>
+          </a:p>
+          <a:p>
+            <a:r>
+              <a:rPr lang="en-US" dirty="0" smtClean="0"/>
+              <a:t>;;   </a:t>
+            </a:r>
+            <a:r>
+              <a:rPr lang="en-US" dirty="0" err="1" smtClean="0"/>
+              <a:t>FredExp</a:t>
+            </a:r>
+            <a:r>
+              <a:rPr lang="en-US" dirty="0" smtClean="0"/>
+              <a:t> </a:t>
+            </a:r>
+            <a:r>
+              <a:rPr lang="en-US" dirty="0" smtClean="0">
+                <a:solidFill>
+                  <a:srgbClr val="FFC000"/>
+                </a:solidFill>
+              </a:rPr>
+              <a:t>f0</a:t>
+            </a:r>
+            <a:r>
+              <a:rPr lang="en-US" dirty="0" smtClean="0"/>
+              <a:t>, and a </a:t>
+            </a:r>
+            <a:r>
+              <a:rPr lang="en-US" dirty="0" err="1" smtClean="0"/>
+              <a:t>ListOfSymbol</a:t>
+            </a:r>
+            <a:r>
+              <a:rPr lang="en-US" dirty="0" smtClean="0"/>
+              <a:t> </a:t>
+            </a:r>
+            <a:r>
+              <a:rPr lang="en-US" dirty="0" err="1" smtClean="0">
+                <a:solidFill>
+                  <a:srgbClr val="FF0000"/>
+                </a:solidFill>
+              </a:rPr>
+              <a:t>bvars</a:t>
+            </a:r>
+            <a:endParaRPr lang="en-US" dirty="0">
+              <a:solidFill>
+                <a:srgbClr val="FF0000"/>
+              </a:solidFill>
+            </a:endParaRPr>
+          </a:p>
+          <a:p>
+            <a:r>
+              <a:rPr lang="en-US" dirty="0"/>
+              <a:t>;; WHERE: </a:t>
+            </a:r>
+            <a:r>
+              <a:rPr lang="en-US" dirty="0" err="1" smtClean="0"/>
+              <a:t>bvars</a:t>
+            </a:r>
+            <a:r>
+              <a:rPr lang="en-US" dirty="0" smtClean="0"/>
+              <a:t> </a:t>
+            </a:r>
+            <a:r>
+              <a:rPr lang="en-US" dirty="0"/>
+              <a:t>is the list of symbols that occur </a:t>
+            </a:r>
+            <a:r>
+              <a:rPr lang="en-US" dirty="0" smtClean="0"/>
+              <a:t>in</a:t>
+            </a:r>
+          </a:p>
+          <a:p>
+            <a:r>
+              <a:rPr lang="en-US" dirty="0" smtClean="0"/>
+              <a:t>;;   </a:t>
+            </a:r>
+            <a:r>
+              <a:rPr lang="en-US" dirty="0"/>
+              <a:t>lambdas above </a:t>
+            </a:r>
+            <a:r>
+              <a:rPr lang="en-US" dirty="0">
+                <a:solidFill>
+                  <a:srgbClr val="FF0000"/>
+                </a:solidFill>
+              </a:rPr>
+              <a:t>f</a:t>
+            </a:r>
+            <a:r>
+              <a:rPr lang="en-US" dirty="0"/>
+              <a:t> </a:t>
+            </a:r>
+            <a:r>
+              <a:rPr lang="en-US" dirty="0" smtClean="0"/>
+              <a:t>in </a:t>
+            </a:r>
+            <a:r>
+              <a:rPr lang="en-US" dirty="0">
+                <a:solidFill>
+                  <a:srgbClr val="FFC000"/>
+                </a:solidFill>
+              </a:rPr>
+              <a:t>f0</a:t>
+            </a:r>
+          </a:p>
+          <a:p>
+            <a:r>
+              <a:rPr lang="en-US" dirty="0"/>
+              <a:t>;; RETURNS: the set of symbols from </a:t>
+            </a:r>
+            <a:r>
+              <a:rPr lang="en-US" dirty="0">
+                <a:solidFill>
+                  <a:srgbClr val="FF0000"/>
+                </a:solidFill>
+              </a:rPr>
+              <a:t>f</a:t>
+            </a:r>
+            <a:r>
+              <a:rPr lang="en-US" dirty="0"/>
+              <a:t> that are </a:t>
+            </a:r>
+            <a:r>
+              <a:rPr lang="en-US" dirty="0" smtClean="0"/>
+              <a:t>free</a:t>
+            </a:r>
+          </a:p>
+          <a:p>
+            <a:r>
+              <a:rPr lang="en-US" dirty="0" smtClean="0"/>
+              <a:t>;;   </a:t>
+            </a:r>
+            <a:r>
+              <a:rPr lang="en-US" dirty="0"/>
+              <a:t>in </a:t>
+            </a:r>
+            <a:r>
+              <a:rPr lang="en-US" dirty="0">
+                <a:solidFill>
+                  <a:srgbClr val="FFC000"/>
+                </a:solidFill>
+              </a:rPr>
+              <a:t>f0</a:t>
+            </a:r>
+            <a:r>
+              <a:rPr lang="en-US" dirty="0"/>
+              <a:t>.</a:t>
+            </a:r>
+          </a:p>
+          <a:p>
+            <a:endParaRPr lang="en-US" dirty="0"/>
+          </a:p>
+          <a:p>
+            <a:r>
+              <a:rPr lang="en-US" dirty="0"/>
+              <a:t>;; EXAMPLE: </a:t>
+            </a:r>
+          </a:p>
+          <a:p>
+            <a:r>
+              <a:rPr lang="en-US" dirty="0"/>
+              <a:t>;; (free-</a:t>
+            </a:r>
+            <a:r>
+              <a:rPr lang="en-US" dirty="0" err="1"/>
+              <a:t>vars</a:t>
+            </a:r>
+            <a:r>
+              <a:rPr lang="en-US" dirty="0"/>
+              <a:t>-in-</a:t>
+            </a:r>
+            <a:r>
+              <a:rPr lang="en-US" dirty="0" err="1"/>
+              <a:t>subexp</a:t>
+            </a:r>
+            <a:r>
+              <a:rPr lang="en-US" dirty="0"/>
+              <a:t> </a:t>
+            </a:r>
+            <a:endParaRPr lang="en-US" dirty="0" smtClean="0"/>
+          </a:p>
+          <a:p>
+            <a:r>
+              <a:rPr lang="en-US" dirty="0" smtClean="0"/>
+              <a:t>;;   (</a:t>
+            </a:r>
+            <a:r>
+              <a:rPr lang="en-US" dirty="0"/>
+              <a:t>z (lambda (x) (x y))) (list z)) </a:t>
+            </a:r>
+            <a:endParaRPr lang="en-US" dirty="0" smtClean="0"/>
+          </a:p>
+          <a:p>
+            <a:r>
+              <a:rPr lang="en-US" dirty="0" smtClean="0"/>
+              <a:t>;; = </a:t>
+            </a:r>
+            <a:r>
+              <a:rPr lang="en-US" dirty="0"/>
+              <a:t>(list y) </a:t>
+            </a:r>
+          </a:p>
+          <a:p>
+            <a:endParaRPr lang="en-US" dirty="0"/>
+          </a:p>
+        </p:txBody>
+      </p:sp>
+      <p:sp>
+        <p:nvSpPr>
+          <p:cNvPr id="4" name="Rectangle 3"/>
+          <p:cNvSpPr/>
+          <p:nvPr/>
+        </p:nvSpPr>
+        <p:spPr>
+          <a:xfrm>
+            <a:off x="4995797" y="4038600"/>
+            <a:ext cx="3657600" cy="990600"/>
+          </a:xfrm>
+          <a:prstGeom prst="rect">
+            <a:avLst/>
+          </a:prstGeom>
+          <a:solidFill>
+            <a:schemeClr val="accent3">
+              <a:lumMod val="40000"/>
+              <a:lumOff val="60000"/>
+            </a:schemeClr>
+          </a:solidFill>
+          <a:ln/>
+        </p:spPr>
+        <p:style>
+          <a:lnRef idx="2">
+            <a:schemeClr val="accent1"/>
+          </a:lnRef>
+          <a:fillRef idx="1">
+            <a:schemeClr val="lt1"/>
+          </a:fillRef>
+          <a:effectRef idx="0">
+            <a:schemeClr val="accent1"/>
+          </a:effectRef>
+          <a:fontRef idx="minor">
+            <a:schemeClr val="dk1"/>
+          </a:fontRef>
+        </p:style>
+        <p:txBody>
+          <a:bodyPr rot="0" spcFirstLastPara="0" vertOverflow="overflow" horzOverflow="overflow" vert="horz" wrap="square" lIns="91440" tIns="45720" rIns="91440" bIns="45720" numCol="1" spcCol="0" rtlCol="0" fromWordArt="0" anchor="ctr" anchorCtr="0" forceAA="0" compatLnSpc="1">
+            <a:prstTxWarp prst="textNoShape">
+              <a:avLst/>
+            </a:prstTxWarp>
+            <a:noAutofit/>
+          </a:bodyPr>
+          <a:lstStyle/>
+          <a:p>
+            <a:pPr algn="ctr"/>
+            <a:r>
+              <a:rPr lang="en-US" dirty="0" smtClean="0">
+                <a:solidFill>
+                  <a:schemeClr val="tx1"/>
+                </a:solidFill>
+              </a:rPr>
+              <a:t>The invariant (</a:t>
+            </a:r>
+            <a:r>
+              <a:rPr lang="en-US" b="1" dirty="0" smtClean="0">
+                <a:solidFill>
+                  <a:schemeClr val="tx1"/>
+                </a:solidFill>
+              </a:rPr>
+              <a:t>WHERE</a:t>
+            </a:r>
+            <a:r>
+              <a:rPr lang="en-US" dirty="0" smtClean="0">
+                <a:solidFill>
+                  <a:schemeClr val="tx1"/>
+                </a:solidFill>
+              </a:rPr>
+              <a:t> clause) gives an interpretation for the context variable</a:t>
+            </a:r>
+            <a:endParaRPr lang="en-US" dirty="0">
+              <a:solidFill>
+                <a:schemeClr val="tx1"/>
+              </a:solidFill>
+            </a:endParaRPr>
+          </a:p>
+        </p:txBody>
+      </p:sp>
+      <p:sp>
+        <p:nvSpPr>
+          <p:cNvPr id="5" name="Slide Number Placeholder 4"/>
+          <p:cNvSpPr>
+            <a:spLocks noGrp="1"/>
+          </p:cNvSpPr>
+          <p:nvPr>
+            <p:ph type="sldNum" sz="quarter" idx="12"/>
+          </p:nvPr>
+        </p:nvSpPr>
+        <p:spPr/>
+        <p:txBody>
+          <a:bodyPr/>
+          <a:lstStyle/>
+          <a:p>
+            <a:fld id="{9F4492BD-6A9C-48FC-AC76-0B4FE11194A1}" type="slidenum">
+              <a:rPr lang="en-US" smtClean="0">
+                <a:solidFill>
+                  <a:prstClr val="black">
+                    <a:tint val="75000"/>
+                  </a:prstClr>
+                </a:solidFill>
+              </a:rPr>
+              <a:pPr/>
+              <a:t>11</a:t>
+            </a:fld>
+            <a:endParaRPr lang="en-US">
+              <a:solidFill>
+                <a:prstClr val="black">
+                  <a:tint val="75000"/>
+                </a:prstClr>
+              </a:solidFill>
+            </a:endParaRPr>
+          </a:p>
+        </p:txBody>
+      </p:sp>
+    </p:spTree>
+    <p:extLst>
+      <p:ext uri="{BB962C8B-B14F-4D97-AF65-F5344CB8AC3E}">
+        <p14:creationId xmlns:p14="http://schemas.microsoft.com/office/powerpoint/2010/main" val="967830448"/>
+      </p:ext>
+    </p:extLst>
+  </p:cSld>
+  <p:clrMapOvr>
+    <a:masterClrMapping/>
+  </p:clrMapOvr>
+  <p:timing>
+    <p:tnLst>
+      <p:par>
+        <p:cTn id="1" dur="indefinite" restart="never" nodeType="tmRoot"/>
+      </p:par>
+    </p:tnLst>
+  </p:timing>
+</p:sld>
+</file>
+
+<file path=ppt/slides/slide12.xml><?xml version="1.0" encoding="utf-8"?>
+<p:sld xmlns:a="http://schemas.openxmlformats.org/drawingml/2006/main" xmlns:r="http://schemas.openxmlformats.org/officeDocument/2006/relationships" xmlns:p="http://schemas.openxmlformats.org/presentationml/2006/main">
+  <p:cSld>
+    <p:spTree>
+      <p:nvGrpSpPr>
+        <p:cNvPr id="1" name=""/>
+        <p:cNvGrpSpPr/>
+        <p:nvPr/>
+      </p:nvGrpSpPr>
+      <p:grpSpPr>
+        <a:xfrm>
+          <a:off x="0" y="0"/>
+          <a:ext cx="0" cy="0"/>
+          <a:chOff x="0" y="0"/>
+          <a:chExt cx="0" cy="0"/>
+        </a:xfrm>
+      </p:grpSpPr>
+      <p:sp>
+        <p:nvSpPr>
+          <p:cNvPr id="2" name="Title 1"/>
+          <p:cNvSpPr>
+            <a:spLocks noGrp="1"/>
+          </p:cNvSpPr>
+          <p:nvPr>
+            <p:ph type="title"/>
+          </p:nvPr>
+        </p:nvSpPr>
+        <p:spPr/>
+        <p:txBody>
+          <a:bodyPr/>
+          <a:lstStyle/>
+          <a:p>
+            <a:r>
+              <a:rPr lang="en-US" dirty="0" smtClean="0"/>
+              <a:t>With context variable</a:t>
+            </a:r>
+            <a:endParaRPr lang="en-US" dirty="0"/>
+          </a:p>
+        </p:txBody>
+      </p:sp>
+      <p:sp>
+        <p:nvSpPr>
+          <p:cNvPr id="3" name="Content Placeholder 2"/>
+          <p:cNvSpPr>
+            <a:spLocks noGrp="1"/>
+          </p:cNvSpPr>
+          <p:nvPr>
+            <p:ph idx="1"/>
+          </p:nvPr>
+        </p:nvSpPr>
+        <p:spPr/>
+        <p:txBody>
+          <a:bodyPr>
+            <a:normAutofit fontScale="70000" lnSpcReduction="20000"/>
+          </a:bodyPr>
+          <a:lstStyle/>
+          <a:p>
+            <a:r>
+              <a:rPr lang="en-US" dirty="0"/>
+              <a:t>;; free-</a:t>
+            </a:r>
+            <a:r>
+              <a:rPr lang="en-US" dirty="0" err="1"/>
+              <a:t>vars</a:t>
+            </a:r>
+            <a:r>
+              <a:rPr lang="en-US" dirty="0"/>
+              <a:t>-in-</a:t>
+            </a:r>
+            <a:r>
+              <a:rPr lang="en-US" dirty="0" err="1"/>
+              <a:t>subexp</a:t>
+            </a:r>
+            <a:r>
+              <a:rPr lang="en-US" dirty="0"/>
+              <a:t> </a:t>
+            </a:r>
+            <a:endParaRPr lang="en-US" dirty="0" smtClean="0"/>
+          </a:p>
+          <a:p>
+            <a:r>
+              <a:rPr lang="en-US" dirty="0" smtClean="0"/>
+              <a:t>;;   : </a:t>
+            </a:r>
+            <a:r>
+              <a:rPr lang="en-US" dirty="0" err="1"/>
+              <a:t>FredExp</a:t>
+            </a:r>
+            <a:r>
+              <a:rPr lang="en-US" dirty="0"/>
+              <a:t> </a:t>
+            </a:r>
+            <a:r>
+              <a:rPr lang="en-US" dirty="0" err="1" smtClean="0"/>
+              <a:t>ListOfSymbol</a:t>
+            </a:r>
+            <a:r>
+              <a:rPr lang="en-US" dirty="0" smtClean="0"/>
+              <a:t> </a:t>
+            </a:r>
+            <a:r>
+              <a:rPr lang="en-US" dirty="0"/>
+              <a:t>-&gt; </a:t>
+            </a:r>
+            <a:r>
+              <a:rPr lang="en-US" dirty="0" err="1" smtClean="0"/>
+              <a:t>SetOfSymbol</a:t>
+            </a:r>
+            <a:endParaRPr lang="en-US" dirty="0"/>
+          </a:p>
+          <a:p>
+            <a:r>
+              <a:rPr lang="en-US" dirty="0"/>
+              <a:t>;; GIVEN: a </a:t>
+            </a:r>
+            <a:r>
+              <a:rPr lang="en-US" dirty="0" err="1"/>
+              <a:t>FredExp</a:t>
+            </a:r>
+            <a:r>
+              <a:rPr lang="en-US" dirty="0"/>
+              <a:t> </a:t>
+            </a:r>
+            <a:r>
+              <a:rPr lang="en-US" dirty="0">
+                <a:solidFill>
+                  <a:srgbClr val="FF0000"/>
+                </a:solidFill>
+              </a:rPr>
+              <a:t>f</a:t>
+            </a:r>
+            <a:r>
+              <a:rPr lang="en-US" dirty="0"/>
+              <a:t> that is part of </a:t>
+            </a:r>
+            <a:r>
+              <a:rPr lang="en-US" dirty="0" smtClean="0"/>
+              <a:t>some </a:t>
+            </a:r>
+            <a:r>
+              <a:rPr lang="en-US" dirty="0"/>
+              <a:t>larger </a:t>
+            </a:r>
+            <a:endParaRPr lang="en-US" dirty="0" smtClean="0"/>
+          </a:p>
+          <a:p>
+            <a:r>
+              <a:rPr lang="en-US" dirty="0" smtClean="0"/>
+              <a:t>;;   </a:t>
+            </a:r>
+            <a:r>
+              <a:rPr lang="en-US" dirty="0" err="1" smtClean="0"/>
+              <a:t>FredExp</a:t>
+            </a:r>
+            <a:r>
+              <a:rPr lang="en-US" dirty="0" smtClean="0"/>
+              <a:t> </a:t>
+            </a:r>
+            <a:r>
+              <a:rPr lang="en-US" dirty="0" smtClean="0">
+                <a:solidFill>
+                  <a:srgbClr val="FFC000"/>
+                </a:solidFill>
+              </a:rPr>
+              <a:t>f0</a:t>
+            </a:r>
+            <a:r>
+              <a:rPr lang="en-US" dirty="0" smtClean="0"/>
+              <a:t>, and a </a:t>
+            </a:r>
+            <a:r>
+              <a:rPr lang="en-US" dirty="0" err="1" smtClean="0"/>
+              <a:t>ListOfSymbol</a:t>
+            </a:r>
+            <a:r>
+              <a:rPr lang="en-US" dirty="0" smtClean="0"/>
+              <a:t> </a:t>
+            </a:r>
+            <a:r>
+              <a:rPr lang="en-US" dirty="0" err="1" smtClean="0">
+                <a:solidFill>
+                  <a:srgbClr val="FF0000"/>
+                </a:solidFill>
+              </a:rPr>
+              <a:t>bvars</a:t>
+            </a:r>
+            <a:endParaRPr lang="en-US" dirty="0">
+              <a:solidFill>
+                <a:srgbClr val="FF0000"/>
+              </a:solidFill>
+            </a:endParaRPr>
+          </a:p>
+          <a:p>
+            <a:r>
+              <a:rPr lang="en-US" dirty="0"/>
+              <a:t>;; WHERE: </a:t>
+            </a:r>
+            <a:r>
+              <a:rPr lang="en-US" dirty="0" err="1" smtClean="0"/>
+              <a:t>bvars</a:t>
+            </a:r>
+            <a:r>
+              <a:rPr lang="en-US" dirty="0" smtClean="0"/>
+              <a:t> </a:t>
+            </a:r>
+            <a:r>
+              <a:rPr lang="en-US" dirty="0"/>
+              <a:t>is the list of symbols that occur </a:t>
+            </a:r>
+            <a:r>
+              <a:rPr lang="en-US" dirty="0" smtClean="0"/>
+              <a:t>in</a:t>
+            </a:r>
+          </a:p>
+          <a:p>
+            <a:r>
+              <a:rPr lang="en-US" dirty="0" smtClean="0"/>
+              <a:t>;;   </a:t>
+            </a:r>
+            <a:r>
+              <a:rPr lang="en-US" dirty="0"/>
+              <a:t>lambdas above </a:t>
+            </a:r>
+            <a:r>
+              <a:rPr lang="en-US" dirty="0">
+                <a:solidFill>
+                  <a:srgbClr val="FF0000"/>
+                </a:solidFill>
+              </a:rPr>
+              <a:t>f</a:t>
+            </a:r>
+            <a:r>
+              <a:rPr lang="en-US" dirty="0"/>
+              <a:t> </a:t>
+            </a:r>
+            <a:r>
+              <a:rPr lang="en-US" dirty="0" smtClean="0"/>
+              <a:t>in </a:t>
+            </a:r>
+            <a:r>
+              <a:rPr lang="en-US" dirty="0">
+                <a:solidFill>
+                  <a:srgbClr val="FFC000"/>
+                </a:solidFill>
+              </a:rPr>
+              <a:t>f0</a:t>
+            </a:r>
+          </a:p>
+          <a:p>
+            <a:r>
+              <a:rPr lang="en-US" dirty="0"/>
+              <a:t>;; RETURNS: the set of symbols from </a:t>
+            </a:r>
+            <a:r>
+              <a:rPr lang="en-US" dirty="0">
+                <a:solidFill>
+                  <a:srgbClr val="FF0000"/>
+                </a:solidFill>
+              </a:rPr>
+              <a:t>f</a:t>
+            </a:r>
+            <a:r>
+              <a:rPr lang="en-US" dirty="0"/>
+              <a:t> that are </a:t>
+            </a:r>
+            <a:r>
+              <a:rPr lang="en-US" dirty="0" smtClean="0"/>
+              <a:t>free</a:t>
+            </a:r>
+          </a:p>
+          <a:p>
+            <a:r>
+              <a:rPr lang="en-US" dirty="0" smtClean="0"/>
+              <a:t>;;   </a:t>
+            </a:r>
+            <a:r>
+              <a:rPr lang="en-US" dirty="0"/>
+              <a:t>in </a:t>
+            </a:r>
+            <a:r>
+              <a:rPr lang="en-US" dirty="0">
+                <a:solidFill>
+                  <a:srgbClr val="FFC000"/>
+                </a:solidFill>
+              </a:rPr>
+              <a:t>f0</a:t>
+            </a:r>
+            <a:r>
+              <a:rPr lang="en-US" dirty="0"/>
+              <a:t>.</a:t>
+            </a:r>
+          </a:p>
+          <a:p>
+            <a:endParaRPr lang="en-US" dirty="0"/>
+          </a:p>
+          <a:p>
+            <a:r>
+              <a:rPr lang="en-US" dirty="0"/>
+              <a:t>;; EXAMPLE: </a:t>
+            </a:r>
+          </a:p>
+          <a:p>
+            <a:r>
+              <a:rPr lang="en-US" dirty="0"/>
+              <a:t>;; (free-</a:t>
+            </a:r>
+            <a:r>
+              <a:rPr lang="en-US" dirty="0" err="1"/>
+              <a:t>vars</a:t>
+            </a:r>
+            <a:r>
+              <a:rPr lang="en-US" dirty="0"/>
+              <a:t>-in-</a:t>
+            </a:r>
+            <a:r>
+              <a:rPr lang="en-US" dirty="0" err="1"/>
+              <a:t>subexp</a:t>
+            </a:r>
+            <a:r>
+              <a:rPr lang="en-US" dirty="0"/>
+              <a:t> </a:t>
+            </a:r>
+            <a:endParaRPr lang="en-US" dirty="0" smtClean="0"/>
+          </a:p>
+          <a:p>
+            <a:r>
+              <a:rPr lang="en-US" dirty="0" smtClean="0"/>
+              <a:t>;;   (</a:t>
+            </a:r>
+            <a:r>
+              <a:rPr lang="en-US" dirty="0"/>
+              <a:t>z (lambda (x) (x y))) (list z)) </a:t>
+            </a:r>
+            <a:endParaRPr lang="en-US" dirty="0" smtClean="0"/>
+          </a:p>
+          <a:p>
+            <a:r>
+              <a:rPr lang="en-US" dirty="0" smtClean="0"/>
+              <a:t>;; = </a:t>
+            </a:r>
+            <a:r>
+              <a:rPr lang="en-US" dirty="0"/>
+              <a:t>(list y) </a:t>
+            </a:r>
+          </a:p>
+          <a:p>
+            <a:endParaRPr lang="en-US" dirty="0"/>
+          </a:p>
+        </p:txBody>
+      </p:sp>
+      <p:sp>
+        <p:nvSpPr>
+          <p:cNvPr id="4" name="Rectangle 3"/>
+          <p:cNvSpPr/>
+          <p:nvPr/>
+        </p:nvSpPr>
+        <p:spPr>
+          <a:xfrm>
+            <a:off x="5029200" y="3962400"/>
+            <a:ext cx="3657600" cy="1219200"/>
+          </a:xfrm>
+          <a:prstGeom prst="rect">
+            <a:avLst/>
+          </a:prstGeom>
+          <a:solidFill>
+            <a:schemeClr val="accent3">
+              <a:lumMod val="40000"/>
+              <a:lumOff val="60000"/>
+            </a:schemeClr>
+          </a:solidFill>
+          <a:ln/>
+        </p:spPr>
+        <p:style>
+          <a:lnRef idx="2">
+            <a:schemeClr val="accent1"/>
+          </a:lnRef>
+          <a:fillRef idx="1">
+            <a:schemeClr val="lt1"/>
+          </a:fillRef>
+          <a:effectRef idx="0">
+            <a:schemeClr val="accent1"/>
+          </a:effectRef>
+          <a:fontRef idx="minor">
+            <a:schemeClr val="dk1"/>
+          </a:fontRef>
+        </p:style>
+        <p:txBody>
+          <a:bodyPr rot="0" spcFirstLastPara="0" vertOverflow="overflow" horzOverflow="overflow" vert="horz" wrap="square" lIns="91440" tIns="45720" rIns="91440" bIns="45720" numCol="1" spcCol="0" rtlCol="0" fromWordArt="0" anchor="ctr" anchorCtr="0" forceAA="0" compatLnSpc="1">
+            <a:prstTxWarp prst="textNoShape">
+              <a:avLst/>
+            </a:prstTxWarp>
+            <a:noAutofit/>
+          </a:bodyPr>
+          <a:lstStyle/>
+          <a:p>
+            <a:r>
+              <a:rPr lang="en-US" dirty="0" smtClean="0">
+                <a:solidFill>
+                  <a:schemeClr val="tx1"/>
+                </a:solidFill>
+              </a:rPr>
+              <a:t>We don’t know what </a:t>
+            </a:r>
+            <a:r>
+              <a:rPr lang="en-US" b="1" dirty="0" smtClean="0">
+                <a:solidFill>
+                  <a:schemeClr val="tx1"/>
+                </a:solidFill>
+              </a:rPr>
+              <a:t>f0</a:t>
+            </a:r>
+            <a:r>
+              <a:rPr lang="en-US" dirty="0" smtClean="0">
+                <a:solidFill>
+                  <a:schemeClr val="tx1"/>
+                </a:solidFill>
+              </a:rPr>
+              <a:t> is.  We only know that </a:t>
+            </a:r>
+            <a:r>
+              <a:rPr lang="en-US" b="1" dirty="0" err="1" smtClean="0">
+                <a:solidFill>
+                  <a:schemeClr val="tx1"/>
+                </a:solidFill>
+              </a:rPr>
+              <a:t>bvars</a:t>
+            </a:r>
+            <a:r>
+              <a:rPr lang="en-US" dirty="0" smtClean="0">
+                <a:solidFill>
+                  <a:schemeClr val="tx1"/>
+                </a:solidFill>
+              </a:rPr>
+              <a:t> is the list of symbols that occur above </a:t>
+            </a:r>
+            <a:r>
+              <a:rPr lang="en-US" b="1" dirty="0" smtClean="0">
+                <a:solidFill>
+                  <a:schemeClr val="tx1"/>
+                </a:solidFill>
+              </a:rPr>
+              <a:t>f</a:t>
+            </a:r>
+            <a:r>
+              <a:rPr lang="en-US" dirty="0" smtClean="0">
+                <a:solidFill>
+                  <a:schemeClr val="tx1"/>
+                </a:solidFill>
+              </a:rPr>
+              <a:t> in </a:t>
+            </a:r>
+            <a:r>
+              <a:rPr lang="en-US" b="1" dirty="0" smtClean="0">
+                <a:solidFill>
+                  <a:schemeClr val="tx1"/>
+                </a:solidFill>
+              </a:rPr>
+              <a:t>f0</a:t>
+            </a:r>
+            <a:r>
+              <a:rPr lang="en-US" dirty="0" smtClean="0">
+                <a:solidFill>
+                  <a:schemeClr val="tx1"/>
+                </a:solidFill>
+              </a:rPr>
+              <a:t>. (See Lesson 7.1, Slide 27)</a:t>
+            </a:r>
+            <a:endParaRPr lang="en-US" dirty="0">
+              <a:solidFill>
+                <a:schemeClr val="tx1"/>
+              </a:solidFill>
+            </a:endParaRPr>
+          </a:p>
+        </p:txBody>
+      </p:sp>
+      <p:sp>
+        <p:nvSpPr>
+          <p:cNvPr id="5" name="Slide Number Placeholder 4"/>
+          <p:cNvSpPr>
+            <a:spLocks noGrp="1"/>
+          </p:cNvSpPr>
+          <p:nvPr>
+            <p:ph type="sldNum" sz="quarter" idx="12"/>
+          </p:nvPr>
+        </p:nvSpPr>
+        <p:spPr/>
+        <p:txBody>
+          <a:bodyPr/>
+          <a:lstStyle/>
+          <a:p>
+            <a:fld id="{9F4492BD-6A9C-48FC-AC76-0B4FE11194A1}" type="slidenum">
+              <a:rPr lang="en-US" smtClean="0">
+                <a:solidFill>
+                  <a:prstClr val="black">
+                    <a:tint val="75000"/>
+                  </a:prstClr>
+                </a:solidFill>
+              </a:rPr>
+              <a:pPr/>
+              <a:t>12</a:t>
+            </a:fld>
+            <a:endParaRPr lang="en-US">
+              <a:solidFill>
+                <a:prstClr val="black">
+                  <a:tint val="75000"/>
+                </a:prstClr>
+              </a:solidFill>
+            </a:endParaRPr>
+          </a:p>
+        </p:txBody>
+      </p:sp>
+    </p:spTree>
+    <p:extLst>
+      <p:ext uri="{BB962C8B-B14F-4D97-AF65-F5344CB8AC3E}">
+        <p14:creationId xmlns:p14="http://schemas.microsoft.com/office/powerpoint/2010/main" val="2506840274"/>
+      </p:ext>
+    </p:extLst>
+  </p:cSld>
+  <p:clrMapOvr>
+    <a:masterClrMapping/>
+  </p:clrMapOvr>
+  <p:timing>
+    <p:tnLst>
+      <p:par>
+        <p:cTn id="1" dur="indefinite" restart="never" nodeType="tmRoot"/>
+      </p:par>
+    </p:tnLst>
+  </p:timing>
+</p:sld>
+</file>
+
+<file path=ppt/slides/slide13.xml><?xml version="1.0" encoding="utf-8"?>
+<p:sld xmlns:a="http://schemas.openxmlformats.org/drawingml/2006/main" xmlns:r="http://schemas.openxmlformats.org/officeDocument/2006/relationships" xmlns:p="http://schemas.openxmlformats.org/presentationml/2006/main">
+  <p:cSld>
+    <p:spTree>
+      <p:nvGrpSpPr>
+        <p:cNvPr id="1" name=""/>
+        <p:cNvGrpSpPr/>
+        <p:nvPr/>
+      </p:nvGrpSpPr>
+      <p:grpSpPr>
+        <a:xfrm>
+          <a:off x="0" y="0"/>
+          <a:ext cx="0" cy="0"/>
+          <a:chOff x="0" y="0"/>
+          <a:chExt cx="0" cy="0"/>
+        </a:xfrm>
+      </p:grpSpPr>
+      <p:sp>
+        <p:nvSpPr>
+          <p:cNvPr id="2" name="Title 1"/>
+          <p:cNvSpPr>
+            <a:spLocks noGrp="1"/>
+          </p:cNvSpPr>
+          <p:nvPr>
+            <p:ph type="title"/>
+          </p:nvPr>
+        </p:nvSpPr>
+        <p:spPr/>
+        <p:txBody>
+          <a:bodyPr/>
+          <a:lstStyle/>
+          <a:p>
+            <a:r>
+              <a:rPr lang="en-US" dirty="0" smtClean="0"/>
+              <a:t>Function Definition</a:t>
+            </a:r>
+            <a:endParaRPr lang="en-US" dirty="0"/>
+          </a:p>
+        </p:txBody>
+      </p:sp>
+      <p:sp>
+        <p:nvSpPr>
+          <p:cNvPr id="3" name="Content Placeholder 2"/>
+          <p:cNvSpPr>
+            <a:spLocks noGrp="1"/>
+          </p:cNvSpPr>
+          <p:nvPr>
+            <p:ph idx="1"/>
+          </p:nvPr>
+        </p:nvSpPr>
+        <p:spPr>
+          <a:xfrm>
+            <a:off x="457200" y="1600200"/>
+            <a:ext cx="8534400" cy="4525963"/>
+          </a:xfrm>
+        </p:spPr>
+        <p:txBody>
+          <a:bodyPr>
             <a:normAutofit/>
           </a:bodyPr>
           <a:lstStyle/>
@@ -3320,8 +4092,17 @@
             </a:r>
             <a:r>
               <a:rPr lang="en-US" sz="2000" dirty="0"/>
-              <a:t> f los)</a:t>
-            </a:r>
+              <a:t> f </a:t>
+            </a:r>
+            <a:r>
+              <a:rPr lang="en-US" sz="2000" dirty="0" err="1" smtClean="0"/>
+              <a:t>bvars</a:t>
+            </a:r>
+            <a:r>
+              <a:rPr lang="en-US" sz="2000" dirty="0" smtClean="0"/>
+              <a:t>)</a:t>
+            </a:r>
+            <a:endParaRPr lang="en-US" sz="2000" dirty="0"/>
           </a:p>
           <a:p>
             <a:r>
@@ -3353,8 +4134,17 @@
             </a:r>
             <a:r>
               <a:rPr lang="en-US" sz="2000" dirty="0"/>
-              <a:t>-name f) los)</a:t>
-            </a:r>
+              <a:t>-name f) </a:t>
+            </a:r>
+            <a:r>
+              <a:rPr lang="en-US" sz="2000" dirty="0" err="1" smtClean="0"/>
+              <a:t>bvars</a:t>
+            </a:r>
+            <a:r>
+              <a:rPr lang="en-US" sz="2000" dirty="0" smtClean="0"/>
+              <a:t>)</a:t>
+            </a:r>
+            <a:endParaRPr lang="en-US" sz="2000" dirty="0"/>
           </a:p>
           <a:p>
             <a:r>
@@ -3413,12 +4203,17 @@
             </a:r>
             <a:r>
               <a:rPr lang="en-US" sz="2000" dirty="0" smtClean="0"/>
-              <a:t>) los</a:t>
-            </a:r>
-            <a:r>
-              <a:rPr lang="en-US" sz="2000" dirty="0"/>
+              <a:t>) </a:t>
+            </a:r>
+            <a:r>
+              <a:rPr lang="en-US" sz="2000" dirty="0" err="1" smtClean="0"/>
+              <a:t>bvars</a:t>
+            </a:r>
+            <a:r>
+              <a:rPr lang="en-US" sz="2000" dirty="0" smtClean="0"/>
               <a:t>))]                                           </a:t>
             </a:r>
+            <a:endParaRPr lang="en-US" sz="2000" dirty="0"/>
           </a:p>
           <a:p>
             <a:r>
@@ -3453,8 +4248,17 @@
             </a:r>
             <a:r>
               <a:rPr lang="en-US" sz="2000" dirty="0"/>
-              <a:t> f) los)</a:t>
-            </a:r>
+              <a:t> f) </a:t>
+            </a:r>
+            <a:r>
+              <a:rPr lang="en-US" sz="2000" dirty="0" err="1" smtClean="0"/>
+              <a:t>bvars</a:t>
+            </a:r>
+            <a:r>
+              <a:rPr lang="en-US" sz="2000" dirty="0" smtClean="0"/>
+              <a:t>)</a:t>
+            </a:r>
+            <a:endParaRPr lang="en-US" sz="2000" dirty="0"/>
           </a:p>
           <a:p>
             <a:r>
@@ -3483,8 +4287,17 @@
             </a:r>
             <a:r>
               <a:rPr lang="en-US" sz="2000" dirty="0"/>
-              <a:t> f) los))]))</a:t>
-            </a:r>
+              <a:t> f) </a:t>
+            </a:r>
+            <a:r>
+              <a:rPr lang="en-US" sz="2000" dirty="0" err="1" smtClean="0"/>
+              <a:t>bvars</a:t>
+            </a:r>
+            <a:r>
+              <a:rPr lang="en-US" sz="2000" dirty="0" smtClean="0"/>
+              <a:t>))]))</a:t>
+            </a:r>
+            <a:endParaRPr lang="en-US" sz="2000" dirty="0"/>
           </a:p>
         </p:txBody>
       </p:sp>
@@ -3496,7 +4309,7 @@
         </p:nvSpPr>
         <p:spPr>
           <a:xfrm>
-            <a:off x="228600" y="5715000"/>
+            <a:off x="381000" y="5749131"/>
             <a:ext cx="4419600" cy="906463"/>
           </a:xfrm>
           <a:prstGeom prst="rect">
@@ -3554,9 +4367,9 @@
           <p:nvPr/>
         </p:nvCxnSpPr>
         <p:spPr>
-          <a:xfrm flipH="1" flipV="1">
-            <a:off x="4572000" y="3048000"/>
-            <a:ext cx="2628900" cy="381000"/>
+          <a:xfrm flipH="1">
+            <a:off x="4648200" y="1704125"/>
+            <a:ext cx="2514600" cy="1039075"/>
           </a:xfrm>
           <a:prstGeom prst="straightConnector1">
             <a:avLst/>
@@ -3593,7 +4406,7 @@
         </p:nvCxnSpPr>
         <p:spPr>
           <a:xfrm flipV="1">
-            <a:off x="2438400" y="4495800"/>
+            <a:off x="2590800" y="4529931"/>
             <a:ext cx="990600" cy="1219200"/>
           </a:xfrm>
           <a:prstGeom prst="straightConnector1">
@@ -3645,7 +4458,7 @@
                 </a:solidFill>
               </a:rPr>
               <a:pPr/>
-              <a:t>11</a:t>
+              <a:t>13</a:t>
             </a:fld>
             <a:endParaRPr lang="en-US">
               <a:solidFill>
@@ -3665,7 +4478,7 @@
         </p:nvSpPr>
         <p:spPr>
           <a:xfrm>
-            <a:off x="7200900" y="2971800"/>
+            <a:off x="7162800" y="1246925"/>
             <a:ext cx="1714500" cy="914400"/>
           </a:xfrm>
           <a:prstGeom prst="rect">
@@ -3734,7 +4547,7 @@
 </p:sld>
 </file>
 
-<file path=ppt/slides/slide12.xml><?xml version="1.0" encoding="utf-8"?>
+<file path=ppt/slides/slide14.xml><?xml version="1.0" encoding="utf-8"?>
 <p:sld xmlns:a="http://schemas.openxmlformats.org/drawingml/2006/main" xmlns:r="http://schemas.openxmlformats.org/officeDocument/2006/relationships" xmlns:p="http://schemas.openxmlformats.org/presentationml/2006/main">
   <p:cSld>
     <p:spTree>
@@ -3869,7 +4682,7 @@
           <a:p>
             <a:r>
               <a:rPr lang="en-US" sz="2400" dirty="0" smtClean="0"/>
-              <a:t>;; Strategy: function composition</a:t>
+              <a:t>;; Strategy: call a more general function</a:t>
             </a:r>
           </a:p>
           <a:p>
@@ -4033,682 +4846,6 @@
                 </a:solidFill>
               </a:rPr>
               <a:pPr/>
-              <a:t>12</a:t>
-            </a:fld>
-            <a:endParaRPr lang="en-US">
-              <a:solidFill>
-                <a:prstClr val="black">
-                  <a:tint val="75000"/>
-                </a:prstClr>
-              </a:solidFill>
-            </a:endParaRPr>
-          </a:p>
-        </p:txBody>
-      </p:sp>
-    </p:spTree>
-    <p:extLst>
-      <p:ext uri="{BB962C8B-B14F-4D97-AF65-F5344CB8AC3E}">
-        <p14:creationId xmlns:p14="http://schemas.microsoft.com/office/powerpoint/2010/main" val="777833429"/>
-      </p:ext>
-    </p:extLst>
-  </p:cSld>
-  <p:clrMapOvr>
-    <a:masterClrMapping/>
-  </p:clrMapOvr>
-  <p:timing>
-    <p:tnLst>
-      <p:par>
-        <p:cTn id="1" dur="indefinite" restart="never" nodeType="tmRoot"/>
-      </p:par>
-    </p:tnLst>
-  </p:timing>
-</p:sld>
-</file>
-
-<file path=ppt/slides/slide13.xml><?xml version="1.0" encoding="utf-8"?>
-<p:sld xmlns:a="http://schemas.openxmlformats.org/drawingml/2006/main" xmlns:r="http://schemas.openxmlformats.org/officeDocument/2006/relationships" xmlns:p="http://schemas.openxmlformats.org/presentationml/2006/main">
-  <p:cSld>
-    <p:spTree>
-      <p:nvGrpSpPr>
-        <p:cNvPr id="1" name=""/>
-        <p:cNvGrpSpPr/>
-        <p:nvPr/>
-      </p:nvGrpSpPr>
-      <p:grpSpPr>
-        <a:xfrm>
-          <a:off x="0" y="0"/>
-          <a:ext cx="0" cy="0"/>
-          <a:chOff x="0" y="0"/>
-          <a:chExt cx="0" cy="0"/>
-        </a:xfrm>
-      </p:grpSpPr>
-      <p:sp>
-        <p:nvSpPr>
-          <p:cNvPr id="2" name="Title 1"/>
-          <p:cNvSpPr>
-            <a:spLocks noGrp="1"/>
-          </p:cNvSpPr>
-          <p:nvPr>
-            <p:ph type="title"/>
-          </p:nvPr>
-        </p:nvSpPr>
-        <p:spPr/>
-        <p:txBody>
-          <a:bodyPr/>
-          <a:lstStyle/>
-          <a:p>
-            <a:r>
-              <a:rPr lang="en-US" dirty="0" smtClean="0"/>
-              <a:t>How to choose?</a:t>
-            </a:r>
-            <a:endParaRPr lang="en-US" dirty="0"/>
-          </a:p>
-        </p:txBody>
-      </p:sp>
-      <p:sp>
-        <p:nvSpPr>
-          <p:cNvPr id="3" name="Content Placeholder 2"/>
-          <p:cNvSpPr>
-            <a:spLocks noGrp="1"/>
-          </p:cNvSpPr>
-          <p:nvPr>
-            <p:ph idx="1"/>
-          </p:nvPr>
-        </p:nvSpPr>
-        <p:spPr/>
-        <p:txBody>
-          <a:bodyPr/>
-          <a:lstStyle/>
-          <a:p>
-            <a:r>
-              <a:rPr lang="en-US" dirty="0" smtClean="0"/>
-              <a:t>Both definitions are clear</a:t>
-            </a:r>
-          </a:p>
-          <a:p>
-            <a:r>
-              <a:rPr lang="en-US" dirty="0" smtClean="0"/>
-              <a:t>Which performs better?</a:t>
-            </a:r>
-            <a:endParaRPr lang="en-US" dirty="0"/>
-          </a:p>
-        </p:txBody>
-      </p:sp>
-      <p:sp>
-        <p:nvSpPr>
-          <p:cNvPr id="4" name="Slide Number Placeholder 3"/>
-          <p:cNvSpPr>
-            <a:spLocks noGrp="1"/>
-          </p:cNvSpPr>
-          <p:nvPr>
-            <p:ph type="sldNum" sz="quarter" idx="12"/>
-          </p:nvPr>
-        </p:nvSpPr>
-        <p:spPr/>
-        <p:txBody>
-          <a:bodyPr/>
-          <a:lstStyle/>
-          <a:p>
-            <a:fld id="{9F4492BD-6A9C-48FC-AC76-0B4FE11194A1}" type="slidenum">
-              <a:rPr lang="en-US" smtClean="0">
-                <a:solidFill>
-                  <a:prstClr val="black">
-                    <a:tint val="75000"/>
-                  </a:prstClr>
-                </a:solidFill>
-              </a:rPr>
-              <a:pPr/>
-              <a:t>13</a:t>
-            </a:fld>
-            <a:endParaRPr lang="en-US">
-              <a:solidFill>
-                <a:prstClr val="black">
-                  <a:tint val="75000"/>
-                </a:prstClr>
-              </a:solidFill>
-            </a:endParaRPr>
-          </a:p>
-        </p:txBody>
-      </p:sp>
-    </p:spTree>
-    <p:extLst>
-      <p:ext uri="{BB962C8B-B14F-4D97-AF65-F5344CB8AC3E}">
-        <p14:creationId xmlns:p14="http://schemas.microsoft.com/office/powerpoint/2010/main" val="1335441994"/>
-      </p:ext>
-    </p:extLst>
-  </p:cSld>
-  <p:clrMapOvr>
-    <a:masterClrMapping/>
-  </p:clrMapOvr>
-  <p:timing>
-    <p:tnLst>
-      <p:par>
-        <p:cTn id="1" dur="indefinite" restart="never" nodeType="tmRoot"/>
-      </p:par>
-    </p:tnLst>
-  </p:timing>
-</p:sld>
-</file>
-
-<file path=ppt/slides/slide14.xml><?xml version="1.0" encoding="utf-8"?>
-<p:sld xmlns:a="http://schemas.openxmlformats.org/drawingml/2006/main" xmlns:r="http://schemas.openxmlformats.org/officeDocument/2006/relationships" xmlns:p="http://schemas.openxmlformats.org/presentationml/2006/main">
-  <p:cSld>
-    <p:spTree>
-      <p:nvGrpSpPr>
-        <p:cNvPr id="1" name=""/>
-        <p:cNvGrpSpPr/>
-        <p:nvPr/>
-      </p:nvGrpSpPr>
-      <p:grpSpPr>
-        <a:xfrm>
-          <a:off x="0" y="0"/>
-          <a:ext cx="0" cy="0"/>
-          <a:chOff x="0" y="0"/>
-          <a:chExt cx="0" cy="0"/>
-        </a:xfrm>
-      </p:grpSpPr>
-      <p:sp>
-        <p:nvSpPr>
-          <p:cNvPr id="6" name="Title 5"/>
-          <p:cNvSpPr>
-            <a:spLocks noGrp="1"/>
-          </p:cNvSpPr>
-          <p:nvPr>
-            <p:ph type="title"/>
-          </p:nvPr>
-        </p:nvSpPr>
-        <p:spPr/>
-        <p:txBody>
-          <a:bodyPr/>
-          <a:lstStyle/>
-          <a:p>
-            <a:r>
-              <a:rPr lang="en-US" dirty="0" smtClean="0"/>
-              <a:t>Performance</a:t>
-            </a:r>
-            <a:endParaRPr lang="en-US" dirty="0"/>
-          </a:p>
-        </p:txBody>
-      </p:sp>
-      <p:graphicFrame>
-        <p:nvGraphicFramePr>
-          <p:cNvPr id="8" name="Content Placeholder 7"/>
-          <p:cNvGraphicFramePr>
-            <a:graphicFrameLocks noGrp="1"/>
-          </p:cNvGraphicFramePr>
-          <p:nvPr>
-            <p:ph idx="1"/>
-            <p:extLst>
-              <p:ext uri="{D42A27DB-BD31-4B8C-83A1-F6EECF244321}">
-                <p14:modId xmlns:p14="http://schemas.microsoft.com/office/powerpoint/2010/main" val="1769289797"/>
-              </p:ext>
-            </p:extLst>
-          </p:nvPr>
-        </p:nvGraphicFramePr>
-        <p:xfrm>
-          <a:off x="2247900" y="2514600"/>
-          <a:ext cx="4762500" cy="1854200"/>
-        </p:xfrm>
-        <a:graphic>
-          <a:graphicData uri="http://schemas.openxmlformats.org/drawingml/2006/table">
-            <a:tbl>
-              <a:tblPr firstRow="1" bandRow="1">
-                <a:tableStyleId>{5940675A-B579-460E-94D1-54222C63F5DA}</a:tableStyleId>
-              </a:tblPr>
-              <a:tblGrid>
-                <a:gridCol w="1333500"/>
-                <a:gridCol w="1676400"/>
-                <a:gridCol w="1752600"/>
-              </a:tblGrid>
-              <a:tr h="370840">
-                <a:tc>
-                  <a:txBody>
-                    <a:bodyPr/>
-                    <a:lstStyle/>
-                    <a:p>
-                      <a:pPr algn="r"/>
-                      <a:r>
-                        <a:rPr lang="en-US" b="1" dirty="0" smtClean="0"/>
-                        <a:t>Size</a:t>
-                      </a:r>
-                      <a:endParaRPr lang="en-US" b="1" dirty="0"/>
-                    </a:p>
-                  </a:txBody>
-                  <a:tcPr/>
-                </a:tc>
-                <a:tc>
-                  <a:txBody>
-                    <a:bodyPr/>
-                    <a:lstStyle/>
-                    <a:p>
-                      <a:pPr algn="r"/>
-                      <a:r>
-                        <a:rPr lang="en-US" b="1" dirty="0" smtClean="0"/>
-                        <a:t>no context </a:t>
-                      </a:r>
-                      <a:r>
-                        <a:rPr lang="en-US" b="1" dirty="0" err="1" smtClean="0"/>
-                        <a:t>arg</a:t>
-                      </a:r>
-                      <a:endParaRPr lang="en-US" b="1" dirty="0"/>
-                    </a:p>
-                  </a:txBody>
-                  <a:tcPr/>
-                </a:tc>
-                <a:tc>
-                  <a:txBody>
-                    <a:bodyPr/>
-                    <a:lstStyle/>
-                    <a:p>
-                      <a:pPr algn="r"/>
-                      <a:r>
-                        <a:rPr lang="en-US" b="1" dirty="0" smtClean="0"/>
-                        <a:t>with</a:t>
-                      </a:r>
-                      <a:r>
-                        <a:rPr lang="en-US" b="1" baseline="0" dirty="0" smtClean="0"/>
-                        <a:t> context </a:t>
-                      </a:r>
-                      <a:r>
-                        <a:rPr lang="en-US" b="1" baseline="0" dirty="0" err="1" smtClean="0"/>
-                        <a:t>arg</a:t>
-                      </a:r>
-                      <a:endParaRPr lang="en-US" b="1" dirty="0"/>
-                    </a:p>
-                  </a:txBody>
-                  <a:tcPr/>
-                </a:tc>
-              </a:tr>
-              <a:tr h="370840">
-                <a:tc>
-                  <a:txBody>
-                    <a:bodyPr/>
-                    <a:lstStyle/>
-                    <a:p>
-                      <a:pPr algn="r"/>
-                      <a:r>
-                        <a:rPr lang="en-US" dirty="0" smtClean="0"/>
-                        <a:t>2559</a:t>
-                      </a:r>
-                      <a:endParaRPr lang="en-US" dirty="0"/>
-                    </a:p>
-                  </a:txBody>
-                  <a:tcPr/>
-                </a:tc>
-                <a:tc>
-                  <a:txBody>
-                    <a:bodyPr/>
-                    <a:lstStyle/>
-                    <a:p>
-                      <a:pPr algn="r"/>
-                      <a:r>
-                        <a:rPr lang="en-US" dirty="0" smtClean="0"/>
-                        <a:t>0</a:t>
-                      </a:r>
-                      <a:endParaRPr lang="en-US" dirty="0"/>
-                    </a:p>
-                  </a:txBody>
-                  <a:tcPr/>
-                </a:tc>
-                <a:tc>
-                  <a:txBody>
-                    <a:bodyPr/>
-                    <a:lstStyle/>
-                    <a:p>
-                      <a:pPr algn="r"/>
-                      <a:r>
-                        <a:rPr lang="en-US" dirty="0" smtClean="0"/>
-                        <a:t>0</a:t>
-                      </a:r>
-                      <a:endParaRPr lang="en-US" dirty="0"/>
-                    </a:p>
-                  </a:txBody>
-                  <a:tcPr/>
-                </a:tc>
-              </a:tr>
-              <a:tr h="370840">
-                <a:tc>
-                  <a:txBody>
-                    <a:bodyPr/>
-                    <a:lstStyle/>
-                    <a:p>
-                      <a:pPr algn="r"/>
-                      <a:r>
-                        <a:rPr lang="en-US" dirty="0" smtClean="0"/>
-                        <a:t>81,919</a:t>
-                      </a:r>
-                      <a:endParaRPr lang="en-US" dirty="0"/>
-                    </a:p>
-                  </a:txBody>
-                  <a:tcPr/>
-                </a:tc>
-                <a:tc>
-                  <a:txBody>
-                    <a:bodyPr/>
-                    <a:lstStyle/>
-                    <a:p>
-                      <a:pPr algn="r"/>
-                      <a:r>
-                        <a:rPr lang="en-US" dirty="0" smtClean="0"/>
-                        <a:t>328</a:t>
-                      </a:r>
-                      <a:endParaRPr lang="en-US" dirty="0"/>
-                    </a:p>
-                  </a:txBody>
-                  <a:tcPr/>
-                </a:tc>
-                <a:tc>
-                  <a:txBody>
-                    <a:bodyPr/>
-                    <a:lstStyle/>
-                    <a:p>
-                      <a:pPr algn="r"/>
-                      <a:r>
-                        <a:rPr lang="en-US" dirty="0" smtClean="0"/>
-                        <a:t>47</a:t>
-                      </a:r>
-                      <a:endParaRPr lang="en-US" dirty="0"/>
-                    </a:p>
-                  </a:txBody>
-                  <a:tcPr/>
-                </a:tc>
-              </a:tr>
-              <a:tr h="370840">
-                <a:tc>
-                  <a:txBody>
-                    <a:bodyPr/>
-                    <a:lstStyle/>
-                    <a:p>
-                      <a:pPr algn="r"/>
-                      <a:r>
-                        <a:rPr lang="en-US" dirty="0" smtClean="0"/>
-                        <a:t>655,358</a:t>
-                      </a:r>
-                      <a:endParaRPr lang="en-US" dirty="0"/>
-                    </a:p>
-                  </a:txBody>
-                  <a:tcPr/>
-                </a:tc>
-                <a:tc>
-                  <a:txBody>
-                    <a:bodyPr/>
-                    <a:lstStyle/>
-                    <a:p>
-                      <a:pPr algn="r"/>
-                      <a:r>
-                        <a:rPr lang="en-US" dirty="0" smtClean="0"/>
-                        <a:t>2528</a:t>
-                      </a:r>
-                      <a:endParaRPr lang="en-US" dirty="0"/>
-                    </a:p>
-                  </a:txBody>
-                  <a:tcPr/>
-                </a:tc>
-                <a:tc>
-                  <a:txBody>
-                    <a:bodyPr/>
-                    <a:lstStyle/>
-                    <a:p>
-                      <a:pPr algn="r"/>
-                      <a:r>
-                        <a:rPr lang="en-US" dirty="0" smtClean="0"/>
-                        <a:t>390</a:t>
-                      </a:r>
-                      <a:endParaRPr lang="en-US" dirty="0"/>
-                    </a:p>
-                  </a:txBody>
-                  <a:tcPr/>
-                </a:tc>
-              </a:tr>
-              <a:tr h="370840">
-                <a:tc>
-                  <a:txBody>
-                    <a:bodyPr/>
-                    <a:lstStyle/>
-                    <a:p>
-                      <a:pPr algn="r"/>
-                      <a:r>
-                        <a:rPr lang="en-US" dirty="0" smtClean="0"/>
-                        <a:t>2,621,439</a:t>
-                      </a:r>
-                      <a:endParaRPr lang="en-US" dirty="0"/>
-                    </a:p>
-                  </a:txBody>
-                  <a:tcPr/>
-                </a:tc>
-                <a:tc>
-                  <a:txBody>
-                    <a:bodyPr/>
-                    <a:lstStyle/>
-                    <a:p>
-                      <a:pPr algn="r"/>
-                      <a:r>
-                        <a:rPr lang="en-US" dirty="0" smtClean="0"/>
-                        <a:t>10732</a:t>
-                      </a:r>
-                      <a:endParaRPr lang="en-US" dirty="0"/>
-                    </a:p>
-                  </a:txBody>
-                  <a:tcPr/>
-                </a:tc>
-                <a:tc>
-                  <a:txBody>
-                    <a:bodyPr/>
-                    <a:lstStyle/>
-                    <a:p>
-                      <a:pPr algn="r"/>
-                      <a:r>
-                        <a:rPr lang="en-US" dirty="0" smtClean="0"/>
-                        <a:t>1591</a:t>
-                      </a:r>
-                      <a:endParaRPr lang="en-US" dirty="0"/>
-                    </a:p>
-                  </a:txBody>
-                  <a:tcPr/>
-                </a:tc>
-              </a:tr>
-            </a:tbl>
-          </a:graphicData>
-        </a:graphic>
-      </p:graphicFrame>
-      <p:sp>
-        <p:nvSpPr>
-          <p:cNvPr id="9" name="TextBox 8"/>
-          <p:cNvSpPr txBox="1"/>
-          <p:nvPr/>
-        </p:nvSpPr>
-        <p:spPr>
-          <a:xfrm>
-            <a:off x="1189600" y="1447800"/>
-            <a:ext cx="6764801" cy="584775"/>
-          </a:xfrm>
-          <a:prstGeom prst="rect">
-            <a:avLst/>
-          </a:prstGeom>
-          <a:noFill/>
-        </p:spPr>
-        <p:txBody>
-          <a:bodyPr wrap="none" rtlCol="0">
-            <a:spAutoFit/>
-          </a:bodyPr>
-          <a:lstStyle/>
-          <a:p>
-            <a:r>
-              <a:rPr lang="en-US" sz="3200" dirty="0" smtClean="0"/>
-              <a:t>Run time, in </a:t>
-            </a:r>
-            <a:r>
-              <a:rPr lang="en-US" sz="3200" dirty="0" err="1" smtClean="0"/>
-              <a:t>msec</a:t>
-            </a:r>
-            <a:r>
-              <a:rPr lang="en-US" sz="3200" dirty="0" smtClean="0"/>
-              <a:t>, vs. number of nodes</a:t>
-            </a:r>
-            <a:endParaRPr lang="en-US" sz="3200" dirty="0"/>
-          </a:p>
-        </p:txBody>
-      </p:sp>
-      <p:sp>
-        <p:nvSpPr>
-          <p:cNvPr id="2" name="Rectangle 1"/>
-          <p:cNvSpPr/>
-          <p:nvPr/>
-        </p:nvSpPr>
-        <p:spPr>
-          <a:xfrm>
-            <a:off x="4572000" y="4672445"/>
-            <a:ext cx="3886200" cy="1676400"/>
-          </a:xfrm>
-          <a:prstGeom prst="rect">
-            <a:avLst/>
-          </a:prstGeom>
-          <a:solidFill>
-            <a:schemeClr val="accent3">
-              <a:lumMod val="40000"/>
-              <a:lumOff val="60000"/>
-            </a:schemeClr>
-          </a:solidFill>
-          <a:ln/>
-        </p:spPr>
-        <p:style>
-          <a:lnRef idx="2">
-            <a:schemeClr val="accent1"/>
-          </a:lnRef>
-          <a:fillRef idx="1">
-            <a:schemeClr val="lt1"/>
-          </a:fillRef>
-          <a:effectRef idx="0">
-            <a:schemeClr val="accent1"/>
-          </a:effectRef>
-          <a:fontRef idx="minor">
-            <a:schemeClr val="dk1"/>
-          </a:fontRef>
-        </p:style>
-        <p:txBody>
-          <a:bodyPr rot="0" spcFirstLastPara="0" vertOverflow="overflow" horzOverflow="overflow" vert="horz" wrap="square" lIns="91440" tIns="45720" rIns="91440" bIns="45720" numCol="1" spcCol="0" rtlCol="0" fromWordArt="0" anchor="ctr" anchorCtr="0" forceAA="0" compatLnSpc="1">
-            <a:prstTxWarp prst="textNoShape">
-              <a:avLst/>
-            </a:prstTxWarp>
-            <a:noAutofit/>
-          </a:bodyPr>
-          <a:lstStyle/>
-          <a:p>
-            <a:r>
-              <a:rPr lang="en-US" sz="1400" dirty="0">
-                <a:solidFill>
-                  <a:schemeClr val="tx1"/>
-                </a:solidFill>
-              </a:rPr>
-              <a:t>We threw together a little function that would generate </a:t>
-            </a:r>
-            <a:r>
-              <a:rPr lang="en-US" sz="1400" dirty="0" err="1" smtClean="0">
-                <a:solidFill>
-                  <a:schemeClr val="tx1"/>
-                </a:solidFill>
-              </a:rPr>
-              <a:t>fred</a:t>
-            </a:r>
-            <a:r>
-              <a:rPr lang="en-US" sz="1400" dirty="0" smtClean="0">
-                <a:solidFill>
-                  <a:schemeClr val="tx1"/>
-                </a:solidFill>
-              </a:rPr>
-              <a:t>-expressions </a:t>
-            </a:r>
-            <a:r>
-              <a:rPr lang="en-US" sz="1400" dirty="0">
-                <a:solidFill>
-                  <a:schemeClr val="tx1"/>
-                </a:solidFill>
-              </a:rPr>
-              <a:t>of increasing size and measured the results.  We can see clearly that for large </a:t>
-            </a:r>
-            <a:r>
-              <a:rPr lang="en-US" sz="1400" dirty="0" err="1" smtClean="0">
-                <a:solidFill>
-                  <a:schemeClr val="tx1"/>
-                </a:solidFill>
-              </a:rPr>
-              <a:t>fred</a:t>
-            </a:r>
-            <a:r>
-              <a:rPr lang="en-US" sz="1400" dirty="0" smtClean="0">
-                <a:solidFill>
-                  <a:schemeClr val="tx1"/>
-                </a:solidFill>
-              </a:rPr>
-              <a:t>-expressions, </a:t>
-            </a:r>
-            <a:r>
-              <a:rPr lang="en-US" sz="1400" dirty="0">
-                <a:solidFill>
-                  <a:schemeClr val="tx1"/>
-                </a:solidFill>
-              </a:rPr>
-              <a:t>the accumulator version is much faster.  The details are in </a:t>
-            </a:r>
-            <a:r>
-              <a:rPr lang="en-US" sz="1400" b="1" dirty="0" err="1" smtClean="0">
-                <a:solidFill>
-                  <a:schemeClr val="tx1"/>
-                </a:solidFill>
-              </a:rPr>
-              <a:t>fred.rkt</a:t>
-            </a:r>
-            <a:r>
-              <a:rPr lang="en-US" sz="1400" dirty="0">
-                <a:solidFill>
-                  <a:schemeClr val="tx1"/>
-                </a:solidFill>
-              </a:rPr>
-              <a:t>, in the Examples </a:t>
-            </a:r>
-            <a:r>
-              <a:rPr lang="en-US" sz="1400" dirty="0" smtClean="0">
-                <a:solidFill>
-                  <a:schemeClr val="tx1"/>
-                </a:solidFill>
-              </a:rPr>
-              <a:t>file. This </a:t>
-            </a:r>
-            <a:r>
-              <a:rPr lang="en-US" sz="1400" dirty="0">
-                <a:solidFill>
-                  <a:schemeClr val="tx1"/>
-                </a:solidFill>
-              </a:rPr>
-              <a:t>is a toy example, so don't draw any general conclusions.  </a:t>
-            </a:r>
-          </a:p>
-        </p:txBody>
-      </p:sp>
-      <p:sp>
-        <p:nvSpPr>
-          <p:cNvPr id="3" name="Slide Number Placeholder 2"/>
-          <p:cNvSpPr>
-            <a:spLocks noGrp="1"/>
-          </p:cNvSpPr>
-          <p:nvPr>
-            <p:ph type="sldNum" sz="quarter" idx="12"/>
-          </p:nvPr>
-        </p:nvSpPr>
-        <p:spPr/>
-        <p:txBody>
-          <a:bodyPr/>
-          <a:lstStyle/>
-          <a:p>
-            <a:fld id="{9F4492BD-6A9C-48FC-AC76-0B4FE11194A1}" type="slidenum">
-              <a:rPr lang="en-US" smtClean="0">
-                <a:solidFill>
-                  <a:prstClr val="black">
-                    <a:tint val="75000"/>
-                  </a:prstClr>
-                </a:solidFill>
-              </a:rPr>
-              <a:pPr/>
               <a:t>14</a:t>
             </a:fld>
             <a:endParaRPr lang="en-US">
@@ -4724,7 +4861,7 @@
     </p:spTree>
     <p:extLst>
       <p:ext uri="{BB962C8B-B14F-4D97-AF65-F5344CB8AC3E}">
-        <p14:creationId xmlns:p14="http://schemas.microsoft.com/office/powerpoint/2010/main" val="747217103"/>
+        <p14:creationId xmlns:p14="http://schemas.microsoft.com/office/powerpoint/2010/main" val="777833429"/>
       </p:ext>
     </p:extLst>
   </p:cSld>
@@ -4775,7 +4912,7 @@
           <a:p>
             <a:r>
               <a:rPr lang="en-US" dirty="0" smtClean="0"/>
-              <a:t>Summary</a:t>
+              <a:t>Next Steps</a:t>
             </a:r>
             <a:endParaRPr lang="en-US" dirty="0"/>
           </a:p>
@@ -4793,39 +4930,30 @@
         </p:nvSpPr>
         <p:spPr/>
         <p:txBody>
-          <a:bodyPr>
-            <a:normAutofit/>
-          </a:bodyPr>
+          <a:bodyPr/>
           <a:lstStyle/>
           <a:p>
             <a:r>
               <a:rPr lang="en-US" dirty="0" smtClean="0"/>
-              <a:t>You should now be able to:</a:t>
-            </a:r>
-          </a:p>
-          <a:p>
-            <a:pPr lvl="1"/>
-            <a:r>
-              <a:rPr lang="en-US" dirty="0"/>
-              <a:t>explain the notion of a free variable</a:t>
-            </a:r>
-          </a:p>
-          <a:p>
-            <a:pPr lvl="1"/>
-            <a:r>
-              <a:rPr lang="en-US" dirty="0"/>
-              <a:t>identify the free variables in the expressions of a simple programming language</a:t>
-            </a:r>
-          </a:p>
-          <a:p>
-            <a:pPr lvl="1"/>
-            <a:r>
-              <a:rPr lang="en-US" dirty="0"/>
-              <a:t>explain two algorithms for finding the free variables of an expression in a simple programming language</a:t>
-            </a:r>
-          </a:p>
-          <a:p>
-            <a:pPr lvl="1"/>
+              <a:t>If you have questions about this lesson, ask them on the Discussion Board</a:t>
+            </a:r>
+          </a:p>
+          <a:p>
+            <a:r>
+              <a:rPr lang="en-US" dirty="0" smtClean="0"/>
+              <a:t>Do Guided </a:t>
+            </a:r>
+            <a:r>
+              <a:rPr lang="en-US" smtClean="0"/>
+              <a:t>Practice 7.2</a:t>
+            </a:r>
+            <a:endParaRPr lang="en-US" dirty="0" smtClean="0"/>
+          </a:p>
+          <a:p>
+            <a:r>
+              <a:rPr lang="en-US" dirty="0" smtClean="0"/>
+              <a:t>Go on to the next lesson</a:t>
+            </a:r>
             <a:endParaRPr lang="en-US" dirty="0"/>
           </a:p>
         </p:txBody>
@@ -4855,146 +4983,6 @@
               </a:rPr>
               <a:pPr/>
               <a:t>15</a:t>
-            </a:fld>
-            <a:endParaRPr lang="en-US">
-              <a:solidFill>
-                <a:prstClr val="black">
-                  <a:tint val="75000"/>
-                </a:prstClr>
-              </a:solidFill>
-            </a:endParaRPr>
-          </a:p>
-        </p:txBody>
-      </p:sp>
-    </p:spTree>
-    <p:extLst>
-      <p:ext uri="{BB962C8B-B14F-4D97-AF65-F5344CB8AC3E}">
-        <p14:creationId xmlns:p14="http://schemas.microsoft.com/office/powerpoint/2010/main" val="1364442559"/>
-      </p:ext>
-    </p:extLst>
-  </p:cSld>
-  <p:clrMapOvr>
-    <a:masterClrMapping/>
-  </p:clrMapOvr>
-  <p:timing>
-    <p:tnLst>
-      <p:par>
-        <p:cTn id="1" dur="indefinite" restart="never" nodeType="tmRoot"/>
-      </p:par>
-    </p:tnLst>
-  </p:timing>
-</p:sld>
-</file>
-
-<file path=ppt/slides/slide16.xml><?xml version="1.0" encoding="utf-8"?>
-<p:sld xmlns:a="http://schemas.openxmlformats.org/drawingml/2006/main" xmlns:r="http://schemas.openxmlformats.org/officeDocument/2006/relationships" xmlns:p="http://schemas.openxmlformats.org/presentationml/2006/main">
-  <p:cSld>
-    <p:spTree>
-      <p:nvGrpSpPr>
-        <p:cNvPr id="1" name=""/>
-        <p:cNvGrpSpPr/>
-        <p:nvPr/>
-      </p:nvGrpSpPr>
-      <p:grpSpPr>
-        <a:xfrm>
-          <a:off x="0" y="0"/>
-          <a:ext cx="0" cy="0"/>
-          <a:chOff x="0" y="0"/>
-          <a:chExt cx="0" cy="0"/>
-        </a:xfrm>
-      </p:grpSpPr>
-      <p:sp>
-        <p:nvSpPr>
-          <p:cNvPr id="2" name="Title 1"/>
-          <p:cNvSpPr>
-            <a:spLocks noGrp="1"/>
-          </p:cNvSpPr>
-          <p:nvPr>
-            <p:ph type="title"/>
-          </p:nvPr>
-        </p:nvSpPr>
-        <p:spPr/>
-        <p:txBody>
-          <a:bodyPr/>
-          <a:lstStyle/>
-          <a:p>
-            <a:r>
-              <a:rPr lang="en-US" dirty="0" smtClean="0"/>
-              <a:t>Next Steps</a:t>
-            </a:r>
-            <a:endParaRPr lang="en-US" dirty="0"/>
-          </a:p>
-        </p:txBody>
-      </p:sp>
-      <p:sp>
-        <p:nvSpPr>
-          <p:cNvPr id="3" name="Content Placeholder 2"/>
-          <p:cNvSpPr>
-            <a:spLocks noGrp="1"/>
-          </p:cNvSpPr>
-          <p:nvPr>
-            <p:ph idx="1"/>
-          </p:nvPr>
-        </p:nvSpPr>
-        <p:spPr/>
-        <p:txBody>
-          <a:bodyPr/>
-          <a:lstStyle/>
-          <a:p>
-            <a:r>
-              <a:rPr lang="en-US" dirty="0" smtClean="0"/>
-              <a:t>If you have questions about this lesson, ask them on the Discussion Board</a:t>
-            </a:r>
-          </a:p>
-          <a:p>
-            <a:r>
-              <a:rPr lang="en-US" dirty="0" smtClean="0"/>
-              <a:t>Do Guided </a:t>
-            </a:r>
-            <a:r>
-              <a:rPr lang="en-US" smtClean="0"/>
-              <a:t>Practice </a:t>
-            </a:r>
-            <a:r>
-              <a:rPr lang="en-US" smtClean="0"/>
-              <a:t>7.2</a:t>
-            </a:r>
-            <a:endParaRPr lang="en-US" dirty="0" smtClean="0"/>
-          </a:p>
-          <a:p>
-            <a:r>
-              <a:rPr lang="en-US" dirty="0" smtClean="0"/>
-              <a:t>Go on to the next lesson</a:t>
-            </a:r>
-            <a:endParaRPr lang="en-US" dirty="0"/>
-          </a:p>
-        </p:txBody>
-      </p:sp>
-      <p:sp>
-        <p:nvSpPr>
-          <p:cNvPr id="4" name="Slide Number Placeholder 3"/>
-          <p:cNvSpPr>
-            <a:spLocks noGrp="1"/>
-          </p:cNvSpPr>
-          <p:nvPr>
-            <p:ph type="sldNum" sz="quarter" idx="12"/>
-          </p:nvPr>
-        </p:nvSpPr>
-        <p:spPr/>
-        <p:txBody>
-          <a:bodyPr/>
-          <a:lstStyle/>
-          <a:p>
-            <a:fld id="{9F4492BD-6A9C-48FC-AC76-0B4FE11194A1}" type="slidenum">
-              <a:rPr lang="en-US" smtClean="0">
-                <a:solidFill>
-                  <a:prstClr val="black">
-                    <a:tint val="75000"/>
-                  </a:prstClr>
-                </a:solidFill>
-              </a:rPr>
-              <a:pPr/>
-              <a:t>16</a:t>
             </a:fld>
             <a:endParaRPr lang="en-US">
               <a:solidFill>
@@ -5402,7 +5390,7 @@
                   <a:schemeClr val="tx1"/>
                 </a:solidFill>
               </a:rPr>
-              <a:t>The setting is that we are writing a compiler for a tiny programming languages, called </a:t>
+              <a:t>The setting is that we are writing a compiler for a tiny programming </a:t>
             </a:r>
             <a:r>
               <a:rPr lang="en-US" dirty="0" smtClean="0">
@@ -5410,6 +5398,22 @@
                   <a:schemeClr val="tx1"/>
                 </a:solidFill>
               </a:rPr>
+              <a:t>language, </a:t>
+            </a:r>
+            <a:r>
+              <a:rPr lang="en-US" dirty="0">
+                <a:solidFill>
+                  <a:schemeClr val="tx1"/>
+                </a:solidFill>
+              </a:rPr>
+              <a:t>called </a:t>
+            </a:r>
+            <a:r>
+              <a:rPr lang="en-US" dirty="0" smtClean="0">
+                <a:solidFill>
+                  <a:schemeClr val="tx1"/>
+                </a:solidFill>
+              </a:rPr>
               <a:t>Fred.   </a:t>
             </a:r>
             <a:r>
@@ -5426,7 +5430,31 @@
                   <a:schemeClr val="tx1"/>
                 </a:solidFill>
               </a:rPr>
-              <a:t>expressions in Fred.  </a:t>
+              <a:t>expressions in </a:t>
+            </a:r>
+            <a:r>
+              <a:rPr lang="en-US" dirty="0" smtClean="0">
+                <a:solidFill>
+                  <a:schemeClr val="tx1"/>
+                </a:solidFill>
+              </a:rPr>
+              <a:t>Fred</a:t>
+            </a:r>
+            <a:r>
+              <a:rPr lang="en-US" dirty="0">
+                <a:solidFill>
+                  <a:schemeClr val="tx1"/>
+                </a:solidFill>
+              </a:rPr>
+              <a:t>:</a:t>
+            </a:r>
+            <a:r>
+              <a:rPr lang="en-US" dirty="0" smtClean="0">
+                <a:solidFill>
+                  <a:schemeClr val="tx1"/>
+                </a:solidFill>
+              </a:rPr>
+              <a:t> </a:t>
             </a:r>
             <a:r>
               <a:rPr lang="en-US" dirty="0">
@@ -6562,7 +6590,15 @@
           <a:p>
             <a:r>
               <a:rPr lang="en-US" sz="2400" dirty="0"/>
-              <a:t>;; interpretation: the cases </a:t>
+              <a:t>;; </a:t>
+            </a:r>
+            <a:r>
+              <a:rPr lang="en-US" sz="2400" dirty="0" smtClean="0"/>
+              <a:t>INTERPRETATION: </a:t>
+            </a:r>
+            <a:r>
+              <a:rPr lang="en-US" sz="2400" dirty="0"/>
+              <a:t>the cases </a:t>
             </a:r>
             <a:r>
               <a:rPr lang="en-US" sz="2400" dirty="0" smtClean="0"/>
@@ -6775,6 +6811,227 @@
       </p:grpSpPr>
       <p:sp>
         <p:nvSpPr>
+          <p:cNvPr id="2" name="Title 1"/>
+          <p:cNvSpPr>
+            <a:spLocks noGrp="1"/>
+          </p:cNvSpPr>
+          <p:nvPr>
+            <p:ph type="title"/>
+          </p:nvPr>
+        </p:nvSpPr>
+        <p:spPr/>
+        <p:txBody>
+          <a:bodyPr/>
+          <a:lstStyle/>
+          <a:p>
+            <a:r>
+              <a:rPr lang="en-US" dirty="0" smtClean="0"/>
+              <a:t>Data Design (2)</a:t>
+            </a:r>
+            <a:endParaRPr lang="en-US" dirty="0"/>
+          </a:p>
+        </p:txBody>
+      </p:sp>
+      <p:sp>
+        <p:nvSpPr>
+          <p:cNvPr id="3" name="Content Placeholder 2"/>
+          <p:cNvSpPr>
+            <a:spLocks noGrp="1"/>
+          </p:cNvSpPr>
+          <p:nvPr>
+            <p:ph idx="1"/>
+          </p:nvPr>
+        </p:nvSpPr>
+        <p:spPr/>
+        <p:txBody>
+          <a:bodyPr>
+            <a:normAutofit fontScale="92500" lnSpcReduction="20000"/>
+          </a:bodyPr>
+          <a:lstStyle/>
+          <a:p>
+            <a:r>
+              <a:rPr lang="en-US" dirty="0" smtClean="0"/>
+              <a:t>EXAMPLE:</a:t>
+            </a:r>
+          </a:p>
+          <a:p>
+            <a:r>
+              <a:rPr lang="en-US" dirty="0"/>
+              <a:t>(z (lambda (x) (x y</a:t>
+            </a:r>
+            <a:r>
+              <a:rPr lang="en-US" dirty="0" smtClean="0"/>
+              <a:t>)))</a:t>
+            </a:r>
+          </a:p>
+          <a:p>
+            <a:r>
+              <a:rPr lang="en-US" dirty="0"/>
+              <a:t>i</a:t>
+            </a:r>
+            <a:r>
+              <a:rPr lang="en-US" dirty="0" smtClean="0"/>
+              <a:t>s represented by</a:t>
+            </a:r>
+          </a:p>
+          <a:p>
+            <a:r>
+              <a:rPr lang="en-US" dirty="0" smtClean="0"/>
+              <a:t>(make-app</a:t>
+            </a:r>
+          </a:p>
+          <a:p>
+            <a:r>
+              <a:rPr lang="en-US" dirty="0"/>
+              <a:t> </a:t>
+            </a:r>
+            <a:r>
+              <a:rPr lang="en-US" dirty="0" smtClean="0"/>
+              <a:t> (make-</a:t>
+            </a:r>
+            <a:r>
+              <a:rPr lang="en-US" dirty="0" err="1" smtClean="0"/>
+              <a:t>var</a:t>
+            </a:r>
+            <a:r>
+              <a:rPr lang="en-US" dirty="0" smtClean="0"/>
+              <a:t> 'z)</a:t>
+            </a:r>
+          </a:p>
+          <a:p>
+            <a:r>
+              <a:rPr lang="en-US" dirty="0"/>
+              <a:t> </a:t>
+            </a:r>
+            <a:r>
+              <a:rPr lang="en-US" dirty="0" smtClean="0"/>
+              <a:t> (make-lam 'x</a:t>
+            </a:r>
+          </a:p>
+          <a:p>
+            <a:r>
+              <a:rPr lang="en-US" dirty="0"/>
+              <a:t> </a:t>
+            </a:r>
+            <a:r>
+              <a:rPr lang="en-US" dirty="0" smtClean="0"/>
+              <a:t>   (make-app</a:t>
+            </a:r>
+          </a:p>
+          <a:p>
+            <a:r>
+              <a:rPr lang="en-US" dirty="0"/>
+              <a:t> </a:t>
+            </a:r>
+            <a:r>
+              <a:rPr lang="en-US" dirty="0" smtClean="0"/>
+              <a:t>     (make-</a:t>
+            </a:r>
+            <a:r>
+              <a:rPr lang="en-US" dirty="0" err="1" smtClean="0"/>
+              <a:t>var</a:t>
+            </a:r>
+            <a:r>
+              <a:rPr lang="en-US" dirty="0" smtClean="0"/>
+              <a:t> 'x)</a:t>
+            </a:r>
+          </a:p>
+          <a:p>
+            <a:r>
+              <a:rPr lang="en-US" dirty="0"/>
+              <a:t> </a:t>
+            </a:r>
+            <a:r>
+              <a:rPr lang="en-US" dirty="0" smtClean="0"/>
+              <a:t>     (make-</a:t>
+            </a:r>
+            <a:r>
+              <a:rPr lang="en-US" dirty="0" err="1" smtClean="0"/>
+              <a:t>var</a:t>
+            </a:r>
+            <a:r>
+              <a:rPr lang="en-US" dirty="0" smtClean="0"/>
+              <a:t> 'y))))</a:t>
+            </a:r>
+            <a:endParaRPr lang="en-US" dirty="0"/>
+          </a:p>
+        </p:txBody>
+      </p:sp>
+      <p:sp>
+        <p:nvSpPr>
+          <p:cNvPr id="4" name="Slide Number Placeholder 3"/>
+          <p:cNvSpPr>
+            <a:spLocks noGrp="1"/>
+          </p:cNvSpPr>
+          <p:nvPr>
+            <p:ph type="sldNum" sz="quarter" idx="12"/>
+          </p:nvPr>
+        </p:nvSpPr>
+        <p:spPr/>
+        <p:txBody>
+          <a:bodyPr/>
+          <a:lstStyle/>
+          <a:p>
+            <a:fld id="{9F4492BD-6A9C-48FC-AC76-0B4FE11194A1}" type="slidenum">
+              <a:rPr lang="en-US" smtClean="0">
+                <a:solidFill>
+                  <a:prstClr val="black">
+                    <a:tint val="75000"/>
+                  </a:prstClr>
+                </a:solidFill>
+              </a:rPr>
+              <a:pPr/>
+              <a:t>6</a:t>
+            </a:fld>
+            <a:endParaRPr lang="en-US">
+              <a:solidFill>
+                <a:prstClr val="black">
+                  <a:tint val="75000"/>
+                </a:prstClr>
+              </a:solidFill>
+            </a:endParaRPr>
+          </a:p>
+        </p:txBody>
+      </p:sp>
+    </p:spTree>
+    <p:extLst>
+      <p:ext uri="{BB962C8B-B14F-4D97-AF65-F5344CB8AC3E}">
+        <p14:creationId xmlns:p14="http://schemas.microsoft.com/office/powerpoint/2010/main" val="1227461629"/>
+      </p:ext>
+    </p:extLst>
+  </p:cSld>
+  <p:clrMapOvr>
+    <a:masterClrMapping/>
+  </p:clrMapOvr>
+  <p:timing>
+    <p:tnLst>
+      <p:par>
+        <p:cTn id="1" dur="indefinite" restart="never" nodeType="tmRoot"/>
+      </p:par>
+    </p:tnLst>
+  </p:timing>
+</p:sld>
+</file>
+
+<file path=ppt/slides/slide7.xml><?xml version="1.0" encoding="utf-8"?>
+<p:sld xmlns:a="http://schemas.openxmlformats.org/drawingml/2006/main" xmlns:r="http://schemas.openxmlformats.org/officeDocument/2006/relationships" xmlns:p="http://schemas.openxmlformats.org/presentationml/2006/main">
+  <p:cSld>
+    <p:spTree>
+      <p:nvGrpSpPr>
+        <p:cNvPr id="1" name=""/>
+        <p:cNvGrpSpPr/>
+        <p:nvPr/>
+      </p:nvGrpSpPr>
+      <p:grpSpPr>
+        <a:xfrm>
+          <a:off x="0" y="0"/>
+          <a:ext cx="0" cy="0"/>
+          <a:chOff x="0" y="0"/>
+          <a:chExt cx="0" cy="0"/>
+        </a:xfrm>
+      </p:grpSpPr>
+      <p:sp>
+        <p:nvSpPr>
           <p:cNvPr id="6" name="Title 5"/>
           <p:cNvSpPr>
             <a:spLocks noGrp="1"/>
@@ -6790,7 +7047,7 @@
           <a:p>
             <a:r>
               <a:rPr lang="en-US" dirty="0" smtClean="0"/>
-              <a:t>Template</a:t>
+              <a:t>Destructor Template</a:t>
             </a:r>
             <a:endParaRPr lang="en-US" dirty="0"/>
           </a:p>
@@ -7099,200 +7356,6 @@
                 </a:solidFill>
               </a:rPr>
               <a:pPr/>
-              <a:t>6</a:t>
-            </a:fld>
-            <a:endParaRPr lang="en-US">
-              <a:solidFill>
-                <a:prstClr val="black">
-                  <a:tint val="75000"/>
-                </a:prstClr>
-              </a:solidFill>
-            </a:endParaRPr>
-          </a:p>
-        </p:txBody>
-      </p:sp>
-    </p:spTree>
-    <p:extLst>
-      <p:ext uri="{BB962C8B-B14F-4D97-AF65-F5344CB8AC3E}">
-        <p14:creationId xmlns:p14="http://schemas.microsoft.com/office/powerpoint/2010/main" val="2466460268"/>
-      </p:ext>
-    </p:extLst>
-  </p:cSld>
-  <p:clrMapOvr>
-    <a:masterClrMapping/>
-  </p:clrMapOvr>
-  <p:timing>
-    <p:tnLst>
-      <p:par>
-        <p:cTn id="1" dur="indefinite" restart="never" nodeType="tmRoot"/>
-      </p:par>
-    </p:tnLst>
-  </p:timing>
-</p:sld>
-</file>
-
-<file path=ppt/slides/slide7.xml><?xml version="1.0" encoding="utf-8"?>
-<p:sld xmlns:a="http://schemas.openxmlformats.org/drawingml/2006/main" xmlns:r="http://schemas.openxmlformats.org/officeDocument/2006/relationships" xmlns:p="http://schemas.openxmlformats.org/presentationml/2006/main">
-  <p:cSld>
-    <p:spTree>
-      <p:nvGrpSpPr>
-        <p:cNvPr id="1" name=""/>
-        <p:cNvGrpSpPr/>
-        <p:nvPr/>
-      </p:nvGrpSpPr>
-      <p:grpSpPr>
-        <a:xfrm>
-          <a:off x="0" y="0"/>
-          <a:ext cx="0" cy="0"/>
-          <a:chOff x="0" y="0"/>
-          <a:chExt cx="0" cy="0"/>
-        </a:xfrm>
-      </p:grpSpPr>
-      <p:sp>
-        <p:nvSpPr>
-          <p:cNvPr id="2" name="Title 1"/>
-          <p:cNvSpPr>
-            <a:spLocks noGrp="1"/>
-          </p:cNvSpPr>
-          <p:nvPr>
-            <p:ph type="title"/>
-          </p:nvPr>
-        </p:nvSpPr>
-        <p:spPr/>
-        <p:txBody>
-          <a:bodyPr>
-            <a:normAutofit/>
-          </a:bodyPr>
-          <a:lstStyle/>
-          <a:p>
-            <a:r>
-              <a:rPr lang="en-US" dirty="0" smtClean="0"/>
-              <a:t>Contract &amp; purpose statement</a:t>
-            </a:r>
-            <a:endParaRPr lang="en-US" dirty="0"/>
-          </a:p>
-        </p:txBody>
-      </p:sp>
-      <p:sp>
-        <p:nvSpPr>
-          <p:cNvPr id="3" name="Content Placeholder 2"/>
-          <p:cNvSpPr>
-            <a:spLocks noGrp="1"/>
-          </p:cNvSpPr>
-          <p:nvPr>
-            <p:ph idx="1"/>
-          </p:nvPr>
-        </p:nvSpPr>
-        <p:spPr/>
-        <p:txBody>
-          <a:bodyPr>
-            <a:normAutofit/>
-          </a:bodyPr>
-          <a:lstStyle/>
-          <a:p>
-            <a:r>
-              <a:rPr lang="en-US" sz="2400" dirty="0" smtClean="0"/>
-              <a:t>;; free-</a:t>
-            </a:r>
-            <a:r>
-              <a:rPr lang="en-US" sz="2400" dirty="0" err="1" smtClean="0"/>
-              <a:t>vars</a:t>
-            </a:r>
-            <a:r>
-              <a:rPr lang="en-US" sz="2400" dirty="0" smtClean="0"/>
-              <a:t> : </a:t>
-            </a:r>
-            <a:r>
-              <a:rPr lang="en-US" sz="2400" dirty="0" err="1" smtClean="0"/>
-              <a:t>FredExp</a:t>
-            </a:r>
-            <a:r>
-              <a:rPr lang="en-US" sz="2400" dirty="0" smtClean="0"/>
-              <a:t> -&gt; </a:t>
-            </a:r>
-            <a:r>
-              <a:rPr lang="en-US" sz="2400" dirty="0" err="1" smtClean="0"/>
-              <a:t>SetOfSymbol</a:t>
-            </a:r>
-            <a:endParaRPr lang="en-US" sz="2400" dirty="0" smtClean="0"/>
-          </a:p>
-          <a:p>
-            <a:r>
-              <a:rPr lang="en-US" sz="2400" dirty="0" smtClean="0"/>
-              <a:t>;; Produces the set of names that occur free in the given </a:t>
-            </a:r>
-            <a:r>
-              <a:rPr lang="en-US" sz="2400" dirty="0" err="1" smtClean="0"/>
-              <a:t>FredExp</a:t>
-            </a:r>
-            <a:endParaRPr lang="en-US" sz="2400" dirty="0" smtClean="0"/>
-          </a:p>
-          <a:p>
-            <a:r>
-              <a:rPr lang="en-US" sz="2400" dirty="0" smtClean="0"/>
-              <a:t>;; EXAMPLE:</a:t>
-            </a:r>
-          </a:p>
-          <a:p>
-            <a:r>
-              <a:rPr lang="en-US" sz="2400" dirty="0" smtClean="0"/>
-              <a:t>;; (free-</a:t>
-            </a:r>
-            <a:r>
-              <a:rPr lang="en-US" sz="2400" dirty="0" err="1" smtClean="0"/>
-              <a:t>vars</a:t>
-            </a:r>
-            <a:r>
-              <a:rPr lang="en-US" sz="2400" dirty="0" smtClean="0"/>
-              <a:t> (z (lambda (x) (x y)))) = {y, z}</a:t>
-            </a:r>
-          </a:p>
-          <a:p>
-            <a:r>
-              <a:rPr lang="en-US" sz="2400" dirty="0" smtClean="0"/>
-              <a:t>;; strategy: structural decomposition</a:t>
-            </a:r>
-          </a:p>
-          <a:p>
-            <a:endParaRPr lang="en-US" sz="2400" dirty="0" smtClean="0"/>
-          </a:p>
-          <a:p>
-            <a:r>
-              <a:rPr lang="en-US" b="0" dirty="0" smtClean="0">
-                <a:latin typeface="+mn-lt"/>
-              </a:rPr>
-              <a:t>We will represent sets as lists without duplication, as in sets.rkt.</a:t>
-            </a:r>
-            <a:endParaRPr lang="en-US" b="0" dirty="0">
-              <a:latin typeface="+mn-lt"/>
-            </a:endParaRPr>
-          </a:p>
-        </p:txBody>
-      </p:sp>
-      <p:sp>
-        <p:nvSpPr>
-          <p:cNvPr id="4" name="Slide Number Placeholder 3"/>
-          <p:cNvSpPr>
-            <a:spLocks noGrp="1"/>
-          </p:cNvSpPr>
-          <p:nvPr>
-            <p:ph type="sldNum" sz="quarter" idx="12"/>
-          </p:nvPr>
-        </p:nvSpPr>
-        <p:spPr/>
-        <p:txBody>
-          <a:bodyPr/>
-          <a:lstStyle/>
-          <a:p>
-            <a:fld id="{9F4492BD-6A9C-48FC-AC76-0B4FE11194A1}" type="slidenum">
-              <a:rPr lang="en-US" smtClean="0">
-                <a:solidFill>
-                  <a:prstClr val="black">
-                    <a:tint val="75000"/>
-                  </a:prstClr>
-                </a:solidFill>
-              </a:rPr>
-              <a:pPr/>
               <a:t>7</a:t>
             </a:fld>
             <a:endParaRPr lang="en-US">
@@ -7308,7 +7371,7 @@
     </p:spTree>
     <p:extLst>
       <p:ext uri="{BB962C8B-B14F-4D97-AF65-F5344CB8AC3E}">
-        <p14:creationId xmlns:p14="http://schemas.microsoft.com/office/powerpoint/2010/main" val="4258390618"/>
+        <p14:creationId xmlns:p14="http://schemas.microsoft.com/office/powerpoint/2010/main" val="2466460268"/>
       </p:ext>
     </p:extLst>
   </p:cSld>
@@ -7344,6 +7407,31 @@
       </p:grpSpPr>
       <p:sp>
         <p:nvSpPr>
+          <p:cNvPr id="2" name="Title 1"/>
+          <p:cNvSpPr>
+            <a:spLocks noGrp="1"/>
+          </p:cNvSpPr>
+          <p:nvPr>
+            <p:ph type="title"/>
+          </p:nvPr>
+        </p:nvSpPr>
+        <p:spPr/>
+        <p:txBody>
+          <a:bodyPr>
+            <a:normAutofit/>
+          </a:bodyPr>
+          <a:lstStyle/>
+          <a:p>
+            <a:r>
+              <a:rPr lang="en-US" dirty="0" smtClean="0"/>
+              <a:t>Contract &amp; purpose statement</a:t>
+            </a:r>
+            <a:endParaRPr lang="en-US" dirty="0"/>
+          </a:p>
+        </p:txBody>
+      </p:sp>
+      <p:sp>
+        <p:nvSpPr>
           <p:cNvPr id="3" name="Content Placeholder 2"/>
           <p:cNvSpPr>
             <a:spLocks noGrp="1"/>
@@ -7360,359 +7448,86 @@
           <a:lstStyle/>
           <a:p>
             <a:r>
-              <a:rPr lang="en-US" sz="1800" dirty="0"/>
-              <a:t>(define (free-</a:t>
-            </a:r>
-            <a:r>
-              <a:rPr lang="en-US" sz="1800" dirty="0" err="1"/>
+              <a:rPr lang="en-US" sz="2400" dirty="0" smtClean="0"/>
+              <a:t>;; free-</a:t>
+            </a:r>
+            <a:r>
+              <a:rPr lang="en-US" sz="2400" dirty="0" err="1" smtClean="0"/>
               <a:t>vars</a:t>
             </a:r>
             <a:r>
-              <a:rPr lang="en-US" sz="1800" dirty="0"/>
-              <a:t> f) </a:t>
-            </a:r>
-          </a:p>
-          <a:p>
-            <a:r>
-              <a:rPr lang="en-US" sz="1800" dirty="0"/>
-              <a:t>  (</a:t>
-            </a:r>
-            <a:r>
-              <a:rPr lang="en-US" sz="1800" dirty="0" err="1"/>
-              <a:t>cond</a:t>
-            </a:r>
-            <a:endParaRPr lang="en-US" sz="1800" dirty="0"/>
-          </a:p>
-          <a:p>
-            <a:r>
-              <a:rPr lang="en-US" sz="1800" dirty="0"/>
-              <a:t>    [(</a:t>
-            </a:r>
-            <a:r>
-              <a:rPr lang="en-US" sz="1800" dirty="0" err="1"/>
-              <a:t>var</a:t>
-            </a:r>
-            <a:r>
-              <a:rPr lang="en-US" sz="1800" dirty="0"/>
-              <a:t>? f) (list (</a:t>
-            </a:r>
-            <a:r>
-              <a:rPr lang="en-US" sz="1800" dirty="0" err="1"/>
-              <a:t>var</a:t>
-            </a:r>
-            <a:r>
-              <a:rPr lang="en-US" sz="1800" dirty="0"/>
-              <a:t>-name f))]</a:t>
-            </a:r>
-          </a:p>
-          <a:p>
-            <a:r>
-              <a:rPr lang="en-US" sz="1800" dirty="0"/>
-              <a:t>    [(lam? f) (set-minus</a:t>
-            </a:r>
-          </a:p>
-          <a:p>
-            <a:r>
-              <a:rPr lang="en-US" sz="1800" dirty="0"/>
-              <a:t>                (free-</a:t>
-            </a:r>
-            <a:r>
-              <a:rPr lang="en-US" sz="1800" dirty="0" err="1"/>
+              <a:rPr lang="en-US" sz="2400" dirty="0" smtClean="0"/>
+              <a:t> : </a:t>
+            </a:r>
+            <a:r>
+              <a:rPr lang="en-US" sz="2400" dirty="0" err="1" smtClean="0"/>
+              <a:t>FredExp</a:t>
+            </a:r>
+            <a:r>
+              <a:rPr lang="en-US" sz="2400" dirty="0" smtClean="0"/>
+              <a:t> -&gt; </a:t>
+            </a:r>
+            <a:r>
+              <a:rPr lang="en-US" sz="2400" dirty="0" err="1" smtClean="0"/>
+              <a:t>SetOfSymbol</a:t>
+            </a:r>
+            <a:endParaRPr lang="en-US" sz="2400" dirty="0" smtClean="0"/>
+          </a:p>
+          <a:p>
+            <a:r>
+              <a:rPr lang="en-US" sz="2400" dirty="0" smtClean="0"/>
+              <a:t>;; Produces the set of names that occur free in the given </a:t>
+            </a:r>
+            <a:r>
+              <a:rPr lang="en-US" sz="2400" dirty="0" err="1" smtClean="0"/>
+              <a:t>FredExp</a:t>
+            </a:r>
+            <a:endParaRPr lang="en-US" sz="2400" dirty="0" smtClean="0"/>
+          </a:p>
+          <a:p>
+            <a:r>
+              <a:rPr lang="en-US" sz="2400" dirty="0" smtClean="0"/>
+              <a:t>;; EXAMPLE:</a:t>
+            </a:r>
+          </a:p>
+          <a:p>
+            <a:r>
+              <a:rPr lang="en-US" sz="2400" dirty="0" smtClean="0"/>
+              <a:t>;; (free-</a:t>
+            </a:r>
+            <a:r>
+              <a:rPr lang="en-US" sz="2400" dirty="0" err="1" smtClean="0"/>
               <a:t>vars</a:t>
             </a:r>
             <a:r>
-              <a:rPr lang="en-US" sz="1800" dirty="0"/>
-              <a:t> (lam-body f))</a:t>
-            </a:r>
-          </a:p>
-          <a:p>
-            <a:r>
-              <a:rPr lang="en-US" sz="1800" dirty="0"/>
-              <a:t>                (lam-</a:t>
-            </a:r>
-            <a:r>
-              <a:rPr lang="en-US" sz="1800" dirty="0" err="1"/>
-              <a:t>var</a:t>
-            </a:r>
-            <a:r>
-              <a:rPr lang="en-US" sz="1800" dirty="0"/>
-              <a:t> f))]</a:t>
-            </a:r>
-          </a:p>
-          <a:p>
-            <a:r>
-              <a:rPr lang="en-US" sz="1800" dirty="0"/>
-              <a:t>    [(app? f) (set-union</a:t>
-            </a:r>
-          </a:p>
-          <a:p>
-            <a:r>
-              <a:rPr lang="en-US" sz="1800" dirty="0"/>
-              <a:t>                (free-</a:t>
-            </a:r>
-            <a:r>
-              <a:rPr lang="en-US" sz="1800" dirty="0" err="1"/>
-              <a:t>vars</a:t>
-            </a:r>
-            <a:r>
-              <a:rPr lang="en-US" sz="1800" dirty="0"/>
-              <a:t> (app-</a:t>
-            </a:r>
-            <a:r>
-              <a:rPr lang="en-US" sz="1800" dirty="0" err="1"/>
-              <a:t>fn</a:t>
-            </a:r>
-            <a:r>
-              <a:rPr lang="en-US" sz="1800" dirty="0"/>
-              <a:t> f))</a:t>
-            </a:r>
-          </a:p>
-          <a:p>
-            <a:r>
-              <a:rPr lang="en-US" sz="1800" dirty="0"/>
-              <a:t>                (free-</a:t>
-            </a:r>
-            <a:r>
-              <a:rPr lang="en-US" sz="1800" dirty="0" err="1"/>
-              <a:t>vars</a:t>
-            </a:r>
-            <a:r>
-              <a:rPr lang="en-US" sz="1800" dirty="0"/>
-              <a:t> (app-</a:t>
-            </a:r>
-            <a:r>
-              <a:rPr lang="en-US" sz="1800" dirty="0" err="1"/>
-              <a:t>arg</a:t>
-            </a:r>
-            <a:r>
-              <a:rPr lang="en-US" sz="1800" dirty="0"/>
-              <a:t> f)))]))</a:t>
-            </a:r>
-          </a:p>
-          <a:p>
-            <a:endParaRPr lang="en-US" sz="1800" dirty="0"/>
-          </a:p>
-        </p:txBody>
-      </p:sp>
-      <p:sp>
-        <p:nvSpPr>
-          <p:cNvPr id="2" name="Title 1"/>
-          <p:cNvSpPr>
-            <a:spLocks noGrp="1"/>
-          </p:cNvSpPr>
-          <p:nvPr>
-            <p:ph type="title"/>
-          </p:nvPr>
-        </p:nvSpPr>
-        <p:spPr/>
-        <p:txBody>
-          <a:bodyPr/>
-          <a:lstStyle/>
-          <a:p>
-            <a:r>
-              <a:rPr lang="en-US" dirty="0" smtClean="0"/>
-              <a:t>Function Definition</a:t>
-            </a:r>
-            <a:endParaRPr lang="en-US" dirty="0"/>
-          </a:p>
-        </p:txBody>
-      </p:sp>
-      <p:sp>
-        <p:nvSpPr>
-          <p:cNvPr id="10" name="Rectangle 9"/>
-          <p:cNvSpPr/>
-          <p:nvPr/>
-        </p:nvSpPr>
-        <p:spPr>
-          <a:xfrm>
-            <a:off x="5960918" y="1524000"/>
-            <a:ext cx="2743200" cy="2514600"/>
-          </a:xfrm>
-          <a:prstGeom prst="rect">
-            <a:avLst/>
-          </a:prstGeom>
-          <a:solidFill>
-            <a:schemeClr val="accent3">
-              <a:lumMod val="40000"/>
-              <a:lumOff val="60000"/>
-            </a:schemeClr>
-          </a:solidFill>
-          <a:ln/>
-        </p:spPr>
-        <p:style>
-          <a:lnRef idx="2">
-            <a:schemeClr val="accent1"/>
-          </a:lnRef>
-          <a:fillRef idx="1">
-            <a:schemeClr val="lt1"/>
-          </a:fillRef>
-          <a:effectRef idx="0">
-            <a:schemeClr val="accent1"/>
-          </a:effectRef>
-          <a:fontRef idx="minor">
-            <a:schemeClr val="dk1"/>
-          </a:fontRef>
-        </p:style>
-        <p:txBody>
-          <a:bodyPr rot="0" spcFirstLastPara="0" vertOverflow="overflow" horzOverflow="overflow" vert="horz" wrap="square" lIns="91440" tIns="45720" rIns="91440" bIns="45720" numCol="1" spcCol="0" rtlCol="0" fromWordArt="0" anchor="t" anchorCtr="0" forceAA="0" compatLnSpc="1">
-            <a:prstTxWarp prst="textNoShape">
-              <a:avLst/>
-            </a:prstTxWarp>
-            <a:noAutofit/>
-          </a:bodyPr>
-          <a:lstStyle/>
-          <a:p>
-            <a:r>
-              <a:rPr lang="en-US" sz="1400" dirty="0">
-                <a:solidFill>
-                  <a:schemeClr val="tx1"/>
-                </a:solidFill>
-              </a:rPr>
-              <a:t>We can write </a:t>
-            </a:r>
-            <a:r>
-              <a:rPr lang="en-US" sz="1400" b="1" dirty="0">
-                <a:solidFill>
-                  <a:schemeClr val="tx1"/>
-                </a:solidFill>
-              </a:rPr>
-              <a:t>free-</a:t>
-            </a:r>
-            <a:r>
-              <a:rPr lang="en-US" sz="1400" b="1" dirty="0" err="1">
-                <a:solidFill>
-                  <a:schemeClr val="tx1"/>
-                </a:solidFill>
-              </a:rPr>
-              <a:t>vars</a:t>
-            </a:r>
-            <a:r>
-              <a:rPr lang="en-US" sz="1400" dirty="0">
-                <a:solidFill>
-                  <a:schemeClr val="tx1"/>
-                </a:solidFill>
-              </a:rPr>
-              <a:t> as a straightforward structural decomposition, using the set operations from </a:t>
-            </a:r>
-            <a:r>
-              <a:rPr lang="en-US" sz="1400" b="1" dirty="0" err="1">
-                <a:solidFill>
-                  <a:schemeClr val="tx1"/>
-                </a:solidFill>
-              </a:rPr>
-              <a:t>sets.rkt</a:t>
-            </a:r>
-            <a:r>
-              <a:rPr lang="en-US" sz="1400" dirty="0">
-                <a:solidFill>
-                  <a:schemeClr val="tx1"/>
-                </a:solidFill>
-              </a:rPr>
-              <a:t>.  At each </a:t>
-            </a:r>
-            <a:r>
-              <a:rPr lang="en-US" sz="1400" dirty="0" smtClean="0">
-                <a:solidFill>
-                  <a:schemeClr val="tx1"/>
-                </a:solidFill>
-              </a:rPr>
-              <a:t>lam, </a:t>
-            </a:r>
-            <a:r>
-              <a:rPr lang="en-US" sz="1400" dirty="0">
-                <a:solidFill>
-                  <a:schemeClr val="tx1"/>
-                </a:solidFill>
-              </a:rPr>
-              <a:t>we </a:t>
-            </a:r>
-            <a:r>
-              <a:rPr lang="en-US" sz="1400" dirty="0" smtClean="0">
-                <a:solidFill>
-                  <a:schemeClr val="tx1"/>
-                </a:solidFill>
-              </a:rPr>
-              <a:t>find all the variables in the body, and then remove </a:t>
-            </a:r>
-            <a:r>
-              <a:rPr lang="en-US" sz="1400" dirty="0">
-                <a:solidFill>
-                  <a:schemeClr val="tx1"/>
-                </a:solidFill>
-              </a:rPr>
-              <a:t>the </a:t>
-            </a:r>
-            <a:r>
-              <a:rPr lang="en-US" sz="1400" dirty="0" smtClean="0">
-                <a:solidFill>
-                  <a:schemeClr val="tx1"/>
-                </a:solidFill>
-              </a:rPr>
-              <a:t>lambda-variable from that </a:t>
-            </a:r>
-            <a:r>
-              <a:rPr lang="en-US" sz="1400" dirty="0" smtClean="0">
-                <a:solidFill>
-                  <a:schemeClr val="tx1"/>
-                </a:solidFill>
-              </a:rPr>
-              <a:t>set</a:t>
-            </a:r>
-            <a:endParaRPr lang="en-US" sz="1400" dirty="0">
-              <a:solidFill>
-                <a:schemeClr val="tx1"/>
-              </a:solidFill>
+              <a:rPr lang="en-US" sz="2400" dirty="0" smtClean="0"/>
+              <a:t> (z (lambda (x) (x y)))) = {y, z}</a:t>
+            </a:r>
+          </a:p>
+          <a:p>
+            <a:r>
+              <a:rPr lang="en-US" sz="2400" dirty="0" smtClean="0"/>
+              <a:t>;; strategy: Use template for </a:t>
+            </a:r>
+            <a:r>
+              <a:rPr lang="en-US" sz="2400" dirty="0" err="1" smtClean="0"/>
+              <a:t>FredExp</a:t>
+            </a:r>
+            <a:endParaRPr lang="en-US" sz="2400" dirty="0" smtClean="0"/>
+          </a:p>
+          <a:p>
+            <a:endParaRPr lang="en-US" sz="2400" dirty="0" smtClean="0"/>
+          </a:p>
+          <a:p>
+            <a:r>
+              <a:rPr lang="en-US" b="0" dirty="0" smtClean="0">
+                <a:latin typeface="+mn-lt"/>
+              </a:rPr>
+              <a:t>We will represent sets as lists without duplication, as in sets.rkt.</a:t>
+            </a:r>
+            <a:endParaRPr lang="en-US" b="0" dirty="0">
+              <a:latin typeface="+mn-lt"/>
             </a:endParaRPr>
-          </a:p>
-          <a:p>
-            <a:r>
-              <a:rPr lang="en-US" sz="1400" dirty="0" smtClean="0">
-                <a:solidFill>
-                  <a:schemeClr val="tx1"/>
-                </a:solidFill>
-              </a:rPr>
-              <a:t>We </a:t>
-            </a:r>
-            <a:r>
-              <a:rPr lang="en-US" sz="1400" dirty="0">
-                <a:solidFill>
-                  <a:schemeClr val="tx1"/>
-                </a:solidFill>
-              </a:rPr>
-              <a:t>use </a:t>
-            </a:r>
-            <a:r>
-              <a:rPr lang="en-US" sz="1400" b="1" dirty="0">
-                <a:solidFill>
-                  <a:schemeClr val="tx1"/>
-                </a:solidFill>
-              </a:rPr>
-              <a:t>set-union</a:t>
-            </a:r>
-            <a:r>
-              <a:rPr lang="en-US" sz="1400" dirty="0">
-                <a:solidFill>
-                  <a:schemeClr val="tx1"/>
-                </a:solidFill>
-              </a:rPr>
-              <a:t>, rather than </a:t>
-            </a:r>
-            <a:r>
-              <a:rPr lang="en-US" sz="1400" b="1" dirty="0">
-                <a:solidFill>
-                  <a:schemeClr val="tx1"/>
-                </a:solidFill>
-              </a:rPr>
-              <a:t>append</a:t>
-            </a:r>
-            <a:r>
-              <a:rPr lang="en-US" sz="1400" dirty="0">
-                <a:solidFill>
-                  <a:schemeClr val="tx1"/>
-                </a:solidFill>
-              </a:rPr>
-              <a:t> or something like it, because we are supposed to return a set.</a:t>
-            </a:r>
           </a:p>
         </p:txBody>
       </p:sp>
@@ -7752,163 +7567,10 @@
           </a:p>
         </p:txBody>
       </p:sp>
-      <p:sp>
-        <p:nvSpPr>
-          <p:cNvPr id="6" name="TextBox 5"/>
-          <p:cNvSpPr txBox="1"/>
-          <p:nvPr/>
-        </p:nvSpPr>
-        <p:spPr>
-          <a:xfrm>
-            <a:off x="5443284" y="4717257"/>
-            <a:ext cx="3276600" cy="1524000"/>
-          </a:xfrm>
-          <a:prstGeom prst="rect">
-            <a:avLst/>
-          </a:prstGeom>
-          <a:solidFill>
-            <a:schemeClr val="accent3">
-              <a:lumMod val="40000"/>
-              <a:lumOff val="60000"/>
-            </a:schemeClr>
-          </a:solidFill>
-          <a:ln/>
-        </p:spPr>
-        <p:style>
-          <a:lnRef idx="2">
-            <a:schemeClr val="accent1"/>
-          </a:lnRef>
-          <a:fillRef idx="1">
-            <a:schemeClr val="lt1"/>
-          </a:fillRef>
-          <a:effectRef idx="0">
-            <a:schemeClr val="accent1"/>
-          </a:effectRef>
-          <a:fontRef idx="minor">
-            <a:schemeClr val="dk1"/>
-          </a:fontRef>
-        </p:style>
-        <p:txBody>
-          <a:bodyPr rot="0" spcFirstLastPara="0" vertOverflow="overflow" horzOverflow="overflow" vert="horz" wrap="square" lIns="91440" tIns="45720" rIns="91440" bIns="45720" numCol="1" spcCol="0" rtlCol="0" fromWordArt="0" anchor="ctr" anchorCtr="0" forceAA="0" compatLnSpc="1">
-            <a:prstTxWarp prst="textNoShape">
-              <a:avLst/>
-            </a:prstTxWarp>
-            <a:noAutofit/>
-          </a:bodyPr>
-          <a:lstStyle>
-            <a:defPPr>
-              <a:defRPr lang="en-US"/>
-            </a:defPPr>
-            <a:lvl1pPr>
-              <a:defRPr sz="1400"/>
-            </a:lvl1pPr>
-            <a:lvl2pPr>
-              <a:defRPr>
-                <a:solidFill>
-                  <a:schemeClr val="dk1"/>
-                </a:solidFill>
-              </a:defRPr>
-            </a:lvl2pPr>
-            <a:lvl3pPr>
-              <a:defRPr>
-                <a:solidFill>
-                  <a:schemeClr val="dk1"/>
-                </a:solidFill>
-              </a:defRPr>
-            </a:lvl3pPr>
-            <a:lvl4pPr>
-              <a:defRPr>
-                <a:solidFill>
-                  <a:schemeClr val="dk1"/>
-                </a:solidFill>
-              </a:defRPr>
-            </a:lvl4pPr>
-            <a:lvl5pPr>
-              <a:defRPr>
-                <a:solidFill>
-                  <a:schemeClr val="dk1"/>
-                </a:solidFill>
-              </a:defRPr>
-            </a:lvl5pPr>
-            <a:lvl6pPr>
-              <a:defRPr>
-                <a:solidFill>
-                  <a:schemeClr val="dk1"/>
-                </a:solidFill>
-              </a:defRPr>
-            </a:lvl6pPr>
-            <a:lvl7pPr>
-              <a:defRPr>
-                <a:solidFill>
-                  <a:schemeClr val="dk1"/>
-                </a:solidFill>
-              </a:defRPr>
-            </a:lvl7pPr>
-            <a:lvl8pPr>
-              <a:defRPr>
-                <a:solidFill>
-                  <a:schemeClr val="dk1"/>
-                </a:solidFill>
-              </a:defRPr>
-            </a:lvl8pPr>
-            <a:lvl9pPr>
-              <a:defRPr>
-                <a:solidFill>
-                  <a:schemeClr val="dk1"/>
-                </a:solidFill>
-              </a:defRPr>
-            </a:lvl9pPr>
-          </a:lstStyle>
-          <a:p>
-            <a:r>
-              <a:rPr lang="en-US" dirty="0" smtClean="0">
-                <a:solidFill>
-                  <a:schemeClr val="tx1"/>
-                </a:solidFill>
-              </a:rPr>
-              <a:t>If </a:t>
-            </a:r>
-            <a:r>
-              <a:rPr lang="en-US" dirty="0">
-                <a:solidFill>
-                  <a:schemeClr val="tx1"/>
-                </a:solidFill>
-              </a:rPr>
-              <a:t>we represent sets as </a:t>
-            </a:r>
-            <a:r>
-              <a:rPr lang="en-US" dirty="0" smtClean="0">
-                <a:solidFill>
-                  <a:schemeClr val="tx1"/>
-                </a:solidFill>
-              </a:rPr>
-              <a:t>lists, removing the lambda-variable will </a:t>
-            </a:r>
-            <a:r>
-              <a:rPr lang="en-US" dirty="0">
-                <a:solidFill>
-                  <a:schemeClr val="tx1"/>
-                </a:solidFill>
-              </a:rPr>
-              <a:t>require us to scan through the whole list at every lambda and copy some or all of the list. </a:t>
-            </a:r>
-          </a:p>
-          <a:p>
-            <a:r>
-              <a:rPr lang="en-US" dirty="0">
-                <a:solidFill>
-                  <a:schemeClr val="tx1"/>
-                </a:solidFill>
-              </a:rPr>
-              <a:t>This is likely to be an expensive operation.  Can we keep track of contexts to avoid this?</a:t>
-            </a:r>
-          </a:p>
-        </p:txBody>
-      </p:sp>
     </p:spTree>
     <p:extLst>
       <p:ext uri="{BB962C8B-B14F-4D97-AF65-F5344CB8AC3E}">
-        <p14:creationId xmlns:p14="http://schemas.microsoft.com/office/powerpoint/2010/main" val="2755879457"/>
+        <p14:creationId xmlns:p14="http://schemas.microsoft.com/office/powerpoint/2010/main" val="4258390618"/>
       </p:ext>
     </p:extLst>
   </p:cSld>
@@ -7944,7 +7606,7 @@
       </p:grpSpPr>
       <p:sp>
         <p:nvSpPr>
-          <p:cNvPr id="2" name="Title 1"/>
+          <p:cNvPr id="6" name="Title 5"/>
           <p:cNvSpPr>
             <a:spLocks noGrp="1"/>
           </p:cNvSpPr>
@@ -7954,14 +7616,12 @@
         </p:nvSpPr>
         <p:spPr/>
         <p:txBody>
-          <a:bodyPr>
-            <a:normAutofit fontScale="90000"/>
-          </a:bodyPr>
+          <a:bodyPr/>
           <a:lstStyle/>
           <a:p>
             <a:r>
               <a:rPr lang="en-US" dirty="0" smtClean="0"/>
-              <a:t>What do we lose as we descend into the structure?</a:t>
+              <a:t>Here's the template again</a:t>
             </a:r>
             <a:endParaRPr lang="en-US" dirty="0"/>
           </a:p>
@@ -7969,7 +7629,7 @@
       </p:sp>
       <p:sp>
         <p:nvSpPr>
-          <p:cNvPr id="3" name="Content Placeholder 2"/>
+          <p:cNvPr id="7" name="Content Placeholder 6"/>
           <p:cNvSpPr>
             <a:spLocks noGrp="1"/>
           </p:cNvSpPr>
@@ -7980,54 +7640,173 @@
         <p:spPr/>
         <p:txBody>
           <a:bodyPr>
-            <a:normAutofit fontScale="92500" lnSpcReduction="10000"/>
+            <a:normAutofit fontScale="77500" lnSpcReduction="20000"/>
           </a:bodyPr>
           <a:lstStyle/>
           <a:p>
             <a:r>
-              <a:rPr lang="en-US" dirty="0" smtClean="0"/>
-              <a:t>We lose information about which lambda-variables are above us.</a:t>
-            </a:r>
-          </a:p>
-          <a:p>
-            <a:r>
-              <a:rPr lang="en-US" dirty="0" smtClean="0"/>
-              <a:t>Fixed this up "on the way back up" with set-minus.</a:t>
-            </a:r>
-          </a:p>
-          <a:p>
-            <a:r>
-              <a:rPr lang="en-US" dirty="0" smtClean="0"/>
-              <a:t>Alternative: use an accumulator to keep track of the lambda-variables above us</a:t>
-            </a:r>
-          </a:p>
-          <a:p>
-            <a:pPr lvl="1"/>
-            <a:r>
-              <a:rPr lang="en-US" dirty="0" smtClean="0"/>
-              <a:t>when we hit a variable, see if it's already in this list.  If so, it's not free in the whole expression. </a:t>
-            </a:r>
-          </a:p>
-          <a:p>
-            <a:pPr lvl="1"/>
-            <a:r>
-              <a:rPr lang="en-US" dirty="0" smtClean="0"/>
-              <a:t>like the counter in mark-depth</a:t>
-            </a:r>
-          </a:p>
-          <a:p>
-            <a:pPr lvl="1"/>
-            <a:r>
-              <a:rPr lang="en-US" dirty="0" smtClean="0"/>
-              <a:t>taking care of it "on the way down"</a:t>
+              <a:rPr lang="en-US" dirty="0"/>
+              <a:t>;; </a:t>
+            </a:r>
+            <a:r>
+              <a:rPr lang="en-US" dirty="0" err="1"/>
+              <a:t>fredexp-fn</a:t>
+            </a:r>
+            <a:r>
+              <a:rPr lang="en-US" dirty="0"/>
+              <a:t> : </a:t>
+            </a:r>
+            <a:r>
+              <a:rPr lang="en-US" dirty="0" err="1"/>
+              <a:t>FredExp</a:t>
+            </a:r>
+            <a:r>
+              <a:rPr lang="en-US" dirty="0"/>
+              <a:t> -&gt; ?</a:t>
+            </a:r>
+          </a:p>
+          <a:p>
+            <a:r>
+              <a:rPr lang="en-US" dirty="0"/>
+              <a:t>#;</a:t>
+            </a:r>
+          </a:p>
+          <a:p>
+            <a:r>
+              <a:rPr lang="en-US" dirty="0"/>
+              <a:t>(define (</a:t>
+            </a:r>
+            <a:r>
+              <a:rPr lang="en-US" dirty="0" err="1"/>
+              <a:t>fredexp-fn</a:t>
+            </a:r>
+            <a:r>
+              <a:rPr lang="en-US" dirty="0"/>
+              <a:t> f)</a:t>
+            </a:r>
+          </a:p>
+          <a:p>
+            <a:r>
+              <a:rPr lang="en-US" dirty="0"/>
+              <a:t>  (</a:t>
+            </a:r>
+            <a:r>
+              <a:rPr lang="en-US" dirty="0" err="1"/>
+              <a:t>cond</a:t>
             </a:r>
             <a:endParaRPr lang="en-US" dirty="0"/>
           </a:p>
-        </p:txBody>
-      </p:sp>
-      <p:sp>
-        <p:nvSpPr>
-          <p:cNvPr id="4" name="Slide Number Placeholder 3"/>
+          <a:p>
+            <a:r>
+              <a:rPr lang="en-US" dirty="0"/>
+              <a:t>    [(</a:t>
+            </a:r>
+            <a:r>
+              <a:rPr lang="en-US" dirty="0" err="1"/>
+              <a:t>var</a:t>
+            </a:r>
+            <a:r>
+              <a:rPr lang="en-US" dirty="0"/>
+              <a:t>? f) (... (</a:t>
+            </a:r>
+            <a:r>
+              <a:rPr lang="en-US" dirty="0" err="1"/>
+              <a:t>var</a:t>
+            </a:r>
+            <a:r>
+              <a:rPr lang="en-US" dirty="0"/>
+              <a:t>-name f))]</a:t>
+            </a:r>
+          </a:p>
+          <a:p>
+            <a:r>
+              <a:rPr lang="en-US" dirty="0"/>
+              <a:t>    [(lam? f) (...</a:t>
+            </a:r>
+          </a:p>
+          <a:p>
+            <a:r>
+              <a:rPr lang="en-US" dirty="0"/>
+              <a:t>                (lam-</a:t>
+            </a:r>
+            <a:r>
+              <a:rPr lang="en-US" dirty="0" err="1"/>
+              <a:t>var</a:t>
+            </a:r>
+            <a:r>
+              <a:rPr lang="en-US" dirty="0"/>
+              <a:t> f)</a:t>
+            </a:r>
+          </a:p>
+          <a:p>
+            <a:r>
+              <a:rPr lang="en-US" dirty="0"/>
+              <a:t>                (</a:t>
+            </a:r>
+            <a:r>
+              <a:rPr lang="en-US" dirty="0" err="1"/>
+              <a:t>fredexp-fn</a:t>
+            </a:r>
+            <a:r>
+              <a:rPr lang="en-US" dirty="0"/>
+              <a:t> (lam-body f)))]</a:t>
+            </a:r>
+          </a:p>
+          <a:p>
+            <a:r>
+              <a:rPr lang="en-US" dirty="0"/>
+              <a:t>    [(app? f) (...</a:t>
+            </a:r>
+          </a:p>
+          <a:p>
+            <a:r>
+              <a:rPr lang="en-US" dirty="0"/>
+              <a:t>                (</a:t>
+            </a:r>
+            <a:r>
+              <a:rPr lang="en-US" dirty="0" err="1"/>
+              <a:t>fredexp-fn</a:t>
+            </a:r>
+            <a:r>
+              <a:rPr lang="en-US" dirty="0"/>
+              <a:t> (app-</a:t>
+            </a:r>
+            <a:r>
+              <a:rPr lang="en-US" dirty="0" err="1"/>
+              <a:t>fn</a:t>
+            </a:r>
+            <a:r>
+              <a:rPr lang="en-US" dirty="0"/>
+              <a:t> f))</a:t>
+            </a:r>
+          </a:p>
+          <a:p>
+            <a:r>
+              <a:rPr lang="en-US" dirty="0"/>
+              <a:t>                (</a:t>
+            </a:r>
+            <a:r>
+              <a:rPr lang="en-US" dirty="0" err="1"/>
+              <a:t>fredexp-fn</a:t>
+            </a:r>
+            <a:r>
+              <a:rPr lang="en-US" dirty="0"/>
+              <a:t> (app-</a:t>
+            </a:r>
+            <a:r>
+              <a:rPr lang="en-US" dirty="0" err="1"/>
+              <a:t>arg</a:t>
+            </a:r>
+            <a:r>
+              <a:rPr lang="en-US" dirty="0"/>
+              <a:t> f)))]))</a:t>
+            </a:r>
+          </a:p>
+        </p:txBody>
+      </p:sp>
+      <p:sp>
+        <p:nvSpPr>
+          <p:cNvPr id="3" name="Slide Number Placeholder 2"/>
           <p:cNvSpPr>
             <a:spLocks noGrp="1"/>
           </p:cNvSpPr>
@@ -8061,10 +7840,88 @@
           </a:p>
         </p:txBody>
       </p:sp>
+      <p:sp>
+        <p:nvSpPr>
+          <p:cNvPr id="5" name="Rectangle 4"/>
+          <p:cNvSpPr/>
+          <p:nvPr/>
+        </p:nvSpPr>
+        <p:spPr>
+          <a:xfrm>
+            <a:off x="6553200" y="2133600"/>
+            <a:ext cx="2362200" cy="1601787"/>
+          </a:xfrm>
+          <a:prstGeom prst="rect">
+            <a:avLst/>
+          </a:prstGeom>
+          <a:solidFill>
+            <a:schemeClr val="accent3">
+              <a:lumMod val="40000"/>
+              <a:lumOff val="60000"/>
+            </a:schemeClr>
+          </a:solidFill>
+          <a:ln/>
+        </p:spPr>
+        <p:style>
+          <a:lnRef idx="2">
+            <a:schemeClr val="accent1"/>
+          </a:lnRef>
+          <a:fillRef idx="1">
+            <a:schemeClr val="lt1"/>
+          </a:fillRef>
+          <a:effectRef idx="0">
+            <a:schemeClr val="accent1"/>
+          </a:effectRef>
+          <a:fontRef idx="minor">
+            <a:schemeClr val="dk1"/>
+          </a:fontRef>
+        </p:style>
+        <p:txBody>
+          <a:bodyPr rot="0" spcFirstLastPara="0" vertOverflow="overflow" horzOverflow="overflow" vert="horz" wrap="square" lIns="91440" tIns="45720" rIns="91440" bIns="45720" numCol="1" spcCol="0" rtlCol="0" fromWordArt="0" anchor="ctr" anchorCtr="0" forceAA="0" compatLnSpc="1">
+            <a:prstTxWarp prst="textNoShape">
+              <a:avLst/>
+            </a:prstTxWarp>
+            <a:noAutofit/>
+          </a:bodyPr>
+          <a:lstStyle/>
+          <a:p>
+            <a:pPr algn="ctr"/>
+            <a:r>
+              <a:rPr lang="en-US" sz="2400" dirty="0" smtClean="0">
+                <a:solidFill>
+                  <a:schemeClr val="tx1"/>
+                </a:solidFill>
+              </a:rPr>
+              <a:t>What </a:t>
+            </a:r>
+            <a:r>
+              <a:rPr lang="en-US" sz="2400" dirty="0" smtClean="0">
+                <a:solidFill>
+                  <a:schemeClr val="tx1"/>
+                </a:solidFill>
+              </a:rPr>
+              <a:t>happens as </a:t>
+            </a:r>
+            <a:r>
+              <a:rPr lang="en-US" sz="2400" dirty="0" smtClean="0">
+                <a:solidFill>
+                  <a:schemeClr val="tx1"/>
+                </a:solidFill>
+              </a:rPr>
+              <a:t>we descend into the structure?</a:t>
+            </a:r>
+            <a:endParaRPr lang="en-US" sz="2400" dirty="0">
+              <a:solidFill>
+                <a:schemeClr val="tx1"/>
+              </a:solidFill>
+            </a:endParaRPr>
+          </a:p>
+        </p:txBody>
+      </p:sp>
     </p:spTree>
     <p:extLst>
       <p:ext uri="{BB962C8B-B14F-4D97-AF65-F5344CB8AC3E}">
-        <p14:creationId xmlns:p14="http://schemas.microsoft.com/office/powerpoint/2010/main" val="3518516738"/>
+        <p14:creationId xmlns:p14="http://schemas.microsoft.com/office/powerpoint/2010/main" val="3696768219"/>
       </p:ext>
     </p:extLst>
   </p:cSld>

--- a/Slides/Lesson 7.3 Case Study-- Free Variables.pptx
+++ b/Slides/Lesson 7.3 Case Study-- Free Variables.pptx
@@ -2,33 +2,32 @@
 <file path=ppt/presentation.xml><?xml version="1.0" encoding="utf-8"?>
 <p:presentation xmlns:a="http://schemas.openxmlformats.org/drawingml/2006/main" xmlns:r="http://schemas.openxmlformats.org/officeDocument/2006/relationships" xmlns:p="http://schemas.openxmlformats.org/presentationml/2006/main" saveSubsetFonts="1">
   <p:sldMasterIdLst>
-    <p:sldMasterId id="2147483680" r:id="rId1"/>
-    <p:sldMasterId id="2147483686" r:id="rId2"/>
+    <p:sldMasterId id="2147483690" r:id="rId1"/>
   </p:sldMasterIdLst>
   <p:notesMasterIdLst>
-    <p:notesMasterId r:id="rId18"/>
+    <p:notesMasterId r:id="rId17"/>
   </p:notesMasterIdLst>
   <p:sldIdLst>
-    <p:sldId id="271" r:id="rId3"/>
-    <p:sldId id="356" r:id="rId4"/>
-    <p:sldId id="364" r:id="rId5"/>
-    <p:sldId id="365" r:id="rId6"/>
-    <p:sldId id="366" r:id="rId7"/>
-    <p:sldId id="382" r:id="rId8"/>
-    <p:sldId id="367" r:id="rId9"/>
-    <p:sldId id="368" r:id="rId10"/>
-    <p:sldId id="381" r:id="rId11"/>
-    <p:sldId id="370" r:id="rId12"/>
-    <p:sldId id="371" r:id="rId13"/>
-    <p:sldId id="383" r:id="rId14"/>
-    <p:sldId id="372" r:id="rId15"/>
-    <p:sldId id="373" r:id="rId16"/>
-    <p:sldId id="379" r:id="rId17"/>
+    <p:sldId id="271" r:id="rId2"/>
+    <p:sldId id="356" r:id="rId3"/>
+    <p:sldId id="364" r:id="rId4"/>
+    <p:sldId id="365" r:id="rId5"/>
+    <p:sldId id="366" r:id="rId6"/>
+    <p:sldId id="382" r:id="rId7"/>
+    <p:sldId id="367" r:id="rId8"/>
+    <p:sldId id="368" r:id="rId9"/>
+    <p:sldId id="381" r:id="rId10"/>
+    <p:sldId id="370" r:id="rId11"/>
+    <p:sldId id="371" r:id="rId12"/>
+    <p:sldId id="383" r:id="rId13"/>
+    <p:sldId id="372" r:id="rId14"/>
+    <p:sldId id="373" r:id="rId15"/>
+    <p:sldId id="379" r:id="rId16"/>
   </p:sldIdLst>
   <p:sldSz cx="9144000" cy="6858000" type="screen4x3"/>
   <p:notesSz cx="6858000" cy="9144000"/>
   <p:custDataLst>
-    <p:tags r:id="rId19"/>
+    <p:tags r:id="rId18"/>
   </p:custDataLst>
   <p:defaultTextStyle>
     <a:defPPr>
@@ -584,8 +583,8 @@
 </file>
 
 <file path=ppt/slideLayouts/slideLayout1.xml><?xml version="1.0" encoding="utf-8"?>
-<p:sldLayout xmlns:a="http://schemas.openxmlformats.org/drawingml/2006/main" xmlns:r="http://schemas.openxmlformats.org/officeDocument/2006/relationships" xmlns:p="http://schemas.openxmlformats.org/presentationml/2006/main" type="obj">
-  <p:cSld name="Title and Content">
+<p:sldLayout xmlns:a="http://schemas.openxmlformats.org/drawingml/2006/main" xmlns:r="http://schemas.openxmlformats.org/officeDocument/2006/relationships" xmlns:p="http://schemas.openxmlformats.org/presentationml/2006/main" type="title" preserve="1">
+  <p:cSld name="Title Slide">
     <p:spTree>
       <p:nvGrpSpPr>
         <p:cNvPr id="1" name=""/>
@@ -607,7 +606,154 @@
             <a:spLocks noGrp="1"/>
           </p:cNvSpPr>
           <p:nvPr>
-            <p:ph type="title"/>
+            <p:ph type="ctrTitle"/>
+          </p:nvPr>
+        </p:nvSpPr>
+        <p:spPr>
+          <a:xfrm>
+            <a:off x="685800" y="2130425"/>
+            <a:ext cx="7772400" cy="1470025"/>
+          </a:xfrm>
+        </p:spPr>
+        <p:txBody>
+          <a:bodyPr/>
+          <a:lstStyle/>
+          <a:p>
+            <a:r>
+              <a:rPr lang="en-US" smtClean="0"/>
+              <a:t>Click to edit Master title style</a:t>
+            </a:r>
+            <a:endParaRPr lang="en-US"/>
+          </a:p>
+        </p:txBody>
+      </p:sp>
+      <p:sp>
+        <p:nvSpPr>
+          <p:cNvPr id="3" name="Subtitle 2"/>
+          <p:cNvSpPr>
+            <a:spLocks noGrp="1"/>
+          </p:cNvSpPr>
+          <p:nvPr>
+            <p:ph type="subTitle" idx="1"/>
+          </p:nvPr>
+        </p:nvSpPr>
+        <p:spPr>
+          <a:xfrm>
+            <a:off x="1371600" y="3886200"/>
+            <a:ext cx="6400800" cy="1752600"/>
+          </a:xfrm>
+        </p:spPr>
+        <p:txBody>
+          <a:bodyPr/>
+          <a:lstStyle>
+            <a:lvl1pPr marL="0" indent="0" algn="ctr">
+              <a:buNone/>
+              <a:defRPr>
+                <a:solidFill>
+                  <a:schemeClr val="tx1">
+                    <a:tint val="75000"/>
+                  </a:schemeClr>
+                </a:solidFill>
+              </a:defRPr>
+            </a:lvl1pPr>
+            <a:lvl2pPr marL="457200" indent="0" algn="ctr">
+              <a:buNone/>
+              <a:defRPr>
+                <a:solidFill>
+                  <a:schemeClr val="tx1">
+                    <a:tint val="75000"/>
+                  </a:schemeClr>
+                </a:solidFill>
+              </a:defRPr>
+            </a:lvl2pPr>
+            <a:lvl3pPr marL="914400" indent="0" algn="ctr">
+              <a:buNone/>
+              <a:defRPr>
+                <a:solidFill>
+                  <a:schemeClr val="tx1">
+                    <a:tint val="75000"/>
+                  </a:schemeClr>
+                </a:solidFill>
+              </a:defRPr>
+            </a:lvl3pPr>
+            <a:lvl4pPr marL="1371600" indent="0" algn="ctr">
+              <a:buNone/>
+              <a:defRPr>
+                <a:solidFill>
+                  <a:schemeClr val="tx1">
+                    <a:tint val="75000"/>
+                  </a:schemeClr>
+                </a:solidFill>
+              </a:defRPr>
+            </a:lvl4pPr>
+            <a:lvl5pPr marL="1828800" indent="0" algn="ctr">
+              <a:buNone/>
+              <a:defRPr>
+                <a:solidFill>
+                  <a:schemeClr val="tx1">
+                    <a:tint val="75000"/>
+                  </a:schemeClr>
+                </a:solidFill>
+              </a:defRPr>
+            </a:lvl5pPr>
+            <a:lvl6pPr marL="2286000" indent="0" algn="ctr">
+              <a:buNone/>
+              <a:defRPr>
+                <a:solidFill>
+                  <a:schemeClr val="tx1">
+                    <a:tint val="75000"/>
+                  </a:schemeClr>
+                </a:solidFill>
+              </a:defRPr>
+            </a:lvl6pPr>
+            <a:lvl7pPr marL="2743200" indent="0" algn="ctr">
+              <a:buNone/>
+              <a:defRPr>
+                <a:solidFill>
+                  <a:schemeClr val="tx1">
+                    <a:tint val="75000"/>
+                  </a:schemeClr>
+                </a:solidFill>
+              </a:defRPr>
+            </a:lvl7pPr>
+            <a:lvl8pPr marL="3200400" indent="0" algn="ctr">
+              <a:buNone/>
+              <a:defRPr>
+                <a:solidFill>
+                  <a:schemeClr val="tx1">
+                    <a:tint val="75000"/>
+                  </a:schemeClr>
+                </a:solidFill>
+              </a:defRPr>
+            </a:lvl8pPr>
+            <a:lvl9pPr marL="3657600" indent="0" algn="ctr">
+              <a:buNone/>
+              <a:defRPr>
+                <a:solidFill>
+                  <a:schemeClr val="tx1">
+                    <a:tint val="75000"/>
+                  </a:schemeClr>
+                </a:solidFill>
+              </a:defRPr>
+            </a:lvl9pPr>
+          </a:lstStyle>
+          <a:p>
+            <a:r>
+              <a:rPr lang="en-US" smtClean="0"/>
+              <a:t>Click to edit Master subtitle style</a:t>
+            </a:r>
+            <a:endParaRPr lang="en-US"/>
+          </a:p>
+        </p:txBody>
+      </p:sp>
+      <p:sp>
+        <p:nvSpPr>
+          <p:cNvPr id="4" name="Date Placeholder 3"/>
+          <p:cNvSpPr>
+            <a:spLocks noGrp="1"/>
+          </p:cNvSpPr>
+          <p:nvPr>
+            <p:ph type="dt" sz="half" idx="10"/>
           </p:nvPr>
         </p:nvSpPr>
         <p:spPr/>
@@ -615,98 +761,11 @@
           <a:bodyPr/>
           <a:lstStyle/>
           <a:p>
-            <a:r>
-              <a:rPr lang="en-US" smtClean="0"/>
-              <a:t>Click to edit Master title style</a:t>
-            </a:r>
-            <a:endParaRPr lang="en-US"/>
-          </a:p>
-        </p:txBody>
-      </p:sp>
-      <p:sp>
-        <p:nvSpPr>
-          <p:cNvPr id="3" name="Content Placeholder 2"/>
-          <p:cNvSpPr>
-            <a:spLocks noGrp="1"/>
-          </p:cNvSpPr>
-          <p:nvPr>
-            <p:ph idx="1"/>
-          </p:nvPr>
-        </p:nvSpPr>
-        <p:spPr/>
-        <p:txBody>
-          <a:bodyPr/>
-          <a:lstStyle/>
-          <a:p>
-            <a:pPr lvl="0"/>
-            <a:r>
-              <a:rPr lang="en-US" smtClean="0"/>
-              <a:t>Click to edit Master text styles</a:t>
-            </a:r>
-          </a:p>
-          <a:p>
-            <a:pPr lvl="1"/>
-            <a:r>
-              <a:rPr lang="en-US" smtClean="0"/>
-              <a:t>Second level</a:t>
-            </a:r>
-          </a:p>
-          <a:p>
-            <a:pPr lvl="2"/>
-            <a:r>
-              <a:rPr lang="en-US" smtClean="0"/>
-              <a:t>Third level</a:t>
-            </a:r>
-          </a:p>
-          <a:p>
-            <a:pPr lvl="3"/>
-            <a:r>
-              <a:rPr lang="en-US" smtClean="0"/>
-              <a:t>Fourth level</a:t>
-            </a:r>
-          </a:p>
-          <a:p>
-            <a:pPr lvl="4"/>
-            <a:r>
-              <a:rPr lang="en-US" smtClean="0"/>
-              <a:t>Fifth level</a:t>
-            </a:r>
-            <a:endParaRPr lang="en-US"/>
-          </a:p>
-        </p:txBody>
-      </p:sp>
-      <p:sp>
-        <p:nvSpPr>
-          <p:cNvPr id="4" name="Date Placeholder 3"/>
-          <p:cNvSpPr>
-            <a:spLocks noGrp="1"/>
-          </p:cNvSpPr>
-          <p:nvPr>
-            <p:ph type="dt" sz="half" idx="10"/>
-          </p:nvPr>
-        </p:nvSpPr>
-        <p:spPr/>
-        <p:txBody>
-          <a:bodyPr/>
-          <a:lstStyle/>
-          <a:p>
-            <a:fld id="{153A8EAF-233A-46F1-B677-2AEB0E9C38E6}" type="datetime1">
-              <a:rPr lang="en-US" smtClean="0">
-                <a:solidFill>
-                  <a:prstClr val="black">
-                    <a:tint val="75000"/>
-                  </a:prstClr>
-                </a:solidFill>
-              </a:rPr>
+            <a:fld id="{2F1F79F5-7BEC-496A-AFC7-876E38F64D71}" type="datetime1">
+              <a:rPr lang="en-US" smtClean="0"/>
               <a:t>9/28/2015</a:t>
             </a:fld>
-            <a:endParaRPr lang="en-US">
-              <a:solidFill>
-                <a:prstClr val="black">
-                  <a:tint val="75000"/>
-                </a:prstClr>
-              </a:solidFill>
-            </a:endParaRPr>
+            <a:endParaRPr lang="en-US"/>
           </a:p>
         </p:txBody>
       </p:sp>
@@ -725,13 +784,7 @@
           <a:bodyPr/>
           <a:lstStyle/>
           <a:p>
-            <a:endParaRPr lang="en-US">
-              <a:solidFill>
-                <a:prstClr val="black">
-                  <a:tint val="75000"/>
-                </a:prstClr>
-              </a:solidFill>
-            </a:endParaRPr>
+            <a:endParaRPr lang="en-US"/>
           </a:p>
         </p:txBody>
       </p:sp>
@@ -750,28 +803,1002 @@
           <a:bodyPr/>
           <a:lstStyle/>
           <a:p>
-            <a:fld id="{9F4492BD-6A9C-48FC-AC76-0B4FE11194A1}" type="slidenum">
-              <a:rPr lang="en-US" smtClean="0">
-                <a:solidFill>
-                  <a:prstClr val="black">
-                    <a:tint val="75000"/>
-                  </a:prstClr>
-                </a:solidFill>
-              </a:rPr>
-              <a:pPr/>
+            <a:fld id="{2AF3B5EA-18B6-4040-9F78-6052AF49C681}" type="slidenum">
+              <a:rPr lang="en-US" smtClean="0"/>
               <a:t>‹#›</a:t>
             </a:fld>
-            <a:endParaRPr lang="en-US">
-              <a:solidFill>
-                <a:prstClr val="black">
-                  <a:tint val="75000"/>
-                </a:prstClr>
-              </a:solidFill>
-            </a:endParaRPr>
+            <a:endParaRPr lang="en-US"/>
           </a:p>
         </p:txBody>
       </p:sp>
     </p:spTree>
+    <p:extLst>
+      <p:ext uri="{BB962C8B-B14F-4D97-AF65-F5344CB8AC3E}">
+        <p14:creationId xmlns:p14="http://schemas.microsoft.com/office/powerpoint/2010/main" val="2172651555"/>
+      </p:ext>
+    </p:extLst>
+  </p:cSld>
+  <p:clrMapOvr>
+    <a:masterClrMapping/>
+  </p:clrMapOvr>
+  <p:timing>
+    <p:tnLst>
+      <p:par>
+        <p:cTn id="1" dur="indefinite" restart="never" nodeType="tmRoot"/>
+      </p:par>
+    </p:tnLst>
+  </p:timing>
+</p:sldLayout>
+</file>
+
+<file path=ppt/slideLayouts/slideLayout10.xml><?xml version="1.0" encoding="utf-8"?>
+<p:sldLayout xmlns:a="http://schemas.openxmlformats.org/drawingml/2006/main" xmlns:r="http://schemas.openxmlformats.org/officeDocument/2006/relationships" xmlns:p="http://schemas.openxmlformats.org/presentationml/2006/main" type="blank" preserve="1">
+  <p:cSld name="Blank">
+    <p:spTree>
+      <p:nvGrpSpPr>
+        <p:cNvPr id="1" name=""/>
+        <p:cNvGrpSpPr/>
+        <p:nvPr/>
+      </p:nvGrpSpPr>
+      <p:grpSpPr>
+        <a:xfrm>
+          <a:off x="0" y="0"/>
+          <a:ext cx="0" cy="0"/>
+          <a:chOff x="0" y="0"/>
+          <a:chExt cx="0" cy="0"/>
+        </a:xfrm>
+      </p:grpSpPr>
+      <p:sp>
+        <p:nvSpPr>
+          <p:cNvPr id="2" name="Date Placeholder 1"/>
+          <p:cNvSpPr>
+            <a:spLocks noGrp="1"/>
+          </p:cNvSpPr>
+          <p:nvPr>
+            <p:ph type="dt" sz="half" idx="10"/>
+          </p:nvPr>
+        </p:nvSpPr>
+        <p:spPr/>
+        <p:txBody>
+          <a:bodyPr/>
+          <a:lstStyle/>
+          <a:p>
+            <a:fld id="{0A05703A-7669-4FEA-9056-25299B4D29D4}" type="datetime1">
+              <a:rPr lang="en-US" smtClean="0"/>
+              <a:t>9/28/2015</a:t>
+            </a:fld>
+            <a:endParaRPr lang="en-US"/>
+          </a:p>
+        </p:txBody>
+      </p:sp>
+      <p:sp>
+        <p:nvSpPr>
+          <p:cNvPr id="3" name="Footer Placeholder 2"/>
+          <p:cNvSpPr>
+            <a:spLocks noGrp="1"/>
+          </p:cNvSpPr>
+          <p:nvPr>
+            <p:ph type="ftr" sz="quarter" idx="11"/>
+          </p:nvPr>
+        </p:nvSpPr>
+        <p:spPr/>
+        <p:txBody>
+          <a:bodyPr/>
+          <a:lstStyle/>
+          <a:p>
+            <a:endParaRPr lang="en-US"/>
+          </a:p>
+        </p:txBody>
+      </p:sp>
+      <p:sp>
+        <p:nvSpPr>
+          <p:cNvPr id="4" name="Slide Number Placeholder 3"/>
+          <p:cNvSpPr>
+            <a:spLocks noGrp="1"/>
+          </p:cNvSpPr>
+          <p:nvPr>
+            <p:ph type="sldNum" sz="quarter" idx="12"/>
+          </p:nvPr>
+        </p:nvSpPr>
+        <p:spPr/>
+        <p:txBody>
+          <a:bodyPr/>
+          <a:lstStyle/>
+          <a:p>
+            <a:fld id="{2AF3B5EA-18B6-4040-9F78-6052AF49C681}" type="slidenum">
+              <a:rPr lang="en-US" smtClean="0"/>
+              <a:t>‹#›</a:t>
+            </a:fld>
+            <a:endParaRPr lang="en-US"/>
+          </a:p>
+        </p:txBody>
+      </p:sp>
+    </p:spTree>
+    <p:extLst>
+      <p:ext uri="{BB962C8B-B14F-4D97-AF65-F5344CB8AC3E}">
+        <p14:creationId xmlns:p14="http://schemas.microsoft.com/office/powerpoint/2010/main" val="4262270633"/>
+      </p:ext>
+    </p:extLst>
+  </p:cSld>
+  <p:clrMapOvr>
+    <a:masterClrMapping/>
+  </p:clrMapOvr>
+</p:sldLayout>
+</file>
+
+<file path=ppt/slideLayouts/slideLayout11.xml><?xml version="1.0" encoding="utf-8"?>
+<p:sldLayout xmlns:a="http://schemas.openxmlformats.org/drawingml/2006/main" xmlns:r="http://schemas.openxmlformats.org/officeDocument/2006/relationships" xmlns:p="http://schemas.openxmlformats.org/presentationml/2006/main" type="objTx" preserve="1">
+  <p:cSld name="Content with Caption">
+    <p:spTree>
+      <p:nvGrpSpPr>
+        <p:cNvPr id="1" name=""/>
+        <p:cNvGrpSpPr/>
+        <p:nvPr/>
+      </p:nvGrpSpPr>
+      <p:grpSpPr>
+        <a:xfrm>
+          <a:off x="0" y="0"/>
+          <a:ext cx="0" cy="0"/>
+          <a:chOff x="0" y="0"/>
+          <a:chExt cx="0" cy="0"/>
+        </a:xfrm>
+      </p:grpSpPr>
+      <p:sp>
+        <p:nvSpPr>
+          <p:cNvPr id="2" name="Title 1"/>
+          <p:cNvSpPr>
+            <a:spLocks noGrp="1"/>
+          </p:cNvSpPr>
+          <p:nvPr>
+            <p:ph type="title"/>
+          </p:nvPr>
+        </p:nvSpPr>
+        <p:spPr>
+          <a:xfrm>
+            <a:off x="457200" y="273050"/>
+            <a:ext cx="3008313" cy="1162050"/>
+          </a:xfrm>
+        </p:spPr>
+        <p:txBody>
+          <a:bodyPr anchor="b"/>
+          <a:lstStyle>
+            <a:lvl1pPr algn="l">
+              <a:defRPr sz="2000" b="1"/>
+            </a:lvl1pPr>
+          </a:lstStyle>
+          <a:p>
+            <a:r>
+              <a:rPr lang="en-US" smtClean="0"/>
+              <a:t>Click to edit Master title style</a:t>
+            </a:r>
+            <a:endParaRPr lang="en-US"/>
+          </a:p>
+        </p:txBody>
+      </p:sp>
+      <p:sp>
+        <p:nvSpPr>
+          <p:cNvPr id="3" name="Content Placeholder 2"/>
+          <p:cNvSpPr>
+            <a:spLocks noGrp="1"/>
+          </p:cNvSpPr>
+          <p:nvPr>
+            <p:ph idx="1"/>
+          </p:nvPr>
+        </p:nvSpPr>
+        <p:spPr>
+          <a:xfrm>
+            <a:off x="3575050" y="273050"/>
+            <a:ext cx="5111750" cy="5853113"/>
+          </a:xfrm>
+        </p:spPr>
+        <p:txBody>
+          <a:bodyPr/>
+          <a:lstStyle>
+            <a:lvl1pPr>
+              <a:defRPr sz="3200"/>
+            </a:lvl1pPr>
+            <a:lvl2pPr>
+              <a:defRPr sz="2800"/>
+            </a:lvl2pPr>
+            <a:lvl3pPr>
+              <a:defRPr sz="2400"/>
+            </a:lvl3pPr>
+            <a:lvl4pPr>
+              <a:defRPr sz="2000"/>
+            </a:lvl4pPr>
+            <a:lvl5pPr>
+              <a:defRPr sz="2000"/>
+            </a:lvl5pPr>
+            <a:lvl6pPr>
+              <a:defRPr sz="2000"/>
+            </a:lvl6pPr>
+            <a:lvl7pPr>
+              <a:defRPr sz="2000"/>
+            </a:lvl7pPr>
+            <a:lvl8pPr>
+              <a:defRPr sz="2000"/>
+            </a:lvl8pPr>
+            <a:lvl9pPr>
+              <a:defRPr sz="2000"/>
+            </a:lvl9pPr>
+          </a:lstStyle>
+          <a:p>
+            <a:pPr lvl="0"/>
+            <a:r>
+              <a:rPr lang="en-US" smtClean="0"/>
+              <a:t>Click to edit Master text styles</a:t>
+            </a:r>
+          </a:p>
+          <a:p>
+            <a:pPr lvl="1"/>
+            <a:r>
+              <a:rPr lang="en-US" smtClean="0"/>
+              <a:t>Second level</a:t>
+            </a:r>
+          </a:p>
+          <a:p>
+            <a:pPr lvl="2"/>
+            <a:r>
+              <a:rPr lang="en-US" smtClean="0"/>
+              <a:t>Third level</a:t>
+            </a:r>
+          </a:p>
+          <a:p>
+            <a:pPr lvl="3"/>
+            <a:r>
+              <a:rPr lang="en-US" smtClean="0"/>
+              <a:t>Fourth level</a:t>
+            </a:r>
+          </a:p>
+          <a:p>
+            <a:pPr lvl="4"/>
+            <a:r>
+              <a:rPr lang="en-US" smtClean="0"/>
+              <a:t>Fifth level</a:t>
+            </a:r>
+            <a:endParaRPr lang="en-US"/>
+          </a:p>
+        </p:txBody>
+      </p:sp>
+      <p:sp>
+        <p:nvSpPr>
+          <p:cNvPr id="4" name="Text Placeholder 3"/>
+          <p:cNvSpPr>
+            <a:spLocks noGrp="1"/>
+          </p:cNvSpPr>
+          <p:nvPr>
+            <p:ph type="body" sz="half" idx="2"/>
+          </p:nvPr>
+        </p:nvSpPr>
+        <p:spPr>
+          <a:xfrm>
+            <a:off x="457200" y="1435100"/>
+            <a:ext cx="3008313" cy="4691063"/>
+          </a:xfrm>
+        </p:spPr>
+        <p:txBody>
+          <a:bodyPr/>
+          <a:lstStyle>
+            <a:lvl1pPr marL="0" indent="0">
+              <a:buNone/>
+              <a:defRPr sz="1400"/>
+            </a:lvl1pPr>
+            <a:lvl2pPr marL="457200" indent="0">
+              <a:buNone/>
+              <a:defRPr sz="1200"/>
+            </a:lvl2pPr>
+            <a:lvl3pPr marL="914400" indent="0">
+              <a:buNone/>
+              <a:defRPr sz="1000"/>
+            </a:lvl3pPr>
+            <a:lvl4pPr marL="1371600" indent="0">
+              <a:buNone/>
+              <a:defRPr sz="900"/>
+            </a:lvl4pPr>
+            <a:lvl5pPr marL="1828800" indent="0">
+              <a:buNone/>
+              <a:defRPr sz="900"/>
+            </a:lvl5pPr>
+            <a:lvl6pPr marL="2286000" indent="0">
+              <a:buNone/>
+              <a:defRPr sz="900"/>
+            </a:lvl6pPr>
+            <a:lvl7pPr marL="2743200" indent="0">
+              <a:buNone/>
+              <a:defRPr sz="900"/>
+            </a:lvl7pPr>
+            <a:lvl8pPr marL="3200400" indent="0">
+              <a:buNone/>
+              <a:defRPr sz="900"/>
+            </a:lvl8pPr>
+            <a:lvl9pPr marL="3657600" indent="0">
+              <a:buNone/>
+              <a:defRPr sz="900"/>
+            </a:lvl9pPr>
+          </a:lstStyle>
+          <a:p>
+            <a:pPr lvl="0"/>
+            <a:r>
+              <a:rPr lang="en-US" smtClean="0"/>
+              <a:t>Click to edit Master text styles</a:t>
+            </a:r>
+          </a:p>
+        </p:txBody>
+      </p:sp>
+      <p:sp>
+        <p:nvSpPr>
+          <p:cNvPr id="5" name="Date Placeholder 4"/>
+          <p:cNvSpPr>
+            <a:spLocks noGrp="1"/>
+          </p:cNvSpPr>
+          <p:nvPr>
+            <p:ph type="dt" sz="half" idx="10"/>
+          </p:nvPr>
+        </p:nvSpPr>
+        <p:spPr/>
+        <p:txBody>
+          <a:bodyPr/>
+          <a:lstStyle/>
+          <a:p>
+            <a:fld id="{6E5077B5-BB57-49DB-88CA-226A139E5C01}" type="datetime1">
+              <a:rPr lang="en-US" smtClean="0"/>
+              <a:t>9/28/2015</a:t>
+            </a:fld>
+            <a:endParaRPr lang="en-US"/>
+          </a:p>
+        </p:txBody>
+      </p:sp>
+      <p:sp>
+        <p:nvSpPr>
+          <p:cNvPr id="6" name="Footer Placeholder 5"/>
+          <p:cNvSpPr>
+            <a:spLocks noGrp="1"/>
+          </p:cNvSpPr>
+          <p:nvPr>
+            <p:ph type="ftr" sz="quarter" idx="11"/>
+          </p:nvPr>
+        </p:nvSpPr>
+        <p:spPr/>
+        <p:txBody>
+          <a:bodyPr/>
+          <a:lstStyle/>
+          <a:p>
+            <a:endParaRPr lang="en-US"/>
+          </a:p>
+        </p:txBody>
+      </p:sp>
+      <p:sp>
+        <p:nvSpPr>
+          <p:cNvPr id="7" name="Slide Number Placeholder 6"/>
+          <p:cNvSpPr>
+            <a:spLocks noGrp="1"/>
+          </p:cNvSpPr>
+          <p:nvPr>
+            <p:ph type="sldNum" sz="quarter" idx="12"/>
+          </p:nvPr>
+        </p:nvSpPr>
+        <p:spPr/>
+        <p:txBody>
+          <a:bodyPr/>
+          <a:lstStyle/>
+          <a:p>
+            <a:fld id="{2AF3B5EA-18B6-4040-9F78-6052AF49C681}" type="slidenum">
+              <a:rPr lang="en-US" smtClean="0"/>
+              <a:t>‹#›</a:t>
+            </a:fld>
+            <a:endParaRPr lang="en-US"/>
+          </a:p>
+        </p:txBody>
+      </p:sp>
+    </p:spTree>
+    <p:extLst>
+      <p:ext uri="{BB962C8B-B14F-4D97-AF65-F5344CB8AC3E}">
+        <p14:creationId xmlns:p14="http://schemas.microsoft.com/office/powerpoint/2010/main" val="691407091"/>
+      </p:ext>
+    </p:extLst>
+  </p:cSld>
+  <p:clrMapOvr>
+    <a:masterClrMapping/>
+  </p:clrMapOvr>
+</p:sldLayout>
+</file>
+
+<file path=ppt/slideLayouts/slideLayout12.xml><?xml version="1.0" encoding="utf-8"?>
+<p:sldLayout xmlns:a="http://schemas.openxmlformats.org/drawingml/2006/main" xmlns:r="http://schemas.openxmlformats.org/officeDocument/2006/relationships" xmlns:p="http://schemas.openxmlformats.org/presentationml/2006/main" type="picTx" preserve="1">
+  <p:cSld name="Picture with Caption">
+    <p:spTree>
+      <p:nvGrpSpPr>
+        <p:cNvPr id="1" name=""/>
+        <p:cNvGrpSpPr/>
+        <p:nvPr/>
+      </p:nvGrpSpPr>
+      <p:grpSpPr>
+        <a:xfrm>
+          <a:off x="0" y="0"/>
+          <a:ext cx="0" cy="0"/>
+          <a:chOff x="0" y="0"/>
+          <a:chExt cx="0" cy="0"/>
+        </a:xfrm>
+      </p:grpSpPr>
+      <p:sp>
+        <p:nvSpPr>
+          <p:cNvPr id="2" name="Title 1"/>
+          <p:cNvSpPr>
+            <a:spLocks noGrp="1"/>
+          </p:cNvSpPr>
+          <p:nvPr>
+            <p:ph type="title"/>
+          </p:nvPr>
+        </p:nvSpPr>
+        <p:spPr>
+          <a:xfrm>
+            <a:off x="1792288" y="4800600"/>
+            <a:ext cx="5486400" cy="566738"/>
+          </a:xfrm>
+        </p:spPr>
+        <p:txBody>
+          <a:bodyPr anchor="b"/>
+          <a:lstStyle>
+            <a:lvl1pPr algn="l">
+              <a:defRPr sz="2000" b="1"/>
+            </a:lvl1pPr>
+          </a:lstStyle>
+          <a:p>
+            <a:r>
+              <a:rPr lang="en-US" smtClean="0"/>
+              <a:t>Click to edit Master title style</a:t>
+            </a:r>
+            <a:endParaRPr lang="en-US"/>
+          </a:p>
+        </p:txBody>
+      </p:sp>
+      <p:sp>
+        <p:nvSpPr>
+          <p:cNvPr id="3" name="Picture Placeholder 2"/>
+          <p:cNvSpPr>
+            <a:spLocks noGrp="1"/>
+          </p:cNvSpPr>
+          <p:nvPr>
+            <p:ph type="pic" idx="1"/>
+          </p:nvPr>
+        </p:nvSpPr>
+        <p:spPr>
+          <a:xfrm>
+            <a:off x="1792288" y="612775"/>
+            <a:ext cx="5486400" cy="4114800"/>
+          </a:xfrm>
+        </p:spPr>
+        <p:txBody>
+          <a:bodyPr/>
+          <a:lstStyle>
+            <a:lvl1pPr marL="0" indent="0">
+              <a:buNone/>
+              <a:defRPr sz="3200"/>
+            </a:lvl1pPr>
+            <a:lvl2pPr marL="457200" indent="0">
+              <a:buNone/>
+              <a:defRPr sz="2800"/>
+            </a:lvl2pPr>
+            <a:lvl3pPr marL="914400" indent="0">
+              <a:buNone/>
+              <a:defRPr sz="2400"/>
+            </a:lvl3pPr>
+            <a:lvl4pPr marL="1371600" indent="0">
+              <a:buNone/>
+              <a:defRPr sz="2000"/>
+            </a:lvl4pPr>
+            <a:lvl5pPr marL="1828800" indent="0">
+              <a:buNone/>
+              <a:defRPr sz="2000"/>
+            </a:lvl5pPr>
+            <a:lvl6pPr marL="2286000" indent="0">
+              <a:buNone/>
+              <a:defRPr sz="2000"/>
+            </a:lvl6pPr>
+            <a:lvl7pPr marL="2743200" indent="0">
+              <a:buNone/>
+              <a:defRPr sz="2000"/>
+            </a:lvl7pPr>
+            <a:lvl8pPr marL="3200400" indent="0">
+              <a:buNone/>
+              <a:defRPr sz="2000"/>
+            </a:lvl8pPr>
+            <a:lvl9pPr marL="3657600" indent="0">
+              <a:buNone/>
+              <a:defRPr sz="2000"/>
+            </a:lvl9pPr>
+          </a:lstStyle>
+          <a:p>
+            <a:endParaRPr lang="en-US"/>
+          </a:p>
+        </p:txBody>
+      </p:sp>
+      <p:sp>
+        <p:nvSpPr>
+          <p:cNvPr id="4" name="Text Placeholder 3"/>
+          <p:cNvSpPr>
+            <a:spLocks noGrp="1"/>
+          </p:cNvSpPr>
+          <p:nvPr>
+            <p:ph type="body" sz="half" idx="2"/>
+          </p:nvPr>
+        </p:nvSpPr>
+        <p:spPr>
+          <a:xfrm>
+            <a:off x="1792288" y="5367338"/>
+            <a:ext cx="5486400" cy="804862"/>
+          </a:xfrm>
+        </p:spPr>
+        <p:txBody>
+          <a:bodyPr/>
+          <a:lstStyle>
+            <a:lvl1pPr marL="0" indent="0">
+              <a:buNone/>
+              <a:defRPr sz="1400"/>
+            </a:lvl1pPr>
+            <a:lvl2pPr marL="457200" indent="0">
+              <a:buNone/>
+              <a:defRPr sz="1200"/>
+            </a:lvl2pPr>
+            <a:lvl3pPr marL="914400" indent="0">
+              <a:buNone/>
+              <a:defRPr sz="1000"/>
+            </a:lvl3pPr>
+            <a:lvl4pPr marL="1371600" indent="0">
+              <a:buNone/>
+              <a:defRPr sz="900"/>
+            </a:lvl4pPr>
+            <a:lvl5pPr marL="1828800" indent="0">
+              <a:buNone/>
+              <a:defRPr sz="900"/>
+            </a:lvl5pPr>
+            <a:lvl6pPr marL="2286000" indent="0">
+              <a:buNone/>
+              <a:defRPr sz="900"/>
+            </a:lvl6pPr>
+            <a:lvl7pPr marL="2743200" indent="0">
+              <a:buNone/>
+              <a:defRPr sz="900"/>
+            </a:lvl7pPr>
+            <a:lvl8pPr marL="3200400" indent="0">
+              <a:buNone/>
+              <a:defRPr sz="900"/>
+            </a:lvl8pPr>
+            <a:lvl9pPr marL="3657600" indent="0">
+              <a:buNone/>
+              <a:defRPr sz="900"/>
+            </a:lvl9pPr>
+          </a:lstStyle>
+          <a:p>
+            <a:pPr lvl="0"/>
+            <a:r>
+              <a:rPr lang="en-US" smtClean="0"/>
+              <a:t>Click to edit Master text styles</a:t>
+            </a:r>
+          </a:p>
+        </p:txBody>
+      </p:sp>
+      <p:sp>
+        <p:nvSpPr>
+          <p:cNvPr id="5" name="Date Placeholder 4"/>
+          <p:cNvSpPr>
+            <a:spLocks noGrp="1"/>
+          </p:cNvSpPr>
+          <p:nvPr>
+            <p:ph type="dt" sz="half" idx="10"/>
+          </p:nvPr>
+        </p:nvSpPr>
+        <p:spPr/>
+        <p:txBody>
+          <a:bodyPr/>
+          <a:lstStyle/>
+          <a:p>
+            <a:fld id="{C48D9447-CBD6-49A1-89FD-8512A8CF8999}" type="datetime1">
+              <a:rPr lang="en-US" smtClean="0"/>
+              <a:t>9/28/2015</a:t>
+            </a:fld>
+            <a:endParaRPr lang="en-US"/>
+          </a:p>
+        </p:txBody>
+      </p:sp>
+      <p:sp>
+        <p:nvSpPr>
+          <p:cNvPr id="6" name="Footer Placeholder 5"/>
+          <p:cNvSpPr>
+            <a:spLocks noGrp="1"/>
+          </p:cNvSpPr>
+          <p:nvPr>
+            <p:ph type="ftr" sz="quarter" idx="11"/>
+          </p:nvPr>
+        </p:nvSpPr>
+        <p:spPr/>
+        <p:txBody>
+          <a:bodyPr/>
+          <a:lstStyle/>
+          <a:p>
+            <a:endParaRPr lang="en-US"/>
+          </a:p>
+        </p:txBody>
+      </p:sp>
+      <p:sp>
+        <p:nvSpPr>
+          <p:cNvPr id="7" name="Slide Number Placeholder 6"/>
+          <p:cNvSpPr>
+            <a:spLocks noGrp="1"/>
+          </p:cNvSpPr>
+          <p:nvPr>
+            <p:ph type="sldNum" sz="quarter" idx="12"/>
+          </p:nvPr>
+        </p:nvSpPr>
+        <p:spPr/>
+        <p:txBody>
+          <a:bodyPr/>
+          <a:lstStyle/>
+          <a:p>
+            <a:fld id="{2AF3B5EA-18B6-4040-9F78-6052AF49C681}" type="slidenum">
+              <a:rPr lang="en-US" smtClean="0"/>
+              <a:t>‹#›</a:t>
+            </a:fld>
+            <a:endParaRPr lang="en-US"/>
+          </a:p>
+        </p:txBody>
+      </p:sp>
+    </p:spTree>
+    <p:extLst>
+      <p:ext uri="{BB962C8B-B14F-4D97-AF65-F5344CB8AC3E}">
+        <p14:creationId xmlns:p14="http://schemas.microsoft.com/office/powerpoint/2010/main" val="309779332"/>
+      </p:ext>
+    </p:extLst>
+  </p:cSld>
+  <p:clrMapOvr>
+    <a:masterClrMapping/>
+  </p:clrMapOvr>
+</p:sldLayout>
+</file>
+
+<file path=ppt/slideLayouts/slideLayout13.xml><?xml version="1.0" encoding="utf-8"?>
+<p:sldLayout xmlns:a="http://schemas.openxmlformats.org/drawingml/2006/main" xmlns:r="http://schemas.openxmlformats.org/officeDocument/2006/relationships" xmlns:p="http://schemas.openxmlformats.org/presentationml/2006/main" type="vertTx" preserve="1">
+  <p:cSld name="Title and Vertical Text">
+    <p:spTree>
+      <p:nvGrpSpPr>
+        <p:cNvPr id="1" name=""/>
+        <p:cNvGrpSpPr/>
+        <p:nvPr/>
+      </p:nvGrpSpPr>
+      <p:grpSpPr>
+        <a:xfrm>
+          <a:off x="0" y="0"/>
+          <a:ext cx="0" cy="0"/>
+          <a:chOff x="0" y="0"/>
+          <a:chExt cx="0" cy="0"/>
+        </a:xfrm>
+      </p:grpSpPr>
+      <p:sp>
+        <p:nvSpPr>
+          <p:cNvPr id="2" name="Title 1"/>
+          <p:cNvSpPr>
+            <a:spLocks noGrp="1"/>
+          </p:cNvSpPr>
+          <p:nvPr>
+            <p:ph type="title"/>
+          </p:nvPr>
+        </p:nvSpPr>
+        <p:spPr/>
+        <p:txBody>
+          <a:bodyPr/>
+          <a:lstStyle/>
+          <a:p>
+            <a:r>
+              <a:rPr lang="en-US" smtClean="0"/>
+              <a:t>Click to edit Master title style</a:t>
+            </a:r>
+            <a:endParaRPr lang="en-US"/>
+          </a:p>
+        </p:txBody>
+      </p:sp>
+      <p:sp>
+        <p:nvSpPr>
+          <p:cNvPr id="3" name="Vertical Text Placeholder 2"/>
+          <p:cNvSpPr>
+            <a:spLocks noGrp="1"/>
+          </p:cNvSpPr>
+          <p:nvPr>
+            <p:ph type="body" orient="vert" idx="1"/>
+          </p:nvPr>
+        </p:nvSpPr>
+        <p:spPr/>
+        <p:txBody>
+          <a:bodyPr vert="eaVert"/>
+          <a:lstStyle/>
+          <a:p>
+            <a:pPr lvl="0"/>
+            <a:r>
+              <a:rPr lang="en-US" smtClean="0"/>
+              <a:t>Click to edit Master text styles</a:t>
+            </a:r>
+          </a:p>
+          <a:p>
+            <a:pPr lvl="1"/>
+            <a:r>
+              <a:rPr lang="en-US" smtClean="0"/>
+              <a:t>Second level</a:t>
+            </a:r>
+          </a:p>
+          <a:p>
+            <a:pPr lvl="2"/>
+            <a:r>
+              <a:rPr lang="en-US" smtClean="0"/>
+              <a:t>Third level</a:t>
+            </a:r>
+          </a:p>
+          <a:p>
+            <a:pPr lvl="3"/>
+            <a:r>
+              <a:rPr lang="en-US" smtClean="0"/>
+              <a:t>Fourth level</a:t>
+            </a:r>
+          </a:p>
+          <a:p>
+            <a:pPr lvl="4"/>
+            <a:r>
+              <a:rPr lang="en-US" smtClean="0"/>
+              <a:t>Fifth level</a:t>
+            </a:r>
+            <a:endParaRPr lang="en-US"/>
+          </a:p>
+        </p:txBody>
+      </p:sp>
+      <p:sp>
+        <p:nvSpPr>
+          <p:cNvPr id="4" name="Date Placeholder 3"/>
+          <p:cNvSpPr>
+            <a:spLocks noGrp="1"/>
+          </p:cNvSpPr>
+          <p:nvPr>
+            <p:ph type="dt" sz="half" idx="10"/>
+          </p:nvPr>
+        </p:nvSpPr>
+        <p:spPr/>
+        <p:txBody>
+          <a:bodyPr/>
+          <a:lstStyle/>
+          <a:p>
+            <a:fld id="{A3639A2A-823D-48B7-9ACE-7FAF42870BA9}" type="datetime1">
+              <a:rPr lang="en-US" smtClean="0"/>
+              <a:t>9/28/2015</a:t>
+            </a:fld>
+            <a:endParaRPr lang="en-US"/>
+          </a:p>
+        </p:txBody>
+      </p:sp>
+      <p:sp>
+        <p:nvSpPr>
+          <p:cNvPr id="5" name="Footer Placeholder 4"/>
+          <p:cNvSpPr>
+            <a:spLocks noGrp="1"/>
+          </p:cNvSpPr>
+          <p:nvPr>
+            <p:ph type="ftr" sz="quarter" idx="11"/>
+          </p:nvPr>
+        </p:nvSpPr>
+        <p:spPr/>
+        <p:txBody>
+          <a:bodyPr/>
+          <a:lstStyle/>
+          <a:p>
+            <a:endParaRPr lang="en-US"/>
+          </a:p>
+        </p:txBody>
+      </p:sp>
+      <p:sp>
+        <p:nvSpPr>
+          <p:cNvPr id="6" name="Slide Number Placeholder 5"/>
+          <p:cNvSpPr>
+            <a:spLocks noGrp="1"/>
+          </p:cNvSpPr>
+          <p:nvPr>
+            <p:ph type="sldNum" sz="quarter" idx="12"/>
+          </p:nvPr>
+        </p:nvSpPr>
+        <p:spPr/>
+        <p:txBody>
+          <a:bodyPr/>
+          <a:lstStyle/>
+          <a:p>
+            <a:fld id="{2AF3B5EA-18B6-4040-9F78-6052AF49C681}" type="slidenum">
+              <a:rPr lang="en-US" smtClean="0"/>
+              <a:t>‹#›</a:t>
+            </a:fld>
+            <a:endParaRPr lang="en-US"/>
+          </a:p>
+        </p:txBody>
+      </p:sp>
+    </p:spTree>
+    <p:extLst>
+      <p:ext uri="{BB962C8B-B14F-4D97-AF65-F5344CB8AC3E}">
+        <p14:creationId xmlns:p14="http://schemas.microsoft.com/office/powerpoint/2010/main" val="2961059772"/>
+      </p:ext>
+    </p:extLst>
+  </p:cSld>
+  <p:clrMapOvr>
+    <a:masterClrMapping/>
+  </p:clrMapOvr>
+</p:sldLayout>
+</file>
+
+<file path=ppt/slideLayouts/slideLayout14.xml><?xml version="1.0" encoding="utf-8"?>
+<p:sldLayout xmlns:a="http://schemas.openxmlformats.org/drawingml/2006/main" xmlns:r="http://schemas.openxmlformats.org/officeDocument/2006/relationships" xmlns:p="http://schemas.openxmlformats.org/presentationml/2006/main" type="vertTitleAndTx" preserve="1">
+  <p:cSld name="Vertical Title and Text">
+    <p:spTree>
+      <p:nvGrpSpPr>
+        <p:cNvPr id="1" name=""/>
+        <p:cNvGrpSpPr/>
+        <p:nvPr/>
+      </p:nvGrpSpPr>
+      <p:grpSpPr>
+        <a:xfrm>
+          <a:off x="0" y="0"/>
+          <a:ext cx="0" cy="0"/>
+          <a:chOff x="0" y="0"/>
+          <a:chExt cx="0" cy="0"/>
+        </a:xfrm>
+      </p:grpSpPr>
+      <p:sp>
+        <p:nvSpPr>
+          <p:cNvPr id="2" name="Vertical Title 1"/>
+          <p:cNvSpPr>
+            <a:spLocks noGrp="1"/>
+          </p:cNvSpPr>
+          <p:nvPr>
+            <p:ph type="title" orient="vert"/>
+          </p:nvPr>
+        </p:nvSpPr>
+        <p:spPr>
+          <a:xfrm>
+            <a:off x="6629400" y="274638"/>
+            <a:ext cx="2057400" cy="5851525"/>
+          </a:xfrm>
+        </p:spPr>
+        <p:txBody>
+          <a:bodyPr vert="eaVert"/>
+          <a:lstStyle/>
+          <a:p>
+            <a:r>
+              <a:rPr lang="en-US" smtClean="0"/>
+              <a:t>Click to edit Master title style</a:t>
+            </a:r>
+            <a:endParaRPr lang="en-US"/>
+          </a:p>
+        </p:txBody>
+      </p:sp>
+      <p:sp>
+        <p:nvSpPr>
+          <p:cNvPr id="3" name="Vertical Text Placeholder 2"/>
+          <p:cNvSpPr>
+            <a:spLocks noGrp="1"/>
+          </p:cNvSpPr>
+          <p:nvPr>
+            <p:ph type="body" orient="vert" idx="1"/>
+          </p:nvPr>
+        </p:nvSpPr>
+        <p:spPr>
+          <a:xfrm>
+            <a:off x="457200" y="274638"/>
+            <a:ext cx="6019800" cy="5851525"/>
+          </a:xfrm>
+        </p:spPr>
+        <p:txBody>
+          <a:bodyPr vert="eaVert"/>
+          <a:lstStyle/>
+          <a:p>
+            <a:pPr lvl="0"/>
+            <a:r>
+              <a:rPr lang="en-US" smtClean="0"/>
+              <a:t>Click to edit Master text styles</a:t>
+            </a:r>
+          </a:p>
+          <a:p>
+            <a:pPr lvl="1"/>
+            <a:r>
+              <a:rPr lang="en-US" smtClean="0"/>
+              <a:t>Second level</a:t>
+            </a:r>
+          </a:p>
+          <a:p>
+            <a:pPr lvl="2"/>
+            <a:r>
+              <a:rPr lang="en-US" smtClean="0"/>
+              <a:t>Third level</a:t>
+            </a:r>
+          </a:p>
+          <a:p>
+            <a:pPr lvl="3"/>
+            <a:r>
+              <a:rPr lang="en-US" smtClean="0"/>
+              <a:t>Fourth level</a:t>
+            </a:r>
+          </a:p>
+          <a:p>
+            <a:pPr lvl="4"/>
+            <a:r>
+              <a:rPr lang="en-US" smtClean="0"/>
+              <a:t>Fifth level</a:t>
+            </a:r>
+            <a:endParaRPr lang="en-US"/>
+          </a:p>
+        </p:txBody>
+      </p:sp>
+      <p:sp>
+        <p:nvSpPr>
+          <p:cNvPr id="4" name="Date Placeholder 3"/>
+          <p:cNvSpPr>
+            <a:spLocks noGrp="1"/>
+          </p:cNvSpPr>
+          <p:nvPr>
+            <p:ph type="dt" sz="half" idx="10"/>
+          </p:nvPr>
+        </p:nvSpPr>
+        <p:spPr/>
+        <p:txBody>
+          <a:bodyPr/>
+          <a:lstStyle/>
+          <a:p>
+            <a:fld id="{ED1B6996-82E9-463C-972C-7B56056E426C}" type="datetime1">
+              <a:rPr lang="en-US" smtClean="0"/>
+              <a:t>9/28/2015</a:t>
+            </a:fld>
+            <a:endParaRPr lang="en-US"/>
+          </a:p>
+        </p:txBody>
+      </p:sp>
+      <p:sp>
+        <p:nvSpPr>
+          <p:cNvPr id="5" name="Footer Placeholder 4"/>
+          <p:cNvSpPr>
+            <a:spLocks noGrp="1"/>
+          </p:cNvSpPr>
+          <p:nvPr>
+            <p:ph type="ftr" sz="quarter" idx="11"/>
+          </p:nvPr>
+        </p:nvSpPr>
+        <p:spPr/>
+        <p:txBody>
+          <a:bodyPr/>
+          <a:lstStyle/>
+          <a:p>
+            <a:endParaRPr lang="en-US"/>
+          </a:p>
+        </p:txBody>
+      </p:sp>
+      <p:sp>
+        <p:nvSpPr>
+          <p:cNvPr id="6" name="Slide Number Placeholder 5"/>
+          <p:cNvSpPr>
+            <a:spLocks noGrp="1"/>
+          </p:cNvSpPr>
+          <p:nvPr>
+            <p:ph type="sldNum" sz="quarter" idx="12"/>
+          </p:nvPr>
+        </p:nvSpPr>
+        <p:spPr/>
+        <p:txBody>
+          <a:bodyPr/>
+          <a:lstStyle/>
+          <a:p>
+            <a:fld id="{2AF3B5EA-18B6-4040-9F78-6052AF49C681}" type="slidenum">
+              <a:rPr lang="en-US" smtClean="0"/>
+              <a:t>‹#›</a:t>
+            </a:fld>
+            <a:endParaRPr lang="en-US"/>
+          </a:p>
+        </p:txBody>
+      </p:sp>
+    </p:spTree>
+    <p:extLst>
+      <p:ext uri="{BB962C8B-B14F-4D97-AF65-F5344CB8AC3E}">
+        <p14:creationId xmlns:p14="http://schemas.microsoft.com/office/powerpoint/2010/main" val="2126554247"/>
+      </p:ext>
+    </p:extLst>
   </p:cSld>
   <p:clrMapOvr>
     <a:masterClrMapping/>
@@ -788,7 +1815,7 @@
 
 <file path=ppt/slideLayouts/slideLayout2.xml><?xml version="1.0" encoding="utf-8"?>
 <p:sldLayout xmlns:a="http://schemas.openxmlformats.org/drawingml/2006/main" xmlns:r="http://schemas.openxmlformats.org/officeDocument/2006/relationships" xmlns:p="http://schemas.openxmlformats.org/presentationml/2006/main" type="obj" preserve="1">
-  <p:cSld name="Code">
+  <p:cSld name="Title and Content">
     <p:spTree>
       <p:nvGrpSpPr>
         <p:cNvPr id="1" name=""/>
@@ -813,14 +1840,72 @@
             <p:ph type="title"/>
           </p:nvPr>
         </p:nvSpPr>
+        <p:spPr>
+          <a:ln w="28575">
+            <a:solidFill>
+              <a:schemeClr val="accent1"/>
+            </a:solidFill>
+          </a:ln>
+        </p:spPr>
+        <p:txBody>
+          <a:bodyPr/>
+          <a:lstStyle/>
+          <a:p>
+            <a:r>
+              <a:rPr lang="en-US" dirty="0" smtClean="0"/>
+              <a:t>Click to edit Master title style</a:t>
+            </a:r>
+            <a:endParaRPr lang="en-US" dirty="0"/>
+          </a:p>
+        </p:txBody>
+      </p:sp>
+      <p:sp>
+        <p:nvSpPr>
+          <p:cNvPr id="3" name="Content Placeholder 2"/>
+          <p:cNvSpPr>
+            <a:spLocks noGrp="1"/>
+          </p:cNvSpPr>
+          <p:nvPr>
+            <p:ph idx="1"/>
+          </p:nvPr>
+        </p:nvSpPr>
         <p:spPr/>
         <p:txBody>
           <a:bodyPr/>
           <a:lstStyle/>
           <a:p>
-            <a:r>
-              <a:rPr lang="en-US" smtClean="0"/>
-              <a:t>Click to edit Master title style</a:t>
+            <a:pPr lvl="0"/>
+            <a:r>
+              <a:rPr lang="en-US" smtClean="0"/>
+              <a:t>Click to edit Master text styles</a:t>
+            </a:r>
+          </a:p>
+          <a:p>
+            <a:pPr lvl="1"/>
+            <a:r>
+              <a:rPr lang="en-US" smtClean="0"/>
+              <a:t>Second level</a:t>
+            </a:r>
+          </a:p>
+          <a:p>
+            <a:pPr lvl="2"/>
+            <a:r>
+              <a:rPr lang="en-US" smtClean="0"/>
+              <a:t>Third level</a:t>
+            </a:r>
+          </a:p>
+          <a:p>
+            <a:pPr lvl="3"/>
+            <a:r>
+              <a:rPr lang="en-US" smtClean="0"/>
+              <a:t>Fourth level</a:t>
+            </a:r>
+          </a:p>
+          <a:p>
+            <a:pPr lvl="4"/>
+            <a:r>
+              <a:rPr lang="en-US" smtClean="0"/>
+              <a:t>Fifth level</a:t>
             </a:r>
             <a:endParaRPr lang="en-US"/>
           </a:p>
@@ -828,96 +1913,24 @@
       </p:sp>
       <p:sp>
         <p:nvSpPr>
-          <p:cNvPr id="3" name="Content Placeholder 2"/>
-          <p:cNvSpPr>
-            <a:spLocks noGrp="1"/>
-          </p:cNvSpPr>
-          <p:nvPr>
-            <p:ph idx="1"/>
+          <p:cNvPr id="4" name="Date Placeholder 3"/>
+          <p:cNvSpPr>
+            <a:spLocks noGrp="1"/>
+          </p:cNvSpPr>
+          <p:nvPr>
+            <p:ph type="dt" sz="half" idx="10"/>
           </p:nvPr>
         </p:nvSpPr>
         <p:spPr/>
         <p:txBody>
           <a:bodyPr/>
-          <a:lstStyle>
-            <a:lvl1pPr>
-              <a:buNone/>
-              <a:defRPr b="1">
-                <a:latin typeface="Consolas" pitchFamily="49" charset="0"/>
-                <a:cs typeface="Consolas" pitchFamily="49" charset="0"/>
-              </a:defRPr>
-            </a:lvl1pPr>
-          </a:lstStyle>
-          <a:p>
-            <a:pPr lvl="0"/>
-            <a:r>
-              <a:rPr lang="en-US" dirty="0" smtClean="0"/>
-              <a:t>Click to edit Master text styles</a:t>
-            </a:r>
-          </a:p>
-          <a:p>
-            <a:pPr lvl="1"/>
-            <a:r>
-              <a:rPr lang="en-US" dirty="0" smtClean="0"/>
-              <a:t>Second level</a:t>
-            </a:r>
-          </a:p>
-          <a:p>
-            <a:pPr lvl="2"/>
-            <a:r>
-              <a:rPr lang="en-US" dirty="0" smtClean="0"/>
-              <a:t>Third level</a:t>
-            </a:r>
-          </a:p>
-          <a:p>
-            <a:pPr lvl="3"/>
-            <a:r>
-              <a:rPr lang="en-US" dirty="0" smtClean="0"/>
-              <a:t>Fourth level</a:t>
-            </a:r>
-          </a:p>
-          <a:p>
-            <a:pPr lvl="4"/>
-            <a:r>
-              <a:rPr lang="en-US" dirty="0" smtClean="0"/>
-              <a:t>Fifth level</a:t>
-            </a:r>
-            <a:endParaRPr lang="en-US" dirty="0"/>
-          </a:p>
-        </p:txBody>
-      </p:sp>
-      <p:sp>
-        <p:nvSpPr>
-          <p:cNvPr id="4" name="Date Placeholder 3"/>
-          <p:cNvSpPr>
-            <a:spLocks noGrp="1"/>
-          </p:cNvSpPr>
-          <p:nvPr>
-            <p:ph type="dt" sz="half" idx="10"/>
-          </p:nvPr>
-        </p:nvSpPr>
-        <p:spPr/>
-        <p:txBody>
-          <a:bodyPr/>
-          <a:lstStyle/>
-          <a:p>
-            <a:fld id="{F7EB1E17-C3BB-4D7A-BAA6-D27B1128A60A}" type="datetime1">
-              <a:rPr lang="en-US" smtClean="0">
-                <a:solidFill>
-                  <a:prstClr val="black">
-                    <a:tint val="75000"/>
-                  </a:prstClr>
-                </a:solidFill>
-              </a:rPr>
+          <a:lstStyle/>
+          <a:p>
+            <a:fld id="{E22ED4DA-448D-4BB1-B935-CC112220207B}" type="datetime1">
+              <a:rPr lang="en-US" smtClean="0"/>
               <a:t>9/28/2015</a:t>
             </a:fld>
-            <a:endParaRPr lang="en-US">
-              <a:solidFill>
-                <a:prstClr val="black">
-                  <a:tint val="75000"/>
-                </a:prstClr>
-              </a:solidFill>
-            </a:endParaRPr>
+            <a:endParaRPr lang="en-US"/>
           </a:p>
         </p:txBody>
       </p:sp>
@@ -936,13 +1949,7 @@
           <a:bodyPr/>
           <a:lstStyle/>
           <a:p>
-            <a:endParaRPr lang="en-US">
-              <a:solidFill>
-                <a:prstClr val="black">
-                  <a:tint val="75000"/>
-                </a:prstClr>
-              </a:solidFill>
-            </a:endParaRPr>
+            <a:endParaRPr lang="en-US"/>
           </a:p>
         </p:txBody>
       </p:sp>
@@ -961,31 +1968,18 @@
           <a:bodyPr/>
           <a:lstStyle/>
           <a:p>
-            <a:fld id="{9F4492BD-6A9C-48FC-AC76-0B4FE11194A1}" type="slidenum">
-              <a:rPr lang="en-US" smtClean="0">
-                <a:solidFill>
-                  <a:prstClr val="black">
-                    <a:tint val="75000"/>
-                  </a:prstClr>
-                </a:solidFill>
-              </a:rPr>
-              <a:pPr/>
+            <a:fld id="{2AF3B5EA-18B6-4040-9F78-6052AF49C681}" type="slidenum">
+              <a:rPr lang="en-US" smtClean="0"/>
               <a:t>‹#›</a:t>
             </a:fld>
-            <a:endParaRPr lang="en-US">
-              <a:solidFill>
-                <a:prstClr val="black">
-                  <a:tint val="75000"/>
-                </a:prstClr>
-              </a:solidFill>
-            </a:endParaRPr>
+            <a:endParaRPr lang="en-US"/>
           </a:p>
         </p:txBody>
       </p:sp>
     </p:spTree>
     <p:extLst>
       <p:ext uri="{BB962C8B-B14F-4D97-AF65-F5344CB8AC3E}">
-        <p14:creationId xmlns:p14="http://schemas.microsoft.com/office/powerpoint/2010/main" val="196632372"/>
+        <p14:creationId xmlns:p14="http://schemas.microsoft.com/office/powerpoint/2010/main" val="1846173560"/>
       </p:ext>
     </p:extLst>
   </p:cSld>
@@ -1003,8 +1997,8 @@
 </file>
 
 <file path=ppt/slideLayouts/slideLayout3.xml><?xml version="1.0" encoding="utf-8"?>
-<p:sldLayout xmlns:a="http://schemas.openxmlformats.org/drawingml/2006/main" xmlns:r="http://schemas.openxmlformats.org/officeDocument/2006/relationships" xmlns:p="http://schemas.openxmlformats.org/presentationml/2006/main" type="obj">
-  <p:cSld name="Title and Content">
+<p:sldLayout xmlns:a="http://schemas.openxmlformats.org/drawingml/2006/main" xmlns:r="http://schemas.openxmlformats.org/officeDocument/2006/relationships" xmlns:p="http://schemas.openxmlformats.org/presentationml/2006/main" type="obj" preserve="1">
+  <p:cSld name="Video">
     <p:spTree>
       <p:nvGrpSpPr>
         <p:cNvPr id="1" name=""/>
@@ -1052,78 +2046,163 @@
             <p:ph idx="1"/>
           </p:nvPr>
         </p:nvSpPr>
+        <p:spPr>
+          <a:xfrm>
+            <a:off x="1523999" y="2590798"/>
+            <a:ext cx="6096000" cy="2544763"/>
+          </a:xfrm>
+        </p:spPr>
+        <p:txBody>
+          <a:bodyPr/>
+          <a:lstStyle/>
+          <a:p>
+            <a:pPr lvl="0"/>
+            <a:r>
+              <a:rPr lang="en-US" dirty="0" smtClean="0"/>
+              <a:t>Click to edit Master text styles</a:t>
+            </a:r>
+          </a:p>
+          <a:p>
+            <a:pPr lvl="1"/>
+            <a:r>
+              <a:rPr lang="en-US" dirty="0" smtClean="0"/>
+              <a:t>Second level</a:t>
+            </a:r>
+          </a:p>
+          <a:p>
+            <a:pPr lvl="2"/>
+            <a:r>
+              <a:rPr lang="en-US" dirty="0" smtClean="0"/>
+              <a:t>Third level</a:t>
+            </a:r>
+          </a:p>
+          <a:p>
+            <a:pPr lvl="3"/>
+            <a:r>
+              <a:rPr lang="en-US" dirty="0" smtClean="0"/>
+              <a:t>Fourth level</a:t>
+            </a:r>
+          </a:p>
+          <a:p>
+            <a:pPr lvl="4"/>
+            <a:r>
+              <a:rPr lang="en-US" dirty="0" smtClean="0"/>
+              <a:t>Fifth level</a:t>
+            </a:r>
+            <a:endParaRPr lang="en-US" dirty="0"/>
+          </a:p>
+        </p:txBody>
+      </p:sp>
+      <p:sp>
+        <p:nvSpPr>
+          <p:cNvPr id="4" name="Date Placeholder 3"/>
+          <p:cNvSpPr>
+            <a:spLocks noGrp="1"/>
+          </p:cNvSpPr>
+          <p:nvPr>
+            <p:ph type="dt" sz="half" idx="10"/>
+          </p:nvPr>
+        </p:nvSpPr>
         <p:spPr/>
         <p:txBody>
           <a:bodyPr/>
           <a:lstStyle/>
           <a:p>
-            <a:pPr lvl="0"/>
-            <a:r>
-              <a:rPr lang="en-US" smtClean="0"/>
-              <a:t>Click to edit Master text styles</a:t>
-            </a:r>
-          </a:p>
-          <a:p>
-            <a:pPr lvl="1"/>
-            <a:r>
-              <a:rPr lang="en-US" smtClean="0"/>
-              <a:t>Second level</a:t>
-            </a:r>
-          </a:p>
-          <a:p>
-            <a:pPr lvl="2"/>
-            <a:r>
-              <a:rPr lang="en-US" smtClean="0"/>
-              <a:t>Third level</a:t>
-            </a:r>
-          </a:p>
-          <a:p>
-            <a:pPr lvl="3"/>
-            <a:r>
-              <a:rPr lang="en-US" smtClean="0"/>
-              <a:t>Fourth level</a:t>
-            </a:r>
-          </a:p>
-          <a:p>
-            <a:pPr lvl="4"/>
-            <a:r>
-              <a:rPr lang="en-US" smtClean="0"/>
-              <a:t>Fifth level</a:t>
-            </a:r>
-            <a:endParaRPr lang="en-US"/>
-          </a:p>
-        </p:txBody>
-      </p:sp>
-      <p:sp>
-        <p:nvSpPr>
-          <p:cNvPr id="4" name="Date Placeholder 3"/>
-          <p:cNvSpPr>
-            <a:spLocks noGrp="1"/>
-          </p:cNvSpPr>
-          <p:nvPr>
-            <p:ph type="dt" sz="half" idx="10"/>
-          </p:nvPr>
-        </p:nvSpPr>
-        <p:spPr/>
-        <p:txBody>
-          <a:bodyPr/>
-          <a:lstStyle/>
-          <a:p>
-            <a:fld id="{1D9A7C6F-5888-4550-BF95-C01921AC678D}" type="datetime1">
-              <a:rPr lang="en-US" smtClean="0">
-                <a:solidFill>
-                  <a:prstClr val="black">
-                    <a:tint val="75000"/>
-                  </a:prstClr>
-                </a:solidFill>
-              </a:rPr>
+            <a:fld id="{E22ED4DA-448D-4BB1-B935-CC112220207B}" type="datetime1">
+              <a:rPr lang="en-US" smtClean="0"/>
               <a:t>9/28/2015</a:t>
             </a:fld>
-            <a:endParaRPr lang="en-US">
+            <a:endParaRPr lang="en-US"/>
+          </a:p>
+        </p:txBody>
+      </p:sp>
+      <p:sp>
+        <p:nvSpPr>
+          <p:cNvPr id="5" name="Footer Placeholder 4"/>
+          <p:cNvSpPr>
+            <a:spLocks noGrp="1"/>
+          </p:cNvSpPr>
+          <p:nvPr>
+            <p:ph type="ftr" sz="quarter" idx="11"/>
+          </p:nvPr>
+        </p:nvSpPr>
+        <p:spPr/>
+        <p:txBody>
+          <a:bodyPr/>
+          <a:lstStyle/>
+          <a:p>
+            <a:endParaRPr lang="en-US"/>
+          </a:p>
+        </p:txBody>
+      </p:sp>
+      <p:sp>
+        <p:nvSpPr>
+          <p:cNvPr id="6" name="Slide Number Placeholder 5"/>
+          <p:cNvSpPr>
+            <a:spLocks noGrp="1"/>
+          </p:cNvSpPr>
+          <p:nvPr>
+            <p:ph type="sldNum" sz="quarter" idx="12"/>
+          </p:nvPr>
+        </p:nvSpPr>
+        <p:spPr/>
+        <p:txBody>
+          <a:bodyPr/>
+          <a:lstStyle/>
+          <a:p>
+            <a:fld id="{2AF3B5EA-18B6-4040-9F78-6052AF49C681}" type="slidenum">
+              <a:rPr lang="en-US" smtClean="0"/>
+              <a:t>‹#›</a:t>
+            </a:fld>
+            <a:endParaRPr lang="en-US"/>
+          </a:p>
+        </p:txBody>
+      </p:sp>
+      <p:sp>
+        <p:nvSpPr>
+          <p:cNvPr id="7" name="Rectangle 6"/>
+          <p:cNvSpPr/>
+          <p:nvPr userDrawn="1"/>
+        </p:nvSpPr>
+        <p:spPr>
+          <a:xfrm>
+            <a:off x="794551" y="1719223"/>
+            <a:ext cx="7554897" cy="4287915"/>
+          </a:xfrm>
+          <a:prstGeom prst="rect">
+            <a:avLst/>
+          </a:prstGeom>
+          <a:noFill/>
+          <a:ln w="12700">
+            <a:solidFill>
+              <a:schemeClr val="tx1"/>
+            </a:solidFill>
+          </a:ln>
+        </p:spPr>
+        <p:style>
+          <a:lnRef idx="2">
+            <a:schemeClr val="accent1">
+              <a:shade val="50000"/>
+            </a:schemeClr>
+          </a:lnRef>
+          <a:fillRef idx="1">
+            <a:schemeClr val="accent1"/>
+          </a:fillRef>
+          <a:effectRef idx="0">
+            <a:schemeClr val="accent1"/>
+          </a:effectRef>
+          <a:fontRef idx="minor">
+            <a:schemeClr val="lt1"/>
+          </a:fontRef>
+        </p:style>
+        <p:txBody>
+          <a:bodyPr rtlCol="0" anchor="ctr"/>
+          <a:lstStyle/>
+          <a:p>
+            <a:pPr algn="ctr"/>
+            <a:endParaRPr lang="en-US" dirty="0" smtClean="0">
               <a:solidFill>
-                <a:prstClr val="black">
-                  <a:tint val="75000"/>
-                </a:prstClr>
+                <a:schemeClr val="tx1"/>
               </a:solidFill>
             </a:endParaRPr>
           </a:p>
@@ -1131,66 +2210,44 @@
       </p:sp>
       <p:sp>
         <p:nvSpPr>
-          <p:cNvPr id="5" name="Footer Placeholder 4"/>
-          <p:cNvSpPr>
-            <a:spLocks noGrp="1"/>
-          </p:cNvSpPr>
-          <p:nvPr>
-            <p:ph type="ftr" sz="quarter" idx="11"/>
-          </p:nvPr>
-        </p:nvSpPr>
-        <p:spPr/>
-        <p:txBody>
-          <a:bodyPr/>
-          <a:lstStyle/>
-          <a:p>
-            <a:endParaRPr lang="en-US">
-              <a:solidFill>
-                <a:prstClr val="black">
-                  <a:tint val="75000"/>
-                </a:prstClr>
-              </a:solidFill>
-            </a:endParaRPr>
-          </a:p>
-        </p:txBody>
-      </p:sp>
-      <p:sp>
-        <p:nvSpPr>
-          <p:cNvPr id="6" name="Slide Number Placeholder 5"/>
-          <p:cNvSpPr>
-            <a:spLocks noGrp="1"/>
-          </p:cNvSpPr>
-          <p:nvPr>
-            <p:ph type="sldNum" sz="quarter" idx="12"/>
-          </p:nvPr>
-        </p:nvSpPr>
-        <p:spPr/>
-        <p:txBody>
-          <a:bodyPr/>
-          <a:lstStyle/>
-          <a:p>
-            <a:fld id="{9F4492BD-6A9C-48FC-AC76-0B4FE11194A1}" type="slidenum">
-              <a:rPr lang="en-US" smtClean="0">
-                <a:solidFill>
-                  <a:prstClr val="black">
-                    <a:tint val="75000"/>
-                  </a:prstClr>
-                </a:solidFill>
-              </a:rPr>
-              <a:pPr/>
-              <a:t>‹#›</a:t>
-            </a:fld>
-            <a:endParaRPr lang="en-US">
-              <a:solidFill>
-                <a:prstClr val="black">
-                  <a:tint val="75000"/>
-                </a:prstClr>
-              </a:solidFill>
-            </a:endParaRPr>
+          <p:cNvPr id="8" name="TextBox 7"/>
+          <p:cNvSpPr txBox="1"/>
+          <p:nvPr userDrawn="1"/>
+        </p:nvSpPr>
+        <p:spPr>
+          <a:xfrm>
+            <a:off x="5943600" y="1793674"/>
+            <a:ext cx="2286000" cy="646331"/>
+          </a:xfrm>
+          <a:prstGeom prst="rect">
+            <a:avLst/>
+          </a:prstGeom>
+          <a:noFill/>
+        </p:spPr>
+        <p:txBody>
+          <a:bodyPr wrap="square" rtlCol="0">
+            <a:spAutoFit/>
+          </a:bodyPr>
+          <a:lstStyle/>
+          <a:p>
+            <a:r>
+              <a:rPr lang="en-US" dirty="0" smtClean="0"/>
+              <a:t>Resize video to this</a:t>
+            </a:r>
+            <a:r>
+              <a:rPr lang="en-US" baseline="0" dirty="0" smtClean="0"/>
+              <a:t> box.</a:t>
+            </a:r>
+            <a:endParaRPr lang="en-US" dirty="0"/>
           </a:p>
         </p:txBody>
       </p:sp>
     </p:spTree>
+    <p:extLst>
+      <p:ext uri="{BB962C8B-B14F-4D97-AF65-F5344CB8AC3E}">
+        <p14:creationId xmlns:p14="http://schemas.microsoft.com/office/powerpoint/2010/main" val="485645772"/>
+      </p:ext>
+    </p:extLst>
   </p:cSld>
   <p:clrMapOvr>
     <a:masterClrMapping/>
@@ -1206,8 +2263,8 @@
 </file>
 
 <file path=ppt/slideLayouts/slideLayout4.xml><?xml version="1.0" encoding="utf-8"?>
-<p:sldLayout xmlns:a="http://schemas.openxmlformats.org/drawingml/2006/main" xmlns:r="http://schemas.openxmlformats.org/officeDocument/2006/relationships" xmlns:p="http://schemas.openxmlformats.org/presentationml/2006/main" type="title">
-  <p:cSld name="Title Slide">
+<p:sldLayout xmlns:a="http://schemas.openxmlformats.org/drawingml/2006/main" xmlns:r="http://schemas.openxmlformats.org/officeDocument/2006/relationships" xmlns:p="http://schemas.openxmlformats.org/presentationml/2006/main" type="obj" preserve="1">
+  <p:cSld name="Code">
     <p:spTree>
       <p:nvGrpSpPr>
         <p:cNvPr id="1" name=""/>
@@ -1229,18 +2286,441 @@
             <a:spLocks noGrp="1"/>
           </p:cNvSpPr>
           <p:nvPr>
-            <p:ph type="ctrTitle"/>
-          </p:nvPr>
+            <p:ph type="title"/>
+          </p:nvPr>
+        </p:nvSpPr>
+        <p:spPr/>
+        <p:txBody>
+          <a:bodyPr/>
+          <a:lstStyle/>
+          <a:p>
+            <a:r>
+              <a:rPr lang="en-US" smtClean="0"/>
+              <a:t>Click to edit Master title style</a:t>
+            </a:r>
+            <a:endParaRPr lang="en-US"/>
+          </a:p>
+        </p:txBody>
+      </p:sp>
+      <p:sp>
+        <p:nvSpPr>
+          <p:cNvPr id="3" name="Content Placeholder 2"/>
+          <p:cNvSpPr>
+            <a:spLocks noGrp="1"/>
+          </p:cNvSpPr>
+          <p:nvPr>
+            <p:ph idx="1"/>
+          </p:nvPr>
+        </p:nvSpPr>
+        <p:spPr/>
+        <p:txBody>
+          <a:bodyPr/>
+          <a:lstStyle>
+            <a:lvl1pPr marL="0" indent="0">
+              <a:buNone/>
+              <a:defRPr b="1">
+                <a:latin typeface="Consolas" pitchFamily="49" charset="0"/>
+                <a:cs typeface="Consolas" pitchFamily="49" charset="0"/>
+              </a:defRPr>
+            </a:lvl1pPr>
+          </a:lstStyle>
+          <a:p>
+            <a:pPr lvl="0"/>
+            <a:r>
+              <a:rPr lang="en-US" dirty="0" smtClean="0"/>
+              <a:t>Click to edit Master text styles</a:t>
+            </a:r>
+          </a:p>
+          <a:p>
+            <a:pPr lvl="1"/>
+            <a:r>
+              <a:rPr lang="en-US" dirty="0" smtClean="0"/>
+              <a:t>Second level</a:t>
+            </a:r>
+          </a:p>
+          <a:p>
+            <a:pPr lvl="2"/>
+            <a:r>
+              <a:rPr lang="en-US" dirty="0" smtClean="0"/>
+              <a:t>Third level</a:t>
+            </a:r>
+          </a:p>
+          <a:p>
+            <a:pPr lvl="3"/>
+            <a:r>
+              <a:rPr lang="en-US" dirty="0" smtClean="0"/>
+              <a:t>Fourth level</a:t>
+            </a:r>
+          </a:p>
+          <a:p>
+            <a:pPr lvl="4"/>
+            <a:r>
+              <a:rPr lang="en-US" dirty="0" smtClean="0"/>
+              <a:t>Fifth level</a:t>
+            </a:r>
+            <a:endParaRPr lang="en-US" dirty="0"/>
+          </a:p>
+        </p:txBody>
+      </p:sp>
+      <p:sp>
+        <p:nvSpPr>
+          <p:cNvPr id="4" name="Date Placeholder 3"/>
+          <p:cNvSpPr>
+            <a:spLocks noGrp="1"/>
+          </p:cNvSpPr>
+          <p:nvPr>
+            <p:ph type="dt" sz="half" idx="10"/>
+          </p:nvPr>
+        </p:nvSpPr>
+        <p:spPr/>
+        <p:txBody>
+          <a:bodyPr/>
+          <a:lstStyle/>
+          <a:p>
+            <a:fld id="{FF5D65A6-AB94-4435-B0B7-3743215FA46C}" type="datetime1">
+              <a:rPr lang="en-US" smtClean="0"/>
+              <a:t>9/28/2015</a:t>
+            </a:fld>
+            <a:endParaRPr lang="en-US"/>
+          </a:p>
+        </p:txBody>
+      </p:sp>
+      <p:sp>
+        <p:nvSpPr>
+          <p:cNvPr id="5" name="Footer Placeholder 4"/>
+          <p:cNvSpPr>
+            <a:spLocks noGrp="1"/>
+          </p:cNvSpPr>
+          <p:nvPr>
+            <p:ph type="ftr" sz="quarter" idx="11"/>
+          </p:nvPr>
+        </p:nvSpPr>
+        <p:spPr/>
+        <p:txBody>
+          <a:bodyPr/>
+          <a:lstStyle/>
+          <a:p>
+            <a:endParaRPr lang="en-US"/>
+          </a:p>
+        </p:txBody>
+      </p:sp>
+      <p:sp>
+        <p:nvSpPr>
+          <p:cNvPr id="6" name="Slide Number Placeholder 5"/>
+          <p:cNvSpPr>
+            <a:spLocks noGrp="1"/>
+          </p:cNvSpPr>
+          <p:nvPr>
+            <p:ph type="sldNum" sz="quarter" idx="12"/>
+          </p:nvPr>
+        </p:nvSpPr>
+        <p:spPr/>
+        <p:txBody>
+          <a:bodyPr/>
+          <a:lstStyle/>
+          <a:p>
+            <a:fld id="{2AF3B5EA-18B6-4040-9F78-6052AF49C681}" type="slidenum">
+              <a:rPr lang="en-US" smtClean="0"/>
+              <a:t>‹#›</a:t>
+            </a:fld>
+            <a:endParaRPr lang="en-US"/>
+          </a:p>
+        </p:txBody>
+      </p:sp>
+    </p:spTree>
+    <p:extLst>
+      <p:ext uri="{BB962C8B-B14F-4D97-AF65-F5344CB8AC3E}">
+        <p14:creationId xmlns:p14="http://schemas.microsoft.com/office/powerpoint/2010/main" val="502431855"/>
+      </p:ext>
+    </p:extLst>
+  </p:cSld>
+  <p:clrMapOvr>
+    <a:masterClrMapping/>
+  </p:clrMapOvr>
+  <p:timing>
+    <p:tnLst>
+      <p:par>
+        <p:cTn id="1" dur="indefinite" restart="never" nodeType="tmRoot"/>
+      </p:par>
+    </p:tnLst>
+  </p:timing>
+</p:sldLayout>
+</file>
+
+<file path=ppt/slideLayouts/slideLayout5.xml><?xml version="1.0" encoding="utf-8"?>
+<p:sldLayout xmlns:a="http://schemas.openxmlformats.org/drawingml/2006/main" xmlns:r="http://schemas.openxmlformats.org/officeDocument/2006/relationships" xmlns:p="http://schemas.openxmlformats.org/presentationml/2006/main" type="obj" preserve="1">
+  <p:cSld name="Video Clip">
+    <p:spTree>
+      <p:nvGrpSpPr>
+        <p:cNvPr id="1" name=""/>
+        <p:cNvGrpSpPr/>
+        <p:nvPr/>
+      </p:nvGrpSpPr>
+      <p:grpSpPr>
+        <a:xfrm>
+          <a:off x="0" y="0"/>
+          <a:ext cx="0" cy="0"/>
+          <a:chOff x="0" y="0"/>
+          <a:chExt cx="0" cy="0"/>
+        </a:xfrm>
+      </p:grpSpPr>
+      <p:sp>
+        <p:nvSpPr>
+          <p:cNvPr id="2" name="Title 1"/>
+          <p:cNvSpPr>
+            <a:spLocks noGrp="1"/>
+          </p:cNvSpPr>
+          <p:nvPr>
+            <p:ph type="title"/>
+          </p:nvPr>
+        </p:nvSpPr>
+        <p:spPr/>
+        <p:txBody>
+          <a:bodyPr/>
+          <a:lstStyle/>
+          <a:p>
+            <a:r>
+              <a:rPr lang="en-US" smtClean="0"/>
+              <a:t>Click to edit Master title style</a:t>
+            </a:r>
+            <a:endParaRPr lang="en-US"/>
+          </a:p>
+        </p:txBody>
+      </p:sp>
+      <p:sp>
+        <p:nvSpPr>
+          <p:cNvPr id="3" name="Content Placeholder 2"/>
+          <p:cNvSpPr>
+            <a:spLocks noGrp="1"/>
+          </p:cNvSpPr>
+          <p:nvPr>
+            <p:ph idx="1"/>
+          </p:nvPr>
+        </p:nvSpPr>
+        <p:spPr/>
+        <p:txBody>
+          <a:bodyPr/>
+          <a:lstStyle>
+            <a:lvl1pPr marL="0" indent="0">
+              <a:buNone/>
+              <a:defRPr b="1">
+                <a:latin typeface="Consolas" pitchFamily="49" charset="0"/>
+                <a:cs typeface="Consolas" pitchFamily="49" charset="0"/>
+              </a:defRPr>
+            </a:lvl1pPr>
+          </a:lstStyle>
+          <a:p>
+            <a:pPr lvl="0"/>
+            <a:r>
+              <a:rPr lang="en-US" dirty="0" smtClean="0"/>
+              <a:t>Click to edit Master text styles</a:t>
+            </a:r>
+          </a:p>
+          <a:p>
+            <a:pPr lvl="1"/>
+            <a:r>
+              <a:rPr lang="en-US" dirty="0" smtClean="0"/>
+              <a:t>Second level</a:t>
+            </a:r>
+          </a:p>
+          <a:p>
+            <a:pPr lvl="2"/>
+            <a:r>
+              <a:rPr lang="en-US" dirty="0" smtClean="0"/>
+              <a:t>Third level</a:t>
+            </a:r>
+          </a:p>
+          <a:p>
+            <a:pPr lvl="3"/>
+            <a:r>
+              <a:rPr lang="en-US" dirty="0" smtClean="0"/>
+              <a:t>Fourth level</a:t>
+            </a:r>
+          </a:p>
+          <a:p>
+            <a:pPr lvl="4"/>
+            <a:r>
+              <a:rPr lang="en-US" dirty="0" smtClean="0"/>
+              <a:t>Fifth level</a:t>
+            </a:r>
+            <a:endParaRPr lang="en-US" dirty="0"/>
+          </a:p>
+        </p:txBody>
+      </p:sp>
+      <p:sp>
+        <p:nvSpPr>
+          <p:cNvPr id="4" name="Date Placeholder 3"/>
+          <p:cNvSpPr>
+            <a:spLocks noGrp="1"/>
+          </p:cNvSpPr>
+          <p:nvPr>
+            <p:ph type="dt" sz="half" idx="10"/>
+          </p:nvPr>
+        </p:nvSpPr>
+        <p:spPr/>
+        <p:txBody>
+          <a:bodyPr/>
+          <a:lstStyle/>
+          <a:p>
+            <a:fld id="{FF5D65A6-AB94-4435-B0B7-3743215FA46C}" type="datetime1">
+              <a:rPr lang="en-US" smtClean="0"/>
+              <a:t>9/28/2015</a:t>
+            </a:fld>
+            <a:endParaRPr lang="en-US"/>
+          </a:p>
+        </p:txBody>
+      </p:sp>
+      <p:sp>
+        <p:nvSpPr>
+          <p:cNvPr id="5" name="Footer Placeholder 4"/>
+          <p:cNvSpPr>
+            <a:spLocks noGrp="1"/>
+          </p:cNvSpPr>
+          <p:nvPr>
+            <p:ph type="ftr" sz="quarter" idx="11"/>
+          </p:nvPr>
+        </p:nvSpPr>
+        <p:spPr/>
+        <p:txBody>
+          <a:bodyPr/>
+          <a:lstStyle/>
+          <a:p>
+            <a:endParaRPr lang="en-US"/>
+          </a:p>
+        </p:txBody>
+      </p:sp>
+      <p:sp>
+        <p:nvSpPr>
+          <p:cNvPr id="7" name="Rectangle 6"/>
+          <p:cNvSpPr/>
+          <p:nvPr userDrawn="1"/>
         </p:nvSpPr>
         <p:spPr>
           <a:xfrm>
-            <a:off x="685800" y="2130425"/>
-            <a:ext cx="7772400" cy="1470025"/>
+            <a:off x="609600" y="1676400"/>
+            <a:ext cx="7924800" cy="4343400"/>
+          </a:xfrm>
+          <a:prstGeom prst="rect">
+            <a:avLst/>
+          </a:prstGeom>
+          <a:noFill/>
+          <a:ln/>
+        </p:spPr>
+        <p:style>
+          <a:lnRef idx="2">
+            <a:schemeClr val="dk1"/>
+          </a:lnRef>
+          <a:fillRef idx="1">
+            <a:schemeClr val="lt1"/>
+          </a:fillRef>
+          <a:effectRef idx="0">
+            <a:schemeClr val="dk1"/>
+          </a:effectRef>
+          <a:fontRef idx="minor">
+            <a:schemeClr val="dk1"/>
+          </a:fontRef>
+        </p:style>
+        <p:txBody>
+          <a:bodyPr rot="0" spcFirstLastPara="0" vertOverflow="overflow" horzOverflow="overflow" vert="horz" wrap="square" lIns="91440" tIns="45720" rIns="91440" bIns="45720" numCol="1" spcCol="0" rtlCol="0" fromWordArt="0" anchor="ctr" anchorCtr="0" forceAA="0" compatLnSpc="1">
+            <a:prstTxWarp prst="textNoShape">
+              <a:avLst/>
+            </a:prstTxWarp>
+            <a:noAutofit/>
+          </a:bodyPr>
+          <a:lstStyle/>
+          <a:p>
+            <a:pPr algn="ctr"/>
+            <a:endParaRPr lang="en-US" dirty="0">
+              <a:solidFill>
+                <a:schemeClr val="tx1"/>
+              </a:solidFill>
+            </a:endParaRPr>
+          </a:p>
+        </p:txBody>
+      </p:sp>
+      <p:sp>
+        <p:nvSpPr>
+          <p:cNvPr id="6" name="Slide Number Placeholder 5"/>
+          <p:cNvSpPr>
+            <a:spLocks noGrp="1"/>
+          </p:cNvSpPr>
+          <p:nvPr>
+            <p:ph type="sldNum" sz="quarter" idx="12"/>
+          </p:nvPr>
+        </p:nvSpPr>
+        <p:spPr/>
+        <p:txBody>
+          <a:bodyPr/>
+          <a:lstStyle/>
+          <a:p>
+            <a:fld id="{2AF3B5EA-18B6-4040-9F78-6052AF49C681}" type="slidenum">
+              <a:rPr lang="en-US" smtClean="0"/>
+              <a:t>‹#›</a:t>
+            </a:fld>
+            <a:endParaRPr lang="en-US"/>
+          </a:p>
+        </p:txBody>
+      </p:sp>
+    </p:spTree>
+    <p:extLst>
+      <p:ext uri="{BB962C8B-B14F-4D97-AF65-F5344CB8AC3E}">
+        <p14:creationId xmlns:p14="http://schemas.microsoft.com/office/powerpoint/2010/main" val="2781238449"/>
+      </p:ext>
+    </p:extLst>
+  </p:cSld>
+  <p:clrMapOvr>
+    <a:masterClrMapping/>
+  </p:clrMapOvr>
+  <p:timing>
+    <p:tnLst>
+      <p:par>
+        <p:cTn id="1" dur="indefinite" restart="never" nodeType="tmRoot"/>
+      </p:par>
+    </p:tnLst>
+  </p:timing>
+</p:sldLayout>
+</file>
+
+<file path=ppt/slideLayouts/slideLayout6.xml><?xml version="1.0" encoding="utf-8"?>
+<p:sldLayout xmlns:a="http://schemas.openxmlformats.org/drawingml/2006/main" xmlns:r="http://schemas.openxmlformats.org/officeDocument/2006/relationships" xmlns:p="http://schemas.openxmlformats.org/presentationml/2006/main" type="secHead" preserve="1">
+  <p:cSld name="Section Header">
+    <p:spTree>
+      <p:nvGrpSpPr>
+        <p:cNvPr id="1" name=""/>
+        <p:cNvGrpSpPr/>
+        <p:nvPr/>
+      </p:nvGrpSpPr>
+      <p:grpSpPr>
+        <a:xfrm>
+          <a:off x="0" y="0"/>
+          <a:ext cx="0" cy="0"/>
+          <a:chOff x="0" y="0"/>
+          <a:chExt cx="0" cy="0"/>
+        </a:xfrm>
+      </p:grpSpPr>
+      <p:sp>
+        <p:nvSpPr>
+          <p:cNvPr id="2" name="Title 1"/>
+          <p:cNvSpPr>
+            <a:spLocks noGrp="1"/>
+          </p:cNvSpPr>
+          <p:nvPr>
+            <p:ph type="title"/>
+          </p:nvPr>
+        </p:nvSpPr>
+        <p:spPr>
+          <a:xfrm>
+            <a:off x="722313" y="4406900"/>
+            <a:ext cx="7772400" cy="1362075"/>
           </a:xfrm>
         </p:spPr>
         <p:txBody>
-          <a:bodyPr/>
-          <a:lstStyle/>
+          <a:bodyPr anchor="t"/>
+          <a:lstStyle>
+            <a:lvl1pPr algn="l">
+              <a:defRPr sz="4000" b="1" cap="all"/>
+            </a:lvl1pPr>
+          </a:lstStyle>
           <a:p>
             <a:r>
               <a:rPr lang="en-US" smtClean="0"/>
@@ -1252,26 +2732,26 @@
       </p:sp>
       <p:sp>
         <p:nvSpPr>
-          <p:cNvPr id="3" name="Subtitle 2"/>
-          <p:cNvSpPr>
-            <a:spLocks noGrp="1"/>
-          </p:cNvSpPr>
-          <p:nvPr>
-            <p:ph type="subTitle" idx="1"/>
+          <p:cNvPr id="3" name="Text Placeholder 2"/>
+          <p:cNvSpPr>
+            <a:spLocks noGrp="1"/>
+          </p:cNvSpPr>
+          <p:nvPr>
+            <p:ph type="body" idx="1"/>
           </p:nvPr>
         </p:nvSpPr>
         <p:spPr>
           <a:xfrm>
-            <a:off x="1371600" y="3886200"/>
-            <a:ext cx="6400800" cy="1752600"/>
+            <a:off x="722313" y="2906713"/>
+            <a:ext cx="7772400" cy="1500187"/>
           </a:xfrm>
         </p:spPr>
         <p:txBody>
-          <a:bodyPr/>
+          <a:bodyPr anchor="b"/>
           <a:lstStyle>
-            <a:lvl1pPr marL="0" indent="0" algn="ctr">
+            <a:lvl1pPr marL="0" indent="0">
               <a:buNone/>
-              <a:defRPr>
+              <a:defRPr sz="2000">
                 <a:solidFill>
                   <a:schemeClr val="tx1">
                     <a:tint val="75000"/>
@@ -1279,9 +2759,9 @@
                 </a:solidFill>
               </a:defRPr>
             </a:lvl1pPr>
-            <a:lvl2pPr marL="457200" indent="0" algn="ctr">
+            <a:lvl2pPr marL="457200" indent="0">
               <a:buNone/>
-              <a:defRPr>
+              <a:defRPr sz="1800">
                 <a:solidFill>
                   <a:schemeClr val="tx1">
                     <a:tint val="75000"/>
@@ -1289,9 +2769,9 @@
                 </a:solidFill>
               </a:defRPr>
             </a:lvl2pPr>
-            <a:lvl3pPr marL="914400" indent="0" algn="ctr">
+            <a:lvl3pPr marL="914400" indent="0">
               <a:buNone/>
-              <a:defRPr>
+              <a:defRPr sz="1600">
                 <a:solidFill>
                   <a:schemeClr val="tx1">
                     <a:tint val="75000"/>
@@ -1299,9 +2779,9 @@
                 </a:solidFill>
               </a:defRPr>
             </a:lvl3pPr>
-            <a:lvl4pPr marL="1371600" indent="0" algn="ctr">
+            <a:lvl4pPr marL="1371600" indent="0">
               <a:buNone/>
-              <a:defRPr>
+              <a:defRPr sz="1400">
                 <a:solidFill>
                   <a:schemeClr val="tx1">
                     <a:tint val="75000"/>
@@ -1309,9 +2789,9 @@
                 </a:solidFill>
               </a:defRPr>
             </a:lvl4pPr>
-            <a:lvl5pPr marL="1828800" indent="0" algn="ctr">
+            <a:lvl5pPr marL="1828800" indent="0">
               <a:buNone/>
-              <a:defRPr>
+              <a:defRPr sz="1400">
                 <a:solidFill>
                   <a:schemeClr val="tx1">
                     <a:tint val="75000"/>
@@ -1319,9 +2799,9 @@
                 </a:solidFill>
               </a:defRPr>
             </a:lvl5pPr>
-            <a:lvl6pPr marL="2286000" indent="0" algn="ctr">
+            <a:lvl6pPr marL="2286000" indent="0">
               <a:buNone/>
-              <a:defRPr>
+              <a:defRPr sz="1400">
                 <a:solidFill>
                   <a:schemeClr val="tx1">
                     <a:tint val="75000"/>
@@ -1329,9 +2809,9 @@
                 </a:solidFill>
               </a:defRPr>
             </a:lvl6pPr>
-            <a:lvl7pPr marL="2743200" indent="0" algn="ctr">
+            <a:lvl7pPr marL="2743200" indent="0">
               <a:buNone/>
-              <a:defRPr>
+              <a:defRPr sz="1400">
                 <a:solidFill>
                   <a:schemeClr val="tx1">
                     <a:tint val="75000"/>
@@ -1339,9 +2819,9 @@
                 </a:solidFill>
               </a:defRPr>
             </a:lvl7pPr>
-            <a:lvl8pPr marL="3200400" indent="0" algn="ctr">
+            <a:lvl8pPr marL="3200400" indent="0">
               <a:buNone/>
-              <a:defRPr>
+              <a:defRPr sz="1400">
                 <a:solidFill>
                   <a:schemeClr val="tx1">
                     <a:tint val="75000"/>
@@ -1349,9 +2829,9 @@
                 </a:solidFill>
               </a:defRPr>
             </a:lvl8pPr>
-            <a:lvl9pPr marL="3657600" indent="0" algn="ctr">
+            <a:lvl9pPr marL="3657600" indent="0">
               <a:buNone/>
-              <a:defRPr>
+              <a:defRPr sz="1400">
                 <a:solidFill>
                   <a:schemeClr val="tx1">
                     <a:tint val="75000"/>
@@ -1361,11 +2841,11 @@
             </a:lvl9pPr>
           </a:lstStyle>
           <a:p>
-            <a:r>
-              <a:rPr lang="en-US" smtClean="0"/>
-              <a:t>Click to edit Master subtitle style</a:t>
-            </a:r>
-            <a:endParaRPr lang="en-US"/>
+            <a:pPr lvl="0"/>
+            <a:r>
+              <a:rPr lang="en-US" smtClean="0"/>
+              <a:t>Click to edit Master text styles</a:t>
+            </a:r>
           </a:p>
         </p:txBody>
       </p:sp>
@@ -1384,7 +2864,7 @@
           <a:bodyPr/>
           <a:lstStyle/>
           <a:p>
-            <a:fld id="{143427BB-15CD-4F2F-B5E7-2D4A83DA613A}" type="datetime1">
+            <a:fld id="{7C193DC4-6EF0-48C9-B29C-616106A645E1}" type="datetime1">
               <a:rPr lang="en-US" smtClean="0"/>
               <a:t>9/28/2015</a:t>
             </a:fld>
@@ -1426,9 +2906,8 @@
           <a:bodyPr/>
           <a:lstStyle/>
           <a:p>
-            <a:fld id="{9F4492BD-6A9C-48FC-AC76-0B4FE11194A1}" type="slidenum">
-              <a:rPr lang="en-US" smtClean="0"/>
-              <a:pPr/>
+            <a:fld id="{2AF3B5EA-18B6-4040-9F78-6052AF49C681}" type="slidenum">
+              <a:rPr lang="en-US" smtClean="0"/>
               <a:t>‹#›</a:t>
             </a:fld>
             <a:endParaRPr lang="en-US"/>
@@ -1436,6 +2915,839 @@
         </p:txBody>
       </p:sp>
     </p:spTree>
+    <p:extLst>
+      <p:ext uri="{BB962C8B-B14F-4D97-AF65-F5344CB8AC3E}">
+        <p14:creationId xmlns:p14="http://schemas.microsoft.com/office/powerpoint/2010/main" val="2320340239"/>
+      </p:ext>
+    </p:extLst>
+  </p:cSld>
+  <p:clrMapOvr>
+    <a:masterClrMapping/>
+  </p:clrMapOvr>
+</p:sldLayout>
+</file>
+
+<file path=ppt/slideLayouts/slideLayout7.xml><?xml version="1.0" encoding="utf-8"?>
+<p:sldLayout xmlns:a="http://schemas.openxmlformats.org/drawingml/2006/main" xmlns:r="http://schemas.openxmlformats.org/officeDocument/2006/relationships" xmlns:p="http://schemas.openxmlformats.org/presentationml/2006/main" type="twoObj" preserve="1">
+  <p:cSld name="Two Content">
+    <p:spTree>
+      <p:nvGrpSpPr>
+        <p:cNvPr id="1" name=""/>
+        <p:cNvGrpSpPr/>
+        <p:nvPr/>
+      </p:nvGrpSpPr>
+      <p:grpSpPr>
+        <a:xfrm>
+          <a:off x="0" y="0"/>
+          <a:ext cx="0" cy="0"/>
+          <a:chOff x="0" y="0"/>
+          <a:chExt cx="0" cy="0"/>
+        </a:xfrm>
+      </p:grpSpPr>
+      <p:sp>
+        <p:nvSpPr>
+          <p:cNvPr id="2" name="Title 1"/>
+          <p:cNvSpPr>
+            <a:spLocks noGrp="1"/>
+          </p:cNvSpPr>
+          <p:nvPr>
+            <p:ph type="title"/>
+          </p:nvPr>
+        </p:nvSpPr>
+        <p:spPr/>
+        <p:txBody>
+          <a:bodyPr/>
+          <a:lstStyle/>
+          <a:p>
+            <a:r>
+              <a:rPr lang="en-US" smtClean="0"/>
+              <a:t>Click to edit Master title style</a:t>
+            </a:r>
+            <a:endParaRPr lang="en-US"/>
+          </a:p>
+        </p:txBody>
+      </p:sp>
+      <p:sp>
+        <p:nvSpPr>
+          <p:cNvPr id="3" name="Content Placeholder 2"/>
+          <p:cNvSpPr>
+            <a:spLocks noGrp="1"/>
+          </p:cNvSpPr>
+          <p:nvPr>
+            <p:ph sz="half" idx="1"/>
+          </p:nvPr>
+        </p:nvSpPr>
+        <p:spPr>
+          <a:xfrm>
+            <a:off x="457200" y="1600200"/>
+            <a:ext cx="4038600" cy="4525963"/>
+          </a:xfrm>
+        </p:spPr>
+        <p:txBody>
+          <a:bodyPr/>
+          <a:lstStyle>
+            <a:lvl1pPr>
+              <a:defRPr sz="2800"/>
+            </a:lvl1pPr>
+            <a:lvl2pPr>
+              <a:defRPr sz="2400"/>
+            </a:lvl2pPr>
+            <a:lvl3pPr>
+              <a:defRPr sz="2000"/>
+            </a:lvl3pPr>
+            <a:lvl4pPr>
+              <a:defRPr sz="1800"/>
+            </a:lvl4pPr>
+            <a:lvl5pPr>
+              <a:defRPr sz="1800"/>
+            </a:lvl5pPr>
+            <a:lvl6pPr>
+              <a:defRPr sz="1800"/>
+            </a:lvl6pPr>
+            <a:lvl7pPr>
+              <a:defRPr sz="1800"/>
+            </a:lvl7pPr>
+            <a:lvl8pPr>
+              <a:defRPr sz="1800"/>
+            </a:lvl8pPr>
+            <a:lvl9pPr>
+              <a:defRPr sz="1800"/>
+            </a:lvl9pPr>
+          </a:lstStyle>
+          <a:p>
+            <a:pPr lvl="0"/>
+            <a:r>
+              <a:rPr lang="en-US" smtClean="0"/>
+              <a:t>Click to edit Master text styles</a:t>
+            </a:r>
+          </a:p>
+          <a:p>
+            <a:pPr lvl="1"/>
+            <a:r>
+              <a:rPr lang="en-US" smtClean="0"/>
+              <a:t>Second level</a:t>
+            </a:r>
+          </a:p>
+          <a:p>
+            <a:pPr lvl="2"/>
+            <a:r>
+              <a:rPr lang="en-US" smtClean="0"/>
+              <a:t>Third level</a:t>
+            </a:r>
+          </a:p>
+          <a:p>
+            <a:pPr lvl="3"/>
+            <a:r>
+              <a:rPr lang="en-US" smtClean="0"/>
+              <a:t>Fourth level</a:t>
+            </a:r>
+          </a:p>
+          <a:p>
+            <a:pPr lvl="4"/>
+            <a:r>
+              <a:rPr lang="en-US" smtClean="0"/>
+              <a:t>Fifth level</a:t>
+            </a:r>
+            <a:endParaRPr lang="en-US"/>
+          </a:p>
+        </p:txBody>
+      </p:sp>
+      <p:sp>
+        <p:nvSpPr>
+          <p:cNvPr id="4" name="Content Placeholder 3"/>
+          <p:cNvSpPr>
+            <a:spLocks noGrp="1"/>
+          </p:cNvSpPr>
+          <p:nvPr>
+            <p:ph sz="half" idx="2"/>
+          </p:nvPr>
+        </p:nvSpPr>
+        <p:spPr>
+          <a:xfrm>
+            <a:off x="4648200" y="1600200"/>
+            <a:ext cx="4038600" cy="4525963"/>
+          </a:xfrm>
+        </p:spPr>
+        <p:txBody>
+          <a:bodyPr/>
+          <a:lstStyle>
+            <a:lvl1pPr>
+              <a:defRPr sz="2800"/>
+            </a:lvl1pPr>
+            <a:lvl2pPr>
+              <a:defRPr sz="2400"/>
+            </a:lvl2pPr>
+            <a:lvl3pPr>
+              <a:defRPr sz="2000"/>
+            </a:lvl3pPr>
+            <a:lvl4pPr>
+              <a:defRPr sz="1800"/>
+            </a:lvl4pPr>
+            <a:lvl5pPr>
+              <a:defRPr sz="1800"/>
+            </a:lvl5pPr>
+            <a:lvl6pPr>
+              <a:defRPr sz="1800"/>
+            </a:lvl6pPr>
+            <a:lvl7pPr>
+              <a:defRPr sz="1800"/>
+            </a:lvl7pPr>
+            <a:lvl8pPr>
+              <a:defRPr sz="1800"/>
+            </a:lvl8pPr>
+            <a:lvl9pPr>
+              <a:defRPr sz="1800"/>
+            </a:lvl9pPr>
+          </a:lstStyle>
+          <a:p>
+            <a:pPr lvl="0"/>
+            <a:r>
+              <a:rPr lang="en-US" smtClean="0"/>
+              <a:t>Click to edit Master text styles</a:t>
+            </a:r>
+          </a:p>
+          <a:p>
+            <a:pPr lvl="1"/>
+            <a:r>
+              <a:rPr lang="en-US" smtClean="0"/>
+              <a:t>Second level</a:t>
+            </a:r>
+          </a:p>
+          <a:p>
+            <a:pPr lvl="2"/>
+            <a:r>
+              <a:rPr lang="en-US" smtClean="0"/>
+              <a:t>Third level</a:t>
+            </a:r>
+          </a:p>
+          <a:p>
+            <a:pPr lvl="3"/>
+            <a:r>
+              <a:rPr lang="en-US" smtClean="0"/>
+              <a:t>Fourth level</a:t>
+            </a:r>
+          </a:p>
+          <a:p>
+            <a:pPr lvl="4"/>
+            <a:r>
+              <a:rPr lang="en-US" smtClean="0"/>
+              <a:t>Fifth level</a:t>
+            </a:r>
+            <a:endParaRPr lang="en-US"/>
+          </a:p>
+        </p:txBody>
+      </p:sp>
+      <p:sp>
+        <p:nvSpPr>
+          <p:cNvPr id="5" name="Date Placeholder 4"/>
+          <p:cNvSpPr>
+            <a:spLocks noGrp="1"/>
+          </p:cNvSpPr>
+          <p:nvPr>
+            <p:ph type="dt" sz="half" idx="10"/>
+          </p:nvPr>
+        </p:nvSpPr>
+        <p:spPr/>
+        <p:txBody>
+          <a:bodyPr/>
+          <a:lstStyle/>
+          <a:p>
+            <a:fld id="{5D1846AD-9252-4647-9435-4C2AC365653A}" type="datetime1">
+              <a:rPr lang="en-US" smtClean="0"/>
+              <a:t>9/28/2015</a:t>
+            </a:fld>
+            <a:endParaRPr lang="en-US"/>
+          </a:p>
+        </p:txBody>
+      </p:sp>
+      <p:sp>
+        <p:nvSpPr>
+          <p:cNvPr id="6" name="Footer Placeholder 5"/>
+          <p:cNvSpPr>
+            <a:spLocks noGrp="1"/>
+          </p:cNvSpPr>
+          <p:nvPr>
+            <p:ph type="ftr" sz="quarter" idx="11"/>
+          </p:nvPr>
+        </p:nvSpPr>
+        <p:spPr/>
+        <p:txBody>
+          <a:bodyPr/>
+          <a:lstStyle/>
+          <a:p>
+            <a:endParaRPr lang="en-US"/>
+          </a:p>
+        </p:txBody>
+      </p:sp>
+      <p:sp>
+        <p:nvSpPr>
+          <p:cNvPr id="7" name="Slide Number Placeholder 6"/>
+          <p:cNvSpPr>
+            <a:spLocks noGrp="1"/>
+          </p:cNvSpPr>
+          <p:nvPr>
+            <p:ph type="sldNum" sz="quarter" idx="12"/>
+          </p:nvPr>
+        </p:nvSpPr>
+        <p:spPr/>
+        <p:txBody>
+          <a:bodyPr/>
+          <a:lstStyle/>
+          <a:p>
+            <a:fld id="{2AF3B5EA-18B6-4040-9F78-6052AF49C681}" type="slidenum">
+              <a:rPr lang="en-US" smtClean="0"/>
+              <a:t>‹#›</a:t>
+            </a:fld>
+            <a:endParaRPr lang="en-US"/>
+          </a:p>
+        </p:txBody>
+      </p:sp>
+    </p:spTree>
+    <p:extLst>
+      <p:ext uri="{BB962C8B-B14F-4D97-AF65-F5344CB8AC3E}">
+        <p14:creationId xmlns:p14="http://schemas.microsoft.com/office/powerpoint/2010/main" val="1379030089"/>
+      </p:ext>
+    </p:extLst>
+  </p:cSld>
+  <p:clrMapOvr>
+    <a:masterClrMapping/>
+  </p:clrMapOvr>
+</p:sldLayout>
+</file>
+
+<file path=ppt/slideLayouts/slideLayout8.xml><?xml version="1.0" encoding="utf-8"?>
+<p:sldLayout xmlns:a="http://schemas.openxmlformats.org/drawingml/2006/main" xmlns:r="http://schemas.openxmlformats.org/officeDocument/2006/relationships" xmlns:p="http://schemas.openxmlformats.org/presentationml/2006/main" type="twoTxTwoObj" preserve="1">
+  <p:cSld name="Comparison">
+    <p:spTree>
+      <p:nvGrpSpPr>
+        <p:cNvPr id="1" name=""/>
+        <p:cNvGrpSpPr/>
+        <p:nvPr/>
+      </p:nvGrpSpPr>
+      <p:grpSpPr>
+        <a:xfrm>
+          <a:off x="0" y="0"/>
+          <a:ext cx="0" cy="0"/>
+          <a:chOff x="0" y="0"/>
+          <a:chExt cx="0" cy="0"/>
+        </a:xfrm>
+      </p:grpSpPr>
+      <p:sp>
+        <p:nvSpPr>
+          <p:cNvPr id="2" name="Title 1"/>
+          <p:cNvSpPr>
+            <a:spLocks noGrp="1"/>
+          </p:cNvSpPr>
+          <p:nvPr>
+            <p:ph type="title"/>
+          </p:nvPr>
+        </p:nvSpPr>
+        <p:spPr/>
+        <p:txBody>
+          <a:bodyPr/>
+          <a:lstStyle>
+            <a:lvl1pPr>
+              <a:defRPr/>
+            </a:lvl1pPr>
+          </a:lstStyle>
+          <a:p>
+            <a:r>
+              <a:rPr lang="en-US" smtClean="0"/>
+              <a:t>Click to edit Master title style</a:t>
+            </a:r>
+            <a:endParaRPr lang="en-US"/>
+          </a:p>
+        </p:txBody>
+      </p:sp>
+      <p:sp>
+        <p:nvSpPr>
+          <p:cNvPr id="3" name="Text Placeholder 2"/>
+          <p:cNvSpPr>
+            <a:spLocks noGrp="1"/>
+          </p:cNvSpPr>
+          <p:nvPr>
+            <p:ph type="body" idx="1"/>
+          </p:nvPr>
+        </p:nvSpPr>
+        <p:spPr>
+          <a:xfrm>
+            <a:off x="457200" y="1535113"/>
+            <a:ext cx="4040188" cy="639762"/>
+          </a:xfrm>
+        </p:spPr>
+        <p:txBody>
+          <a:bodyPr anchor="b"/>
+          <a:lstStyle>
+            <a:lvl1pPr marL="0" indent="0">
+              <a:buNone/>
+              <a:defRPr sz="2400" b="1"/>
+            </a:lvl1pPr>
+            <a:lvl2pPr marL="457200" indent="0">
+              <a:buNone/>
+              <a:defRPr sz="2000" b="1"/>
+            </a:lvl2pPr>
+            <a:lvl3pPr marL="914400" indent="0">
+              <a:buNone/>
+              <a:defRPr sz="1800" b="1"/>
+            </a:lvl3pPr>
+            <a:lvl4pPr marL="1371600" indent="0">
+              <a:buNone/>
+              <a:defRPr sz="1600" b="1"/>
+            </a:lvl4pPr>
+            <a:lvl5pPr marL="1828800" indent="0">
+              <a:buNone/>
+              <a:defRPr sz="1600" b="1"/>
+            </a:lvl5pPr>
+            <a:lvl6pPr marL="2286000" indent="0">
+              <a:buNone/>
+              <a:defRPr sz="1600" b="1"/>
+            </a:lvl6pPr>
+            <a:lvl7pPr marL="2743200" indent="0">
+              <a:buNone/>
+              <a:defRPr sz="1600" b="1"/>
+            </a:lvl7pPr>
+            <a:lvl8pPr marL="3200400" indent="0">
+              <a:buNone/>
+              <a:defRPr sz="1600" b="1"/>
+            </a:lvl8pPr>
+            <a:lvl9pPr marL="3657600" indent="0">
+              <a:buNone/>
+              <a:defRPr sz="1600" b="1"/>
+            </a:lvl9pPr>
+          </a:lstStyle>
+          <a:p>
+            <a:pPr lvl="0"/>
+            <a:r>
+              <a:rPr lang="en-US" smtClean="0"/>
+              <a:t>Click to edit Master text styles</a:t>
+            </a:r>
+          </a:p>
+        </p:txBody>
+      </p:sp>
+      <p:sp>
+        <p:nvSpPr>
+          <p:cNvPr id="4" name="Content Placeholder 3"/>
+          <p:cNvSpPr>
+            <a:spLocks noGrp="1"/>
+          </p:cNvSpPr>
+          <p:nvPr>
+            <p:ph sz="half" idx="2"/>
+          </p:nvPr>
+        </p:nvSpPr>
+        <p:spPr>
+          <a:xfrm>
+            <a:off x="457200" y="2174875"/>
+            <a:ext cx="4040188" cy="3951288"/>
+          </a:xfrm>
+        </p:spPr>
+        <p:txBody>
+          <a:bodyPr/>
+          <a:lstStyle>
+            <a:lvl1pPr>
+              <a:defRPr sz="2400"/>
+            </a:lvl1pPr>
+            <a:lvl2pPr>
+              <a:defRPr sz="2000"/>
+            </a:lvl2pPr>
+            <a:lvl3pPr>
+              <a:defRPr sz="1800"/>
+            </a:lvl3pPr>
+            <a:lvl4pPr>
+              <a:defRPr sz="1600"/>
+            </a:lvl4pPr>
+            <a:lvl5pPr>
+              <a:defRPr sz="1600"/>
+            </a:lvl5pPr>
+            <a:lvl6pPr>
+              <a:defRPr sz="1600"/>
+            </a:lvl6pPr>
+            <a:lvl7pPr>
+              <a:defRPr sz="1600"/>
+            </a:lvl7pPr>
+            <a:lvl8pPr>
+              <a:defRPr sz="1600"/>
+            </a:lvl8pPr>
+            <a:lvl9pPr>
+              <a:defRPr sz="1600"/>
+            </a:lvl9pPr>
+          </a:lstStyle>
+          <a:p>
+            <a:pPr lvl="0"/>
+            <a:r>
+              <a:rPr lang="en-US" smtClean="0"/>
+              <a:t>Click to edit Master text styles</a:t>
+            </a:r>
+          </a:p>
+          <a:p>
+            <a:pPr lvl="1"/>
+            <a:r>
+              <a:rPr lang="en-US" smtClean="0"/>
+              <a:t>Second level</a:t>
+            </a:r>
+          </a:p>
+          <a:p>
+            <a:pPr lvl="2"/>
+            <a:r>
+              <a:rPr lang="en-US" smtClean="0"/>
+              <a:t>Third level</a:t>
+            </a:r>
+          </a:p>
+          <a:p>
+            <a:pPr lvl="3"/>
+            <a:r>
+              <a:rPr lang="en-US" smtClean="0"/>
+              <a:t>Fourth level</a:t>
+            </a:r>
+          </a:p>
+          <a:p>
+            <a:pPr lvl="4"/>
+            <a:r>
+              <a:rPr lang="en-US" smtClean="0"/>
+              <a:t>Fifth level</a:t>
+            </a:r>
+            <a:endParaRPr lang="en-US"/>
+          </a:p>
+        </p:txBody>
+      </p:sp>
+      <p:sp>
+        <p:nvSpPr>
+          <p:cNvPr id="5" name="Text Placeholder 4"/>
+          <p:cNvSpPr>
+            <a:spLocks noGrp="1"/>
+          </p:cNvSpPr>
+          <p:nvPr>
+            <p:ph type="body" sz="quarter" idx="3"/>
+          </p:nvPr>
+        </p:nvSpPr>
+        <p:spPr>
+          <a:xfrm>
+            <a:off x="4645025" y="1535113"/>
+            <a:ext cx="4041775" cy="639762"/>
+          </a:xfrm>
+        </p:spPr>
+        <p:txBody>
+          <a:bodyPr anchor="b"/>
+          <a:lstStyle>
+            <a:lvl1pPr marL="0" indent="0">
+              <a:buNone/>
+              <a:defRPr sz="2400" b="1"/>
+            </a:lvl1pPr>
+            <a:lvl2pPr marL="457200" indent="0">
+              <a:buNone/>
+              <a:defRPr sz="2000" b="1"/>
+            </a:lvl2pPr>
+            <a:lvl3pPr marL="914400" indent="0">
+              <a:buNone/>
+              <a:defRPr sz="1800" b="1"/>
+            </a:lvl3pPr>
+            <a:lvl4pPr marL="1371600" indent="0">
+              <a:buNone/>
+              <a:defRPr sz="1600" b="1"/>
+            </a:lvl4pPr>
+            <a:lvl5pPr marL="1828800" indent="0">
+              <a:buNone/>
+              <a:defRPr sz="1600" b="1"/>
+            </a:lvl5pPr>
+            <a:lvl6pPr marL="2286000" indent="0">
+              <a:buNone/>
+              <a:defRPr sz="1600" b="1"/>
+            </a:lvl6pPr>
+            <a:lvl7pPr marL="2743200" indent="0">
+              <a:buNone/>
+              <a:defRPr sz="1600" b="1"/>
+            </a:lvl7pPr>
+            <a:lvl8pPr marL="3200400" indent="0">
+              <a:buNone/>
+              <a:defRPr sz="1600" b="1"/>
+            </a:lvl8pPr>
+            <a:lvl9pPr marL="3657600" indent="0">
+              <a:buNone/>
+              <a:defRPr sz="1600" b="1"/>
+            </a:lvl9pPr>
+          </a:lstStyle>
+          <a:p>
+            <a:pPr lvl="0"/>
+            <a:r>
+              <a:rPr lang="en-US" smtClean="0"/>
+              <a:t>Click to edit Master text styles</a:t>
+            </a:r>
+          </a:p>
+        </p:txBody>
+      </p:sp>
+      <p:sp>
+        <p:nvSpPr>
+          <p:cNvPr id="6" name="Content Placeholder 5"/>
+          <p:cNvSpPr>
+            <a:spLocks noGrp="1"/>
+          </p:cNvSpPr>
+          <p:nvPr>
+            <p:ph sz="quarter" idx="4"/>
+          </p:nvPr>
+        </p:nvSpPr>
+        <p:spPr>
+          <a:xfrm>
+            <a:off x="4645025" y="2174875"/>
+            <a:ext cx="4041775" cy="3951288"/>
+          </a:xfrm>
+        </p:spPr>
+        <p:txBody>
+          <a:bodyPr/>
+          <a:lstStyle>
+            <a:lvl1pPr>
+              <a:defRPr sz="2400"/>
+            </a:lvl1pPr>
+            <a:lvl2pPr>
+              <a:defRPr sz="2000"/>
+            </a:lvl2pPr>
+            <a:lvl3pPr>
+              <a:defRPr sz="1800"/>
+            </a:lvl3pPr>
+            <a:lvl4pPr>
+              <a:defRPr sz="1600"/>
+            </a:lvl4pPr>
+            <a:lvl5pPr>
+              <a:defRPr sz="1600"/>
+            </a:lvl5pPr>
+            <a:lvl6pPr>
+              <a:defRPr sz="1600"/>
+            </a:lvl6pPr>
+            <a:lvl7pPr>
+              <a:defRPr sz="1600"/>
+            </a:lvl7pPr>
+            <a:lvl8pPr>
+              <a:defRPr sz="1600"/>
+            </a:lvl8pPr>
+            <a:lvl9pPr>
+              <a:defRPr sz="1600"/>
+            </a:lvl9pPr>
+          </a:lstStyle>
+          <a:p>
+            <a:pPr lvl="0"/>
+            <a:r>
+              <a:rPr lang="en-US" smtClean="0"/>
+              <a:t>Click to edit Master text styles</a:t>
+            </a:r>
+          </a:p>
+          <a:p>
+            <a:pPr lvl="1"/>
+            <a:r>
+              <a:rPr lang="en-US" smtClean="0"/>
+              <a:t>Second level</a:t>
+            </a:r>
+          </a:p>
+          <a:p>
+            <a:pPr lvl="2"/>
+            <a:r>
+              <a:rPr lang="en-US" smtClean="0"/>
+              <a:t>Third level</a:t>
+            </a:r>
+          </a:p>
+          <a:p>
+            <a:pPr lvl="3"/>
+            <a:r>
+              <a:rPr lang="en-US" smtClean="0"/>
+              <a:t>Fourth level</a:t>
+            </a:r>
+          </a:p>
+          <a:p>
+            <a:pPr lvl="4"/>
+            <a:r>
+              <a:rPr lang="en-US" smtClean="0"/>
+              <a:t>Fifth level</a:t>
+            </a:r>
+            <a:endParaRPr lang="en-US"/>
+          </a:p>
+        </p:txBody>
+      </p:sp>
+      <p:sp>
+        <p:nvSpPr>
+          <p:cNvPr id="7" name="Date Placeholder 6"/>
+          <p:cNvSpPr>
+            <a:spLocks noGrp="1"/>
+          </p:cNvSpPr>
+          <p:nvPr>
+            <p:ph type="dt" sz="half" idx="10"/>
+          </p:nvPr>
+        </p:nvSpPr>
+        <p:spPr/>
+        <p:txBody>
+          <a:bodyPr/>
+          <a:lstStyle/>
+          <a:p>
+            <a:fld id="{CE56DC10-3561-4063-A6AF-C1CC7A41040A}" type="datetime1">
+              <a:rPr lang="en-US" smtClean="0"/>
+              <a:t>9/28/2015</a:t>
+            </a:fld>
+            <a:endParaRPr lang="en-US"/>
+          </a:p>
+        </p:txBody>
+      </p:sp>
+      <p:sp>
+        <p:nvSpPr>
+          <p:cNvPr id="8" name="Footer Placeholder 7"/>
+          <p:cNvSpPr>
+            <a:spLocks noGrp="1"/>
+          </p:cNvSpPr>
+          <p:nvPr>
+            <p:ph type="ftr" sz="quarter" idx="11"/>
+          </p:nvPr>
+        </p:nvSpPr>
+        <p:spPr/>
+        <p:txBody>
+          <a:bodyPr/>
+          <a:lstStyle/>
+          <a:p>
+            <a:endParaRPr lang="en-US"/>
+          </a:p>
+        </p:txBody>
+      </p:sp>
+      <p:sp>
+        <p:nvSpPr>
+          <p:cNvPr id="9" name="Slide Number Placeholder 8"/>
+          <p:cNvSpPr>
+            <a:spLocks noGrp="1"/>
+          </p:cNvSpPr>
+          <p:nvPr>
+            <p:ph type="sldNum" sz="quarter" idx="12"/>
+          </p:nvPr>
+        </p:nvSpPr>
+        <p:spPr/>
+        <p:txBody>
+          <a:bodyPr/>
+          <a:lstStyle/>
+          <a:p>
+            <a:fld id="{2AF3B5EA-18B6-4040-9F78-6052AF49C681}" type="slidenum">
+              <a:rPr lang="en-US" smtClean="0"/>
+              <a:t>‹#›</a:t>
+            </a:fld>
+            <a:endParaRPr lang="en-US"/>
+          </a:p>
+        </p:txBody>
+      </p:sp>
+    </p:spTree>
+    <p:extLst>
+      <p:ext uri="{BB962C8B-B14F-4D97-AF65-F5344CB8AC3E}">
+        <p14:creationId xmlns:p14="http://schemas.microsoft.com/office/powerpoint/2010/main" val="2763154732"/>
+      </p:ext>
+    </p:extLst>
+  </p:cSld>
+  <p:clrMapOvr>
+    <a:masterClrMapping/>
+  </p:clrMapOvr>
+</p:sldLayout>
+</file>
+
+<file path=ppt/slideLayouts/slideLayout9.xml><?xml version="1.0" encoding="utf-8"?>
+<p:sldLayout xmlns:a="http://schemas.openxmlformats.org/drawingml/2006/main" xmlns:r="http://schemas.openxmlformats.org/officeDocument/2006/relationships" xmlns:p="http://schemas.openxmlformats.org/presentationml/2006/main" type="titleOnly" preserve="1">
+  <p:cSld name="Title Only">
+    <p:spTree>
+      <p:nvGrpSpPr>
+        <p:cNvPr id="1" name=""/>
+        <p:cNvGrpSpPr/>
+        <p:nvPr/>
+      </p:nvGrpSpPr>
+      <p:grpSpPr>
+        <a:xfrm>
+          <a:off x="0" y="0"/>
+          <a:ext cx="0" cy="0"/>
+          <a:chOff x="0" y="0"/>
+          <a:chExt cx="0" cy="0"/>
+        </a:xfrm>
+      </p:grpSpPr>
+      <p:sp>
+        <p:nvSpPr>
+          <p:cNvPr id="2" name="Title 1"/>
+          <p:cNvSpPr>
+            <a:spLocks noGrp="1"/>
+          </p:cNvSpPr>
+          <p:nvPr>
+            <p:ph type="title"/>
+          </p:nvPr>
+        </p:nvSpPr>
+        <p:spPr/>
+        <p:txBody>
+          <a:bodyPr/>
+          <a:lstStyle/>
+          <a:p>
+            <a:r>
+              <a:rPr lang="en-US" smtClean="0"/>
+              <a:t>Click to edit Master title style</a:t>
+            </a:r>
+            <a:endParaRPr lang="en-US"/>
+          </a:p>
+        </p:txBody>
+      </p:sp>
+      <p:sp>
+        <p:nvSpPr>
+          <p:cNvPr id="3" name="Date Placeholder 2"/>
+          <p:cNvSpPr>
+            <a:spLocks noGrp="1"/>
+          </p:cNvSpPr>
+          <p:nvPr>
+            <p:ph type="dt" sz="half" idx="10"/>
+          </p:nvPr>
+        </p:nvSpPr>
+        <p:spPr/>
+        <p:txBody>
+          <a:bodyPr/>
+          <a:lstStyle/>
+          <a:p>
+            <a:fld id="{2F7B77F5-1464-4F6B-92A8-64FC8A508293}" type="datetime1">
+              <a:rPr lang="en-US" smtClean="0"/>
+              <a:t>9/28/2015</a:t>
+            </a:fld>
+            <a:endParaRPr lang="en-US"/>
+          </a:p>
+        </p:txBody>
+      </p:sp>
+      <p:sp>
+        <p:nvSpPr>
+          <p:cNvPr id="4" name="Footer Placeholder 3"/>
+          <p:cNvSpPr>
+            <a:spLocks noGrp="1"/>
+          </p:cNvSpPr>
+          <p:nvPr>
+            <p:ph type="ftr" sz="quarter" idx="11"/>
+          </p:nvPr>
+        </p:nvSpPr>
+        <p:spPr/>
+        <p:txBody>
+          <a:bodyPr/>
+          <a:lstStyle/>
+          <a:p>
+            <a:endParaRPr lang="en-US"/>
+          </a:p>
+        </p:txBody>
+      </p:sp>
+      <p:sp>
+        <p:nvSpPr>
+          <p:cNvPr id="5" name="Slide Number Placeholder 4"/>
+          <p:cNvSpPr>
+            <a:spLocks noGrp="1"/>
+          </p:cNvSpPr>
+          <p:nvPr>
+            <p:ph type="sldNum" sz="quarter" idx="12"/>
+          </p:nvPr>
+        </p:nvSpPr>
+        <p:spPr/>
+        <p:txBody>
+          <a:bodyPr/>
+          <a:lstStyle/>
+          <a:p>
+            <a:fld id="{2AF3B5EA-18B6-4040-9F78-6052AF49C681}" type="slidenum">
+              <a:rPr lang="en-US" smtClean="0"/>
+              <a:t>‹#›</a:t>
+            </a:fld>
+            <a:endParaRPr lang="en-US"/>
+          </a:p>
+        </p:txBody>
+      </p:sp>
+    </p:spTree>
+    <p:extLst>
+      <p:ext uri="{BB962C8B-B14F-4D97-AF65-F5344CB8AC3E}">
+        <p14:creationId xmlns:p14="http://schemas.microsoft.com/office/powerpoint/2010/main" val="71458949"/>
+      </p:ext>
+    </p:extLst>
   </p:cSld>
   <p:clrMapOvr>
     <a:masterClrMapping/>
@@ -1451,7 +3763,7 @@
 </file>
 
 <file path=ppt/slideMasters/slideMaster1.xml><?xml version="1.0" encoding="utf-8"?>
-<p:sldMaster xmlns:a="http://schemas.openxmlformats.org/drawingml/2006/main" xmlns:r="http://schemas.openxmlformats.org/officeDocument/2006/relationships" xmlns:p="http://schemas.openxmlformats.org/presentationml/2006/main">
+<p:sldMaster xmlns:a="http://schemas.openxmlformats.org/drawingml/2006/main" xmlns:r="http://schemas.openxmlformats.org/officeDocument/2006/relationships" xmlns:p="http://schemas.openxmlformats.org/presentationml/2006/main" preserve="1">
   <p:cSld>
     <p:bg>
       <p:bgRef idx="1001">
@@ -1491,6 +3803,18 @@
             <a:avLst/>
           </a:prstGeom>
         </p:spPr>
+        <p:style>
+          <a:lnRef idx="2">
+            <a:schemeClr val="accent1"/>
+          </a:lnRef>
+          <a:fillRef idx="1">
+            <a:schemeClr val="lt1"/>
+          </a:fillRef>
+          <a:effectRef idx="0">
+            <a:schemeClr val="accent1"/>
+          </a:effectRef>
+          <a:fontRef idx="none"/>
+        </p:style>
         <p:txBody>
           <a:bodyPr vert="horz" lIns="91440" tIns="45720" rIns="91440" bIns="45720" rtlCol="0" anchor="ctr">
             <a:normAutofit/>
@@ -1600,23 +3924,11 @@
             </a:lvl1pPr>
           </a:lstStyle>
           <a:p>
-            <a:fld id="{974077A2-CE04-4F68-BDA1-0DF8D201601A}" type="datetime1">
-              <a:rPr lang="en-US" smtClean="0">
-                <a:solidFill>
-                  <a:prstClr val="black">
-                    <a:tint val="75000"/>
-                  </a:prstClr>
-                </a:solidFill>
-              </a:rPr>
+            <a:fld id="{02B3F677-983B-48DB-ADFD-63FE6CBC7FB2}" type="datetime1">
+              <a:rPr lang="en-US" smtClean="0"/>
               <a:t>9/28/2015</a:t>
             </a:fld>
-            <a:endParaRPr lang="en-US">
-              <a:solidFill>
-                <a:prstClr val="black">
-                  <a:tint val="75000"/>
-                </a:prstClr>
-              </a:solidFill>
-            </a:endParaRPr>
+            <a:endParaRPr lang="en-US"/>
           </a:p>
         </p:txBody>
       </p:sp>
@@ -1653,13 +3965,7 @@
             </a:lvl1pPr>
           </a:lstStyle>
           <a:p>
-            <a:endParaRPr lang="en-US">
-              <a:solidFill>
-                <a:prstClr val="black">
-                  <a:tint val="75000"/>
-                </a:prstClr>
-              </a:solidFill>
-            </a:endParaRPr>
+            <a:endParaRPr lang="en-US"/>
           </a:p>
         </p:txBody>
       </p:sp>
@@ -1696,568 +4002,37 @@
             </a:lvl1pPr>
           </a:lstStyle>
           <a:p>
-            <a:fld id="{9F4492BD-6A9C-48FC-AC76-0B4FE11194A1}" type="slidenum">
-              <a:rPr lang="en-US" smtClean="0">
-                <a:solidFill>
-                  <a:prstClr val="black">
-                    <a:tint val="75000"/>
-                  </a:prstClr>
-                </a:solidFill>
-              </a:rPr>
-              <a:pPr/>
+            <a:fld id="{2AF3B5EA-18B6-4040-9F78-6052AF49C681}" type="slidenum">
+              <a:rPr lang="en-US" smtClean="0"/>
               <a:t>‹#›</a:t>
             </a:fld>
-            <a:endParaRPr lang="en-US">
-              <a:solidFill>
-                <a:prstClr val="black">
-                  <a:tint val="75000"/>
-                </a:prstClr>
-              </a:solidFill>
-            </a:endParaRPr>
+            <a:endParaRPr lang="en-US"/>
           </a:p>
         </p:txBody>
       </p:sp>
     </p:spTree>
+    <p:extLst>
+      <p:ext uri="{BB962C8B-B14F-4D97-AF65-F5344CB8AC3E}">
+        <p14:creationId xmlns:p14="http://schemas.microsoft.com/office/powerpoint/2010/main" val="3348847132"/>
+      </p:ext>
+    </p:extLst>
   </p:cSld>
   <p:clrMap bg1="lt1" tx1="dk1" bg2="lt2" tx2="dk2" accent1="accent1" accent2="accent2" accent3="accent3" accent4="accent4" accent5="accent5" accent6="accent6" hlink="hlink" folHlink="folHlink"/>
   <p:sldLayoutIdLst>
-    <p:sldLayoutId id="2147483681" r:id="rId1"/>
-    <p:sldLayoutId id="2147483689" r:id="rId2"/>
-  </p:sldLayoutIdLst>
-  <p:timing>
-    <p:tnLst>
-      <p:par>
-        <p:cTn id="1" dur="indefinite" restart="never" nodeType="tmRoot"/>
-      </p:par>
-    </p:tnLst>
-  </p:timing>
-  <p:hf hdr="0" ftr="0" dt="0"/>
-  <p:txStyles>
-    <p:titleStyle>
-      <a:lvl1pPr algn="ctr" defTabSz="914400" rtl="0" eaLnBrk="1" latinLnBrk="0" hangingPunct="1">
-        <a:spcBef>
-          <a:spcPct val="0"/>
-        </a:spcBef>
-        <a:buNone/>
-        <a:defRPr sz="4400" kern="1200">
-          <a:solidFill>
-            <a:schemeClr val="tx1"/>
-          </a:solidFill>
-          <a:latin typeface="+mj-lt"/>
-          <a:ea typeface="+mj-ea"/>
-          <a:cs typeface="+mj-cs"/>
-        </a:defRPr>
-      </a:lvl1pPr>
-    </p:titleStyle>
-    <p:bodyStyle>
-      <a:lvl1pPr marL="342900" indent="-342900" algn="l" defTabSz="914400" rtl="0" eaLnBrk="1" latinLnBrk="0" hangingPunct="1">
-        <a:spcBef>
-          <a:spcPct val="20000"/>
-        </a:spcBef>
-        <a:buFont typeface="Arial" pitchFamily="34" charset="0"/>
-        <a:buChar char="•"/>
-        <a:defRPr sz="3200" kern="1200">
-          <a:solidFill>
-            <a:schemeClr val="tx1"/>
-          </a:solidFill>
-          <a:latin typeface="+mn-lt"/>
-          <a:ea typeface="+mn-ea"/>
-          <a:cs typeface="+mn-cs"/>
-        </a:defRPr>
-      </a:lvl1pPr>
-      <a:lvl2pPr marL="742950" indent="-285750" algn="l" defTabSz="914400" rtl="0" eaLnBrk="1" latinLnBrk="0" hangingPunct="1">
-        <a:spcBef>
-          <a:spcPct val="20000"/>
-        </a:spcBef>
-        <a:buFont typeface="Arial" pitchFamily="34" charset="0"/>
-        <a:buChar char="–"/>
-        <a:defRPr sz="2800" kern="1200">
-          <a:solidFill>
-            <a:schemeClr val="tx1"/>
-          </a:solidFill>
-          <a:latin typeface="+mn-lt"/>
-          <a:ea typeface="+mn-ea"/>
-          <a:cs typeface="+mn-cs"/>
-        </a:defRPr>
-      </a:lvl2pPr>
-      <a:lvl3pPr marL="1143000" indent="-228600" algn="l" defTabSz="914400" rtl="0" eaLnBrk="1" latinLnBrk="0" hangingPunct="1">
-        <a:spcBef>
-          <a:spcPct val="20000"/>
-        </a:spcBef>
-        <a:buFont typeface="Arial" pitchFamily="34" charset="0"/>
-        <a:buChar char="•"/>
-        <a:defRPr sz="2400" kern="1200">
-          <a:solidFill>
-            <a:schemeClr val="tx1"/>
-          </a:solidFill>
-          <a:latin typeface="+mn-lt"/>
-          <a:ea typeface="+mn-ea"/>
-          <a:cs typeface="+mn-cs"/>
-        </a:defRPr>
-      </a:lvl3pPr>
-      <a:lvl4pPr marL="1600200" indent="-228600" algn="l" defTabSz="914400" rtl="0" eaLnBrk="1" latinLnBrk="0" hangingPunct="1">
-        <a:spcBef>
-          <a:spcPct val="20000"/>
-        </a:spcBef>
-        <a:buFont typeface="Arial" pitchFamily="34" charset="0"/>
-        <a:buChar char="–"/>
-        <a:defRPr sz="2000" kern="1200">
-          <a:solidFill>
-            <a:schemeClr val="tx1"/>
-          </a:solidFill>
-          <a:latin typeface="+mn-lt"/>
-          <a:ea typeface="+mn-ea"/>
-          <a:cs typeface="+mn-cs"/>
-        </a:defRPr>
-      </a:lvl4pPr>
-      <a:lvl5pPr marL="2057400" indent="-228600" algn="l" defTabSz="914400" rtl="0" eaLnBrk="1" latinLnBrk="0" hangingPunct="1">
-        <a:spcBef>
-          <a:spcPct val="20000"/>
-        </a:spcBef>
-        <a:buFont typeface="Arial" pitchFamily="34" charset="0"/>
-        <a:buChar char="»"/>
-        <a:defRPr sz="2000" kern="1200">
-          <a:solidFill>
-            <a:schemeClr val="tx1"/>
-          </a:solidFill>
-          <a:latin typeface="+mn-lt"/>
-          <a:ea typeface="+mn-ea"/>
-          <a:cs typeface="+mn-cs"/>
-        </a:defRPr>
-      </a:lvl5pPr>
-      <a:lvl6pPr marL="2514600" indent="-228600" algn="l" defTabSz="914400" rtl="0" eaLnBrk="1" latinLnBrk="0" hangingPunct="1">
-        <a:spcBef>
-          <a:spcPct val="20000"/>
-        </a:spcBef>
-        <a:buFont typeface="Arial" pitchFamily="34" charset="0"/>
-        <a:buChar char="•"/>
-        <a:defRPr sz="2000" kern="1200">
-          <a:solidFill>
-            <a:schemeClr val="tx1"/>
-          </a:solidFill>
-          <a:latin typeface="+mn-lt"/>
-          <a:ea typeface="+mn-ea"/>
-          <a:cs typeface="+mn-cs"/>
-        </a:defRPr>
-      </a:lvl6pPr>
-      <a:lvl7pPr marL="2971800" indent="-228600" algn="l" defTabSz="914400" rtl="0" eaLnBrk="1" latinLnBrk="0" hangingPunct="1">
-        <a:spcBef>
-          <a:spcPct val="20000"/>
-        </a:spcBef>
-        <a:buFont typeface="Arial" pitchFamily="34" charset="0"/>
-        <a:buChar char="•"/>
-        <a:defRPr sz="2000" kern="1200">
-          <a:solidFill>
-            <a:schemeClr val="tx1"/>
-          </a:solidFill>
-          <a:latin typeface="+mn-lt"/>
-          <a:ea typeface="+mn-ea"/>
-          <a:cs typeface="+mn-cs"/>
-        </a:defRPr>
-      </a:lvl7pPr>
-      <a:lvl8pPr marL="3429000" indent="-228600" algn="l" defTabSz="914400" rtl="0" eaLnBrk="1" latinLnBrk="0" hangingPunct="1">
-        <a:spcBef>
-          <a:spcPct val="20000"/>
-        </a:spcBef>
-        <a:buFont typeface="Arial" pitchFamily="34" charset="0"/>
-        <a:buChar char="•"/>
-        <a:defRPr sz="2000" kern="1200">
-          <a:solidFill>
-            <a:schemeClr val="tx1"/>
-          </a:solidFill>
-          <a:latin typeface="+mn-lt"/>
-          <a:ea typeface="+mn-ea"/>
-          <a:cs typeface="+mn-cs"/>
-        </a:defRPr>
-      </a:lvl8pPr>
-      <a:lvl9pPr marL="3886200" indent="-228600" algn="l" defTabSz="914400" rtl="0" eaLnBrk="1" latinLnBrk="0" hangingPunct="1">
-        <a:spcBef>
-          <a:spcPct val="20000"/>
-        </a:spcBef>
-        <a:buFont typeface="Arial" pitchFamily="34" charset="0"/>
-        <a:buChar char="•"/>
-        <a:defRPr sz="2000" kern="1200">
-          <a:solidFill>
-            <a:schemeClr val="tx1"/>
-          </a:solidFill>
-          <a:latin typeface="+mn-lt"/>
-          <a:ea typeface="+mn-ea"/>
-          <a:cs typeface="+mn-cs"/>
-        </a:defRPr>
-      </a:lvl9pPr>
-    </p:bodyStyle>
-    <p:otherStyle>
-      <a:defPPr>
-        <a:defRPr lang="en-US"/>
-      </a:defPPr>
-      <a:lvl1pPr marL="0" algn="l" defTabSz="914400" rtl="0" eaLnBrk="1" latinLnBrk="0" hangingPunct="1">
-        <a:defRPr sz="1800" kern="1200">
-          <a:solidFill>
-            <a:schemeClr val="tx1"/>
-          </a:solidFill>
-          <a:latin typeface="+mn-lt"/>
-          <a:ea typeface="+mn-ea"/>
-          <a:cs typeface="+mn-cs"/>
-        </a:defRPr>
-      </a:lvl1pPr>
-      <a:lvl2pPr marL="457200" algn="l" defTabSz="914400" rtl="0" eaLnBrk="1" latinLnBrk="0" hangingPunct="1">
-        <a:defRPr sz="1800" kern="1200">
-          <a:solidFill>
-            <a:schemeClr val="tx1"/>
-          </a:solidFill>
-          <a:latin typeface="+mn-lt"/>
-          <a:ea typeface="+mn-ea"/>
-          <a:cs typeface="+mn-cs"/>
-        </a:defRPr>
-      </a:lvl2pPr>
-      <a:lvl3pPr marL="914400" algn="l" defTabSz="914400" rtl="0" eaLnBrk="1" latinLnBrk="0" hangingPunct="1">
-        <a:defRPr sz="1800" kern="1200">
-          <a:solidFill>
-            <a:schemeClr val="tx1"/>
-          </a:solidFill>
-          <a:latin typeface="+mn-lt"/>
-          <a:ea typeface="+mn-ea"/>
-          <a:cs typeface="+mn-cs"/>
-        </a:defRPr>
-      </a:lvl3pPr>
-      <a:lvl4pPr marL="1371600" algn="l" defTabSz="914400" rtl="0" eaLnBrk="1" latinLnBrk="0" hangingPunct="1">
-        <a:defRPr sz="1800" kern="1200">
-          <a:solidFill>
-            <a:schemeClr val="tx1"/>
-          </a:solidFill>
-          <a:latin typeface="+mn-lt"/>
-          <a:ea typeface="+mn-ea"/>
-          <a:cs typeface="+mn-cs"/>
-        </a:defRPr>
-      </a:lvl4pPr>
-      <a:lvl5pPr marL="1828800" algn="l" defTabSz="914400" rtl="0" eaLnBrk="1" latinLnBrk="0" hangingPunct="1">
-        <a:defRPr sz="1800" kern="1200">
-          <a:solidFill>
-            <a:schemeClr val="tx1"/>
-          </a:solidFill>
-          <a:latin typeface="+mn-lt"/>
-          <a:ea typeface="+mn-ea"/>
-          <a:cs typeface="+mn-cs"/>
-        </a:defRPr>
-      </a:lvl5pPr>
-      <a:lvl6pPr marL="2286000" algn="l" defTabSz="914400" rtl="0" eaLnBrk="1" latinLnBrk="0" hangingPunct="1">
-        <a:defRPr sz="1800" kern="1200">
-          <a:solidFill>
-            <a:schemeClr val="tx1"/>
-          </a:solidFill>
-          <a:latin typeface="+mn-lt"/>
-          <a:ea typeface="+mn-ea"/>
-          <a:cs typeface="+mn-cs"/>
-        </a:defRPr>
-      </a:lvl6pPr>
-      <a:lvl7pPr marL="2743200" algn="l" defTabSz="914400" rtl="0" eaLnBrk="1" latinLnBrk="0" hangingPunct="1">
-        <a:defRPr sz="1800" kern="1200">
-          <a:solidFill>
-            <a:schemeClr val="tx1"/>
-          </a:solidFill>
-          <a:latin typeface="+mn-lt"/>
-          <a:ea typeface="+mn-ea"/>
-          <a:cs typeface="+mn-cs"/>
-        </a:defRPr>
-      </a:lvl7pPr>
-      <a:lvl8pPr marL="3200400" algn="l" defTabSz="914400" rtl="0" eaLnBrk="1" latinLnBrk="0" hangingPunct="1">
-        <a:defRPr sz="1800" kern="1200">
-          <a:solidFill>
-            <a:schemeClr val="tx1"/>
-          </a:solidFill>
-          <a:latin typeface="+mn-lt"/>
-          <a:ea typeface="+mn-ea"/>
-          <a:cs typeface="+mn-cs"/>
-        </a:defRPr>
-      </a:lvl8pPr>
-      <a:lvl9pPr marL="3657600" algn="l" defTabSz="914400" rtl="0" eaLnBrk="1" latinLnBrk="0" hangingPunct="1">
-        <a:defRPr sz="1800" kern="1200">
-          <a:solidFill>
-            <a:schemeClr val="tx1"/>
-          </a:solidFill>
-          <a:latin typeface="+mn-lt"/>
-          <a:ea typeface="+mn-ea"/>
-          <a:cs typeface="+mn-cs"/>
-        </a:defRPr>
-      </a:lvl9pPr>
-    </p:otherStyle>
-  </p:txStyles>
-</p:sldMaster>
-</file>
-
-<file path=ppt/slideMasters/slideMaster2.xml><?xml version="1.0" encoding="utf-8"?>
-<p:sldMaster xmlns:a="http://schemas.openxmlformats.org/drawingml/2006/main" xmlns:r="http://schemas.openxmlformats.org/officeDocument/2006/relationships" xmlns:p="http://schemas.openxmlformats.org/presentationml/2006/main">
-  <p:cSld>
-    <p:bg>
-      <p:bgRef idx="1001">
-        <a:schemeClr val="bg1"/>
-      </p:bgRef>
-    </p:bg>
-    <p:spTree>
-      <p:nvGrpSpPr>
-        <p:cNvPr id="1" name=""/>
-        <p:cNvGrpSpPr/>
-        <p:nvPr/>
-      </p:nvGrpSpPr>
-      <p:grpSpPr>
-        <a:xfrm>
-          <a:off x="0" y="0"/>
-          <a:ext cx="0" cy="0"/>
-          <a:chOff x="0" y="0"/>
-          <a:chExt cx="0" cy="0"/>
-        </a:xfrm>
-      </p:grpSpPr>
-      <p:sp>
-        <p:nvSpPr>
-          <p:cNvPr id="2" name="Title Placeholder 1"/>
-          <p:cNvSpPr>
-            <a:spLocks noGrp="1"/>
-          </p:cNvSpPr>
-          <p:nvPr>
-            <p:ph type="title"/>
-          </p:nvPr>
-        </p:nvSpPr>
-        <p:spPr>
-          <a:xfrm>
-            <a:off x="457200" y="274638"/>
-            <a:ext cx="8229600" cy="1143000"/>
-          </a:xfrm>
-          <a:prstGeom prst="rect">
-            <a:avLst/>
-          </a:prstGeom>
-        </p:spPr>
-        <p:txBody>
-          <a:bodyPr vert="horz" lIns="91440" tIns="45720" rIns="91440" bIns="45720" rtlCol="0" anchor="ctr">
-            <a:normAutofit/>
-          </a:bodyPr>
-          <a:lstStyle/>
-          <a:p>
-            <a:r>
-              <a:rPr lang="en-US" smtClean="0"/>
-              <a:t>Click to edit Master title style</a:t>
-            </a:r>
-            <a:endParaRPr lang="en-US"/>
-          </a:p>
-        </p:txBody>
-      </p:sp>
-      <p:sp>
-        <p:nvSpPr>
-          <p:cNvPr id="3" name="Text Placeholder 2"/>
-          <p:cNvSpPr>
-            <a:spLocks noGrp="1"/>
-          </p:cNvSpPr>
-          <p:nvPr>
-            <p:ph type="body" idx="1"/>
-          </p:nvPr>
-        </p:nvSpPr>
-        <p:spPr>
-          <a:xfrm>
-            <a:off x="457200" y="1600200"/>
-            <a:ext cx="8229600" cy="4525963"/>
-          </a:xfrm>
-          <a:prstGeom prst="rect">
-            <a:avLst/>
-          </a:prstGeom>
-        </p:spPr>
-        <p:txBody>
-          <a:bodyPr vert="horz" lIns="91440" tIns="45720" rIns="91440" bIns="45720" rtlCol="0">
-            <a:normAutofit/>
-          </a:bodyPr>
-          <a:lstStyle/>
-          <a:p>
-            <a:pPr lvl="0"/>
-            <a:r>
-              <a:rPr lang="en-US" smtClean="0"/>
-              <a:t>Click to edit Master text styles</a:t>
-            </a:r>
-          </a:p>
-          <a:p>
-            <a:pPr lvl="1"/>
-            <a:r>
-              <a:rPr lang="en-US" smtClean="0"/>
-              <a:t>Second level</a:t>
-            </a:r>
-          </a:p>
-          <a:p>
-            <a:pPr lvl="2"/>
-            <a:r>
-              <a:rPr lang="en-US" smtClean="0"/>
-              <a:t>Third level</a:t>
-            </a:r>
-          </a:p>
-          <a:p>
-            <a:pPr lvl="3"/>
-            <a:r>
-              <a:rPr lang="en-US" smtClean="0"/>
-              <a:t>Fourth level</a:t>
-            </a:r>
-          </a:p>
-          <a:p>
-            <a:pPr lvl="4"/>
-            <a:r>
-              <a:rPr lang="en-US" smtClean="0"/>
-              <a:t>Fifth level</a:t>
-            </a:r>
-            <a:endParaRPr lang="en-US"/>
-          </a:p>
-        </p:txBody>
-      </p:sp>
-      <p:sp>
-        <p:nvSpPr>
-          <p:cNvPr id="4" name="Date Placeholder 3"/>
-          <p:cNvSpPr>
-            <a:spLocks noGrp="1"/>
-          </p:cNvSpPr>
-          <p:nvPr>
-            <p:ph type="dt" sz="half" idx="2"/>
-          </p:nvPr>
-        </p:nvSpPr>
-        <p:spPr>
-          <a:xfrm>
-            <a:off x="457200" y="6356350"/>
-            <a:ext cx="2133600" cy="365125"/>
-          </a:xfrm>
-          <a:prstGeom prst="rect">
-            <a:avLst/>
-          </a:prstGeom>
-        </p:spPr>
-        <p:txBody>
-          <a:bodyPr vert="horz" lIns="91440" tIns="45720" rIns="91440" bIns="45720" rtlCol="0" anchor="ctr"/>
-          <a:lstStyle>
-            <a:lvl1pPr algn="l">
-              <a:defRPr sz="1200">
-                <a:solidFill>
-                  <a:schemeClr val="tx1">
-                    <a:tint val="75000"/>
-                  </a:schemeClr>
-                </a:solidFill>
-              </a:defRPr>
-            </a:lvl1pPr>
-          </a:lstStyle>
-          <a:p>
-            <a:fld id="{114749D7-0542-4136-AFBE-293741DC7C85}" type="datetime1">
-              <a:rPr lang="en-US" smtClean="0">
-                <a:solidFill>
-                  <a:prstClr val="black">
-                    <a:tint val="75000"/>
-                  </a:prstClr>
-                </a:solidFill>
-              </a:rPr>
-              <a:t>9/28/2015</a:t>
-            </a:fld>
-            <a:endParaRPr lang="en-US">
-              <a:solidFill>
-                <a:prstClr val="black">
-                  <a:tint val="75000"/>
-                </a:prstClr>
-              </a:solidFill>
-            </a:endParaRPr>
-          </a:p>
-        </p:txBody>
-      </p:sp>
-      <p:sp>
-        <p:nvSpPr>
-          <p:cNvPr id="5" name="Footer Placeholder 4"/>
-          <p:cNvSpPr>
-            <a:spLocks noGrp="1"/>
-          </p:cNvSpPr>
-          <p:nvPr>
-            <p:ph type="ftr" sz="quarter" idx="3"/>
-          </p:nvPr>
-        </p:nvSpPr>
-        <p:spPr>
-          <a:xfrm>
-            <a:off x="3124200" y="6356350"/>
-            <a:ext cx="2895600" cy="365125"/>
-          </a:xfrm>
-          <a:prstGeom prst="rect">
-            <a:avLst/>
-          </a:prstGeom>
-        </p:spPr>
-        <p:txBody>
-          <a:bodyPr vert="horz" lIns="91440" tIns="45720" rIns="91440" bIns="45720" rtlCol="0" anchor="ctr"/>
-          <a:lstStyle>
-            <a:lvl1pPr algn="ctr">
-              <a:defRPr sz="1200">
-                <a:solidFill>
-                  <a:schemeClr val="tx1">
-                    <a:tint val="75000"/>
-                  </a:schemeClr>
-                </a:solidFill>
-              </a:defRPr>
-            </a:lvl1pPr>
-          </a:lstStyle>
-          <a:p>
-            <a:endParaRPr lang="en-US">
-              <a:solidFill>
-                <a:prstClr val="black">
-                  <a:tint val="75000"/>
-                </a:prstClr>
-              </a:solidFill>
-            </a:endParaRPr>
-          </a:p>
-        </p:txBody>
-      </p:sp>
-      <p:sp>
-        <p:nvSpPr>
-          <p:cNvPr id="6" name="Slide Number Placeholder 5"/>
-          <p:cNvSpPr>
-            <a:spLocks noGrp="1"/>
-          </p:cNvSpPr>
-          <p:nvPr>
-            <p:ph type="sldNum" sz="quarter" idx="4"/>
-          </p:nvPr>
-        </p:nvSpPr>
-        <p:spPr>
-          <a:xfrm>
-            <a:off x="6553200" y="6356350"/>
-            <a:ext cx="2133600" cy="365125"/>
-          </a:xfrm>
-          <a:prstGeom prst="rect">
-            <a:avLst/>
-          </a:prstGeom>
-        </p:spPr>
-        <p:txBody>
-          <a:bodyPr vert="horz" lIns="91440" tIns="45720" rIns="91440" bIns="45720" rtlCol="0" anchor="ctr"/>
-          <a:lstStyle>
-            <a:lvl1pPr algn="r">
-              <a:defRPr sz="1200">
-                <a:solidFill>
-                  <a:schemeClr val="tx1">
-                    <a:tint val="75000"/>
-                  </a:schemeClr>
-                </a:solidFill>
-              </a:defRPr>
-            </a:lvl1pPr>
-          </a:lstStyle>
-          <a:p>
-            <a:fld id="{9F4492BD-6A9C-48FC-AC76-0B4FE11194A1}" type="slidenum">
-              <a:rPr lang="en-US" smtClean="0">
-                <a:solidFill>
-                  <a:prstClr val="black">
-                    <a:tint val="75000"/>
-                  </a:prstClr>
-                </a:solidFill>
-              </a:rPr>
-              <a:pPr/>
-              <a:t>‹#›</a:t>
-            </a:fld>
-            <a:endParaRPr lang="en-US">
-              <a:solidFill>
-                <a:prstClr val="black">
-                  <a:tint val="75000"/>
-                </a:prstClr>
-              </a:solidFill>
-            </a:endParaRPr>
-          </a:p>
-        </p:txBody>
-      </p:sp>
-    </p:spTree>
-  </p:cSld>
-  <p:clrMap bg1="lt1" tx1="dk1" bg2="lt2" tx2="dk2" accent1="accent1" accent2="accent2" accent3="accent3" accent4="accent4" accent5="accent5" accent6="accent6" hlink="hlink" folHlink="folHlink"/>
-  <p:sldLayoutIdLst>
-    <p:sldLayoutId id="2147483687" r:id="rId1"/>
-    <p:sldLayoutId id="2147483688" r:id="rId2"/>
+    <p:sldLayoutId id="2147483691" r:id="rId1"/>
+    <p:sldLayoutId id="2147483692" r:id="rId2"/>
+    <p:sldLayoutId id="2147483693" r:id="rId3"/>
+    <p:sldLayoutId id="2147483694" r:id="rId4"/>
+    <p:sldLayoutId id="2147483695" r:id="rId5"/>
+    <p:sldLayoutId id="2147483696" r:id="rId6"/>
+    <p:sldLayoutId id="2147483697" r:id="rId7"/>
+    <p:sldLayoutId id="2147483698" r:id="rId8"/>
+    <p:sldLayoutId id="2147483699" r:id="rId9"/>
+    <p:sldLayoutId id="2147483700" r:id="rId10"/>
+    <p:sldLayoutId id="2147483701" r:id="rId11"/>
+    <p:sldLayoutId id="2147483702" r:id="rId12"/>
+    <p:sldLayoutId id="2147483703" r:id="rId13"/>
+    <p:sldLayoutId id="2147483704" r:id="rId14"/>
   </p:sldLayoutIdLst>
   <p:timing>
     <p:tnLst>
@@ -2596,6 +4371,30 @@
       </p:sp>
       <p:sp>
         <p:nvSpPr>
+          <p:cNvPr id="5" name="Slide Number Placeholder 4"/>
+          <p:cNvSpPr>
+            <a:spLocks noGrp="1"/>
+          </p:cNvSpPr>
+          <p:nvPr>
+            <p:ph type="sldNum" sz="quarter" idx="12"/>
+          </p:nvPr>
+        </p:nvSpPr>
+        <p:spPr/>
+        <p:txBody>
+          <a:bodyPr/>
+          <a:lstStyle/>
+          <a:p>
+            <a:fld id="{9F4492BD-6A9C-48FC-AC76-0B4FE11194A1}" type="slidenum">
+              <a:rPr lang="en-US" smtClean="0"/>
+              <a:pPr/>
+              <a:t>1</a:t>
+            </a:fld>
+            <a:endParaRPr lang="en-US"/>
+          </a:p>
+        </p:txBody>
+      </p:sp>
+      <p:sp>
+        <p:nvSpPr>
           <p:cNvPr id="4" name="TextBox 3"/>
           <p:cNvSpPr txBox="1"/>
           <p:nvPr>
@@ -2781,30 +4580,6 @@
           </p:txBody>
         </p:sp>
       </p:grpSp>
-      <p:sp>
-        <p:nvSpPr>
-          <p:cNvPr id="5" name="Slide Number Placeholder 4"/>
-          <p:cNvSpPr>
-            <a:spLocks noGrp="1"/>
-          </p:cNvSpPr>
-          <p:nvPr>
-            <p:ph type="sldNum" sz="quarter" idx="12"/>
-          </p:nvPr>
-        </p:nvSpPr>
-        <p:spPr/>
-        <p:txBody>
-          <a:bodyPr/>
-          <a:lstStyle/>
-          <a:p>
-            <a:fld id="{9F4492BD-6A9C-48FC-AC76-0B4FE11194A1}" type="slidenum">
-              <a:rPr lang="en-US" smtClean="0"/>
-              <a:pPr/>
-              <a:t>1</a:t>
-            </a:fld>
-            <a:endParaRPr lang="en-US"/>
-          </a:p>
-        </p:txBody>
-      </p:sp>
     </p:spTree>
   </p:cSld>
   <p:clrMapOvr>
@@ -3330,6 +5105,42 @@
       </p:sp>
       <p:sp>
         <p:nvSpPr>
+          <p:cNvPr id="5" name="Slide Number Placeholder 4"/>
+          <p:cNvSpPr>
+            <a:spLocks noGrp="1"/>
+          </p:cNvSpPr>
+          <p:nvPr>
+            <p:ph type="sldNum" sz="quarter" idx="12"/>
+          </p:nvPr>
+        </p:nvSpPr>
+        <p:spPr/>
+        <p:txBody>
+          <a:bodyPr/>
+          <a:lstStyle/>
+          <a:p>
+            <a:fld id="{9F4492BD-6A9C-48FC-AC76-0B4FE11194A1}" type="slidenum">
+              <a:rPr lang="en-US" smtClean="0">
+                <a:solidFill>
+                  <a:prstClr val="black">
+                    <a:tint val="75000"/>
+                  </a:prstClr>
+                </a:solidFill>
+              </a:rPr>
+              <a:pPr/>
+              <a:t>11</a:t>
+            </a:fld>
+            <a:endParaRPr lang="en-US">
+              <a:solidFill>
+                <a:prstClr val="black">
+                  <a:tint val="75000"/>
+                </a:prstClr>
+              </a:solidFill>
+            </a:endParaRPr>
+          </a:p>
+        </p:txBody>
+      </p:sp>
+      <p:sp>
+        <p:nvSpPr>
           <p:cNvPr id="4" name="Rectangle 3"/>
           <p:cNvSpPr/>
           <p:nvPr/>
@@ -3401,42 +5212,6 @@
             <a:endParaRPr lang="en-US" dirty="0">
               <a:solidFill>
                 <a:schemeClr val="tx1"/>
-              </a:solidFill>
-            </a:endParaRPr>
-          </a:p>
-        </p:txBody>
-      </p:sp>
-      <p:sp>
-        <p:nvSpPr>
-          <p:cNvPr id="5" name="Slide Number Placeholder 4"/>
-          <p:cNvSpPr>
-            <a:spLocks noGrp="1"/>
-          </p:cNvSpPr>
-          <p:nvPr>
-            <p:ph type="sldNum" sz="quarter" idx="12"/>
-          </p:nvPr>
-        </p:nvSpPr>
-        <p:spPr/>
-        <p:txBody>
-          <a:bodyPr/>
-          <a:lstStyle/>
-          <a:p>
-            <a:fld id="{9F4492BD-6A9C-48FC-AC76-0B4FE11194A1}" type="slidenum">
-              <a:rPr lang="en-US" smtClean="0">
-                <a:solidFill>
-                  <a:prstClr val="black">
-                    <a:tint val="75000"/>
-                  </a:prstClr>
-                </a:solidFill>
-              </a:rPr>
-              <a:pPr/>
-              <a:t>11</a:t>
-            </a:fld>
-            <a:endParaRPr lang="en-US">
-              <a:solidFill>
-                <a:prstClr val="black">
-                  <a:tint val="75000"/>
-                </a:prstClr>
               </a:solidFill>
             </a:endParaRPr>
           </a:p>
@@ -3814,6 +5589,42 @@
       </p:sp>
       <p:sp>
         <p:nvSpPr>
+          <p:cNvPr id="5" name="Slide Number Placeholder 4"/>
+          <p:cNvSpPr>
+            <a:spLocks noGrp="1"/>
+          </p:cNvSpPr>
+          <p:nvPr>
+            <p:ph type="sldNum" sz="quarter" idx="12"/>
+          </p:nvPr>
+        </p:nvSpPr>
+        <p:spPr/>
+        <p:txBody>
+          <a:bodyPr/>
+          <a:lstStyle/>
+          <a:p>
+            <a:fld id="{9F4492BD-6A9C-48FC-AC76-0B4FE11194A1}" type="slidenum">
+              <a:rPr lang="en-US" smtClean="0">
+                <a:solidFill>
+                  <a:prstClr val="black">
+                    <a:tint val="75000"/>
+                  </a:prstClr>
+                </a:solidFill>
+              </a:rPr>
+              <a:pPr/>
+              <a:t>12</a:t>
+            </a:fld>
+            <a:endParaRPr lang="en-US">
+              <a:solidFill>
+                <a:prstClr val="black">
+                  <a:tint val="75000"/>
+                </a:prstClr>
+              </a:solidFill>
+            </a:endParaRPr>
+          </a:p>
+        </p:txBody>
+      </p:sp>
+      <p:sp>
+        <p:nvSpPr>
           <p:cNvPr id="4" name="Rectangle 3"/>
           <p:cNvSpPr/>
           <p:nvPr/>
@@ -3932,42 +5743,6 @@
             <a:endParaRPr lang="en-US" dirty="0">
               <a:solidFill>
                 <a:schemeClr val="tx1"/>
-              </a:solidFill>
-            </a:endParaRPr>
-          </a:p>
-        </p:txBody>
-      </p:sp>
-      <p:sp>
-        <p:nvSpPr>
-          <p:cNvPr id="5" name="Slide Number Placeholder 4"/>
-          <p:cNvSpPr>
-            <a:spLocks noGrp="1"/>
-          </p:cNvSpPr>
-          <p:nvPr>
-            <p:ph type="sldNum" sz="quarter" idx="12"/>
-          </p:nvPr>
-        </p:nvSpPr>
-        <p:spPr/>
-        <p:txBody>
-          <a:bodyPr/>
-          <a:lstStyle/>
-          <a:p>
-            <a:fld id="{9F4492BD-6A9C-48FC-AC76-0B4FE11194A1}" type="slidenum">
-              <a:rPr lang="en-US" smtClean="0">
-                <a:solidFill>
-                  <a:prstClr val="black">
-                    <a:tint val="75000"/>
-                  </a:prstClr>
-                </a:solidFill>
-              </a:rPr>
-              <a:pPr/>
-              <a:t>12</a:t>
-            </a:fld>
-            <a:endParaRPr lang="en-US">
-              <a:solidFill>
-                <a:prstClr val="black">
-                  <a:tint val="75000"/>
-                </a:prstClr>
               </a:solidFill>
             </a:endParaRPr>
           </a:p>
@@ -4298,6 +6073,42 @@
               <a:t>))]))</a:t>
             </a:r>
             <a:endParaRPr lang="en-US" sz="2000" dirty="0"/>
+          </a:p>
+        </p:txBody>
+      </p:sp>
+      <p:sp>
+        <p:nvSpPr>
+          <p:cNvPr id="4" name="Slide Number Placeholder 3"/>
+          <p:cNvSpPr>
+            <a:spLocks noGrp="1"/>
+          </p:cNvSpPr>
+          <p:nvPr>
+            <p:ph type="sldNum" sz="quarter" idx="12"/>
+          </p:nvPr>
+        </p:nvSpPr>
+        <p:spPr/>
+        <p:txBody>
+          <a:bodyPr/>
+          <a:lstStyle/>
+          <a:p>
+            <a:fld id="{9F4492BD-6A9C-48FC-AC76-0B4FE11194A1}" type="slidenum">
+              <a:rPr lang="en-US" smtClean="0">
+                <a:solidFill>
+                  <a:prstClr val="black">
+                    <a:tint val="75000"/>
+                  </a:prstClr>
+                </a:solidFill>
+              </a:rPr>
+              <a:pPr/>
+              <a:t>13</a:t>
+            </a:fld>
+            <a:endParaRPr lang="en-US">
+              <a:solidFill>
+                <a:prstClr val="black">
+                  <a:tint val="75000"/>
+                </a:prstClr>
+              </a:solidFill>
+            </a:endParaRPr>
           </a:p>
         </p:txBody>
       </p:sp>
@@ -4436,42 +6247,6 @@
       </p:cxnSp>
       <p:sp>
         <p:nvSpPr>
-          <p:cNvPr id="4" name="Slide Number Placeholder 3"/>
-          <p:cNvSpPr>
-            <a:spLocks noGrp="1"/>
-          </p:cNvSpPr>
-          <p:nvPr>
-            <p:ph type="sldNum" sz="quarter" idx="12"/>
-          </p:nvPr>
-        </p:nvSpPr>
-        <p:spPr/>
-        <p:txBody>
-          <a:bodyPr/>
-          <a:lstStyle/>
-          <a:p>
-            <a:fld id="{9F4492BD-6A9C-48FC-AC76-0B4FE11194A1}" type="slidenum">
-              <a:rPr lang="en-US" smtClean="0">
-                <a:solidFill>
-                  <a:prstClr val="black">
-                    <a:tint val="75000"/>
-                  </a:prstClr>
-                </a:solidFill>
-              </a:rPr>
-              <a:pPr/>
-              <a:t>13</a:t>
-            </a:fld>
-            <a:endParaRPr lang="en-US">
-              <a:solidFill>
-                <a:prstClr val="black">
-                  <a:tint val="75000"/>
-                </a:prstClr>
-              </a:solidFill>
-            </a:endParaRPr>
-          </a:p>
-        </p:txBody>
-      </p:sp>
-      <p:sp>
-        <p:nvSpPr>
           <p:cNvPr id="6" name="Rectangle 5"/>
           <p:cNvSpPr/>
           <p:nvPr/>
@@ -4726,6 +6501,42 @@
       </p:sp>
       <p:sp>
         <p:nvSpPr>
+          <p:cNvPr id="4" name="Slide Number Placeholder 3"/>
+          <p:cNvSpPr>
+            <a:spLocks noGrp="1"/>
+          </p:cNvSpPr>
+          <p:nvPr>
+            <p:ph type="sldNum" sz="quarter" idx="12"/>
+          </p:nvPr>
+        </p:nvSpPr>
+        <p:spPr/>
+        <p:txBody>
+          <a:bodyPr/>
+          <a:lstStyle/>
+          <a:p>
+            <a:fld id="{9F4492BD-6A9C-48FC-AC76-0B4FE11194A1}" type="slidenum">
+              <a:rPr lang="en-US" smtClean="0">
+                <a:solidFill>
+                  <a:prstClr val="black">
+                    <a:tint val="75000"/>
+                  </a:prstClr>
+                </a:solidFill>
+              </a:rPr>
+              <a:pPr/>
+              <a:t>14</a:t>
+            </a:fld>
+            <a:endParaRPr lang="en-US">
+              <a:solidFill>
+                <a:prstClr val="black">
+                  <a:tint val="75000"/>
+                </a:prstClr>
+              </a:solidFill>
+            </a:endParaRPr>
+          </a:p>
+        </p:txBody>
+      </p:sp>
+      <p:sp>
+        <p:nvSpPr>
           <p:cNvPr id="6" name="Rectangle 5"/>
           <p:cNvSpPr/>
           <p:nvPr/>
@@ -4822,42 +6633,6 @@
           </a:fontRef>
         </p:style>
       </p:cxnSp>
-      <p:sp>
-        <p:nvSpPr>
-          <p:cNvPr id="4" name="Slide Number Placeholder 3"/>
-          <p:cNvSpPr>
-            <a:spLocks noGrp="1"/>
-          </p:cNvSpPr>
-          <p:nvPr>
-            <p:ph type="sldNum" sz="quarter" idx="12"/>
-          </p:nvPr>
-        </p:nvSpPr>
-        <p:spPr/>
-        <p:txBody>
-          <a:bodyPr/>
-          <a:lstStyle/>
-          <a:p>
-            <a:fld id="{9F4492BD-6A9C-48FC-AC76-0B4FE11194A1}" type="slidenum">
-              <a:rPr lang="en-US" smtClean="0">
-                <a:solidFill>
-                  <a:prstClr val="black">
-                    <a:tint val="75000"/>
-                  </a:prstClr>
-                </a:solidFill>
-              </a:rPr>
-              <a:pPr/>
-              <a:t>14</a:t>
-            </a:fld>
-            <a:endParaRPr lang="en-US">
-              <a:solidFill>
-                <a:prstClr val="black">
-                  <a:tint val="75000"/>
-                </a:prstClr>
-              </a:solidFill>
-            </a:endParaRPr>
-          </a:p>
-        </p:txBody>
-      </p:sp>
     </p:spTree>
     <p:extLst>
       <p:ext uri="{BB962C8B-B14F-4D97-AF65-F5344CB8AC3E}">
@@ -5341,6 +7116,42 @@
       </p:sp>
       <p:sp>
         <p:nvSpPr>
+          <p:cNvPr id="5" name="Slide Number Placeholder 4"/>
+          <p:cNvSpPr>
+            <a:spLocks noGrp="1"/>
+          </p:cNvSpPr>
+          <p:nvPr>
+            <p:ph type="sldNum" sz="quarter" idx="12"/>
+          </p:nvPr>
+        </p:nvSpPr>
+        <p:spPr/>
+        <p:txBody>
+          <a:bodyPr/>
+          <a:lstStyle/>
+          <a:p>
+            <a:fld id="{9F4492BD-6A9C-48FC-AC76-0B4FE11194A1}" type="slidenum">
+              <a:rPr lang="en-US" smtClean="0">
+                <a:solidFill>
+                  <a:prstClr val="black">
+                    <a:tint val="75000"/>
+                  </a:prstClr>
+                </a:solidFill>
+              </a:rPr>
+              <a:pPr/>
+              <a:t>3</a:t>
+            </a:fld>
+            <a:endParaRPr lang="en-US">
+              <a:solidFill>
+                <a:prstClr val="black">
+                  <a:tint val="75000"/>
+                </a:prstClr>
+              </a:solidFill>
+            </a:endParaRPr>
+          </a:p>
+        </p:txBody>
+      </p:sp>
+      <p:sp>
+        <p:nvSpPr>
           <p:cNvPr id="4" name="Rectangle 3"/>
           <p:cNvSpPr/>
           <p:nvPr/>
@@ -5576,42 +7387,6 @@
               </a:rPr>
               <a:t>) look like. </a:t>
             </a:r>
-          </a:p>
-        </p:txBody>
-      </p:sp>
-      <p:sp>
-        <p:nvSpPr>
-          <p:cNvPr id="5" name="Slide Number Placeholder 4"/>
-          <p:cNvSpPr>
-            <a:spLocks noGrp="1"/>
-          </p:cNvSpPr>
-          <p:nvPr>
-            <p:ph type="sldNum" sz="quarter" idx="12"/>
-          </p:nvPr>
-        </p:nvSpPr>
-        <p:spPr/>
-        <p:txBody>
-          <a:bodyPr/>
-          <a:lstStyle/>
-          <a:p>
-            <a:fld id="{9F4492BD-6A9C-48FC-AC76-0B4FE11194A1}" type="slidenum">
-              <a:rPr lang="en-US" smtClean="0">
-                <a:solidFill>
-                  <a:prstClr val="black">
-                    <a:tint val="75000"/>
-                  </a:prstClr>
-                </a:solidFill>
-              </a:rPr>
-              <a:pPr/>
-              <a:t>3</a:t>
-            </a:fld>
-            <a:endParaRPr lang="en-US">
-              <a:solidFill>
-                <a:prstClr val="black">
-                  <a:tint val="75000"/>
-                </a:prstClr>
-              </a:solidFill>
-            </a:endParaRPr>
           </a:p>
         </p:txBody>
       </p:sp>
@@ -6068,6 +7843,42 @@
       </p:sp>
       <p:sp>
         <p:nvSpPr>
+          <p:cNvPr id="5" name="Slide Number Placeholder 4"/>
+          <p:cNvSpPr>
+            <a:spLocks noGrp="1"/>
+          </p:cNvSpPr>
+          <p:nvPr>
+            <p:ph type="sldNum" sz="quarter" idx="12"/>
+          </p:nvPr>
+        </p:nvSpPr>
+        <p:spPr/>
+        <p:txBody>
+          <a:bodyPr/>
+          <a:lstStyle/>
+          <a:p>
+            <a:fld id="{9F4492BD-6A9C-48FC-AC76-0B4FE11194A1}" type="slidenum">
+              <a:rPr lang="en-US" smtClean="0">
+                <a:solidFill>
+                  <a:prstClr val="black">
+                    <a:tint val="75000"/>
+                  </a:prstClr>
+                </a:solidFill>
+              </a:rPr>
+              <a:pPr/>
+              <a:t>4</a:t>
+            </a:fld>
+            <a:endParaRPr lang="en-US">
+              <a:solidFill>
+                <a:prstClr val="black">
+                  <a:tint val="75000"/>
+                </a:prstClr>
+              </a:solidFill>
+            </a:endParaRPr>
+          </a:p>
+        </p:txBody>
+      </p:sp>
+      <p:sp>
+        <p:nvSpPr>
           <p:cNvPr id="4" name="Rectangle 3"/>
           <p:cNvSpPr/>
           <p:nvPr/>
@@ -6355,42 +8166,6 @@
               </a:rPr>
               <a:t>(lambda (x) x)&gt;)</a:t>
             </a:r>
-          </a:p>
-        </p:txBody>
-      </p:sp>
-      <p:sp>
-        <p:nvSpPr>
-          <p:cNvPr id="5" name="Slide Number Placeholder 4"/>
-          <p:cNvSpPr>
-            <a:spLocks noGrp="1"/>
-          </p:cNvSpPr>
-          <p:nvPr>
-            <p:ph type="sldNum" sz="quarter" idx="12"/>
-          </p:nvPr>
-        </p:nvSpPr>
-        <p:spPr/>
-        <p:txBody>
-          <a:bodyPr/>
-          <a:lstStyle/>
-          <a:p>
-            <a:fld id="{9F4492BD-6A9C-48FC-AC76-0B4FE11194A1}" type="slidenum">
-              <a:rPr lang="en-US" smtClean="0">
-                <a:solidFill>
-                  <a:prstClr val="black">
-                    <a:tint val="75000"/>
-                  </a:prstClr>
-                </a:solidFill>
-              </a:rPr>
-              <a:pPr/>
-              <a:t>4</a:t>
-            </a:fld>
-            <a:endParaRPr lang="en-US">
-              <a:solidFill>
-                <a:prstClr val="black">
-                  <a:tint val="75000"/>
-                </a:prstClr>
-              </a:solidFill>
-            </a:endParaRPr>
           </a:p>
         </p:txBody>
       </p:sp>
@@ -6642,6 +8417,42 @@
       </p:sp>
       <p:sp>
         <p:nvSpPr>
+          <p:cNvPr id="5" name="Slide Number Placeholder 4"/>
+          <p:cNvSpPr>
+            <a:spLocks noGrp="1"/>
+          </p:cNvSpPr>
+          <p:nvPr>
+            <p:ph type="sldNum" sz="quarter" idx="12"/>
+          </p:nvPr>
+        </p:nvSpPr>
+        <p:spPr/>
+        <p:txBody>
+          <a:bodyPr/>
+          <a:lstStyle/>
+          <a:p>
+            <a:fld id="{9F4492BD-6A9C-48FC-AC76-0B4FE11194A1}" type="slidenum">
+              <a:rPr lang="en-US" smtClean="0">
+                <a:solidFill>
+                  <a:prstClr val="black">
+                    <a:tint val="75000"/>
+                  </a:prstClr>
+                </a:solidFill>
+              </a:rPr>
+              <a:pPr/>
+              <a:t>5</a:t>
+            </a:fld>
+            <a:endParaRPr lang="en-US">
+              <a:solidFill>
+                <a:prstClr val="black">
+                  <a:tint val="75000"/>
+                </a:prstClr>
+              </a:solidFill>
+            </a:endParaRPr>
+          </a:p>
+        </p:txBody>
+      </p:sp>
+      <p:sp>
+        <p:nvSpPr>
           <p:cNvPr id="4" name="Rectangle 3"/>
           <p:cNvSpPr/>
           <p:nvPr/>
@@ -6731,42 +8542,6 @@
             <a:endParaRPr lang="en-US" dirty="0">
               <a:solidFill>
                 <a:schemeClr val="tx1"/>
-              </a:solidFill>
-            </a:endParaRPr>
-          </a:p>
-        </p:txBody>
-      </p:sp>
-      <p:sp>
-        <p:nvSpPr>
-          <p:cNvPr id="5" name="Slide Number Placeholder 4"/>
-          <p:cNvSpPr>
-            <a:spLocks noGrp="1"/>
-          </p:cNvSpPr>
-          <p:nvPr>
-            <p:ph type="sldNum" sz="quarter" idx="12"/>
-          </p:nvPr>
-        </p:nvSpPr>
-        <p:spPr/>
-        <p:txBody>
-          <a:bodyPr/>
-          <a:lstStyle/>
-          <a:p>
-            <a:fld id="{9F4492BD-6A9C-48FC-AC76-0B4FE11194A1}" type="slidenum">
-              <a:rPr lang="en-US" smtClean="0">
-                <a:solidFill>
-                  <a:prstClr val="black">
-                    <a:tint val="75000"/>
-                  </a:prstClr>
-                </a:solidFill>
-              </a:rPr>
-              <a:pPr/>
-              <a:t>5</a:t>
-            </a:fld>
-            <a:endParaRPr lang="en-US">
-              <a:solidFill>
-                <a:prstClr val="black">
-                  <a:tint val="75000"/>
-                </a:prstClr>
               </a:solidFill>
             </a:endParaRPr>
           </a:p>
@@ -7232,6 +9007,42 @@
       </p:sp>
       <p:sp>
         <p:nvSpPr>
+          <p:cNvPr id="3" name="Slide Number Placeholder 2"/>
+          <p:cNvSpPr>
+            <a:spLocks noGrp="1"/>
+          </p:cNvSpPr>
+          <p:nvPr>
+            <p:ph type="sldNum" sz="quarter" idx="12"/>
+          </p:nvPr>
+        </p:nvSpPr>
+        <p:spPr/>
+        <p:txBody>
+          <a:bodyPr/>
+          <a:lstStyle/>
+          <a:p>
+            <a:fld id="{9F4492BD-6A9C-48FC-AC76-0B4FE11194A1}" type="slidenum">
+              <a:rPr lang="en-US" smtClean="0">
+                <a:solidFill>
+                  <a:prstClr val="black">
+                    <a:tint val="75000"/>
+                  </a:prstClr>
+                </a:solidFill>
+              </a:rPr>
+              <a:pPr/>
+              <a:t>7</a:t>
+            </a:fld>
+            <a:endParaRPr lang="en-US">
+              <a:solidFill>
+                <a:prstClr val="black">
+                  <a:tint val="75000"/>
+                </a:prstClr>
+              </a:solidFill>
+            </a:endParaRPr>
+          </a:p>
+        </p:txBody>
+      </p:sp>
+      <p:sp>
+        <p:nvSpPr>
           <p:cNvPr id="2" name="Rectangle 1"/>
           <p:cNvSpPr/>
           <p:nvPr/>
@@ -7332,42 +9143,6 @@
           </a:fontRef>
         </p:style>
       </p:cxnSp>
-      <p:sp>
-        <p:nvSpPr>
-          <p:cNvPr id="3" name="Slide Number Placeholder 2"/>
-          <p:cNvSpPr>
-            <a:spLocks noGrp="1"/>
-          </p:cNvSpPr>
-          <p:nvPr>
-            <p:ph type="sldNum" sz="quarter" idx="12"/>
-          </p:nvPr>
-        </p:nvSpPr>
-        <p:spPr/>
-        <p:txBody>
-          <a:bodyPr/>
-          <a:lstStyle/>
-          <a:p>
-            <a:fld id="{9F4492BD-6A9C-48FC-AC76-0B4FE11194A1}" type="slidenum">
-              <a:rPr lang="en-US" smtClean="0">
-                <a:solidFill>
-                  <a:prstClr val="black">
-                    <a:tint val="75000"/>
-                  </a:prstClr>
-                </a:solidFill>
-              </a:rPr>
-              <a:pPr/>
-              <a:t>7</a:t>
-            </a:fld>
-            <a:endParaRPr lang="en-US">
-              <a:solidFill>
-                <a:prstClr val="black">
-                  <a:tint val="75000"/>
-                </a:prstClr>
-              </a:solidFill>
-            </a:endParaRPr>
-          </a:p>
-        </p:txBody>
-      </p:sp>
     </p:spTree>
     <p:extLst>
       <p:ext uri="{BB962C8B-B14F-4D97-AF65-F5344CB8AC3E}">
@@ -7951,7 +9726,7 @@
 </file>
 
 <file path=ppt/theme/theme1.xml><?xml version="1.0" encoding="utf-8"?>
-<a:theme xmlns:a="http://schemas.openxmlformats.org/drawingml/2006/main" name="11_Office Theme">
+<a:theme xmlns:a="http://schemas.openxmlformats.org/drawingml/2006/main" name="1_Office Theme">
   <a:themeElements>
     <a:clrScheme name="Office">
       <a:dk1>
@@ -8025,6 +9800,7 @@
         <a:font script="Mong" typeface="Mongolian Baiti"/>
         <a:font script="Viet" typeface="Times New Roman"/>
         <a:font script="Uigh" typeface="Microsoft Uighur"/>
+        <a:font script="Geor" typeface="Sylfaen"/>
       </a:majorFont>
       <a:minorFont>
         <a:latin typeface="Calibri"/>
@@ -8059,392 +9835,7 @@
         <a:font script="Mong" typeface="Mongolian Baiti"/>
         <a:font script="Viet" typeface="Arial"/>
         <a:font script="Uigh" typeface="Microsoft Uighur"/>
-      </a:minorFont>
-    </a:fontScheme>
-    <a:fmtScheme name="Office">
-      <a:fillStyleLst>
-        <a:solidFill>
-          <a:schemeClr val="phClr"/>
-        </a:solidFill>
-        <a:gradFill rotWithShape="1">
-          <a:gsLst>
-            <a:gs pos="0">
-              <a:schemeClr val="phClr">
-                <a:tint val="50000"/>
-                <a:satMod val="300000"/>
-              </a:schemeClr>
-            </a:gs>
-            <a:gs pos="35000">
-              <a:schemeClr val="phClr">
-                <a:tint val="37000"/>
-                <a:satMod val="300000"/>
-              </a:schemeClr>
-            </a:gs>
-            <a:gs pos="100000">
-              <a:schemeClr val="phClr">
-                <a:tint val="15000"/>
-                <a:satMod val="350000"/>
-              </a:schemeClr>
-            </a:gs>
-          </a:gsLst>
-          <a:lin ang="16200000" scaled="1"/>
-        </a:gradFill>
-        <a:gradFill rotWithShape="1">
-          <a:gsLst>
-            <a:gs pos="0">
-              <a:schemeClr val="phClr">
-                <a:shade val="51000"/>
-                <a:satMod val="130000"/>
-              </a:schemeClr>
-            </a:gs>
-            <a:gs pos="80000">
-              <a:schemeClr val="phClr">
-                <a:shade val="93000"/>
-                <a:satMod val="130000"/>
-              </a:schemeClr>
-            </a:gs>
-            <a:gs pos="100000">
-              <a:schemeClr val="phClr">
-                <a:shade val="94000"/>
-                <a:satMod val="135000"/>
-              </a:schemeClr>
-            </a:gs>
-          </a:gsLst>
-          <a:lin ang="16200000" scaled="0"/>
-        </a:gradFill>
-      </a:fillStyleLst>
-      <a:lnStyleLst>
-        <a:ln w="9525" cap="flat" cmpd="sng" algn="ctr">
-          <a:solidFill>
-            <a:schemeClr val="phClr">
-              <a:shade val="95000"/>
-              <a:satMod val="105000"/>
-            </a:schemeClr>
-          </a:solidFill>
-          <a:prstDash val="solid"/>
-        </a:ln>
-        <a:ln w="25400" cap="flat" cmpd="sng" algn="ctr">
-          <a:solidFill>
-            <a:schemeClr val="phClr"/>
-          </a:solidFill>
-          <a:prstDash val="solid"/>
-        </a:ln>
-        <a:ln w="38100" cap="flat" cmpd="sng" algn="ctr">
-          <a:solidFill>
-            <a:schemeClr val="phClr"/>
-          </a:solidFill>
-          <a:prstDash val="solid"/>
-        </a:ln>
-      </a:lnStyleLst>
-      <a:effectStyleLst>
-        <a:effectStyle>
-          <a:effectLst>
-            <a:outerShdw blurRad="40000" dist="20000" dir="5400000" rotWithShape="0">
-              <a:srgbClr val="000000">
-                <a:alpha val="38000"/>
-              </a:srgbClr>
-            </a:outerShdw>
-          </a:effectLst>
-        </a:effectStyle>
-        <a:effectStyle>
-          <a:effectLst>
-            <a:outerShdw blurRad="40000" dist="23000" dir="5400000" rotWithShape="0">
-              <a:srgbClr val="000000">
-                <a:alpha val="35000"/>
-              </a:srgbClr>
-            </a:outerShdw>
-          </a:effectLst>
-        </a:effectStyle>
-        <a:effectStyle>
-          <a:effectLst>
-            <a:outerShdw blurRad="40000" dist="23000" dir="5400000" rotWithShape="0">
-              <a:srgbClr val="000000">
-                <a:alpha val="35000"/>
-              </a:srgbClr>
-            </a:outerShdw>
-          </a:effectLst>
-          <a:scene3d>
-            <a:camera prst="orthographicFront">
-              <a:rot lat="0" lon="0" rev="0"/>
-            </a:camera>
-            <a:lightRig rig="threePt" dir="t">
-              <a:rot lat="0" lon="0" rev="1200000"/>
-            </a:lightRig>
-          </a:scene3d>
-          <a:sp3d>
-            <a:bevelT w="63500" h="25400"/>
-          </a:sp3d>
-        </a:effectStyle>
-      </a:effectStyleLst>
-      <a:bgFillStyleLst>
-        <a:solidFill>
-          <a:schemeClr val="phClr"/>
-        </a:solidFill>
-        <a:gradFill rotWithShape="1">
-          <a:gsLst>
-            <a:gs pos="0">
-              <a:schemeClr val="phClr">
-                <a:tint val="40000"/>
-                <a:satMod val="350000"/>
-              </a:schemeClr>
-            </a:gs>
-            <a:gs pos="40000">
-              <a:schemeClr val="phClr">
-                <a:tint val="45000"/>
-                <a:shade val="99000"/>
-                <a:satMod val="350000"/>
-              </a:schemeClr>
-            </a:gs>
-            <a:gs pos="100000">
-              <a:schemeClr val="phClr">
-                <a:shade val="20000"/>
-                <a:satMod val="255000"/>
-              </a:schemeClr>
-            </a:gs>
-          </a:gsLst>
-          <a:path path="circle">
-            <a:fillToRect l="50000" t="-80000" r="50000" b="180000"/>
-          </a:path>
-        </a:gradFill>
-        <a:gradFill rotWithShape="1">
-          <a:gsLst>
-            <a:gs pos="0">
-              <a:schemeClr val="phClr">
-                <a:tint val="80000"/>
-                <a:satMod val="300000"/>
-              </a:schemeClr>
-            </a:gs>
-            <a:gs pos="100000">
-              <a:schemeClr val="phClr">
-                <a:shade val="30000"/>
-                <a:satMod val="200000"/>
-              </a:schemeClr>
-            </a:gs>
-          </a:gsLst>
-          <a:path path="circle">
-            <a:fillToRect l="50000" t="50000" r="50000" b="50000"/>
-          </a:path>
-        </a:gradFill>
-      </a:bgFillStyleLst>
-    </a:fmtScheme>
-  </a:themeElements>
-  <a:objectDefaults>
-    <a:spDef>
-      <a:spPr>
-        <a:solidFill>
-          <a:schemeClr val="accent3">
-            <a:lumMod val="40000"/>
-            <a:lumOff val="60000"/>
-          </a:schemeClr>
-        </a:solidFill>
-        <a:ln/>
-      </a:spPr>
-      <a:bodyPr rot="0" spcFirstLastPara="0" vertOverflow="overflow" horzOverflow="overflow" vert="horz" wrap="square" lIns="91440" tIns="45720" rIns="91440" bIns="45720" numCol="1" spcCol="0" rtlCol="0" fromWordArt="0" anchor="ctr" anchorCtr="0" forceAA="0" compatLnSpc="1">
-        <a:prstTxWarp prst="textNoShape">
-          <a:avLst/>
-        </a:prstTxWarp>
-        <a:noAutofit/>
-      </a:bodyPr>
-      <a:lstStyle>
-        <a:defPPr algn="ctr">
-          <a:defRPr dirty="0">
-            <a:solidFill>
-              <a:schemeClr val="tx1"/>
-            </a:solidFill>
-          </a:defRPr>
-        </a:defPPr>
-      </a:lstStyle>
-      <a:style>
-        <a:lnRef idx="2">
-          <a:schemeClr val="accent1"/>
-        </a:lnRef>
-        <a:fillRef idx="1">
-          <a:schemeClr val="lt1"/>
-        </a:fillRef>
-        <a:effectRef idx="0">
-          <a:schemeClr val="accent1"/>
-        </a:effectRef>
-        <a:fontRef idx="minor">
-          <a:schemeClr val="dk1"/>
-        </a:fontRef>
-      </a:style>
-    </a:spDef>
-    <a:lnDef>
-      <a:spPr>
-        <a:ln w="12700">
-          <a:solidFill>
-            <a:schemeClr val="tx1"/>
-          </a:solidFill>
-          <a:tailEnd type="stealth" w="lg" len="lg"/>
-        </a:ln>
-      </a:spPr>
-      <a:bodyPr/>
-      <a:lstStyle/>
-      <a:style>
-        <a:lnRef idx="1">
-          <a:schemeClr val="accent1"/>
-        </a:lnRef>
-        <a:fillRef idx="0">
-          <a:schemeClr val="accent1"/>
-        </a:fillRef>
-        <a:effectRef idx="0">
-          <a:schemeClr val="accent1"/>
-        </a:effectRef>
-        <a:fontRef idx="minor">
-          <a:schemeClr val="tx1"/>
-        </a:fontRef>
-      </a:style>
-    </a:lnDef>
-    <a:txDef>
-      <a:spPr>
-        <a:solidFill>
-          <a:schemeClr val="accent3">
-            <a:lumMod val="40000"/>
-            <a:lumOff val="60000"/>
-          </a:schemeClr>
-        </a:solidFill>
-        <a:ln/>
-      </a:spPr>
-      <a:bodyPr rot="0" spcFirstLastPara="0" vertOverflow="overflow" horzOverflow="overflow" vert="horz" wrap="square" lIns="91440" tIns="45720" rIns="91440" bIns="45720" numCol="1" spcCol="0" rtlCol="0" fromWordArt="0" anchor="ctr" anchorCtr="0" forceAA="0" compatLnSpc="1">
-        <a:prstTxWarp prst="textNoShape">
-          <a:avLst/>
-        </a:prstTxWarp>
-        <a:noAutofit/>
-      </a:bodyPr>
-      <a:lstStyle>
-        <a:defPPr>
-          <a:defRPr dirty="0"/>
-        </a:defPPr>
-      </a:lstStyle>
-      <a:style>
-        <a:lnRef idx="2">
-          <a:schemeClr val="accent1"/>
-        </a:lnRef>
-        <a:fillRef idx="1">
-          <a:schemeClr val="lt1"/>
-        </a:fillRef>
-        <a:effectRef idx="0">
-          <a:schemeClr val="accent1"/>
-        </a:effectRef>
-        <a:fontRef idx="minor">
-          <a:schemeClr val="dk1"/>
-        </a:fontRef>
-      </a:style>
-    </a:txDef>
-  </a:objectDefaults>
-  <a:extraClrSchemeLst/>
-</a:theme>
-</file>
-
-<file path=ppt/theme/theme2.xml><?xml version="1.0" encoding="utf-8"?>
-<a:theme xmlns:a="http://schemas.openxmlformats.org/drawingml/2006/main" name="14_Office Theme">
-  <a:themeElements>
-    <a:clrScheme name="Office">
-      <a:dk1>
-        <a:sysClr val="windowText" lastClr="000000"/>
-      </a:dk1>
-      <a:lt1>
-        <a:sysClr val="window" lastClr="FFFFFF"/>
-      </a:lt1>
-      <a:dk2>
-        <a:srgbClr val="1F497D"/>
-      </a:dk2>
-      <a:lt2>
-        <a:srgbClr val="EEECE1"/>
-      </a:lt2>
-      <a:accent1>
-        <a:srgbClr val="4F81BD"/>
-      </a:accent1>
-      <a:accent2>
-        <a:srgbClr val="C0504D"/>
-      </a:accent2>
-      <a:accent3>
-        <a:srgbClr val="9BBB59"/>
-      </a:accent3>
-      <a:accent4>
-        <a:srgbClr val="8064A2"/>
-      </a:accent4>
-      <a:accent5>
-        <a:srgbClr val="4BACC6"/>
-      </a:accent5>
-      <a:accent6>
-        <a:srgbClr val="F79646"/>
-      </a:accent6>
-      <a:hlink>
-        <a:srgbClr val="0000FF"/>
-      </a:hlink>
-      <a:folHlink>
-        <a:srgbClr val="800080"/>
-      </a:folHlink>
-    </a:clrScheme>
-    <a:fontScheme name="Office">
-      <a:majorFont>
-        <a:latin typeface="Calibri"/>
-        <a:ea typeface=""/>
-        <a:cs typeface=""/>
-        <a:font script="Jpan" typeface="ＭＳ Ｐゴシック"/>
-        <a:font script="Hang" typeface="맑은 고딕"/>
-        <a:font script="Hans" typeface="宋体"/>
-        <a:font script="Hant" typeface="新細明體"/>
-        <a:font script="Arab" typeface="Times New Roman"/>
-        <a:font script="Hebr" typeface="Times New Roman"/>
-        <a:font script="Thai" typeface="Angsana New"/>
-        <a:font script="Ethi" typeface="Nyala"/>
-        <a:font script="Beng" typeface="Vrinda"/>
-        <a:font script="Gujr" typeface="Shruti"/>
-        <a:font script="Khmr" typeface="MoolBoran"/>
-        <a:font script="Knda" typeface="Tunga"/>
-        <a:font script="Guru" typeface="Raavi"/>
-        <a:font script="Cans" typeface="Euphemia"/>
-        <a:font script="Cher" typeface="Plantagenet Cherokee"/>
-        <a:font script="Yiii" typeface="Microsoft Yi Baiti"/>
-        <a:font script="Tibt" typeface="Microsoft Himalaya"/>
-        <a:font script="Thaa" typeface="MV Boli"/>
-        <a:font script="Deva" typeface="Mangal"/>
-        <a:font script="Telu" typeface="Gautami"/>
-        <a:font script="Taml" typeface="Latha"/>
-        <a:font script="Syrc" typeface="Estrangelo Edessa"/>
-        <a:font script="Orya" typeface="Kalinga"/>
-        <a:font script="Mlym" typeface="Kartika"/>
-        <a:font script="Laoo" typeface="DokChampa"/>
-        <a:font script="Sinh" typeface="Iskoola Pota"/>
-        <a:font script="Mong" typeface="Mongolian Baiti"/>
-        <a:font script="Viet" typeface="Times New Roman"/>
-        <a:font script="Uigh" typeface="Microsoft Uighur"/>
-      </a:majorFont>
-      <a:minorFont>
-        <a:latin typeface="Calibri"/>
-        <a:ea typeface=""/>
-        <a:cs typeface=""/>
-        <a:font script="Jpan" typeface="ＭＳ Ｐゴシック"/>
-        <a:font script="Hang" typeface="맑은 고딕"/>
-        <a:font script="Hans" typeface="宋体"/>
-        <a:font script="Hant" typeface="新細明體"/>
-        <a:font script="Arab" typeface="Arial"/>
-        <a:font script="Hebr" typeface="Arial"/>
-        <a:font script="Thai" typeface="Cordia New"/>
-        <a:font script="Ethi" typeface="Nyala"/>
-        <a:font script="Beng" typeface="Vrinda"/>
-        <a:font script="Gujr" typeface="Shruti"/>
-        <a:font script="Khmr" typeface="DaunPenh"/>
-        <a:font script="Knda" typeface="Tunga"/>
-        <a:font script="Guru" typeface="Raavi"/>
-        <a:font script="Cans" typeface="Euphemia"/>
-        <a:font script="Cher" typeface="Plantagenet Cherokee"/>
-        <a:font script="Yiii" typeface="Microsoft Yi Baiti"/>
-        <a:font script="Tibt" typeface="Microsoft Himalaya"/>
-        <a:font script="Thaa" typeface="MV Boli"/>
-        <a:font script="Deva" typeface="Mangal"/>
-        <a:font script="Telu" typeface="Gautami"/>
-        <a:font script="Taml" typeface="Latha"/>
-        <a:font script="Syrc" typeface="Estrangelo Edessa"/>
-        <a:font script="Orya" typeface="Kalinga"/>
-        <a:font script="Mlym" typeface="Kartika"/>
-        <a:font script="Laoo" typeface="DokChampa"/>
-        <a:font script="Sinh" typeface="Iskoola Pota"/>
-        <a:font script="Mong" typeface="Mongolian Baiti"/>
-        <a:font script="Viet" typeface="Arial"/>
-        <a:font script="Uigh" typeface="Microsoft Uighur"/>
+        <a:font script="Geor" typeface="Sylfaen"/>
       </a:minorFont>
     </a:fontScheme>
     <a:fmtScheme name="Office">
@@ -8655,38 +10046,12 @@
         </a:fontRef>
       </a:style>
     </a:spDef>
-    <a:lnDef>
-      <a:spPr>
-        <a:ln w="12700">
-          <a:solidFill>
-            <a:schemeClr val="tx1"/>
-          </a:solidFill>
-          <a:tailEnd type="stealth" w="lg" len="lg"/>
-        </a:ln>
-      </a:spPr>
-      <a:bodyPr/>
-      <a:lstStyle/>
-      <a:style>
-        <a:lnRef idx="1">
-          <a:schemeClr val="accent1"/>
-        </a:lnRef>
-        <a:fillRef idx="0">
-          <a:schemeClr val="accent1"/>
-        </a:fillRef>
-        <a:effectRef idx="0">
-          <a:schemeClr val="accent1"/>
-        </a:effectRef>
-        <a:fontRef idx="minor">
-          <a:schemeClr val="tx1"/>
-        </a:fontRef>
-      </a:style>
-    </a:lnDef>
   </a:objectDefaults>
   <a:extraClrSchemeLst/>
 </a:theme>
 </file>
 
-<file path=ppt/theme/theme3.xml><?xml version="1.0" encoding="utf-8"?>
+<file path=ppt/theme/theme2.xml><?xml version="1.0" encoding="utf-8"?>
 <a:theme xmlns:a="http://schemas.openxmlformats.org/drawingml/2006/main" name="Office Theme">
   <a:themeElements>
     <a:clrScheme name="Office">

--- a/Slides/Lesson 7.3 Case Study-- Free Variables.pptx
+++ b/Slides/Lesson 7.3 Case Study-- Free Variables.pptx
@@ -5,7 +5,7 @@
     <p:sldMasterId id="2147483690" r:id="rId1"/>
   </p:sldMasterIdLst>
   <p:notesMasterIdLst>
-    <p:notesMasterId r:id="rId17"/>
+    <p:notesMasterId r:id="rId19"/>
   </p:notesMasterIdLst>
   <p:sldIdLst>
     <p:sldId id="271" r:id="rId2"/>
@@ -13,21 +13,23 @@
     <p:sldId id="364" r:id="rId4"/>
     <p:sldId id="365" r:id="rId5"/>
     <p:sldId id="366" r:id="rId6"/>
-    <p:sldId id="382" r:id="rId7"/>
-    <p:sldId id="367" r:id="rId8"/>
-    <p:sldId id="368" r:id="rId9"/>
-    <p:sldId id="381" r:id="rId10"/>
-    <p:sldId id="370" r:id="rId11"/>
-    <p:sldId id="371" r:id="rId12"/>
-    <p:sldId id="383" r:id="rId13"/>
-    <p:sldId id="372" r:id="rId14"/>
-    <p:sldId id="373" r:id="rId15"/>
-    <p:sldId id="379" r:id="rId16"/>
+    <p:sldId id="384" r:id="rId7"/>
+    <p:sldId id="385" r:id="rId8"/>
+    <p:sldId id="382" r:id="rId9"/>
+    <p:sldId id="367" r:id="rId10"/>
+    <p:sldId id="368" r:id="rId11"/>
+    <p:sldId id="381" r:id="rId12"/>
+    <p:sldId id="370" r:id="rId13"/>
+    <p:sldId id="371" r:id="rId14"/>
+    <p:sldId id="383" r:id="rId15"/>
+    <p:sldId id="372" r:id="rId16"/>
+    <p:sldId id="373" r:id="rId17"/>
+    <p:sldId id="379" r:id="rId18"/>
   </p:sldIdLst>
   <p:sldSz cx="9144000" cy="6858000" type="screen4x3"/>
   <p:notesSz cx="6858000" cy="9144000"/>
   <p:custDataLst>
-    <p:tags r:id="rId18"/>
+    <p:tags r:id="rId20"/>
   </p:custDataLst>
   <p:defaultTextStyle>
     <a:defPPr>
@@ -226,7 +228,7 @@
             <a:fld id="{5758D54E-DB71-49E8-BB66-48EF417974F5}" type="datetimeFigureOut">
               <a:rPr lang="en-US" smtClean="0"/>
               <a:pPr/>
-              <a:t>9/28/2015</a:t>
+              <a:t>10/25/2015</a:t>
             </a:fld>
             <a:endParaRPr lang="en-US"/>
           </a:p>
@@ -763,7 +765,7 @@
           <a:p>
             <a:fld id="{2F1F79F5-7BEC-496A-AFC7-876E38F64D71}" type="datetime1">
               <a:rPr lang="en-US" smtClean="0"/>
-              <a:t>9/28/2015</a:t>
+              <a:t>10/25/2015</a:t>
             </a:fld>
             <a:endParaRPr lang="en-US"/>
           </a:p>
@@ -865,7 +867,7 @@
           <a:p>
             <a:fld id="{0A05703A-7669-4FEA-9056-25299B4D29D4}" type="datetime1">
               <a:rPr lang="en-US" smtClean="0"/>
-              <a:t>9/28/2015</a:t>
+              <a:t>10/25/2015</a:t>
             </a:fld>
             <a:endParaRPr lang="en-US"/>
           </a:p>
@@ -1142,7 +1144,7 @@
           <a:p>
             <a:fld id="{6E5077B5-BB57-49DB-88CA-226A139E5C01}" type="datetime1">
               <a:rPr lang="en-US" smtClean="0"/>
-              <a:t>9/28/2015</a:t>
+              <a:t>10/25/2015</a:t>
             </a:fld>
             <a:endParaRPr lang="en-US"/>
           </a:p>
@@ -1395,7 +1397,7 @@
           <a:p>
             <a:fld id="{C48D9447-CBD6-49A1-89FD-8512A8CF8999}" type="datetime1">
               <a:rPr lang="en-US" smtClean="0"/>
-              <a:t>9/28/2015</a:t>
+              <a:t>10/25/2015</a:t>
             </a:fld>
             <a:endParaRPr lang="en-US"/>
           </a:p>
@@ -1565,7 +1567,7 @@
           <a:p>
             <a:fld id="{A3639A2A-823D-48B7-9ACE-7FAF42870BA9}" type="datetime1">
               <a:rPr lang="en-US" smtClean="0"/>
-              <a:t>9/28/2015</a:t>
+              <a:t>10/25/2015</a:t>
             </a:fld>
             <a:endParaRPr lang="en-US"/>
           </a:p>
@@ -1745,7 +1747,7 @@
           <a:p>
             <a:fld id="{ED1B6996-82E9-463C-972C-7B56056E426C}" type="datetime1">
               <a:rPr lang="en-US" smtClean="0"/>
-              <a:t>9/28/2015</a:t>
+              <a:t>10/25/2015</a:t>
             </a:fld>
             <a:endParaRPr lang="en-US"/>
           </a:p>
@@ -1928,7 +1930,7 @@
           <a:p>
             <a:fld id="{E22ED4DA-448D-4BB1-B935-CC112220207B}" type="datetime1">
               <a:rPr lang="en-US" smtClean="0"/>
-              <a:t>9/28/2015</a:t>
+              <a:t>10/25/2015</a:t>
             </a:fld>
             <a:endParaRPr lang="en-US"/>
           </a:p>
@@ -2110,7 +2112,7 @@
           <a:p>
             <a:fld id="{E22ED4DA-448D-4BB1-B935-CC112220207B}" type="datetime1">
               <a:rPr lang="en-US" smtClean="0"/>
-              <a:t>9/28/2015</a:t>
+              <a:t>10/25/2015</a:t>
             </a:fld>
             <a:endParaRPr lang="en-US"/>
           </a:p>
@@ -2379,7 +2381,7 @@
           <a:p>
             <a:fld id="{FF5D65A6-AB94-4435-B0B7-3743215FA46C}" type="datetime1">
               <a:rPr lang="en-US" smtClean="0"/>
-              <a:t>9/28/2015</a:t>
+              <a:t>10/25/2015</a:t>
             </a:fld>
             <a:endParaRPr lang="en-US"/>
           </a:p>
@@ -2564,7 +2566,7 @@
           <a:p>
             <a:fld id="{FF5D65A6-AB94-4435-B0B7-3743215FA46C}" type="datetime1">
               <a:rPr lang="en-US" smtClean="0"/>
-              <a:t>9/28/2015</a:t>
+              <a:t>10/25/2015</a:t>
             </a:fld>
             <a:endParaRPr lang="en-US"/>
           </a:p>
@@ -2866,7 +2868,7 @@
           <a:p>
             <a:fld id="{7C193DC4-6EF0-48C9-B29C-616106A645E1}" type="datetime1">
               <a:rPr lang="en-US" smtClean="0"/>
-              <a:t>9/28/2015</a:t>
+              <a:t>10/25/2015</a:t>
             </a:fld>
             <a:endParaRPr lang="en-US"/>
           </a:p>
@@ -3154,7 +3156,7 @@
           <a:p>
             <a:fld id="{5D1846AD-9252-4647-9435-4C2AC365653A}" type="datetime1">
               <a:rPr lang="en-US" smtClean="0"/>
-              <a:t>9/28/2015</a:t>
+              <a:t>10/25/2015</a:t>
             </a:fld>
             <a:endParaRPr lang="en-US"/>
           </a:p>
@@ -3576,7 +3578,7 @@
           <a:p>
             <a:fld id="{CE56DC10-3561-4063-A6AF-C1CC7A41040A}" type="datetime1">
               <a:rPr lang="en-US" smtClean="0"/>
-              <a:t>9/28/2015</a:t>
+              <a:t>10/25/2015</a:t>
             </a:fld>
             <a:endParaRPr lang="en-US"/>
           </a:p>
@@ -3694,7 +3696,7 @@
           <a:p>
             <a:fld id="{2F7B77F5-1464-4F6B-92A8-64FC8A508293}" type="datetime1">
               <a:rPr lang="en-US" smtClean="0"/>
-              <a:t>9/28/2015</a:t>
+              <a:t>10/25/2015</a:t>
             </a:fld>
             <a:endParaRPr lang="en-US"/>
           </a:p>
@@ -3926,7 +3928,7 @@
           <a:p>
             <a:fld id="{02B3F677-983B-48DB-ADFD-63FE6CBC7FB2}" type="datetime1">
               <a:rPr lang="en-US" smtClean="0"/>
-              <a:t>9/28/2015</a:t>
+              <a:t>10/25/2015</a:t>
             </a:fld>
             <a:endParaRPr lang="en-US"/>
           </a:p>
@@ -4625,21 +4627,13 @@
         <p:spPr/>
         <p:txBody>
           <a:bodyPr>
-            <a:normAutofit fontScale="90000"/>
+            <a:normAutofit/>
           </a:bodyPr>
           <a:lstStyle/>
           <a:p>
             <a:r>
               <a:rPr lang="en-US" dirty="0" smtClean="0"/>
-              <a:t>What </a:t>
-            </a:r>
-            <a:r>
-              <a:rPr lang="en-US" dirty="0" smtClean="0"/>
-              <a:t>happens as </a:t>
-            </a:r>
-            <a:r>
-              <a:rPr lang="en-US" dirty="0" smtClean="0"/>
-              <a:t>we descend into the structure?</a:t>
+              <a:t>Contract &amp; purpose statement</a:t>
             </a:r>
             <a:endParaRPr lang="en-US" dirty="0"/>
           </a:p>
@@ -4663,37 +4657,86 @@
           <a:lstStyle/>
           <a:p>
             <a:r>
-              <a:rPr lang="en-US" dirty="0" smtClean="0"/>
-              <a:t>We lose information about which lambda-variables are above us.</a:t>
-            </a:r>
-          </a:p>
-          <a:p>
-            <a:r>
-              <a:rPr lang="en-US" dirty="0" smtClean="0"/>
-              <a:t>So we'll add a context variable to keep track of the lambda-variables above us</a:t>
-            </a:r>
-          </a:p>
-          <a:p>
-            <a:pPr lvl="1"/>
-            <a:r>
-              <a:rPr lang="en-US" dirty="0" smtClean="0"/>
-              <a:t>when we hit a variable, see if it's already in this list.  If so, it's not free in the whole expression. </a:t>
-            </a:r>
-          </a:p>
-          <a:p>
-            <a:pPr lvl="1"/>
-            <a:r>
-              <a:rPr lang="en-US" dirty="0" smtClean="0"/>
-              <a:t>This is like </a:t>
-            </a:r>
-            <a:r>
-              <a:rPr lang="en-US" dirty="0" smtClean="0"/>
-              <a:t>the counter in </a:t>
-            </a:r>
-            <a:r>
-              <a:rPr lang="en-US" b="1" dirty="0" smtClean="0"/>
-              <a:t>mark-depth</a:t>
-            </a:r>
+              <a:rPr lang="en-US" sz="2400" dirty="0" smtClean="0"/>
+              <a:t>;; free-</a:t>
+            </a:r>
+            <a:r>
+              <a:rPr lang="en-US" sz="2400" dirty="0" err="1" smtClean="0"/>
+              <a:t>vars</a:t>
+            </a:r>
+            <a:r>
+              <a:rPr lang="en-US" sz="2400" dirty="0" smtClean="0"/>
+              <a:t> : </a:t>
+            </a:r>
+            <a:r>
+              <a:rPr lang="en-US" sz="2400" dirty="0" err="1" smtClean="0"/>
+              <a:t>FredExp</a:t>
+            </a:r>
+            <a:r>
+              <a:rPr lang="en-US" sz="2400" dirty="0" smtClean="0"/>
+              <a:t> -&gt; </a:t>
+            </a:r>
+            <a:r>
+              <a:rPr lang="en-US" sz="2400" dirty="0" err="1" smtClean="0"/>
+              <a:t>SetOfSymbol</a:t>
+            </a:r>
+            <a:endParaRPr lang="en-US" sz="2400" dirty="0" smtClean="0"/>
+          </a:p>
+          <a:p>
+            <a:r>
+              <a:rPr lang="en-US" sz="2400" dirty="0" smtClean="0"/>
+              <a:t>;; Produces the set of names that occur free in the given </a:t>
+            </a:r>
+            <a:r>
+              <a:rPr lang="en-US" sz="2400" dirty="0" err="1" smtClean="0"/>
+              <a:t>FredExp</a:t>
+            </a:r>
+            <a:endParaRPr lang="en-US" sz="2400" dirty="0" smtClean="0"/>
+          </a:p>
+          <a:p>
+            <a:r>
+              <a:rPr lang="en-US" sz="2400" dirty="0" smtClean="0"/>
+              <a:t>;; EXAMPLE:</a:t>
+            </a:r>
+          </a:p>
+          <a:p>
+            <a:r>
+              <a:rPr lang="en-US" sz="2400" dirty="0" smtClean="0"/>
+              <a:t>;; (free-</a:t>
+            </a:r>
+            <a:r>
+              <a:rPr lang="en-US" sz="2400" dirty="0" err="1" smtClean="0"/>
+              <a:t>vars</a:t>
+            </a:r>
+            <a:r>
+              <a:rPr lang="en-US" sz="2400" dirty="0" smtClean="0"/>
+              <a:t> (z (lambda (x) (x y)))) = {y, z}</a:t>
+            </a:r>
+          </a:p>
+          <a:p>
+            <a:r>
+              <a:rPr lang="en-US" sz="2400" dirty="0" smtClean="0"/>
+              <a:t>;; strategy: Use template for </a:t>
+            </a:r>
+            <a:r>
+              <a:rPr lang="en-US" sz="2400" dirty="0" err="1" smtClean="0"/>
+              <a:t>FredExp</a:t>
+            </a:r>
+            <a:endParaRPr lang="en-US" sz="2400" dirty="0" smtClean="0"/>
+          </a:p>
+          <a:p>
+            <a:endParaRPr lang="en-US" sz="2400" dirty="0" smtClean="0"/>
+          </a:p>
+          <a:p>
+            <a:r>
+              <a:rPr lang="en-US" b="0" dirty="0" smtClean="0">
+                <a:latin typeface="+mn-lt"/>
+              </a:rPr>
+              <a:t>We will represent sets as lists without duplication, as in sets.rkt.</a:t>
+            </a:r>
+            <a:endParaRPr lang="en-US" b="0" dirty="0">
+              <a:latin typeface="+mn-lt"/>
+            </a:endParaRPr>
           </a:p>
         </p:txBody>
       </p:sp>
@@ -4723,7 +4766,7 @@
               <a:pPr/>
               <a:t>10</a:t>
             </a:fld>
-            <a:endParaRPr lang="en-US" dirty="0">
+            <a:endParaRPr lang="en-US">
               <a:solidFill>
                 <a:prstClr val="black">
                   <a:tint val="75000"/>
@@ -4736,7 +4779,7 @@
     </p:spTree>
     <p:extLst>
       <p:ext uri="{BB962C8B-B14F-4D97-AF65-F5344CB8AC3E}">
-        <p14:creationId xmlns:p14="http://schemas.microsoft.com/office/powerpoint/2010/main" val="3518516738"/>
+        <p14:creationId xmlns:p14="http://schemas.microsoft.com/office/powerpoint/2010/main" val="4258390618"/>
       </p:ext>
     </p:extLst>
   </p:cSld>
@@ -4772,7 +4815,7 @@
       </p:grpSpPr>
       <p:sp>
         <p:nvSpPr>
-          <p:cNvPr id="2" name="Title 1"/>
+          <p:cNvPr id="6" name="Title 5"/>
           <p:cNvSpPr>
             <a:spLocks noGrp="1"/>
           </p:cNvSpPr>
@@ -4787,7 +4830,7 @@
           <a:p>
             <a:r>
               <a:rPr lang="en-US" dirty="0" smtClean="0"/>
-              <a:t>With context variable</a:t>
+              <a:t>Here's the template again</a:t>
             </a:r>
             <a:endParaRPr lang="en-US" dirty="0"/>
           </a:p>
@@ -4795,7 +4838,7 @@
       </p:sp>
       <p:sp>
         <p:nvSpPr>
-          <p:cNvPr id="3" name="Content Placeholder 2"/>
+          <p:cNvPr id="7" name="Content Placeholder 6"/>
           <p:cNvSpPr>
             <a:spLocks noGrp="1"/>
           </p:cNvSpPr>
@@ -4806,36 +4849,21 @@
         <p:spPr/>
         <p:txBody>
           <a:bodyPr>
-            <a:normAutofit fontScale="70000" lnSpcReduction="20000"/>
+            <a:normAutofit fontScale="77500" lnSpcReduction="20000"/>
           </a:bodyPr>
           <a:lstStyle/>
           <a:p>
             <a:r>
               <a:rPr lang="en-US" dirty="0"/>
-              <a:t>;; free-</a:t>
+              <a:t>;; </a:t>
             </a:r>
             <a:r>
               <a:rPr lang="en-US" dirty="0" err="1"/>
-              <a:t>vars</a:t>
+              <a:t>fredexp-fn</a:t>
             </a:r>
             <a:r>
               <a:rPr lang="en-US" dirty="0"/>
-              <a:t>-in-</a:t>
-            </a:r>
-            <a:r>
-              <a:rPr lang="en-US" dirty="0" err="1"/>
-              <a:t>subexp</a:t>
-            </a:r>
-            <a:r>
-              <a:rPr lang="en-US" dirty="0"/>
-              <a:t> </a:t>
-            </a:r>
-            <a:endParaRPr lang="en-US" dirty="0" smtClean="0"/>
-          </a:p>
-          <a:p>
-            <a:r>
-              <a:rPr lang="en-US" dirty="0" smtClean="0"/>
-              <a:t>;;   : </a:t>
+              <a:t> : </a:t>
             </a:r>
             <a:r>
               <a:rPr lang="en-US" dirty="0" err="1"/>
@@ -4843,269 +4871,151 @@
             </a:r>
             <a:r>
               <a:rPr lang="en-US" dirty="0"/>
-              <a:t> </a:t>
-            </a:r>
-            <a:r>
-              <a:rPr lang="en-US" dirty="0" err="1" smtClean="0"/>
-              <a:t>ListOfSymbol</a:t>
-            </a:r>
-            <a:r>
-              <a:rPr lang="en-US" dirty="0" smtClean="0"/>
-              <a:t> </a:t>
-            </a:r>
+              <a:t> -&gt; ?</a:t>
+            </a:r>
+          </a:p>
+          <a:p>
             <a:r>
               <a:rPr lang="en-US" dirty="0"/>
-              <a:t>-&gt; </a:t>
-            </a:r>
-            <a:r>
-              <a:rPr lang="en-US" dirty="0" err="1" smtClean="0"/>
-              <a:t>SetOfSymbol</a:t>
+              <a:t>#;</a:t>
+            </a:r>
+          </a:p>
+          <a:p>
+            <a:r>
+              <a:rPr lang="en-US" dirty="0"/>
+              <a:t>(define (</a:t>
+            </a:r>
+            <a:r>
+              <a:rPr lang="en-US" dirty="0" err="1"/>
+              <a:t>fredexp-fn</a:t>
+            </a:r>
+            <a:r>
+              <a:rPr lang="en-US" dirty="0"/>
+              <a:t> f)</a:t>
+            </a:r>
+          </a:p>
+          <a:p>
+            <a:r>
+              <a:rPr lang="en-US" dirty="0"/>
+              <a:t>  (</a:t>
+            </a:r>
+            <a:r>
+              <a:rPr lang="en-US" dirty="0" err="1"/>
+              <a:t>cond</a:t>
             </a:r>
             <a:endParaRPr lang="en-US" dirty="0"/>
           </a:p>
           <a:p>
             <a:r>
               <a:rPr lang="en-US" dirty="0"/>
-              <a:t>;; GIVEN: a </a:t>
+              <a:t>    [(</a:t>
             </a:r>
             <a:r>
               <a:rPr lang="en-US" dirty="0" err="1"/>
-              <a:t>FredExp</a:t>
+              <a:t>var</a:t>
             </a:r>
             <a:r>
               <a:rPr lang="en-US" dirty="0"/>
-              <a:t> </a:t>
-            </a:r>
-            <a:r>
-              <a:rPr lang="en-US" dirty="0">
-                <a:solidFill>
-                  <a:srgbClr val="FF0000"/>
-                </a:solidFill>
-              </a:rPr>
-              <a:t>f</a:t>
+              <a:t>? f) (... (</a:t>
+            </a:r>
+            <a:r>
+              <a:rPr lang="en-US" dirty="0" err="1"/>
+              <a:t>var</a:t>
             </a:r>
             <a:r>
               <a:rPr lang="en-US" dirty="0"/>
-              <a:t> that is part of </a:t>
-            </a:r>
-            <a:r>
-              <a:rPr lang="en-US" dirty="0" smtClean="0"/>
-              <a:t>some </a:t>
-            </a:r>
+              <a:t>-name f))]</a:t>
+            </a:r>
+          </a:p>
+          <a:p>
             <a:r>
               <a:rPr lang="en-US" dirty="0"/>
-              <a:t>larger </a:t>
-            </a:r>
-            <a:endParaRPr lang="en-US" dirty="0" smtClean="0"/>
-          </a:p>
-          <a:p>
-            <a:r>
-              <a:rPr lang="en-US" dirty="0" smtClean="0"/>
-              <a:t>;;   </a:t>
-            </a:r>
-            <a:r>
-              <a:rPr lang="en-US" dirty="0" err="1" smtClean="0"/>
-              <a:t>FredExp</a:t>
-            </a:r>
-            <a:r>
-              <a:rPr lang="en-US" dirty="0" smtClean="0"/>
-              <a:t> </a:t>
-            </a:r>
-            <a:r>
-              <a:rPr lang="en-US" dirty="0" smtClean="0">
-                <a:solidFill>
-                  <a:srgbClr val="FFC000"/>
-                </a:solidFill>
-              </a:rPr>
-              <a:t>f0</a:t>
-            </a:r>
-            <a:r>
-              <a:rPr lang="en-US" dirty="0" smtClean="0"/>
-              <a:t>, and a </a:t>
-            </a:r>
-            <a:r>
-              <a:rPr lang="en-US" dirty="0" err="1" smtClean="0"/>
-              <a:t>ListOfSymbol</a:t>
-            </a:r>
-            <a:r>
-              <a:rPr lang="en-US" dirty="0" smtClean="0"/>
-              <a:t> </a:t>
-            </a:r>
-            <a:r>
-              <a:rPr lang="en-US" dirty="0" err="1" smtClean="0">
-                <a:solidFill>
-                  <a:srgbClr val="FF0000"/>
-                </a:solidFill>
-              </a:rPr>
-              <a:t>bvars</a:t>
-            </a:r>
-            <a:endParaRPr lang="en-US" dirty="0">
-              <a:solidFill>
-                <a:srgbClr val="FF0000"/>
-              </a:solidFill>
-            </a:endParaRPr>
+              <a:t>    [(lam? f) (...</a:t>
+            </a:r>
           </a:p>
           <a:p>
             <a:r>
               <a:rPr lang="en-US" dirty="0"/>
-              <a:t>;; WHERE: </a:t>
-            </a:r>
-            <a:r>
-              <a:rPr lang="en-US" dirty="0" err="1" smtClean="0"/>
-              <a:t>bvars</a:t>
-            </a:r>
-            <a:r>
-              <a:rPr lang="en-US" dirty="0" smtClean="0"/>
-              <a:t> </a:t>
+              <a:t>                (lam-</a:t>
+            </a:r>
+            <a:r>
+              <a:rPr lang="en-US" dirty="0" err="1"/>
+              <a:t>var</a:t>
             </a:r>
             <a:r>
               <a:rPr lang="en-US" dirty="0"/>
-              <a:t>is the list of symbols that occur </a:t>
-            </a:r>
-            <a:r>
-              <a:rPr lang="en-US" dirty="0" smtClean="0"/>
-              <a:t>in</a:t>
-            </a:r>
-          </a:p>
-          <a:p>
-            <a:r>
-              <a:rPr lang="en-US" dirty="0" smtClean="0"/>
-              <a:t>;;   </a:t>
-            </a:r>
+              <a:t> f)</a:t>
+            </a:r>
+          </a:p>
+          <a:p>
             <a:r>
               <a:rPr lang="en-US" dirty="0"/>
-              <a:t>lambdas above </a:t>
-            </a:r>
-            <a:r>
-              <a:rPr lang="en-US" dirty="0">
-                <a:solidFill>
-                  <a:srgbClr val="FF0000"/>
-                </a:solidFill>
-              </a:rPr>
-              <a:t>f</a:t>
+              <a:t>                (</a:t>
+            </a:r>
+            <a:r>
+              <a:rPr lang="en-US" dirty="0" err="1"/>
+              <a:t>fredexp-fn</a:t>
             </a:r>
             <a:r>
               <a:rPr lang="en-US" dirty="0"/>
-              <a:t> </a:t>
-            </a:r>
-            <a:r>
-              <a:rPr lang="en-US" dirty="0" smtClean="0"/>
-              <a:t>in </a:t>
-            </a:r>
-            <a:r>
-              <a:rPr lang="en-US" dirty="0">
-                <a:solidFill>
-                  <a:srgbClr val="FFC000"/>
-                </a:solidFill>
-              </a:rPr>
-              <a:t>f0</a:t>
+              <a:t> (lam-body f)))]</a:t>
             </a:r>
           </a:p>
           <a:p>
             <a:r>
               <a:rPr lang="en-US" dirty="0"/>
-              <a:t>;; RETURNS: the set of symbols from </a:t>
-            </a:r>
-            <a:r>
-              <a:rPr lang="en-US" dirty="0">
-                <a:solidFill>
-                  <a:srgbClr val="FF0000"/>
-                </a:solidFill>
-              </a:rPr>
-              <a:t>f</a:t>
-            </a:r>
+              <a:t>    [(app? f) (...</a:t>
+            </a:r>
+          </a:p>
+          <a:p>
             <a:r>
               <a:rPr lang="en-US" dirty="0"/>
-              <a:t> that are </a:t>
-            </a:r>
-            <a:r>
-              <a:rPr lang="en-US" dirty="0" smtClean="0"/>
-              <a:t>free</a:t>
-            </a:r>
-          </a:p>
-          <a:p>
-            <a:r>
-              <a:rPr lang="en-US" dirty="0" smtClean="0"/>
-              <a:t>;;   </a:t>
+              <a:t>                (</a:t>
+            </a:r>
+            <a:r>
+              <a:rPr lang="en-US" dirty="0" err="1"/>
+              <a:t>fredexp-fn</a:t>
             </a:r>
             <a:r>
               <a:rPr lang="en-US" dirty="0"/>
-              <a:t>in </a:t>
-            </a:r>
-            <a:r>
-              <a:rPr lang="en-US" dirty="0">
-                <a:solidFill>
-                  <a:srgbClr val="FFC000"/>
-                </a:solidFill>
-              </a:rPr>
-              <a:t>f0</a:t>
+              <a:t> (app-</a:t>
+            </a:r>
+            <a:r>
+              <a:rPr lang="en-US" dirty="0" err="1"/>
+              <a:t>fn</a:t>
             </a:r>
             <a:r>
               <a:rPr lang="en-US" dirty="0"/>
-              <a:t>.</a:t>
-            </a:r>
-          </a:p>
-          <a:p>
-            <a:endParaRPr lang="en-US" dirty="0"/>
+              <a:t> f))</a:t>
+            </a:r>
           </a:p>
           <a:p>
             <a:r>
               <a:rPr lang="en-US" dirty="0"/>
-              <a:t>;; EXAMPLE: </a:t>
-            </a:r>
-          </a:p>
-          <a:p>
+              <a:t>                (</a:t>
+            </a:r>
+            <a:r>
+              <a:rPr lang="en-US" dirty="0" err="1"/>
+              <a:t>fredexp-fn</a:t>
+            </a:r>
             <a:r>
               <a:rPr lang="en-US" dirty="0"/>
-              <a:t>;; (free-</a:t>
+              <a:t> (app-</a:t>
             </a:r>
             <a:r>
               <a:rPr lang="en-US" dirty="0" err="1"/>
-              <a:t>vars</a:t>
+              <a:t>arg</a:t>
             </a:r>
             <a:r>
               <a:rPr lang="en-US" dirty="0"/>
-              <a:t>-in-</a:t>
-            </a:r>
-            <a:r>
-              <a:rPr lang="en-US" dirty="0" err="1"/>
-              <a:t>subexp</a:t>
-            </a:r>
-            <a:r>
-              <a:rPr lang="en-US" dirty="0"/>
-              <a:t> </a:t>
-            </a:r>
-            <a:endParaRPr lang="en-US" dirty="0" smtClean="0"/>
-          </a:p>
-          <a:p>
-            <a:r>
-              <a:rPr lang="en-US" dirty="0" smtClean="0"/>
-              <a:t>;;   (</a:t>
-            </a:r>
-            <a:r>
-              <a:rPr lang="en-US" dirty="0"/>
-              <a:t>z (lambda (x) (x y))) (list z)) </a:t>
-            </a:r>
-            <a:endParaRPr lang="en-US" dirty="0" smtClean="0"/>
-          </a:p>
-          <a:p>
-            <a:r>
-              <a:rPr lang="en-US" dirty="0" smtClean="0"/>
-              <a:t>;; = </a:t>
-            </a:r>
-            <a:r>
-              <a:rPr lang="en-US" dirty="0"/>
-              <a:t>(list y) </a:t>
-            </a:r>
-          </a:p>
-          <a:p>
-            <a:endParaRPr lang="en-US" dirty="0"/>
-          </a:p>
-        </p:txBody>
-      </p:sp>
-      <p:sp>
-        <p:nvSpPr>
-          <p:cNvPr id="5" name="Slide Number Placeholder 4"/>
+              <a:t> f)))]))</a:t>
+            </a:r>
+          </a:p>
+        </p:txBody>
+      </p:sp>
+      <p:sp>
+        <p:nvSpPr>
+          <p:cNvPr id="3" name="Slide Number Placeholder 2"/>
           <p:cNvSpPr>
             <a:spLocks noGrp="1"/>
           </p:cNvSpPr>
@@ -5141,14 +5051,14 @@
       </p:sp>
       <p:sp>
         <p:nvSpPr>
-          <p:cNvPr id="4" name="Rectangle 3"/>
+          <p:cNvPr id="5" name="Rectangle 4"/>
           <p:cNvSpPr/>
           <p:nvPr/>
         </p:nvSpPr>
         <p:spPr>
           <a:xfrm>
-            <a:off x="4995797" y="4038600"/>
-            <a:ext cx="3657600" cy="990600"/>
+            <a:off x="6553200" y="2133600"/>
+            <a:ext cx="2362200" cy="1601787"/>
           </a:xfrm>
           <a:prstGeom prst="rect">
             <a:avLst/>
@@ -5186,30 +5096,14 @@
           <a:p>
             <a:pPr algn="ctr"/>
             <a:r>
-              <a:rPr lang="en-US" dirty="0" smtClean="0">
+              <a:rPr lang="en-US" sz="2400" dirty="0" smtClean="0">
                 <a:solidFill>
                   <a:schemeClr val="tx1"/>
                 </a:solidFill>
               </a:rPr>
-              <a:t>The invariant (</a:t>
-            </a:r>
-            <a:r>
-              <a:rPr lang="en-US" b="1" dirty="0" smtClean="0">
-                <a:solidFill>
-                  <a:schemeClr val="tx1"/>
-                </a:solidFill>
-              </a:rPr>
-              <a:t>WHERE</a:t>
-            </a:r>
-            <a:r>
-              <a:rPr lang="en-US" dirty="0" smtClean="0">
-                <a:solidFill>
-                  <a:schemeClr val="tx1"/>
-                </a:solidFill>
-              </a:rPr>
-              <a:t> clause) gives an interpretation for the context variable</a:t>
-            </a:r>
-            <a:endParaRPr lang="en-US" dirty="0">
+              <a:t>What happens as we descend into the structure?</a:t>
+            </a:r>
+            <a:endParaRPr lang="en-US" sz="2400" dirty="0">
               <a:solidFill>
                 <a:schemeClr val="tx1"/>
               </a:solidFill>
@@ -5220,7 +5114,7 @@
     </p:spTree>
     <p:extLst>
       <p:ext uri="{BB962C8B-B14F-4D97-AF65-F5344CB8AC3E}">
-        <p14:creationId xmlns:p14="http://schemas.microsoft.com/office/powerpoint/2010/main" val="967830448"/>
+        <p14:creationId xmlns:p14="http://schemas.microsoft.com/office/powerpoint/2010/main" val="3696768219"/>
       </p:ext>
     </p:extLst>
   </p:cSld>
@@ -5266,12 +5160,14 @@
         </p:nvSpPr>
         <p:spPr/>
         <p:txBody>
-          <a:bodyPr/>
-          <a:lstStyle/>
-          <a:p>
-            <a:r>
-              <a:rPr lang="en-US" dirty="0" smtClean="0"/>
-              <a:t>With context variable</a:t>
+          <a:bodyPr>
+            <a:normAutofit fontScale="90000"/>
+          </a:bodyPr>
+          <a:lstStyle/>
+          <a:p>
+            <a:r>
+              <a:rPr lang="en-US" dirty="0" smtClean="0"/>
+              <a:t>What happens as we descend into the structure?</a:t>
             </a:r>
             <a:endParaRPr lang="en-US" dirty="0"/>
           </a:p>
@@ -5290,306 +5186,44 @@
         <p:spPr/>
         <p:txBody>
           <a:bodyPr>
-            <a:normAutofit fontScale="70000" lnSpcReduction="20000"/>
+            <a:normAutofit/>
           </a:bodyPr>
           <a:lstStyle/>
           <a:p>
             <a:r>
-              <a:rPr lang="en-US" dirty="0"/>
-              <a:t>;; free-</a:t>
-            </a:r>
-            <a:r>
-              <a:rPr lang="en-US" dirty="0" err="1"/>
-              <a:t>vars</a:t>
-            </a:r>
-            <a:r>
-              <a:rPr lang="en-US" dirty="0"/>
-              <a:t>-in-</a:t>
-            </a:r>
-            <a:r>
-              <a:rPr lang="en-US" dirty="0" err="1"/>
-              <a:t>subexp</a:t>
-            </a:r>
-            <a:r>
-              <a:rPr lang="en-US" dirty="0"/>
-              <a:t> </a:t>
-            </a:r>
-            <a:endParaRPr lang="en-US" dirty="0" smtClean="0"/>
-          </a:p>
-          <a:p>
-            <a:r>
-              <a:rPr lang="en-US" dirty="0" smtClean="0"/>
-              <a:t>;;   : </a:t>
-            </a:r>
-            <a:r>
-              <a:rPr lang="en-US" dirty="0" err="1"/>
-              <a:t>FredExp</a:t>
-            </a:r>
-            <a:r>
-              <a:rPr lang="en-US" dirty="0"/>
-              <a:t> </a:t>
-            </a:r>
-            <a:r>
-              <a:rPr lang="en-US" dirty="0" err="1" smtClean="0"/>
-              <a:t>ListOfSymbol</a:t>
-            </a:r>
-            <a:r>
-              <a:rPr lang="en-US" dirty="0" smtClean="0"/>
-              <a:t> </a:t>
-            </a:r>
-            <a:r>
-              <a:rPr lang="en-US" dirty="0"/>
-              <a:t>-&gt; </a:t>
-            </a:r>
-            <a:r>
-              <a:rPr lang="en-US" dirty="0" err="1" smtClean="0"/>
-              <a:t>SetOfSymbol</a:t>
-            </a:r>
-            <a:endParaRPr lang="en-US" dirty="0"/>
-          </a:p>
-          <a:p>
-            <a:r>
-              <a:rPr lang="en-US" dirty="0"/>
-              <a:t>;; GIVEN: a </a:t>
-            </a:r>
-            <a:r>
-              <a:rPr lang="en-US" dirty="0" err="1"/>
-              <a:t>FredExp</a:t>
-            </a:r>
-            <a:r>
-              <a:rPr lang="en-US" dirty="0"/>
-              <a:t> </a:t>
-            </a:r>
-            <a:r>
-              <a:rPr lang="en-US" dirty="0">
-                <a:solidFill>
-                  <a:srgbClr val="FF0000"/>
-                </a:solidFill>
-              </a:rPr>
-              <a:t>f</a:t>
-            </a:r>
-            <a:r>
-              <a:rPr lang="en-US" dirty="0"/>
-              <a:t> that is part of </a:t>
-            </a:r>
-            <a:r>
-              <a:rPr lang="en-US" dirty="0" smtClean="0"/>
-              <a:t>some </a:t>
-            </a:r>
-            <a:r>
-              <a:rPr lang="en-US" dirty="0"/>
-              <a:t>larger </a:t>
-            </a:r>
-            <a:endParaRPr lang="en-US" dirty="0" smtClean="0"/>
-          </a:p>
-          <a:p>
-            <a:r>
-              <a:rPr lang="en-US" dirty="0" smtClean="0"/>
-              <a:t>;;   </a:t>
-            </a:r>
-            <a:r>
-              <a:rPr lang="en-US" dirty="0" err="1" smtClean="0"/>
-              <a:t>FredExp</a:t>
-            </a:r>
-            <a:r>
-              <a:rPr lang="en-US" dirty="0" smtClean="0"/>
-              <a:t> </a:t>
-            </a:r>
-            <a:r>
-              <a:rPr lang="en-US" dirty="0" smtClean="0">
-                <a:solidFill>
-                  <a:srgbClr val="FFC000"/>
-                </a:solidFill>
-              </a:rPr>
-              <a:t>f0</a:t>
-            </a:r>
-            <a:r>
-              <a:rPr lang="en-US" dirty="0" smtClean="0"/>
-              <a:t>, and a </a:t>
-            </a:r>
-            <a:r>
-              <a:rPr lang="en-US" dirty="0" err="1" smtClean="0"/>
-              <a:t>ListOfSymbol</a:t>
-            </a:r>
-            <a:r>
-              <a:rPr lang="en-US" dirty="0" smtClean="0"/>
-              <a:t> </a:t>
-            </a:r>
-            <a:r>
-              <a:rPr lang="en-US" dirty="0" err="1" smtClean="0">
-                <a:solidFill>
-                  <a:srgbClr val="FF0000"/>
-                </a:solidFill>
-              </a:rPr>
-              <a:t>bvars</a:t>
-            </a:r>
-            <a:endParaRPr lang="en-US" dirty="0">
-              <a:solidFill>
-                <a:srgbClr val="FF0000"/>
-              </a:solidFill>
-            </a:endParaRPr>
-          </a:p>
-          <a:p>
-            <a:r>
-              <a:rPr lang="en-US" dirty="0"/>
-              <a:t>;; WHERE: </a:t>
-            </a:r>
-            <a:r>
-              <a:rPr lang="en-US" dirty="0" err="1" smtClean="0"/>
-              <a:t>bvars</a:t>
-            </a:r>
-            <a:r>
-              <a:rPr lang="en-US" dirty="0" smtClean="0"/>
-              <a:t> </a:t>
-            </a:r>
-            <a:r>
-              <a:rPr lang="en-US" dirty="0"/>
-              <a:t>is the list of symbols that occur </a:t>
-            </a:r>
-            <a:r>
-              <a:rPr lang="en-US" dirty="0" smtClean="0"/>
-              <a:t>in</a:t>
-            </a:r>
-          </a:p>
-          <a:p>
-            <a:r>
-              <a:rPr lang="en-US" dirty="0" smtClean="0"/>
-              <a:t>;;   </a:t>
-            </a:r>
-            <a:r>
-              <a:rPr lang="en-US" dirty="0"/>
-              <a:t>lambdas above </a:t>
-            </a:r>
-            <a:r>
-              <a:rPr lang="en-US" dirty="0">
-                <a:solidFill>
-                  <a:srgbClr val="FF0000"/>
-                </a:solidFill>
-              </a:rPr>
-              <a:t>f</a:t>
-            </a:r>
-            <a:r>
-              <a:rPr lang="en-US" dirty="0"/>
-              <a:t> </a:t>
-            </a:r>
-            <a:r>
-              <a:rPr lang="en-US" dirty="0" smtClean="0"/>
-              <a:t>in </a:t>
-            </a:r>
-            <a:r>
-              <a:rPr lang="en-US" dirty="0">
-                <a:solidFill>
-                  <a:srgbClr val="FFC000"/>
-                </a:solidFill>
-              </a:rPr>
-              <a:t>f0</a:t>
-            </a:r>
-          </a:p>
-          <a:p>
-            <a:r>
-              <a:rPr lang="en-US" dirty="0"/>
-              <a:t>;; RETURNS: the set of symbols from </a:t>
-            </a:r>
-            <a:r>
-              <a:rPr lang="en-US" dirty="0">
-                <a:solidFill>
-                  <a:srgbClr val="FF0000"/>
-                </a:solidFill>
-              </a:rPr>
-              <a:t>f</a:t>
-            </a:r>
-            <a:r>
-              <a:rPr lang="en-US" dirty="0"/>
-              <a:t> that are </a:t>
-            </a:r>
-            <a:r>
-              <a:rPr lang="en-US" dirty="0" smtClean="0"/>
-              <a:t>free</a:t>
-            </a:r>
-          </a:p>
-          <a:p>
-            <a:r>
-              <a:rPr lang="en-US" dirty="0" smtClean="0"/>
-              <a:t>;;   </a:t>
-            </a:r>
-            <a:r>
-              <a:rPr lang="en-US" dirty="0"/>
-              <a:t>in </a:t>
-            </a:r>
-            <a:r>
-              <a:rPr lang="en-US" dirty="0">
-                <a:solidFill>
-                  <a:srgbClr val="FFC000"/>
-                </a:solidFill>
-              </a:rPr>
-              <a:t>f0</a:t>
-            </a:r>
-            <a:r>
-              <a:rPr lang="en-US" dirty="0"/>
-              <a:t>.</a:t>
-            </a:r>
-          </a:p>
-          <a:p>
-            <a:endParaRPr lang="en-US" dirty="0"/>
-          </a:p>
-          <a:p>
-            <a:r>
-              <a:rPr lang="en-US" dirty="0"/>
-              <a:t>;; EXAMPLE: </a:t>
-            </a:r>
-          </a:p>
-          <a:p>
-            <a:r>
-              <a:rPr lang="en-US" dirty="0"/>
-              <a:t>;; (free-</a:t>
-            </a:r>
-            <a:r>
-              <a:rPr lang="en-US" dirty="0" err="1"/>
-              <a:t>vars</a:t>
-            </a:r>
-            <a:r>
-              <a:rPr lang="en-US" dirty="0"/>
-              <a:t>-in-</a:t>
-            </a:r>
-            <a:r>
-              <a:rPr lang="en-US" dirty="0" err="1"/>
-              <a:t>subexp</a:t>
-            </a:r>
-            <a:r>
-              <a:rPr lang="en-US" dirty="0"/>
-              <a:t> </a:t>
-            </a:r>
-            <a:endParaRPr lang="en-US" dirty="0" smtClean="0"/>
-          </a:p>
-          <a:p>
-            <a:r>
-              <a:rPr lang="en-US" dirty="0" smtClean="0"/>
-              <a:t>;;   (</a:t>
-            </a:r>
-            <a:r>
-              <a:rPr lang="en-US" dirty="0"/>
-              <a:t>z (lambda (x) (x y))) (list z)) </a:t>
-            </a:r>
-            <a:endParaRPr lang="en-US" dirty="0" smtClean="0"/>
-          </a:p>
-          <a:p>
-            <a:r>
-              <a:rPr lang="en-US" dirty="0" smtClean="0"/>
-              <a:t>;; = </a:t>
-            </a:r>
-            <a:r>
-              <a:rPr lang="en-US" dirty="0"/>
-              <a:t>(list y) </a:t>
-            </a:r>
-          </a:p>
-          <a:p>
-            <a:endParaRPr lang="en-US" dirty="0"/>
-          </a:p>
-        </p:txBody>
-      </p:sp>
-      <p:sp>
-        <p:nvSpPr>
-          <p:cNvPr id="5" name="Slide Number Placeholder 4"/>
+              <a:rPr lang="en-US" dirty="0" smtClean="0"/>
+              <a:t>We lose information about which lambda-variables are above us.</a:t>
+            </a:r>
+          </a:p>
+          <a:p>
+            <a:r>
+              <a:rPr lang="en-US" dirty="0" smtClean="0"/>
+              <a:t>So we'll add a context variable to keep track of the lambda-variables above us</a:t>
+            </a:r>
+          </a:p>
+          <a:p>
+            <a:pPr lvl="1"/>
+            <a:r>
+              <a:rPr lang="en-US" dirty="0" smtClean="0"/>
+              <a:t>when we hit a variable, see if it's already in this list.  If so, it's not free in the whole expression. </a:t>
+            </a:r>
+          </a:p>
+          <a:p>
+            <a:pPr lvl="1"/>
+            <a:r>
+              <a:rPr lang="en-US" dirty="0" smtClean="0"/>
+              <a:t>This is like the counter in </a:t>
+            </a:r>
+            <a:r>
+              <a:rPr lang="en-US" b="1" dirty="0" smtClean="0"/>
+              <a:t>mark-depth</a:t>
+            </a:r>
+          </a:p>
+        </p:txBody>
+      </p:sp>
+      <p:sp>
+        <p:nvSpPr>
+          <p:cNvPr id="4" name="Slide Number Placeholder 3"/>
           <p:cNvSpPr>
             <a:spLocks noGrp="1"/>
           </p:cNvSpPr>
@@ -5613,7 +5247,7 @@
               <a:pPr/>
               <a:t>12</a:t>
             </a:fld>
-            <a:endParaRPr lang="en-US">
+            <a:endParaRPr lang="en-US" dirty="0">
               <a:solidFill>
                 <a:prstClr val="black">
                   <a:tint val="75000"/>
@@ -5623,135 +5257,10 @@
           </a:p>
         </p:txBody>
       </p:sp>
-      <p:sp>
-        <p:nvSpPr>
-          <p:cNvPr id="4" name="Rectangle 3"/>
-          <p:cNvSpPr/>
-          <p:nvPr/>
-        </p:nvSpPr>
-        <p:spPr>
-          <a:xfrm>
-            <a:off x="5029200" y="3962400"/>
-            <a:ext cx="3657600" cy="1219200"/>
-          </a:xfrm>
-          <a:prstGeom prst="rect">
-            <a:avLst/>
-          </a:prstGeom>
-          <a:solidFill>
-            <a:schemeClr val="accent3">
-              <a:lumMod val="40000"/>
-              <a:lumOff val="60000"/>
-            </a:schemeClr>
-          </a:solidFill>
-          <a:ln/>
-        </p:spPr>
-        <p:style>
-          <a:lnRef idx="2">
-            <a:schemeClr val="accent1"/>
-          </a:lnRef>
-          <a:fillRef idx="1">
-            <a:schemeClr val="lt1"/>
-          </a:fillRef>
-          <a:effectRef idx="0">
-            <a:schemeClr val="accent1"/>
-          </a:effectRef>
-          <a:fontRef idx="minor">
-            <a:schemeClr val="dk1"/>
-          </a:fontRef>
-        </p:style>
-        <p:txBody>
-          <a:bodyPr rot="0" spcFirstLastPara="0" vertOverflow="overflow" horzOverflow="overflow" vert="horz" wrap="square" lIns="91440" tIns="45720" rIns="91440" bIns="45720" numCol="1" spcCol="0" rtlCol="0" fromWordArt="0" anchor="ctr" anchorCtr="0" forceAA="0" compatLnSpc="1">
-            <a:prstTxWarp prst="textNoShape">
-              <a:avLst/>
-            </a:prstTxWarp>
-            <a:noAutofit/>
-          </a:bodyPr>
-          <a:lstStyle/>
-          <a:p>
-            <a:r>
-              <a:rPr lang="en-US" dirty="0" smtClean="0">
-                <a:solidFill>
-                  <a:schemeClr val="tx1"/>
-                </a:solidFill>
-              </a:rPr>
-              <a:t>We don’t know what </a:t>
-            </a:r>
-            <a:r>
-              <a:rPr lang="en-US" b="1" dirty="0" smtClean="0">
-                <a:solidFill>
-                  <a:schemeClr val="tx1"/>
-                </a:solidFill>
-              </a:rPr>
-              <a:t>f0</a:t>
-            </a:r>
-            <a:r>
-              <a:rPr lang="en-US" dirty="0" smtClean="0">
-                <a:solidFill>
-                  <a:schemeClr val="tx1"/>
-                </a:solidFill>
-              </a:rPr>
-              <a:t> is.  We only know that </a:t>
-            </a:r>
-            <a:r>
-              <a:rPr lang="en-US" b="1" dirty="0" err="1" smtClean="0">
-                <a:solidFill>
-                  <a:schemeClr val="tx1"/>
-                </a:solidFill>
-              </a:rPr>
-              <a:t>bvars</a:t>
-            </a:r>
-            <a:r>
-              <a:rPr lang="en-US" dirty="0" smtClean="0">
-                <a:solidFill>
-                  <a:schemeClr val="tx1"/>
-                </a:solidFill>
-              </a:rPr>
-              <a:t> is the list of symbols that occur above </a:t>
-            </a:r>
-            <a:r>
-              <a:rPr lang="en-US" b="1" dirty="0" smtClean="0">
-                <a:solidFill>
-                  <a:schemeClr val="tx1"/>
-                </a:solidFill>
-              </a:rPr>
-              <a:t>f</a:t>
-            </a:r>
-            <a:r>
-              <a:rPr lang="en-US" dirty="0" smtClean="0">
-                <a:solidFill>
-                  <a:schemeClr val="tx1"/>
-                </a:solidFill>
-              </a:rPr>
-              <a:t> in </a:t>
-            </a:r>
-            <a:r>
-              <a:rPr lang="en-US" b="1" dirty="0" smtClean="0">
-                <a:solidFill>
-                  <a:schemeClr val="tx1"/>
-                </a:solidFill>
-              </a:rPr>
-              <a:t>f0</a:t>
-            </a:r>
-            <a:r>
-              <a:rPr lang="en-US" dirty="0" smtClean="0">
-                <a:solidFill>
-                  <a:schemeClr val="tx1"/>
-                </a:solidFill>
-              </a:rPr>
-              <a:t>. (See Lesson 7.1, Slide 27)</a:t>
-            </a:r>
-            <a:endParaRPr lang="en-US" dirty="0">
-              <a:solidFill>
-                <a:schemeClr val="tx1"/>
-              </a:solidFill>
-            </a:endParaRPr>
-          </a:p>
-        </p:txBody>
-      </p:sp>
     </p:spTree>
     <p:extLst>
       <p:ext uri="{BB962C8B-B14F-4D97-AF65-F5344CB8AC3E}">
-        <p14:creationId xmlns:p14="http://schemas.microsoft.com/office/powerpoint/2010/main" val="2506840274"/>
+        <p14:creationId xmlns:p14="http://schemas.microsoft.com/office/powerpoint/2010/main" val="3518516738"/>
       </p:ext>
     </p:extLst>
   </p:cSld>
@@ -5802,6 +5311,1021 @@
           <a:p>
             <a:r>
               <a:rPr lang="en-US" dirty="0" smtClean="0"/>
+              <a:t>With context variable</a:t>
+            </a:r>
+            <a:endParaRPr lang="en-US" dirty="0"/>
+          </a:p>
+        </p:txBody>
+      </p:sp>
+      <p:sp>
+        <p:nvSpPr>
+          <p:cNvPr id="3" name="Content Placeholder 2"/>
+          <p:cNvSpPr>
+            <a:spLocks noGrp="1"/>
+          </p:cNvSpPr>
+          <p:nvPr>
+            <p:ph idx="1"/>
+          </p:nvPr>
+        </p:nvSpPr>
+        <p:spPr/>
+        <p:txBody>
+          <a:bodyPr>
+            <a:normAutofit fontScale="70000" lnSpcReduction="20000"/>
+          </a:bodyPr>
+          <a:lstStyle/>
+          <a:p>
+            <a:r>
+              <a:rPr lang="en-US" dirty="0"/>
+              <a:t>;; free-</a:t>
+            </a:r>
+            <a:r>
+              <a:rPr lang="en-US" dirty="0" err="1"/>
+              <a:t>vars</a:t>
+            </a:r>
+            <a:r>
+              <a:rPr lang="en-US" dirty="0"/>
+              <a:t>-in-</a:t>
+            </a:r>
+            <a:r>
+              <a:rPr lang="en-US" dirty="0" err="1"/>
+              <a:t>subexp</a:t>
+            </a:r>
+            <a:r>
+              <a:rPr lang="en-US" dirty="0"/>
+              <a:t> </a:t>
+            </a:r>
+            <a:endParaRPr lang="en-US" dirty="0" smtClean="0"/>
+          </a:p>
+          <a:p>
+            <a:r>
+              <a:rPr lang="en-US" dirty="0" smtClean="0"/>
+              <a:t>;;   : </a:t>
+            </a:r>
+            <a:r>
+              <a:rPr lang="en-US" dirty="0" err="1"/>
+              <a:t>FredExp</a:t>
+            </a:r>
+            <a:r>
+              <a:rPr lang="en-US" dirty="0"/>
+              <a:t> </a:t>
+            </a:r>
+            <a:r>
+              <a:rPr lang="en-US" dirty="0" err="1" smtClean="0"/>
+              <a:t>ListOfSymbol</a:t>
+            </a:r>
+            <a:r>
+              <a:rPr lang="en-US" dirty="0" smtClean="0"/>
+              <a:t> </a:t>
+            </a:r>
+            <a:r>
+              <a:rPr lang="en-US" dirty="0"/>
+              <a:t>-&gt; </a:t>
+            </a:r>
+            <a:r>
+              <a:rPr lang="en-US" dirty="0" err="1" smtClean="0"/>
+              <a:t>SetOfSymbol</a:t>
+            </a:r>
+            <a:endParaRPr lang="en-US" dirty="0"/>
+          </a:p>
+          <a:p>
+            <a:r>
+              <a:rPr lang="en-US" dirty="0"/>
+              <a:t>;; GIVEN: a </a:t>
+            </a:r>
+            <a:r>
+              <a:rPr lang="en-US" dirty="0" err="1"/>
+              <a:t>FredExp</a:t>
+            </a:r>
+            <a:r>
+              <a:rPr lang="en-US" dirty="0"/>
+              <a:t> </a:t>
+            </a:r>
+            <a:r>
+              <a:rPr lang="en-US" dirty="0">
+                <a:solidFill>
+                  <a:srgbClr val="FF0000"/>
+                </a:solidFill>
+              </a:rPr>
+              <a:t>f</a:t>
+            </a:r>
+            <a:r>
+              <a:rPr lang="en-US" dirty="0"/>
+              <a:t> that is part of </a:t>
+            </a:r>
+            <a:r>
+              <a:rPr lang="en-US" dirty="0" smtClean="0"/>
+              <a:t>some </a:t>
+            </a:r>
+            <a:r>
+              <a:rPr lang="en-US" dirty="0"/>
+              <a:t>larger </a:t>
+            </a:r>
+            <a:endParaRPr lang="en-US" dirty="0" smtClean="0"/>
+          </a:p>
+          <a:p>
+            <a:r>
+              <a:rPr lang="en-US" dirty="0" smtClean="0"/>
+              <a:t>;;   </a:t>
+            </a:r>
+            <a:r>
+              <a:rPr lang="en-US" dirty="0" err="1" smtClean="0"/>
+              <a:t>FredExp</a:t>
+            </a:r>
+            <a:r>
+              <a:rPr lang="en-US" dirty="0" smtClean="0"/>
+              <a:t> </a:t>
+            </a:r>
+            <a:r>
+              <a:rPr lang="en-US" dirty="0" smtClean="0">
+                <a:solidFill>
+                  <a:srgbClr val="FFC000"/>
+                </a:solidFill>
+              </a:rPr>
+              <a:t>f0</a:t>
+            </a:r>
+            <a:r>
+              <a:rPr lang="en-US" dirty="0" smtClean="0"/>
+              <a:t>, and a </a:t>
+            </a:r>
+            <a:r>
+              <a:rPr lang="en-US" dirty="0" err="1" smtClean="0"/>
+              <a:t>ListOfSymbol</a:t>
+            </a:r>
+            <a:r>
+              <a:rPr lang="en-US" dirty="0" smtClean="0"/>
+              <a:t> </a:t>
+            </a:r>
+            <a:r>
+              <a:rPr lang="en-US" dirty="0" err="1" smtClean="0">
+                <a:solidFill>
+                  <a:srgbClr val="FF0000"/>
+                </a:solidFill>
+              </a:rPr>
+              <a:t>bvars</a:t>
+            </a:r>
+            <a:endParaRPr lang="en-US" dirty="0">
+              <a:solidFill>
+                <a:srgbClr val="FF0000"/>
+              </a:solidFill>
+            </a:endParaRPr>
+          </a:p>
+          <a:p>
+            <a:r>
+              <a:rPr lang="en-US" dirty="0"/>
+              <a:t>;; WHERE: </a:t>
+            </a:r>
+            <a:r>
+              <a:rPr lang="en-US" dirty="0" err="1" smtClean="0"/>
+              <a:t>bvars</a:t>
+            </a:r>
+            <a:r>
+              <a:rPr lang="en-US" dirty="0" smtClean="0"/>
+              <a:t> </a:t>
+            </a:r>
+            <a:r>
+              <a:rPr lang="en-US" dirty="0"/>
+              <a:t>is the list of symbols that occur </a:t>
+            </a:r>
+            <a:r>
+              <a:rPr lang="en-US" dirty="0" smtClean="0"/>
+              <a:t>in</a:t>
+            </a:r>
+          </a:p>
+          <a:p>
+            <a:r>
+              <a:rPr lang="en-US" dirty="0" smtClean="0"/>
+              <a:t>;;   </a:t>
+            </a:r>
+            <a:r>
+              <a:rPr lang="en-US" dirty="0"/>
+              <a:t>lambdas above </a:t>
+            </a:r>
+            <a:r>
+              <a:rPr lang="en-US" dirty="0">
+                <a:solidFill>
+                  <a:srgbClr val="FF0000"/>
+                </a:solidFill>
+              </a:rPr>
+              <a:t>f</a:t>
+            </a:r>
+            <a:r>
+              <a:rPr lang="en-US" dirty="0"/>
+              <a:t> </a:t>
+            </a:r>
+            <a:r>
+              <a:rPr lang="en-US" dirty="0" smtClean="0"/>
+              <a:t>in </a:t>
+            </a:r>
+            <a:r>
+              <a:rPr lang="en-US" dirty="0">
+                <a:solidFill>
+                  <a:srgbClr val="FFC000"/>
+                </a:solidFill>
+              </a:rPr>
+              <a:t>f0</a:t>
+            </a:r>
+          </a:p>
+          <a:p>
+            <a:r>
+              <a:rPr lang="en-US" dirty="0"/>
+              <a:t>;; RETURNS: the set of symbols from </a:t>
+            </a:r>
+            <a:r>
+              <a:rPr lang="en-US" dirty="0">
+                <a:solidFill>
+                  <a:srgbClr val="FF0000"/>
+                </a:solidFill>
+              </a:rPr>
+              <a:t>f</a:t>
+            </a:r>
+            <a:r>
+              <a:rPr lang="en-US" dirty="0"/>
+              <a:t> that are </a:t>
+            </a:r>
+            <a:r>
+              <a:rPr lang="en-US" dirty="0" smtClean="0"/>
+              <a:t>free</a:t>
+            </a:r>
+          </a:p>
+          <a:p>
+            <a:r>
+              <a:rPr lang="en-US" dirty="0" smtClean="0"/>
+              <a:t>;;   </a:t>
+            </a:r>
+            <a:r>
+              <a:rPr lang="en-US" dirty="0"/>
+              <a:t>in </a:t>
+            </a:r>
+            <a:r>
+              <a:rPr lang="en-US" dirty="0">
+                <a:solidFill>
+                  <a:srgbClr val="FFC000"/>
+                </a:solidFill>
+              </a:rPr>
+              <a:t>f0</a:t>
+            </a:r>
+            <a:r>
+              <a:rPr lang="en-US" dirty="0"/>
+              <a:t>.</a:t>
+            </a:r>
+          </a:p>
+          <a:p>
+            <a:endParaRPr lang="en-US" dirty="0"/>
+          </a:p>
+          <a:p>
+            <a:r>
+              <a:rPr lang="en-US" dirty="0"/>
+              <a:t>;; EXAMPLE: </a:t>
+            </a:r>
+          </a:p>
+          <a:p>
+            <a:r>
+              <a:rPr lang="en-US" dirty="0"/>
+              <a:t>;; (free-</a:t>
+            </a:r>
+            <a:r>
+              <a:rPr lang="en-US" dirty="0" err="1"/>
+              <a:t>vars</a:t>
+            </a:r>
+            <a:r>
+              <a:rPr lang="en-US" dirty="0"/>
+              <a:t>-in-</a:t>
+            </a:r>
+            <a:r>
+              <a:rPr lang="en-US" dirty="0" err="1"/>
+              <a:t>subexp</a:t>
+            </a:r>
+            <a:r>
+              <a:rPr lang="en-US" dirty="0"/>
+              <a:t> </a:t>
+            </a:r>
+            <a:endParaRPr lang="en-US" dirty="0" smtClean="0"/>
+          </a:p>
+          <a:p>
+            <a:r>
+              <a:rPr lang="en-US" dirty="0" smtClean="0"/>
+              <a:t>;;   (</a:t>
+            </a:r>
+            <a:r>
+              <a:rPr lang="en-US" dirty="0"/>
+              <a:t>z (lambda (x) (x y))) (list z)) </a:t>
+            </a:r>
+            <a:endParaRPr lang="en-US" dirty="0" smtClean="0"/>
+          </a:p>
+          <a:p>
+            <a:r>
+              <a:rPr lang="en-US" dirty="0" smtClean="0"/>
+              <a:t>;; = </a:t>
+            </a:r>
+            <a:r>
+              <a:rPr lang="en-US" dirty="0"/>
+              <a:t>(list y) </a:t>
+            </a:r>
+          </a:p>
+          <a:p>
+            <a:endParaRPr lang="en-US" dirty="0"/>
+          </a:p>
+        </p:txBody>
+      </p:sp>
+      <p:sp>
+        <p:nvSpPr>
+          <p:cNvPr id="5" name="Slide Number Placeholder 4"/>
+          <p:cNvSpPr>
+            <a:spLocks noGrp="1"/>
+          </p:cNvSpPr>
+          <p:nvPr>
+            <p:ph type="sldNum" sz="quarter" idx="12"/>
+          </p:nvPr>
+        </p:nvSpPr>
+        <p:spPr/>
+        <p:txBody>
+          <a:bodyPr/>
+          <a:lstStyle/>
+          <a:p>
+            <a:fld id="{9F4492BD-6A9C-48FC-AC76-0B4FE11194A1}" type="slidenum">
+              <a:rPr lang="en-US" smtClean="0">
+                <a:solidFill>
+                  <a:prstClr val="black">
+                    <a:tint val="75000"/>
+                  </a:prstClr>
+                </a:solidFill>
+              </a:rPr>
+              <a:pPr/>
+              <a:t>13</a:t>
+            </a:fld>
+            <a:endParaRPr lang="en-US">
+              <a:solidFill>
+                <a:prstClr val="black">
+                  <a:tint val="75000"/>
+                </a:prstClr>
+              </a:solidFill>
+            </a:endParaRPr>
+          </a:p>
+        </p:txBody>
+      </p:sp>
+      <p:sp>
+        <p:nvSpPr>
+          <p:cNvPr id="4" name="Rectangle 3"/>
+          <p:cNvSpPr/>
+          <p:nvPr/>
+        </p:nvSpPr>
+        <p:spPr>
+          <a:xfrm>
+            <a:off x="4995797" y="4038600"/>
+            <a:ext cx="3657600" cy="990600"/>
+          </a:xfrm>
+          <a:prstGeom prst="rect">
+            <a:avLst/>
+          </a:prstGeom>
+          <a:solidFill>
+            <a:schemeClr val="accent3">
+              <a:lumMod val="40000"/>
+              <a:lumOff val="60000"/>
+            </a:schemeClr>
+          </a:solidFill>
+          <a:ln/>
+        </p:spPr>
+        <p:style>
+          <a:lnRef idx="2">
+            <a:schemeClr val="accent1"/>
+          </a:lnRef>
+          <a:fillRef idx="1">
+            <a:schemeClr val="lt1"/>
+          </a:fillRef>
+          <a:effectRef idx="0">
+            <a:schemeClr val="accent1"/>
+          </a:effectRef>
+          <a:fontRef idx="minor">
+            <a:schemeClr val="dk1"/>
+          </a:fontRef>
+        </p:style>
+        <p:txBody>
+          <a:bodyPr rot="0" spcFirstLastPara="0" vertOverflow="overflow" horzOverflow="overflow" vert="horz" wrap="square" lIns="91440" tIns="45720" rIns="91440" bIns="45720" numCol="1" spcCol="0" rtlCol="0" fromWordArt="0" anchor="ctr" anchorCtr="0" forceAA="0" compatLnSpc="1">
+            <a:prstTxWarp prst="textNoShape">
+              <a:avLst/>
+            </a:prstTxWarp>
+            <a:noAutofit/>
+          </a:bodyPr>
+          <a:lstStyle/>
+          <a:p>
+            <a:pPr algn="ctr"/>
+            <a:r>
+              <a:rPr lang="en-US" dirty="0" smtClean="0">
+                <a:solidFill>
+                  <a:schemeClr val="tx1"/>
+                </a:solidFill>
+              </a:rPr>
+              <a:t>The invariant (</a:t>
+            </a:r>
+            <a:r>
+              <a:rPr lang="en-US" b="1" dirty="0" smtClean="0">
+                <a:solidFill>
+                  <a:schemeClr val="tx1"/>
+                </a:solidFill>
+              </a:rPr>
+              <a:t>WHERE</a:t>
+            </a:r>
+            <a:r>
+              <a:rPr lang="en-US" dirty="0" smtClean="0">
+                <a:solidFill>
+                  <a:schemeClr val="tx1"/>
+                </a:solidFill>
+              </a:rPr>
+              <a:t> clause) gives an interpretation for the context variable</a:t>
+            </a:r>
+            <a:endParaRPr lang="en-US" dirty="0">
+              <a:solidFill>
+                <a:schemeClr val="tx1"/>
+              </a:solidFill>
+            </a:endParaRPr>
+          </a:p>
+        </p:txBody>
+      </p:sp>
+    </p:spTree>
+    <p:extLst>
+      <p:ext uri="{BB962C8B-B14F-4D97-AF65-F5344CB8AC3E}">
+        <p14:creationId xmlns:p14="http://schemas.microsoft.com/office/powerpoint/2010/main" val="967830448"/>
+      </p:ext>
+    </p:extLst>
+  </p:cSld>
+  <p:clrMapOvr>
+    <a:masterClrMapping/>
+  </p:clrMapOvr>
+  <p:timing>
+    <p:tnLst>
+      <p:par>
+        <p:cTn id="1" dur="indefinite" restart="never" nodeType="tmRoot"/>
+      </p:par>
+    </p:tnLst>
+  </p:timing>
+</p:sld>
+</file>
+
+<file path=ppt/slides/slide14.xml><?xml version="1.0" encoding="utf-8"?>
+<p:sld xmlns:a="http://schemas.openxmlformats.org/drawingml/2006/main" xmlns:r="http://schemas.openxmlformats.org/officeDocument/2006/relationships" xmlns:p="http://schemas.openxmlformats.org/presentationml/2006/main">
+  <p:cSld>
+    <p:spTree>
+      <p:nvGrpSpPr>
+        <p:cNvPr id="1" name=""/>
+        <p:cNvGrpSpPr/>
+        <p:nvPr/>
+      </p:nvGrpSpPr>
+      <p:grpSpPr>
+        <a:xfrm>
+          <a:off x="0" y="0"/>
+          <a:ext cx="0" cy="0"/>
+          <a:chOff x="0" y="0"/>
+          <a:chExt cx="0" cy="0"/>
+        </a:xfrm>
+      </p:grpSpPr>
+      <p:sp>
+        <p:nvSpPr>
+          <p:cNvPr id="2" name="Title 1"/>
+          <p:cNvSpPr>
+            <a:spLocks noGrp="1"/>
+          </p:cNvSpPr>
+          <p:nvPr>
+            <p:ph type="title"/>
+          </p:nvPr>
+        </p:nvSpPr>
+        <p:spPr/>
+        <p:txBody>
+          <a:bodyPr/>
+          <a:lstStyle/>
+          <a:p>
+            <a:r>
+              <a:rPr lang="en-US" dirty="0" smtClean="0"/>
+              <a:t>With context variable</a:t>
+            </a:r>
+            <a:endParaRPr lang="en-US" dirty="0"/>
+          </a:p>
+        </p:txBody>
+      </p:sp>
+      <p:sp>
+        <p:nvSpPr>
+          <p:cNvPr id="3" name="Content Placeholder 2"/>
+          <p:cNvSpPr>
+            <a:spLocks noGrp="1"/>
+          </p:cNvSpPr>
+          <p:nvPr>
+            <p:ph idx="1"/>
+          </p:nvPr>
+        </p:nvSpPr>
+        <p:spPr/>
+        <p:txBody>
+          <a:bodyPr>
+            <a:normAutofit fontScale="70000" lnSpcReduction="20000"/>
+          </a:bodyPr>
+          <a:lstStyle/>
+          <a:p>
+            <a:r>
+              <a:rPr lang="en-US" dirty="0"/>
+              <a:t>;; free-</a:t>
+            </a:r>
+            <a:r>
+              <a:rPr lang="en-US" dirty="0" err="1"/>
+              <a:t>vars</a:t>
+            </a:r>
+            <a:r>
+              <a:rPr lang="en-US" dirty="0"/>
+              <a:t>-in-</a:t>
+            </a:r>
+            <a:r>
+              <a:rPr lang="en-US" dirty="0" err="1"/>
+              <a:t>subexp</a:t>
+            </a:r>
+            <a:r>
+              <a:rPr lang="en-US" dirty="0"/>
+              <a:t> </a:t>
+            </a:r>
+            <a:endParaRPr lang="en-US" dirty="0" smtClean="0"/>
+          </a:p>
+          <a:p>
+            <a:r>
+              <a:rPr lang="en-US" dirty="0" smtClean="0"/>
+              <a:t>;;   : </a:t>
+            </a:r>
+            <a:r>
+              <a:rPr lang="en-US" dirty="0" err="1"/>
+              <a:t>FredExp</a:t>
+            </a:r>
+            <a:r>
+              <a:rPr lang="en-US" dirty="0"/>
+              <a:t> </a:t>
+            </a:r>
+            <a:r>
+              <a:rPr lang="en-US" dirty="0" err="1" smtClean="0"/>
+              <a:t>ListOfSymbol</a:t>
+            </a:r>
+            <a:r>
+              <a:rPr lang="en-US" dirty="0" smtClean="0"/>
+              <a:t> </a:t>
+            </a:r>
+            <a:r>
+              <a:rPr lang="en-US" dirty="0"/>
+              <a:t>-&gt; </a:t>
+            </a:r>
+            <a:r>
+              <a:rPr lang="en-US" dirty="0" err="1" smtClean="0"/>
+              <a:t>SetOfSymbol</a:t>
+            </a:r>
+            <a:endParaRPr lang="en-US" dirty="0"/>
+          </a:p>
+          <a:p>
+            <a:r>
+              <a:rPr lang="en-US" dirty="0"/>
+              <a:t>;; GIVEN: a </a:t>
+            </a:r>
+            <a:r>
+              <a:rPr lang="en-US" dirty="0" err="1"/>
+              <a:t>FredExp</a:t>
+            </a:r>
+            <a:r>
+              <a:rPr lang="en-US" dirty="0"/>
+              <a:t> </a:t>
+            </a:r>
+            <a:r>
+              <a:rPr lang="en-US" dirty="0">
+                <a:solidFill>
+                  <a:srgbClr val="FF0000"/>
+                </a:solidFill>
+              </a:rPr>
+              <a:t>f</a:t>
+            </a:r>
+            <a:r>
+              <a:rPr lang="en-US" dirty="0"/>
+              <a:t> that is part of </a:t>
+            </a:r>
+            <a:r>
+              <a:rPr lang="en-US" dirty="0" smtClean="0"/>
+              <a:t>some </a:t>
+            </a:r>
+            <a:r>
+              <a:rPr lang="en-US" dirty="0"/>
+              <a:t>larger </a:t>
+            </a:r>
+            <a:endParaRPr lang="en-US" dirty="0" smtClean="0"/>
+          </a:p>
+          <a:p>
+            <a:r>
+              <a:rPr lang="en-US" dirty="0" smtClean="0"/>
+              <a:t>;;   </a:t>
+            </a:r>
+            <a:r>
+              <a:rPr lang="en-US" dirty="0" err="1" smtClean="0"/>
+              <a:t>FredExp</a:t>
+            </a:r>
+            <a:r>
+              <a:rPr lang="en-US" dirty="0" smtClean="0"/>
+              <a:t> </a:t>
+            </a:r>
+            <a:r>
+              <a:rPr lang="en-US" dirty="0" smtClean="0">
+                <a:solidFill>
+                  <a:srgbClr val="FFC000"/>
+                </a:solidFill>
+              </a:rPr>
+              <a:t>f0</a:t>
+            </a:r>
+            <a:r>
+              <a:rPr lang="en-US" dirty="0" smtClean="0"/>
+              <a:t>, and a </a:t>
+            </a:r>
+            <a:r>
+              <a:rPr lang="en-US" dirty="0" err="1" smtClean="0"/>
+              <a:t>ListOfSymbol</a:t>
+            </a:r>
+            <a:r>
+              <a:rPr lang="en-US" dirty="0" smtClean="0"/>
+              <a:t> </a:t>
+            </a:r>
+            <a:r>
+              <a:rPr lang="en-US" dirty="0" err="1" smtClean="0">
+                <a:solidFill>
+                  <a:srgbClr val="FF0000"/>
+                </a:solidFill>
+              </a:rPr>
+              <a:t>bvars</a:t>
+            </a:r>
+            <a:endParaRPr lang="en-US" dirty="0">
+              <a:solidFill>
+                <a:srgbClr val="FF0000"/>
+              </a:solidFill>
+            </a:endParaRPr>
+          </a:p>
+          <a:p>
+            <a:r>
+              <a:rPr lang="en-US" dirty="0"/>
+              <a:t>;; WHERE: </a:t>
+            </a:r>
+            <a:r>
+              <a:rPr lang="en-US" dirty="0" err="1" smtClean="0"/>
+              <a:t>bvars</a:t>
+            </a:r>
+            <a:r>
+              <a:rPr lang="en-US" dirty="0" smtClean="0"/>
+              <a:t> </a:t>
+            </a:r>
+            <a:r>
+              <a:rPr lang="en-US" dirty="0"/>
+              <a:t>is the list of symbols that occur </a:t>
+            </a:r>
+            <a:r>
+              <a:rPr lang="en-US" dirty="0" smtClean="0"/>
+              <a:t>in</a:t>
+            </a:r>
+          </a:p>
+          <a:p>
+            <a:r>
+              <a:rPr lang="en-US" dirty="0" smtClean="0"/>
+              <a:t>;;   </a:t>
+            </a:r>
+            <a:r>
+              <a:rPr lang="en-US" dirty="0"/>
+              <a:t>lambdas above </a:t>
+            </a:r>
+            <a:r>
+              <a:rPr lang="en-US" dirty="0">
+                <a:solidFill>
+                  <a:srgbClr val="FF0000"/>
+                </a:solidFill>
+              </a:rPr>
+              <a:t>f</a:t>
+            </a:r>
+            <a:r>
+              <a:rPr lang="en-US" dirty="0"/>
+              <a:t> </a:t>
+            </a:r>
+            <a:r>
+              <a:rPr lang="en-US" dirty="0" smtClean="0"/>
+              <a:t>in </a:t>
+            </a:r>
+            <a:r>
+              <a:rPr lang="en-US" dirty="0">
+                <a:solidFill>
+                  <a:srgbClr val="FFC000"/>
+                </a:solidFill>
+              </a:rPr>
+              <a:t>f0</a:t>
+            </a:r>
+          </a:p>
+          <a:p>
+            <a:r>
+              <a:rPr lang="en-US" dirty="0"/>
+              <a:t>;; RETURNS: the set of symbols from </a:t>
+            </a:r>
+            <a:r>
+              <a:rPr lang="en-US" dirty="0">
+                <a:solidFill>
+                  <a:srgbClr val="FF0000"/>
+                </a:solidFill>
+              </a:rPr>
+              <a:t>f</a:t>
+            </a:r>
+            <a:r>
+              <a:rPr lang="en-US" dirty="0"/>
+              <a:t> that are </a:t>
+            </a:r>
+            <a:r>
+              <a:rPr lang="en-US" dirty="0" smtClean="0"/>
+              <a:t>free</a:t>
+            </a:r>
+          </a:p>
+          <a:p>
+            <a:r>
+              <a:rPr lang="en-US" dirty="0" smtClean="0"/>
+              <a:t>;;   </a:t>
+            </a:r>
+            <a:r>
+              <a:rPr lang="en-US" dirty="0"/>
+              <a:t>in </a:t>
+            </a:r>
+            <a:r>
+              <a:rPr lang="en-US" dirty="0">
+                <a:solidFill>
+                  <a:srgbClr val="FFC000"/>
+                </a:solidFill>
+              </a:rPr>
+              <a:t>f0</a:t>
+            </a:r>
+            <a:r>
+              <a:rPr lang="en-US" dirty="0"/>
+              <a:t>.</a:t>
+            </a:r>
+          </a:p>
+          <a:p>
+            <a:endParaRPr lang="en-US" dirty="0"/>
+          </a:p>
+          <a:p>
+            <a:r>
+              <a:rPr lang="en-US" dirty="0"/>
+              <a:t>;; EXAMPLE: </a:t>
+            </a:r>
+          </a:p>
+          <a:p>
+            <a:r>
+              <a:rPr lang="en-US" dirty="0"/>
+              <a:t>;; (free-</a:t>
+            </a:r>
+            <a:r>
+              <a:rPr lang="en-US" dirty="0" err="1"/>
+              <a:t>vars</a:t>
+            </a:r>
+            <a:r>
+              <a:rPr lang="en-US" dirty="0"/>
+              <a:t>-in-</a:t>
+            </a:r>
+            <a:r>
+              <a:rPr lang="en-US" dirty="0" err="1"/>
+              <a:t>subexp</a:t>
+            </a:r>
+            <a:r>
+              <a:rPr lang="en-US" dirty="0"/>
+              <a:t> </a:t>
+            </a:r>
+            <a:endParaRPr lang="en-US" dirty="0" smtClean="0"/>
+          </a:p>
+          <a:p>
+            <a:r>
+              <a:rPr lang="en-US" dirty="0" smtClean="0"/>
+              <a:t>;;   (</a:t>
+            </a:r>
+            <a:r>
+              <a:rPr lang="en-US" dirty="0"/>
+              <a:t>z (lambda (x) (x y))) (list z)) </a:t>
+            </a:r>
+            <a:endParaRPr lang="en-US" dirty="0" smtClean="0"/>
+          </a:p>
+          <a:p>
+            <a:r>
+              <a:rPr lang="en-US" dirty="0" smtClean="0"/>
+              <a:t>;; = </a:t>
+            </a:r>
+            <a:r>
+              <a:rPr lang="en-US" dirty="0"/>
+              <a:t>(list y) </a:t>
+            </a:r>
+          </a:p>
+          <a:p>
+            <a:endParaRPr lang="en-US" dirty="0"/>
+          </a:p>
+        </p:txBody>
+      </p:sp>
+      <p:sp>
+        <p:nvSpPr>
+          <p:cNvPr id="5" name="Slide Number Placeholder 4"/>
+          <p:cNvSpPr>
+            <a:spLocks noGrp="1"/>
+          </p:cNvSpPr>
+          <p:nvPr>
+            <p:ph type="sldNum" sz="quarter" idx="12"/>
+          </p:nvPr>
+        </p:nvSpPr>
+        <p:spPr/>
+        <p:txBody>
+          <a:bodyPr/>
+          <a:lstStyle/>
+          <a:p>
+            <a:fld id="{9F4492BD-6A9C-48FC-AC76-0B4FE11194A1}" type="slidenum">
+              <a:rPr lang="en-US" smtClean="0">
+                <a:solidFill>
+                  <a:prstClr val="black">
+                    <a:tint val="75000"/>
+                  </a:prstClr>
+                </a:solidFill>
+              </a:rPr>
+              <a:pPr/>
+              <a:t>14</a:t>
+            </a:fld>
+            <a:endParaRPr lang="en-US">
+              <a:solidFill>
+                <a:prstClr val="black">
+                  <a:tint val="75000"/>
+                </a:prstClr>
+              </a:solidFill>
+            </a:endParaRPr>
+          </a:p>
+        </p:txBody>
+      </p:sp>
+      <p:sp>
+        <p:nvSpPr>
+          <p:cNvPr id="4" name="Rectangle 3"/>
+          <p:cNvSpPr/>
+          <p:nvPr/>
+        </p:nvSpPr>
+        <p:spPr>
+          <a:xfrm>
+            <a:off x="5029200" y="3962400"/>
+            <a:ext cx="3657600" cy="1219200"/>
+          </a:xfrm>
+          <a:prstGeom prst="rect">
+            <a:avLst/>
+          </a:prstGeom>
+          <a:solidFill>
+            <a:schemeClr val="accent3">
+              <a:lumMod val="40000"/>
+              <a:lumOff val="60000"/>
+            </a:schemeClr>
+          </a:solidFill>
+          <a:ln/>
+        </p:spPr>
+        <p:style>
+          <a:lnRef idx="2">
+            <a:schemeClr val="accent1"/>
+          </a:lnRef>
+          <a:fillRef idx="1">
+            <a:schemeClr val="lt1"/>
+          </a:fillRef>
+          <a:effectRef idx="0">
+            <a:schemeClr val="accent1"/>
+          </a:effectRef>
+          <a:fontRef idx="minor">
+            <a:schemeClr val="dk1"/>
+          </a:fontRef>
+        </p:style>
+        <p:txBody>
+          <a:bodyPr rot="0" spcFirstLastPara="0" vertOverflow="overflow" horzOverflow="overflow" vert="horz" wrap="square" lIns="91440" tIns="45720" rIns="91440" bIns="45720" numCol="1" spcCol="0" rtlCol="0" fromWordArt="0" anchor="ctr" anchorCtr="0" forceAA="0" compatLnSpc="1">
+            <a:prstTxWarp prst="textNoShape">
+              <a:avLst/>
+            </a:prstTxWarp>
+            <a:noAutofit/>
+          </a:bodyPr>
+          <a:lstStyle/>
+          <a:p>
+            <a:r>
+              <a:rPr lang="en-US" dirty="0" smtClean="0">
+                <a:solidFill>
+                  <a:schemeClr val="tx1"/>
+                </a:solidFill>
+              </a:rPr>
+              <a:t>We don’t know what </a:t>
+            </a:r>
+            <a:r>
+              <a:rPr lang="en-US" b="1" dirty="0" smtClean="0">
+                <a:solidFill>
+                  <a:schemeClr val="tx1"/>
+                </a:solidFill>
+              </a:rPr>
+              <a:t>f0</a:t>
+            </a:r>
+            <a:r>
+              <a:rPr lang="en-US" dirty="0" smtClean="0">
+                <a:solidFill>
+                  <a:schemeClr val="tx1"/>
+                </a:solidFill>
+              </a:rPr>
+              <a:t> is.  We only know that </a:t>
+            </a:r>
+            <a:r>
+              <a:rPr lang="en-US" b="1" dirty="0" err="1" smtClean="0">
+                <a:solidFill>
+                  <a:schemeClr val="tx1"/>
+                </a:solidFill>
+              </a:rPr>
+              <a:t>bvars</a:t>
+            </a:r>
+            <a:r>
+              <a:rPr lang="en-US" dirty="0" smtClean="0">
+                <a:solidFill>
+                  <a:schemeClr val="tx1"/>
+                </a:solidFill>
+              </a:rPr>
+              <a:t> is the list of symbols that occur above </a:t>
+            </a:r>
+            <a:r>
+              <a:rPr lang="en-US" b="1" dirty="0" smtClean="0">
+                <a:solidFill>
+                  <a:schemeClr val="tx1"/>
+                </a:solidFill>
+              </a:rPr>
+              <a:t>f</a:t>
+            </a:r>
+            <a:r>
+              <a:rPr lang="en-US" dirty="0" smtClean="0">
+                <a:solidFill>
+                  <a:schemeClr val="tx1"/>
+                </a:solidFill>
+              </a:rPr>
+              <a:t> in </a:t>
+            </a:r>
+            <a:r>
+              <a:rPr lang="en-US" b="1" dirty="0" smtClean="0">
+                <a:solidFill>
+                  <a:schemeClr val="tx1"/>
+                </a:solidFill>
+              </a:rPr>
+              <a:t>f0</a:t>
+            </a:r>
+            <a:r>
+              <a:rPr lang="en-US" dirty="0" smtClean="0">
+                <a:solidFill>
+                  <a:schemeClr val="tx1"/>
+                </a:solidFill>
+              </a:rPr>
+              <a:t>. (See Lesson 7.1, Slide 27)</a:t>
+            </a:r>
+            <a:endParaRPr lang="en-US" dirty="0">
+              <a:solidFill>
+                <a:schemeClr val="tx1"/>
+              </a:solidFill>
+            </a:endParaRPr>
+          </a:p>
+        </p:txBody>
+      </p:sp>
+    </p:spTree>
+    <p:extLst>
+      <p:ext uri="{BB962C8B-B14F-4D97-AF65-F5344CB8AC3E}">
+        <p14:creationId xmlns:p14="http://schemas.microsoft.com/office/powerpoint/2010/main" val="2506840274"/>
+      </p:ext>
+    </p:extLst>
+  </p:cSld>
+  <p:clrMapOvr>
+    <a:masterClrMapping/>
+  </p:clrMapOvr>
+  <p:timing>
+    <p:tnLst>
+      <p:par>
+        <p:cTn id="1" dur="indefinite" restart="never" nodeType="tmRoot"/>
+      </p:par>
+    </p:tnLst>
+  </p:timing>
+</p:sld>
+</file>
+
+<file path=ppt/slides/slide15.xml><?xml version="1.0" encoding="utf-8"?>
+<p:sld xmlns:a="http://schemas.openxmlformats.org/drawingml/2006/main" xmlns:r="http://schemas.openxmlformats.org/officeDocument/2006/relationships" xmlns:p="http://schemas.openxmlformats.org/presentationml/2006/main">
+  <p:cSld>
+    <p:spTree>
+      <p:nvGrpSpPr>
+        <p:cNvPr id="1" name=""/>
+        <p:cNvGrpSpPr/>
+        <p:nvPr/>
+      </p:nvGrpSpPr>
+      <p:grpSpPr>
+        <a:xfrm>
+          <a:off x="0" y="0"/>
+          <a:ext cx="0" cy="0"/>
+          <a:chOff x="0" y="0"/>
+          <a:chExt cx="0" cy="0"/>
+        </a:xfrm>
+      </p:grpSpPr>
+      <p:sp>
+        <p:nvSpPr>
+          <p:cNvPr id="2" name="Title 1"/>
+          <p:cNvSpPr>
+            <a:spLocks noGrp="1"/>
+          </p:cNvSpPr>
+          <p:nvPr>
+            <p:ph type="title"/>
+          </p:nvPr>
+        </p:nvSpPr>
+        <p:spPr/>
+        <p:txBody>
+          <a:bodyPr/>
+          <a:lstStyle/>
+          <a:p>
+            <a:r>
+              <a:rPr lang="en-US" dirty="0" smtClean="0"/>
               <a:t>Function Definition</a:t>
             </a:r>
             <a:endParaRPr lang="en-US" dirty="0"/>
@@ -6100,7 +6624,7 @@
                 </a:solidFill>
               </a:rPr>
               <a:pPr/>
-              <a:t>13</a:t>
+              <a:t>15</a:t>
             </a:fld>
             <a:endParaRPr lang="en-US">
               <a:solidFill>
@@ -6322,7 +6846,7 @@
 </p:sld>
 </file>
 
-<file path=ppt/slides/slide14.xml><?xml version="1.0" encoding="utf-8"?>
+<file path=ppt/slides/slide16.xml><?xml version="1.0" encoding="utf-8"?>
 <p:sld xmlns:a="http://schemas.openxmlformats.org/drawingml/2006/main" xmlns:r="http://schemas.openxmlformats.org/officeDocument/2006/relationships" xmlns:p="http://schemas.openxmlformats.org/presentationml/2006/main">
   <p:cSld>
     <p:spTree>
@@ -6523,7 +7047,7 @@
                 </a:solidFill>
               </a:rPr>
               <a:pPr/>
-              <a:t>14</a:t>
+              <a:t>16</a:t>
             </a:fld>
             <a:endParaRPr lang="en-US">
               <a:solidFill>
@@ -6653,7 +7177,7 @@
 </p:sld>
 </file>
 
-<file path=ppt/slides/slide15.xml><?xml version="1.0" encoding="utf-8"?>
+<file path=ppt/slides/slide17.xml><?xml version="1.0" encoding="utf-8"?>
 <p:sld xmlns:a="http://schemas.openxmlformats.org/drawingml/2006/main" xmlns:r="http://schemas.openxmlformats.org/officeDocument/2006/relationships" xmlns:p="http://schemas.openxmlformats.org/presentationml/2006/main">
   <p:cSld>
     <p:spTree>
@@ -6757,7 +7281,7 @@
                 </a:solidFill>
               </a:rPr>
               <a:pPr/>
-              <a:t>15</a:t>
+              <a:t>17</a:t>
             </a:fld>
             <a:endParaRPr lang="en-US">
               <a:solidFill>
@@ -7241,15 +7765,7 @@
                   <a:schemeClr val="tx1"/>
                 </a:solidFill>
               </a:rPr>
-              <a:t>expressions in </a:t>
-            </a:r>
-            <a:r>
-              <a:rPr lang="en-US" dirty="0" smtClean="0">
-                <a:solidFill>
-                  <a:schemeClr val="tx1"/>
-                </a:solidFill>
-              </a:rPr>
-              <a:t>Fred</a:t>
+              <a:t>expressions in Fred</a:t>
             </a:r>
             <a:r>
               <a:rPr lang="en-US" dirty="0">
@@ -8601,6 +9117,356 @@
           <a:p>
             <a:r>
               <a:rPr lang="en-US" dirty="0" smtClean="0"/>
+              <a:t>Symbols and Quotation</a:t>
+            </a:r>
+            <a:endParaRPr lang="en-US" dirty="0"/>
+          </a:p>
+        </p:txBody>
+      </p:sp>
+      <p:sp>
+        <p:nvSpPr>
+          <p:cNvPr id="5" name="Content Placeholder 4"/>
+          <p:cNvSpPr>
+            <a:spLocks noGrp="1"/>
+          </p:cNvSpPr>
+          <p:nvPr>
+            <p:ph idx="1"/>
+          </p:nvPr>
+        </p:nvSpPr>
+        <p:spPr/>
+        <p:txBody>
+          <a:bodyPr/>
+          <a:lstStyle/>
+          <a:p>
+            <a:r>
+              <a:rPr lang="en-US" dirty="0" smtClean="0"/>
+              <a:t>Our data design uses </a:t>
+            </a:r>
+            <a:r>
+              <a:rPr lang="en-US" i="1" dirty="0" smtClean="0">
+                <a:solidFill>
+                  <a:srgbClr val="FF0000"/>
+                </a:solidFill>
+              </a:rPr>
+              <a:t>symbols</a:t>
+            </a:r>
+            <a:r>
+              <a:rPr lang="en-US" dirty="0" smtClean="0"/>
+              <a:t>.</a:t>
+            </a:r>
+          </a:p>
+          <a:p>
+            <a:r>
+              <a:rPr lang="en-US" dirty="0" smtClean="0"/>
+              <a:t>A Symbol is a primitive data type in Racket.</a:t>
+            </a:r>
+          </a:p>
+          <a:p>
+            <a:r>
+              <a:rPr lang="en-US" dirty="0" smtClean="0"/>
+              <a:t>It  looks like a variable.</a:t>
+            </a:r>
+          </a:p>
+          <a:p>
+            <a:r>
+              <a:rPr lang="en-US" dirty="0" smtClean="0"/>
+              <a:t>To introduce a symbol in a piece of code, we precede it with a quote mark.  For example, </a:t>
+            </a:r>
+            <a:r>
+              <a:rPr lang="en-US" b="1" dirty="0" smtClean="0"/>
+              <a:t>'z</a:t>
+            </a:r>
+            <a:r>
+              <a:rPr lang="en-US" dirty="0" smtClean="0"/>
+              <a:t> is a Racket expression whose value is the symbol </a:t>
+            </a:r>
+            <a:r>
+              <a:rPr lang="en-US" b="1" dirty="0" smtClean="0"/>
+              <a:t>z</a:t>
+            </a:r>
+            <a:r>
+              <a:rPr lang="en-US" dirty="0" smtClean="0"/>
+              <a:t>.</a:t>
+            </a:r>
+            <a:endParaRPr lang="en-US" dirty="0"/>
+          </a:p>
+        </p:txBody>
+      </p:sp>
+      <p:sp>
+        <p:nvSpPr>
+          <p:cNvPr id="4" name="Slide Number Placeholder 3"/>
+          <p:cNvSpPr>
+            <a:spLocks noGrp="1"/>
+          </p:cNvSpPr>
+          <p:nvPr>
+            <p:ph type="sldNum" sz="quarter" idx="12"/>
+          </p:nvPr>
+        </p:nvSpPr>
+        <p:spPr/>
+        <p:txBody>
+          <a:bodyPr/>
+          <a:lstStyle/>
+          <a:p>
+            <a:fld id="{2AF3B5EA-18B6-4040-9F78-6052AF49C681}" type="slidenum">
+              <a:rPr lang="en-US" smtClean="0"/>
+              <a:t>6</a:t>
+            </a:fld>
+            <a:endParaRPr lang="en-US"/>
+          </a:p>
+        </p:txBody>
+      </p:sp>
+    </p:spTree>
+    <p:extLst>
+      <p:ext uri="{BB962C8B-B14F-4D97-AF65-F5344CB8AC3E}">
+        <p14:creationId xmlns:p14="http://schemas.microsoft.com/office/powerpoint/2010/main" val="3844425055"/>
+      </p:ext>
+    </p:extLst>
+  </p:cSld>
+  <p:clrMapOvr>
+    <a:masterClrMapping/>
+  </p:clrMapOvr>
+</p:sld>
+</file>
+
+<file path=ppt/slides/slide7.xml><?xml version="1.0" encoding="utf-8"?>
+<p:sld xmlns:a="http://schemas.openxmlformats.org/drawingml/2006/main" xmlns:r="http://schemas.openxmlformats.org/officeDocument/2006/relationships" xmlns:p="http://schemas.openxmlformats.org/presentationml/2006/main">
+  <p:cSld>
+    <p:spTree>
+      <p:nvGrpSpPr>
+        <p:cNvPr id="1" name=""/>
+        <p:cNvGrpSpPr/>
+        <p:nvPr/>
+      </p:nvGrpSpPr>
+      <p:grpSpPr>
+        <a:xfrm>
+          <a:off x="0" y="0"/>
+          <a:ext cx="0" cy="0"/>
+          <a:chOff x="0" y="0"/>
+          <a:chExt cx="0" cy="0"/>
+        </a:xfrm>
+      </p:grpSpPr>
+      <p:sp>
+        <p:nvSpPr>
+          <p:cNvPr id="2" name="Title 1"/>
+          <p:cNvSpPr>
+            <a:spLocks noGrp="1"/>
+          </p:cNvSpPr>
+          <p:nvPr>
+            <p:ph type="title"/>
+          </p:nvPr>
+        </p:nvSpPr>
+        <p:spPr/>
+        <p:txBody>
+          <a:bodyPr/>
+          <a:lstStyle/>
+          <a:p>
+            <a:r>
+              <a:rPr lang="en-US" dirty="0" smtClean="0"/>
+              <a:t>Quotation (2)</a:t>
+            </a:r>
+            <a:endParaRPr lang="en-US" dirty="0"/>
+          </a:p>
+        </p:txBody>
+      </p:sp>
+      <p:sp>
+        <p:nvSpPr>
+          <p:cNvPr id="3" name="Content Placeholder 2"/>
+          <p:cNvSpPr>
+            <a:spLocks noGrp="1"/>
+          </p:cNvSpPr>
+          <p:nvPr>
+            <p:ph idx="1"/>
+          </p:nvPr>
+        </p:nvSpPr>
+        <p:spPr/>
+        <p:txBody>
+          <a:bodyPr>
+            <a:normAutofit fontScale="70000" lnSpcReduction="20000"/>
+          </a:bodyPr>
+          <a:lstStyle/>
+          <a:p>
+            <a:r>
+              <a:rPr lang="en-US" dirty="0" smtClean="0"/>
+              <a:t>You can also use a quote in front of a list.  Quotation tells Racket that the thing that follows it is a constant whose value is a symbol or a list.  Thus</a:t>
+            </a:r>
+          </a:p>
+          <a:p>
+            <a:r>
+              <a:rPr lang="en-US" dirty="0" smtClean="0"/>
+              <a:t>Thus </a:t>
+            </a:r>
+            <a:r>
+              <a:rPr lang="en-US" b="1" dirty="0" smtClean="0"/>
+              <a:t>‘(a b c) </a:t>
+            </a:r>
+            <a:r>
+              <a:rPr lang="en-US" dirty="0" smtClean="0"/>
+              <a:t>and </a:t>
+            </a:r>
+            <a:r>
+              <a:rPr lang="en-US" b="1" dirty="0" smtClean="0"/>
+              <a:t>(list ‘a ‘b ‘c) </a:t>
+            </a:r>
+            <a:r>
+              <a:rPr lang="en-US" dirty="0" smtClean="0"/>
+              <a:t>are both Racket  expressions that denote a list whose elements are the symbols </a:t>
+            </a:r>
+            <a:r>
+              <a:rPr lang="en-US" b="1" dirty="0" smtClean="0"/>
+              <a:t>a</a:t>
+            </a:r>
+            <a:r>
+              <a:rPr lang="en-US" dirty="0" smtClean="0"/>
+              <a:t>, </a:t>
+            </a:r>
+            <a:r>
+              <a:rPr lang="en-US" b="1" dirty="0" smtClean="0"/>
+              <a:t>b</a:t>
+            </a:r>
+            <a:r>
+              <a:rPr lang="en-US" dirty="0" smtClean="0"/>
+              <a:t>, and </a:t>
+            </a:r>
+            <a:r>
+              <a:rPr lang="en-US" b="1" dirty="0" smtClean="0"/>
+              <a:t>c</a:t>
+            </a:r>
+            <a:r>
+              <a:rPr lang="en-US" dirty="0" smtClean="0"/>
+              <a:t>.</a:t>
+            </a:r>
+          </a:p>
+          <a:p>
+            <a:r>
+              <a:rPr lang="en-US" dirty="0" smtClean="0"/>
+              <a:t>On the other hand, </a:t>
+            </a:r>
+            <a:r>
+              <a:rPr lang="en-US" b="1" dirty="0" smtClean="0"/>
+              <a:t>(a b c) </a:t>
+            </a:r>
+            <a:r>
+              <a:rPr lang="en-US" dirty="0" smtClean="0"/>
+              <a:t>is a Racket expression that denotes the application of the function named </a:t>
+            </a:r>
+            <a:r>
+              <a:rPr lang="en-US" b="1" dirty="0" smtClean="0"/>
+              <a:t>a</a:t>
+            </a:r>
+            <a:r>
+              <a:rPr lang="en-US" dirty="0" smtClean="0"/>
+              <a:t> to the values of the variables </a:t>
+            </a:r>
+            <a:r>
+              <a:rPr lang="en-US" b="1" dirty="0" smtClean="0"/>
+              <a:t>b</a:t>
+            </a:r>
+            <a:r>
+              <a:rPr lang="en-US" dirty="0" smtClean="0"/>
+              <a:t> and </a:t>
+            </a:r>
+            <a:r>
+              <a:rPr lang="en-US" b="1" dirty="0" smtClean="0"/>
+              <a:t>c</a:t>
+            </a:r>
+            <a:r>
+              <a:rPr lang="en-US" dirty="0" smtClean="0"/>
+              <a:t>.</a:t>
+            </a:r>
+          </a:p>
+          <a:p>
+            <a:r>
+              <a:rPr lang="en-US" dirty="0" smtClean="0"/>
+              <a:t>This is all you need to know about symbols and quotation for right now.</a:t>
+            </a:r>
+          </a:p>
+          <a:p>
+            <a:r>
+              <a:rPr lang="en-US" dirty="0" smtClean="0"/>
+              <a:t>There is lots more detail in </a:t>
+            </a:r>
+            <a:r>
+              <a:rPr lang="en-US" dirty="0" err="1" smtClean="0"/>
+              <a:t>HtDP</a:t>
+            </a:r>
+            <a:r>
+              <a:rPr lang="en-US" dirty="0" smtClean="0"/>
+              <a:t>/2e,  in the Intermezzo entitled “Quote, Unquote”.  But that chapter covers way more than you need for this course.</a:t>
+            </a:r>
+            <a:endParaRPr lang="en-US" dirty="0"/>
+          </a:p>
+        </p:txBody>
+      </p:sp>
+      <p:sp>
+        <p:nvSpPr>
+          <p:cNvPr id="4" name="Slide Number Placeholder 3"/>
+          <p:cNvSpPr>
+            <a:spLocks noGrp="1"/>
+          </p:cNvSpPr>
+          <p:nvPr>
+            <p:ph type="sldNum" sz="quarter" idx="12"/>
+          </p:nvPr>
+        </p:nvSpPr>
+        <p:spPr/>
+        <p:txBody>
+          <a:bodyPr/>
+          <a:lstStyle/>
+          <a:p>
+            <a:fld id="{2AF3B5EA-18B6-4040-9F78-6052AF49C681}" type="slidenum">
+              <a:rPr lang="en-US" smtClean="0"/>
+              <a:t>7</a:t>
+            </a:fld>
+            <a:endParaRPr lang="en-US"/>
+          </a:p>
+        </p:txBody>
+      </p:sp>
+    </p:spTree>
+    <p:extLst>
+      <p:ext uri="{BB962C8B-B14F-4D97-AF65-F5344CB8AC3E}">
+        <p14:creationId xmlns:p14="http://schemas.microsoft.com/office/powerpoint/2010/main" val="2933446541"/>
+      </p:ext>
+    </p:extLst>
+  </p:cSld>
+  <p:clrMapOvr>
+    <a:masterClrMapping/>
+  </p:clrMapOvr>
+</p:sld>
+</file>
+
+<file path=ppt/slides/slide8.xml><?xml version="1.0" encoding="utf-8"?>
+<p:sld xmlns:a="http://schemas.openxmlformats.org/drawingml/2006/main" xmlns:r="http://schemas.openxmlformats.org/officeDocument/2006/relationships" xmlns:p="http://schemas.openxmlformats.org/presentationml/2006/main">
+  <p:cSld>
+    <p:spTree>
+      <p:nvGrpSpPr>
+        <p:cNvPr id="1" name=""/>
+        <p:cNvGrpSpPr/>
+        <p:nvPr/>
+      </p:nvGrpSpPr>
+      <p:grpSpPr>
+        <a:xfrm>
+          <a:off x="0" y="0"/>
+          <a:ext cx="0" cy="0"/>
+          <a:chOff x="0" y="0"/>
+          <a:chExt cx="0" cy="0"/>
+        </a:xfrm>
+      </p:grpSpPr>
+      <p:sp>
+        <p:nvSpPr>
+          <p:cNvPr id="2" name="Title 1"/>
+          <p:cNvSpPr>
+            <a:spLocks noGrp="1"/>
+          </p:cNvSpPr>
+          <p:nvPr>
+            <p:ph type="title"/>
+          </p:nvPr>
+        </p:nvSpPr>
+        <p:spPr/>
+        <p:txBody>
+          <a:bodyPr/>
+          <a:lstStyle/>
+          <a:p>
+            <a:r>
+              <a:rPr lang="en-US" dirty="0" smtClean="0"/>
               <a:t>Data Design (2)</a:t>
             </a:r>
             <a:endParaRPr lang="en-US" dirty="0"/>
@@ -8756,13 +9622,75 @@
                 </a:solidFill>
               </a:rPr>
               <a:pPr/>
-              <a:t>6</a:t>
+              <a:t>8</a:t>
             </a:fld>
             <a:endParaRPr lang="en-US">
               <a:solidFill>
                 <a:prstClr val="black">
                   <a:tint val="75000"/>
                 </a:prstClr>
+              </a:solidFill>
+            </a:endParaRPr>
+          </a:p>
+        </p:txBody>
+      </p:sp>
+      <p:sp>
+        <p:nvSpPr>
+          <p:cNvPr id="5" name="Rectangle 4"/>
+          <p:cNvSpPr/>
+          <p:nvPr/>
+        </p:nvSpPr>
+        <p:spPr>
+          <a:xfrm>
+            <a:off x="5562600" y="2209800"/>
+            <a:ext cx="2819400" cy="2209800"/>
+          </a:xfrm>
+          <a:prstGeom prst="rect">
+            <a:avLst/>
+          </a:prstGeom>
+          <a:solidFill>
+            <a:schemeClr val="accent3">
+              <a:lumMod val="40000"/>
+              <a:lumOff val="60000"/>
+            </a:schemeClr>
+          </a:solidFill>
+          <a:ln/>
+        </p:spPr>
+        <p:style>
+          <a:lnRef idx="2">
+            <a:schemeClr val="accent1"/>
+          </a:lnRef>
+          <a:fillRef idx="1">
+            <a:schemeClr val="lt1"/>
+          </a:fillRef>
+          <a:effectRef idx="0">
+            <a:schemeClr val="accent1"/>
+          </a:effectRef>
+          <a:fontRef idx="minor">
+            <a:schemeClr val="dk1"/>
+          </a:fontRef>
+        </p:style>
+        <p:txBody>
+          <a:bodyPr rot="0" spcFirstLastPara="0" vertOverflow="overflow" horzOverflow="overflow" vert="horz" wrap="square" lIns="91440" tIns="45720" rIns="91440" bIns="45720" numCol="1" spcCol="0" rtlCol="0" fromWordArt="0" anchor="ctr" anchorCtr="0" forceAA="0" compatLnSpc="1">
+            <a:prstTxWarp prst="textNoShape">
+              <a:avLst/>
+            </a:prstTxWarp>
+            <a:noAutofit/>
+          </a:bodyPr>
+          <a:lstStyle/>
+          <a:p>
+            <a:pPr algn="ctr"/>
+            <a:r>
+              <a:rPr lang="en-US" dirty="0" smtClean="0">
+                <a:solidFill>
+                  <a:schemeClr val="tx1"/>
+                </a:solidFill>
+              </a:rPr>
+              <a:t>Now that we’ve briefly explained about symbols and quotation, we can give an example of the representation of a Fred-expression.</a:t>
+            </a:r>
+            <a:endParaRPr lang="en-US" dirty="0">
+              <a:solidFill>
+                <a:schemeClr val="tx1"/>
               </a:solidFill>
             </a:endParaRPr>
           </a:p>
@@ -8788,7 +9716,7 @@
 </p:sld>
 </file>
 
-<file path=ppt/slides/slide7.xml><?xml version="1.0" encoding="utf-8"?>
+<file path=ppt/slides/slide9.xml><?xml version="1.0" encoding="utf-8"?>
 <p:sld xmlns:a="http://schemas.openxmlformats.org/drawingml/2006/main" xmlns:r="http://schemas.openxmlformats.org/officeDocument/2006/relationships" xmlns:p="http://schemas.openxmlformats.org/presentationml/2006/main">
   <p:cSld>
     <p:spTree>
@@ -9029,7 +9957,7 @@
                 </a:solidFill>
               </a:rPr>
               <a:pPr/>
-              <a:t>7</a:t>
+              <a:t>9</a:t>
             </a:fld>
             <a:endParaRPr lang="en-US">
               <a:solidFill>
@@ -9147,556 +10075,6 @@
     <p:extLst>
       <p:ext uri="{BB962C8B-B14F-4D97-AF65-F5344CB8AC3E}">
         <p14:creationId xmlns:p14="http://schemas.microsoft.com/office/powerpoint/2010/main" val="2466460268"/>
-      </p:ext>
-    </p:extLst>
-  </p:cSld>
-  <p:clrMapOvr>
-    <a:masterClrMapping/>
-  </p:clrMapOvr>
-  <p:timing>
-    <p:tnLst>
-      <p:par>
-        <p:cTn id="1" dur="indefinite" restart="never" nodeType="tmRoot"/>
-      </p:par>
-    </p:tnLst>
-  </p:timing>
-</p:sld>
-</file>
-
-<file path=ppt/slides/slide8.xml><?xml version="1.0" encoding="utf-8"?>
-<p:sld xmlns:a="http://schemas.openxmlformats.org/drawingml/2006/main" xmlns:r="http://schemas.openxmlformats.org/officeDocument/2006/relationships" xmlns:p="http://schemas.openxmlformats.org/presentationml/2006/main">
-  <p:cSld>
-    <p:spTree>
-      <p:nvGrpSpPr>
-        <p:cNvPr id="1" name=""/>
-        <p:cNvGrpSpPr/>
-        <p:nvPr/>
-      </p:nvGrpSpPr>
-      <p:grpSpPr>
-        <a:xfrm>
-          <a:off x="0" y="0"/>
-          <a:ext cx="0" cy="0"/>
-          <a:chOff x="0" y="0"/>
-          <a:chExt cx="0" cy="0"/>
-        </a:xfrm>
-      </p:grpSpPr>
-      <p:sp>
-        <p:nvSpPr>
-          <p:cNvPr id="2" name="Title 1"/>
-          <p:cNvSpPr>
-            <a:spLocks noGrp="1"/>
-          </p:cNvSpPr>
-          <p:nvPr>
-            <p:ph type="title"/>
-          </p:nvPr>
-        </p:nvSpPr>
-        <p:spPr/>
-        <p:txBody>
-          <a:bodyPr>
-            <a:normAutofit/>
-          </a:bodyPr>
-          <a:lstStyle/>
-          <a:p>
-            <a:r>
-              <a:rPr lang="en-US" dirty="0" smtClean="0"/>
-              <a:t>Contract &amp; purpose statement</a:t>
-            </a:r>
-            <a:endParaRPr lang="en-US" dirty="0"/>
-          </a:p>
-        </p:txBody>
-      </p:sp>
-      <p:sp>
-        <p:nvSpPr>
-          <p:cNvPr id="3" name="Content Placeholder 2"/>
-          <p:cNvSpPr>
-            <a:spLocks noGrp="1"/>
-          </p:cNvSpPr>
-          <p:nvPr>
-            <p:ph idx="1"/>
-          </p:nvPr>
-        </p:nvSpPr>
-        <p:spPr/>
-        <p:txBody>
-          <a:bodyPr>
-            <a:normAutofit/>
-          </a:bodyPr>
-          <a:lstStyle/>
-          <a:p>
-            <a:r>
-              <a:rPr lang="en-US" sz="2400" dirty="0" smtClean="0"/>
-              <a:t>;; free-</a:t>
-            </a:r>
-            <a:r>
-              <a:rPr lang="en-US" sz="2400" dirty="0" err="1" smtClean="0"/>
-              <a:t>vars</a:t>
-            </a:r>
-            <a:r>
-              <a:rPr lang="en-US" sz="2400" dirty="0" smtClean="0"/>
-              <a:t> : </a:t>
-            </a:r>
-            <a:r>
-              <a:rPr lang="en-US" sz="2400" dirty="0" err="1" smtClean="0"/>
-              <a:t>FredExp</a:t>
-            </a:r>
-            <a:r>
-              <a:rPr lang="en-US" sz="2400" dirty="0" smtClean="0"/>
-              <a:t> -&gt; </a:t>
-            </a:r>
-            <a:r>
-              <a:rPr lang="en-US" sz="2400" dirty="0" err="1" smtClean="0"/>
-              <a:t>SetOfSymbol</a:t>
-            </a:r>
-            <a:endParaRPr lang="en-US" sz="2400" dirty="0" smtClean="0"/>
-          </a:p>
-          <a:p>
-            <a:r>
-              <a:rPr lang="en-US" sz="2400" dirty="0" smtClean="0"/>
-              <a:t>;; Produces the set of names that occur free in the given </a:t>
-            </a:r>
-            <a:r>
-              <a:rPr lang="en-US" sz="2400" dirty="0" err="1" smtClean="0"/>
-              <a:t>FredExp</a:t>
-            </a:r>
-            <a:endParaRPr lang="en-US" sz="2400" dirty="0" smtClean="0"/>
-          </a:p>
-          <a:p>
-            <a:r>
-              <a:rPr lang="en-US" sz="2400" dirty="0" smtClean="0"/>
-              <a:t>;; EXAMPLE:</a:t>
-            </a:r>
-          </a:p>
-          <a:p>
-            <a:r>
-              <a:rPr lang="en-US" sz="2400" dirty="0" smtClean="0"/>
-              <a:t>;; (free-</a:t>
-            </a:r>
-            <a:r>
-              <a:rPr lang="en-US" sz="2400" dirty="0" err="1" smtClean="0"/>
-              <a:t>vars</a:t>
-            </a:r>
-            <a:r>
-              <a:rPr lang="en-US" sz="2400" dirty="0" smtClean="0"/>
-              <a:t> (z (lambda (x) (x y)))) = {y, z}</a:t>
-            </a:r>
-          </a:p>
-          <a:p>
-            <a:r>
-              <a:rPr lang="en-US" sz="2400" dirty="0" smtClean="0"/>
-              <a:t>;; strategy: Use template for </a:t>
-            </a:r>
-            <a:r>
-              <a:rPr lang="en-US" sz="2400" dirty="0" err="1" smtClean="0"/>
-              <a:t>FredExp</a:t>
-            </a:r>
-            <a:endParaRPr lang="en-US" sz="2400" dirty="0" smtClean="0"/>
-          </a:p>
-          <a:p>
-            <a:endParaRPr lang="en-US" sz="2400" dirty="0" smtClean="0"/>
-          </a:p>
-          <a:p>
-            <a:r>
-              <a:rPr lang="en-US" b="0" dirty="0" smtClean="0">
-                <a:latin typeface="+mn-lt"/>
-              </a:rPr>
-              <a:t>We will represent sets as lists without duplication, as in sets.rkt.</a:t>
-            </a:r>
-            <a:endParaRPr lang="en-US" b="0" dirty="0">
-              <a:latin typeface="+mn-lt"/>
-            </a:endParaRPr>
-          </a:p>
-        </p:txBody>
-      </p:sp>
-      <p:sp>
-        <p:nvSpPr>
-          <p:cNvPr id="4" name="Slide Number Placeholder 3"/>
-          <p:cNvSpPr>
-            <a:spLocks noGrp="1"/>
-          </p:cNvSpPr>
-          <p:nvPr>
-            <p:ph type="sldNum" sz="quarter" idx="12"/>
-          </p:nvPr>
-        </p:nvSpPr>
-        <p:spPr/>
-        <p:txBody>
-          <a:bodyPr/>
-          <a:lstStyle/>
-          <a:p>
-            <a:fld id="{9F4492BD-6A9C-48FC-AC76-0B4FE11194A1}" type="slidenum">
-              <a:rPr lang="en-US" smtClean="0">
-                <a:solidFill>
-                  <a:prstClr val="black">
-                    <a:tint val="75000"/>
-                  </a:prstClr>
-                </a:solidFill>
-              </a:rPr>
-              <a:pPr/>
-              <a:t>8</a:t>
-            </a:fld>
-            <a:endParaRPr lang="en-US">
-              <a:solidFill>
-                <a:prstClr val="black">
-                  <a:tint val="75000"/>
-                </a:prstClr>
-              </a:solidFill>
-            </a:endParaRPr>
-          </a:p>
-        </p:txBody>
-      </p:sp>
-    </p:spTree>
-    <p:extLst>
-      <p:ext uri="{BB962C8B-B14F-4D97-AF65-F5344CB8AC3E}">
-        <p14:creationId xmlns:p14="http://schemas.microsoft.com/office/powerpoint/2010/main" val="4258390618"/>
-      </p:ext>
-    </p:extLst>
-  </p:cSld>
-  <p:clrMapOvr>
-    <a:masterClrMapping/>
-  </p:clrMapOvr>
-  <p:timing>
-    <p:tnLst>
-      <p:par>
-        <p:cTn id="1" dur="indefinite" restart="never" nodeType="tmRoot"/>
-      </p:par>
-    </p:tnLst>
-  </p:timing>
-</p:sld>
-</file>
-
-<file path=ppt/slides/slide9.xml><?xml version="1.0" encoding="utf-8"?>
-<p:sld xmlns:a="http://schemas.openxmlformats.org/drawingml/2006/main" xmlns:r="http://schemas.openxmlformats.org/officeDocument/2006/relationships" xmlns:p="http://schemas.openxmlformats.org/presentationml/2006/main">
-  <p:cSld>
-    <p:spTree>
-      <p:nvGrpSpPr>
-        <p:cNvPr id="1" name=""/>
-        <p:cNvGrpSpPr/>
-        <p:nvPr/>
-      </p:nvGrpSpPr>
-      <p:grpSpPr>
-        <a:xfrm>
-          <a:off x="0" y="0"/>
-          <a:ext cx="0" cy="0"/>
-          <a:chOff x="0" y="0"/>
-          <a:chExt cx="0" cy="0"/>
-        </a:xfrm>
-      </p:grpSpPr>
-      <p:sp>
-        <p:nvSpPr>
-          <p:cNvPr id="6" name="Title 5"/>
-          <p:cNvSpPr>
-            <a:spLocks noGrp="1"/>
-          </p:cNvSpPr>
-          <p:nvPr>
-            <p:ph type="title"/>
-          </p:nvPr>
-        </p:nvSpPr>
-        <p:spPr/>
-        <p:txBody>
-          <a:bodyPr/>
-          <a:lstStyle/>
-          <a:p>
-            <a:r>
-              <a:rPr lang="en-US" dirty="0" smtClean="0"/>
-              <a:t>Here's the template again</a:t>
-            </a:r>
-            <a:endParaRPr lang="en-US" dirty="0"/>
-          </a:p>
-        </p:txBody>
-      </p:sp>
-      <p:sp>
-        <p:nvSpPr>
-          <p:cNvPr id="7" name="Content Placeholder 6"/>
-          <p:cNvSpPr>
-            <a:spLocks noGrp="1"/>
-          </p:cNvSpPr>
-          <p:nvPr>
-            <p:ph idx="1"/>
-          </p:nvPr>
-        </p:nvSpPr>
-        <p:spPr/>
-        <p:txBody>
-          <a:bodyPr>
-            <a:normAutofit fontScale="77500" lnSpcReduction="20000"/>
-          </a:bodyPr>
-          <a:lstStyle/>
-          <a:p>
-            <a:r>
-              <a:rPr lang="en-US" dirty="0"/>
-              <a:t>;; </a:t>
-            </a:r>
-            <a:r>
-              <a:rPr lang="en-US" dirty="0" err="1"/>
-              <a:t>fredexp-fn</a:t>
-            </a:r>
-            <a:r>
-              <a:rPr lang="en-US" dirty="0"/>
-              <a:t> : </a:t>
-            </a:r>
-            <a:r>
-              <a:rPr lang="en-US" dirty="0" err="1"/>
-              <a:t>FredExp</a:t>
-            </a:r>
-            <a:r>
-              <a:rPr lang="en-US" dirty="0"/>
-              <a:t> -&gt; ?</a:t>
-            </a:r>
-          </a:p>
-          <a:p>
-            <a:r>
-              <a:rPr lang="en-US" dirty="0"/>
-              <a:t>#;</a:t>
-            </a:r>
-          </a:p>
-          <a:p>
-            <a:r>
-              <a:rPr lang="en-US" dirty="0"/>
-              <a:t>(define (</a:t>
-            </a:r>
-            <a:r>
-              <a:rPr lang="en-US" dirty="0" err="1"/>
-              <a:t>fredexp-fn</a:t>
-            </a:r>
-            <a:r>
-              <a:rPr lang="en-US" dirty="0"/>
-              <a:t> f)</a:t>
-            </a:r>
-          </a:p>
-          <a:p>
-            <a:r>
-              <a:rPr lang="en-US" dirty="0"/>
-              <a:t>  (</a:t>
-            </a:r>
-            <a:r>
-              <a:rPr lang="en-US" dirty="0" err="1"/>
-              <a:t>cond</a:t>
-            </a:r>
-            <a:endParaRPr lang="en-US" dirty="0"/>
-          </a:p>
-          <a:p>
-            <a:r>
-              <a:rPr lang="en-US" dirty="0"/>
-              <a:t>    [(</a:t>
-            </a:r>
-            <a:r>
-              <a:rPr lang="en-US" dirty="0" err="1"/>
-              <a:t>var</a:t>
-            </a:r>
-            <a:r>
-              <a:rPr lang="en-US" dirty="0"/>
-              <a:t>? f) (... (</a:t>
-            </a:r>
-            <a:r>
-              <a:rPr lang="en-US" dirty="0" err="1"/>
-              <a:t>var</a:t>
-            </a:r>
-            <a:r>
-              <a:rPr lang="en-US" dirty="0"/>
-              <a:t>-name f))]</a:t>
-            </a:r>
-          </a:p>
-          <a:p>
-            <a:r>
-              <a:rPr lang="en-US" dirty="0"/>
-              <a:t>    [(lam? f) (...</a:t>
-            </a:r>
-          </a:p>
-          <a:p>
-            <a:r>
-              <a:rPr lang="en-US" dirty="0"/>
-              <a:t>                (lam-</a:t>
-            </a:r>
-            <a:r>
-              <a:rPr lang="en-US" dirty="0" err="1"/>
-              <a:t>var</a:t>
-            </a:r>
-            <a:r>
-              <a:rPr lang="en-US" dirty="0"/>
-              <a:t> f)</a:t>
-            </a:r>
-          </a:p>
-          <a:p>
-            <a:r>
-              <a:rPr lang="en-US" dirty="0"/>
-              <a:t>                (</a:t>
-            </a:r>
-            <a:r>
-              <a:rPr lang="en-US" dirty="0" err="1"/>
-              <a:t>fredexp-fn</a:t>
-            </a:r>
-            <a:r>
-              <a:rPr lang="en-US" dirty="0"/>
-              <a:t> (lam-body f)))]</a:t>
-            </a:r>
-          </a:p>
-          <a:p>
-            <a:r>
-              <a:rPr lang="en-US" dirty="0"/>
-              <a:t>    [(app? f) (...</a:t>
-            </a:r>
-          </a:p>
-          <a:p>
-            <a:r>
-              <a:rPr lang="en-US" dirty="0"/>
-              <a:t>                (</a:t>
-            </a:r>
-            <a:r>
-              <a:rPr lang="en-US" dirty="0" err="1"/>
-              <a:t>fredexp-fn</a:t>
-            </a:r>
-            <a:r>
-              <a:rPr lang="en-US" dirty="0"/>
-              <a:t> (app-</a:t>
-            </a:r>
-            <a:r>
-              <a:rPr lang="en-US" dirty="0" err="1"/>
-              <a:t>fn</a:t>
-            </a:r>
-            <a:r>
-              <a:rPr lang="en-US" dirty="0"/>
-              <a:t> f))</a:t>
-            </a:r>
-          </a:p>
-          <a:p>
-            <a:r>
-              <a:rPr lang="en-US" dirty="0"/>
-              <a:t>                (</a:t>
-            </a:r>
-            <a:r>
-              <a:rPr lang="en-US" dirty="0" err="1"/>
-              <a:t>fredexp-fn</a:t>
-            </a:r>
-            <a:r>
-              <a:rPr lang="en-US" dirty="0"/>
-              <a:t> (app-</a:t>
-            </a:r>
-            <a:r>
-              <a:rPr lang="en-US" dirty="0" err="1"/>
-              <a:t>arg</a:t>
-            </a:r>
-            <a:r>
-              <a:rPr lang="en-US" dirty="0"/>
-              <a:t> f)))]))</a:t>
-            </a:r>
-          </a:p>
-        </p:txBody>
-      </p:sp>
-      <p:sp>
-        <p:nvSpPr>
-          <p:cNvPr id="3" name="Slide Number Placeholder 2"/>
-          <p:cNvSpPr>
-            <a:spLocks noGrp="1"/>
-          </p:cNvSpPr>
-          <p:nvPr>
-            <p:ph type="sldNum" sz="quarter" idx="12"/>
-          </p:nvPr>
-        </p:nvSpPr>
-        <p:spPr/>
-        <p:txBody>
-          <a:bodyPr/>
-          <a:lstStyle/>
-          <a:p>
-            <a:fld id="{9F4492BD-6A9C-48FC-AC76-0B4FE11194A1}" type="slidenum">
-              <a:rPr lang="en-US" smtClean="0">
-                <a:solidFill>
-                  <a:prstClr val="black">
-                    <a:tint val="75000"/>
-                  </a:prstClr>
-                </a:solidFill>
-              </a:rPr>
-              <a:pPr/>
-              <a:t>9</a:t>
-            </a:fld>
-            <a:endParaRPr lang="en-US">
-              <a:solidFill>
-                <a:prstClr val="black">
-                  <a:tint val="75000"/>
-                </a:prstClr>
-              </a:solidFill>
-            </a:endParaRPr>
-          </a:p>
-        </p:txBody>
-      </p:sp>
-      <p:sp>
-        <p:nvSpPr>
-          <p:cNvPr id="5" name="Rectangle 4"/>
-          <p:cNvSpPr/>
-          <p:nvPr/>
-        </p:nvSpPr>
-        <p:spPr>
-          <a:xfrm>
-            <a:off x="6553200" y="2133600"/>
-            <a:ext cx="2362200" cy="1601787"/>
-          </a:xfrm>
-          <a:prstGeom prst="rect">
-            <a:avLst/>
-          </a:prstGeom>
-          <a:solidFill>
-            <a:schemeClr val="accent3">
-              <a:lumMod val="40000"/>
-              <a:lumOff val="60000"/>
-            </a:schemeClr>
-          </a:solidFill>
-          <a:ln/>
-        </p:spPr>
-        <p:style>
-          <a:lnRef idx="2">
-            <a:schemeClr val="accent1"/>
-          </a:lnRef>
-          <a:fillRef idx="1">
-            <a:schemeClr val="lt1"/>
-          </a:fillRef>
-          <a:effectRef idx="0">
-            <a:schemeClr val="accent1"/>
-          </a:effectRef>
-          <a:fontRef idx="minor">
-            <a:schemeClr val="dk1"/>
-          </a:fontRef>
-        </p:style>
-        <p:txBody>
-          <a:bodyPr rot="0" spcFirstLastPara="0" vertOverflow="overflow" horzOverflow="overflow" vert="horz" wrap="square" lIns="91440" tIns="45720" rIns="91440" bIns="45720" numCol="1" spcCol="0" rtlCol="0" fromWordArt="0" anchor="ctr" anchorCtr="0" forceAA="0" compatLnSpc="1">
-            <a:prstTxWarp prst="textNoShape">
-              <a:avLst/>
-            </a:prstTxWarp>
-            <a:noAutofit/>
-          </a:bodyPr>
-          <a:lstStyle/>
-          <a:p>
-            <a:pPr algn="ctr"/>
-            <a:r>
-              <a:rPr lang="en-US" sz="2400" dirty="0" smtClean="0">
-                <a:solidFill>
-                  <a:schemeClr val="tx1"/>
-                </a:solidFill>
-              </a:rPr>
-              <a:t>What </a:t>
-            </a:r>
-            <a:r>
-              <a:rPr lang="en-US" sz="2400" dirty="0" smtClean="0">
-                <a:solidFill>
-                  <a:schemeClr val="tx1"/>
-                </a:solidFill>
-              </a:rPr>
-              <a:t>happens as </a:t>
-            </a:r>
-            <a:r>
-              <a:rPr lang="en-US" sz="2400" dirty="0" smtClean="0">
-                <a:solidFill>
-                  <a:schemeClr val="tx1"/>
-                </a:solidFill>
-              </a:rPr>
-              <a:t>we descend into the structure?</a:t>
-            </a:r>
-            <a:endParaRPr lang="en-US" sz="2400" dirty="0">
-              <a:solidFill>
-                <a:schemeClr val="tx1"/>
-              </a:solidFill>
-            </a:endParaRPr>
-          </a:p>
-        </p:txBody>
-      </p:sp>
-    </p:spTree>
-    <p:extLst>
-      <p:ext uri="{BB962C8B-B14F-4D97-AF65-F5344CB8AC3E}">
-        <p14:creationId xmlns:p14="http://schemas.microsoft.com/office/powerpoint/2010/main" val="3696768219"/>
       </p:ext>
     </p:extLst>
   </p:cSld>
